--- a/Fintech.pptx
+++ b/Fintech.pptx
@@ -5,14 +5,17 @@
     <p:sldMasterId id="2147483684" r:id="rId1"/>
   </p:sldMasterIdLst>
   <p:notesMasterIdLst>
-    <p:notesMasterId r:id="rId4"/>
+    <p:notesMasterId r:id="rId7"/>
   </p:notesMasterIdLst>
   <p:handoutMasterIdLst>
-    <p:handoutMasterId r:id="rId5"/>
+    <p:handoutMasterId r:id="rId8"/>
   </p:handoutMasterIdLst>
   <p:sldIdLst>
     <p:sldId id="257" r:id="rId2"/>
     <p:sldId id="287" r:id="rId3"/>
+    <p:sldId id="289" r:id="rId4"/>
+    <p:sldId id="290" r:id="rId5"/>
+    <p:sldId id="291" r:id="rId6"/>
   </p:sldIdLst>
   <p:sldSz cx="9144000" cy="6858000" type="screen4x3"/>
   <p:notesSz cx="6858000" cy="9144000"/>
@@ -2772,6 +2775,63 @@
       </p:grpSpPr>
       <p:sp>
         <p:nvSpPr>
+          <p:cNvPr id="94" name="Rectangle 3">
+            <a:extLst>
+              <a:ext uri="{FF2B5EF4-FFF2-40B4-BE49-F238E27FC236}">
+                <a16:creationId xmlns:a16="http://schemas.microsoft.com/office/drawing/2014/main" id="{939374B4-00BF-41D3-A166-BA96FC1AB7E3}"/>
+              </a:ext>
+            </a:extLst>
+          </p:cNvPr>
+          <p:cNvSpPr/>
+          <p:nvPr/>
+        </p:nvSpPr>
+        <p:spPr>
+          <a:xfrm>
+            <a:off x="4917168" y="3003809"/>
+            <a:ext cx="108000" cy="1730121"/>
+          </a:xfrm>
+          <a:prstGeom prst="rect">
+            <a:avLst/>
+          </a:prstGeom>
+          <a:solidFill>
+            <a:srgbClr val="409889"/>
+          </a:solidFill>
+          <a:ln>
+            <a:noFill/>
+          </a:ln>
+        </p:spPr>
+        <p:style>
+          <a:lnRef idx="2">
+            <a:schemeClr val="accent1">
+              <a:shade val="50000"/>
+            </a:schemeClr>
+          </a:lnRef>
+          <a:fillRef idx="1">
+            <a:schemeClr val="accent1"/>
+          </a:fillRef>
+          <a:effectRef idx="0">
+            <a:schemeClr val="accent1"/>
+          </a:effectRef>
+          <a:fontRef idx="minor">
+            <a:schemeClr val="lt1"/>
+          </a:fontRef>
+        </p:style>
+        <p:txBody>
+          <a:bodyPr rot="0" spcFirstLastPara="0" vertOverflow="overflow" horzOverflow="overflow" vert="horz" wrap="square" lIns="91440" tIns="45720" rIns="91440" bIns="45720" numCol="1" spcCol="0" rtlCol="0" fromWordArt="0" anchor="ctr" anchorCtr="0" forceAA="0" compatLnSpc="1">
+            <a:prstTxWarp prst="textNoShape">
+              <a:avLst/>
+            </a:prstTxWarp>
+            <a:noAutofit/>
+          </a:bodyPr>
+          <a:lstStyle/>
+          <a:p>
+            <a:pPr algn="ctr"/>
+            <a:endParaRPr lang="ko-KR" altLang="en-US" sz="2700"/>
+          </a:p>
+        </p:txBody>
+      </p:sp>
+      <p:sp>
+        <p:nvSpPr>
           <p:cNvPr id="2" name="標題 1">
             <a:extLst>
               <a:ext uri="{FF2B5EF4-FFF2-40B4-BE49-F238E27FC236}">
@@ -2791,32 +2851,10 @@
           <a:bodyPr/>
           <a:lstStyle/>
           <a:p>
-            <a:endParaRPr kumimoji="1" lang="zh-TW" altLang="en-US"/>
-          </a:p>
-        </p:txBody>
-      </p:sp>
-      <p:sp>
-        <p:nvSpPr>
-          <p:cNvPr id="3" name="內容版面配置區 2">
-            <a:extLst>
-              <a:ext uri="{FF2B5EF4-FFF2-40B4-BE49-F238E27FC236}">
-                <a16:creationId xmlns:a16="http://schemas.microsoft.com/office/drawing/2014/main" id="{1E888A07-5239-674E-A79D-E345D9BFD589}"/>
-              </a:ext>
-            </a:extLst>
-          </p:cNvPr>
-          <p:cNvSpPr>
-            <a:spLocks noGrp="1"/>
-          </p:cNvSpPr>
-          <p:nvPr>
-            <p:ph idx="1"/>
-          </p:nvPr>
-        </p:nvSpPr>
-        <p:spPr/>
-        <p:txBody>
-          <a:bodyPr/>
-          <a:lstStyle/>
-          <a:p>
-            <a:endParaRPr kumimoji="1" lang="zh-TW" altLang="en-US" dirty="0"/>
+            <a:r>
+              <a:rPr kumimoji="1" lang="zh-TW" altLang="en-US" dirty="0"/>
+              <a:t>問題描述</a:t>
+            </a:r>
           </a:p>
         </p:txBody>
       </p:sp>
@@ -2865,7 +2903,12 @@
             <p:ph type="sldNum" sz="quarter" idx="12"/>
           </p:nvPr>
         </p:nvSpPr>
-        <p:spPr/>
+        <p:spPr>
+          <a:xfrm>
+            <a:off x="4933950" y="6087726"/>
+            <a:ext cx="2057400" cy="365125"/>
+          </a:xfrm>
+        </p:spPr>
         <p:txBody>
           <a:bodyPr/>
           <a:lstStyle/>
@@ -2879,10 +2922,3367 @@
           </a:p>
         </p:txBody>
       </p:sp>
+      <p:sp>
+        <p:nvSpPr>
+          <p:cNvPr id="34" name="Rectangle 2">
+            <a:extLst>
+              <a:ext uri="{FF2B5EF4-FFF2-40B4-BE49-F238E27FC236}">
+                <a16:creationId xmlns:a16="http://schemas.microsoft.com/office/drawing/2014/main" id="{5D774B52-56D1-4D99-A7B1-8FB396E2110A}"/>
+              </a:ext>
+            </a:extLst>
+          </p:cNvPr>
+          <p:cNvSpPr/>
+          <p:nvPr/>
+        </p:nvSpPr>
+        <p:spPr>
+          <a:xfrm>
+            <a:off x="4511783" y="2521208"/>
+            <a:ext cx="108000" cy="2054795"/>
+          </a:xfrm>
+          <a:prstGeom prst="rect">
+            <a:avLst/>
+          </a:prstGeom>
+          <a:solidFill>
+            <a:srgbClr val="A3D5CB"/>
+          </a:solidFill>
+          <a:ln>
+            <a:noFill/>
+          </a:ln>
+        </p:spPr>
+        <p:style>
+          <a:lnRef idx="2">
+            <a:schemeClr val="accent1">
+              <a:shade val="50000"/>
+            </a:schemeClr>
+          </a:lnRef>
+          <a:fillRef idx="1">
+            <a:schemeClr val="accent1"/>
+          </a:fillRef>
+          <a:effectRef idx="0">
+            <a:schemeClr val="accent1"/>
+          </a:effectRef>
+          <a:fontRef idx="minor">
+            <a:schemeClr val="lt1"/>
+          </a:fontRef>
+        </p:style>
+        <p:txBody>
+          <a:bodyPr rot="0" spcFirstLastPara="0" vertOverflow="overflow" horzOverflow="overflow" vert="horz" wrap="square" lIns="91440" tIns="45720" rIns="91440" bIns="45720" numCol="1" spcCol="0" rtlCol="0" fromWordArt="0" anchor="ctr" anchorCtr="0" forceAA="0" compatLnSpc="1">
+            <a:prstTxWarp prst="textNoShape">
+              <a:avLst/>
+            </a:prstTxWarp>
+            <a:noAutofit/>
+          </a:bodyPr>
+          <a:lstStyle/>
+          <a:p>
+            <a:pPr algn="ctr"/>
+            <a:endParaRPr lang="ko-KR" altLang="en-US" sz="2700"/>
+          </a:p>
+        </p:txBody>
+      </p:sp>
+      <p:sp>
+        <p:nvSpPr>
+          <p:cNvPr id="35" name="Rectangle 3">
+            <a:extLst>
+              <a:ext uri="{FF2B5EF4-FFF2-40B4-BE49-F238E27FC236}">
+                <a16:creationId xmlns:a16="http://schemas.microsoft.com/office/drawing/2014/main" id="{27A93ECB-056B-4FE0-AB59-8CC3A7643428}"/>
+              </a:ext>
+            </a:extLst>
+          </p:cNvPr>
+          <p:cNvSpPr/>
+          <p:nvPr/>
+        </p:nvSpPr>
+        <p:spPr>
+          <a:xfrm>
+            <a:off x="4106398" y="2845882"/>
+            <a:ext cx="108000" cy="1730121"/>
+          </a:xfrm>
+          <a:prstGeom prst="rect">
+            <a:avLst/>
+          </a:prstGeom>
+          <a:solidFill>
+            <a:srgbClr val="409889"/>
+          </a:solidFill>
+          <a:ln>
+            <a:noFill/>
+          </a:ln>
+        </p:spPr>
+        <p:style>
+          <a:lnRef idx="2">
+            <a:schemeClr val="accent1">
+              <a:shade val="50000"/>
+            </a:schemeClr>
+          </a:lnRef>
+          <a:fillRef idx="1">
+            <a:schemeClr val="accent1"/>
+          </a:fillRef>
+          <a:effectRef idx="0">
+            <a:schemeClr val="accent1"/>
+          </a:effectRef>
+          <a:fontRef idx="minor">
+            <a:schemeClr val="lt1"/>
+          </a:fontRef>
+        </p:style>
+        <p:txBody>
+          <a:bodyPr rot="0" spcFirstLastPara="0" vertOverflow="overflow" horzOverflow="overflow" vert="horz" wrap="square" lIns="91440" tIns="45720" rIns="91440" bIns="45720" numCol="1" spcCol="0" rtlCol="0" fromWordArt="0" anchor="ctr" anchorCtr="0" forceAA="0" compatLnSpc="1">
+            <a:prstTxWarp prst="textNoShape">
+              <a:avLst/>
+            </a:prstTxWarp>
+            <a:noAutofit/>
+          </a:bodyPr>
+          <a:lstStyle/>
+          <a:p>
+            <a:pPr algn="ctr"/>
+            <a:endParaRPr lang="ko-KR" altLang="en-US" sz="2700"/>
+          </a:p>
+        </p:txBody>
+      </p:sp>
+      <p:sp>
+        <p:nvSpPr>
+          <p:cNvPr id="39" name="Freeform 18">
+            <a:extLst>
+              <a:ext uri="{FF2B5EF4-FFF2-40B4-BE49-F238E27FC236}">
+                <a16:creationId xmlns:a16="http://schemas.microsoft.com/office/drawing/2014/main" id="{B476AA9F-42D1-4CD5-960F-40BEB69C4ADB}"/>
+              </a:ext>
+            </a:extLst>
+          </p:cNvPr>
+          <p:cNvSpPr>
+            <a:spLocks/>
+          </p:cNvSpPr>
+          <p:nvPr/>
+        </p:nvSpPr>
+        <p:spPr bwMode="auto">
+          <a:xfrm flipH="1">
+            <a:off x="3544173" y="4387747"/>
+            <a:ext cx="2304256" cy="1690935"/>
+          </a:xfrm>
+          <a:custGeom>
+            <a:avLst/>
+            <a:gdLst/>
+            <a:ahLst/>
+            <a:cxnLst/>
+            <a:rect l="l" t="t" r="r" b="b"/>
+            <a:pathLst>
+              <a:path w="2304256" h="1690935">
+                <a:moveTo>
+                  <a:pt x="2302739" y="0"/>
+                </a:moveTo>
+                <a:lnTo>
+                  <a:pt x="270214" y="0"/>
+                </a:lnTo>
+                <a:lnTo>
+                  <a:pt x="270214" y="25876"/>
+                </a:lnTo>
+                <a:lnTo>
+                  <a:pt x="266297" y="60666"/>
+                </a:lnTo>
+                <a:lnTo>
+                  <a:pt x="254549" y="96265"/>
+                </a:lnTo>
+                <a:lnTo>
+                  <a:pt x="233402" y="139146"/>
+                </a:lnTo>
+                <a:lnTo>
+                  <a:pt x="207556" y="178790"/>
+                </a:lnTo>
+                <a:lnTo>
+                  <a:pt x="179359" y="213579"/>
+                </a:lnTo>
+                <a:lnTo>
+                  <a:pt x="149597" y="249179"/>
+                </a:lnTo>
+                <a:lnTo>
+                  <a:pt x="118268" y="281542"/>
+                </a:lnTo>
+                <a:lnTo>
+                  <a:pt x="86938" y="313904"/>
+                </a:lnTo>
+                <a:lnTo>
+                  <a:pt x="57176" y="349503"/>
+                </a:lnTo>
+                <a:lnTo>
+                  <a:pt x="46994" y="359212"/>
+                </a:lnTo>
+                <a:lnTo>
+                  <a:pt x="34462" y="371348"/>
+                </a:lnTo>
+                <a:lnTo>
+                  <a:pt x="21148" y="385911"/>
+                </a:lnTo>
+                <a:lnTo>
+                  <a:pt x="10182" y="400475"/>
+                </a:lnTo>
+                <a:lnTo>
+                  <a:pt x="3134" y="418274"/>
+                </a:lnTo>
+                <a:lnTo>
+                  <a:pt x="0" y="437691"/>
+                </a:lnTo>
+                <a:lnTo>
+                  <a:pt x="3916" y="457918"/>
+                </a:lnTo>
+                <a:lnTo>
+                  <a:pt x="14099" y="477336"/>
+                </a:lnTo>
+                <a:lnTo>
+                  <a:pt x="31329" y="493517"/>
+                </a:lnTo>
+                <a:lnTo>
+                  <a:pt x="50910" y="504844"/>
+                </a:lnTo>
+                <a:lnTo>
+                  <a:pt x="75190" y="515362"/>
+                </a:lnTo>
+                <a:lnTo>
+                  <a:pt x="101037" y="524261"/>
+                </a:lnTo>
+                <a:lnTo>
+                  <a:pt x="126883" y="533162"/>
+                </a:lnTo>
+                <a:lnTo>
+                  <a:pt x="151947" y="542060"/>
+                </a:lnTo>
+                <a:lnTo>
+                  <a:pt x="176227" y="552579"/>
+                </a:lnTo>
+                <a:lnTo>
+                  <a:pt x="198157" y="563906"/>
+                </a:lnTo>
+                <a:lnTo>
+                  <a:pt x="213822" y="578469"/>
+                </a:lnTo>
+                <a:lnTo>
+                  <a:pt x="209123" y="597886"/>
+                </a:lnTo>
+                <a:lnTo>
+                  <a:pt x="200507" y="615686"/>
+                </a:lnTo>
+                <a:lnTo>
+                  <a:pt x="191891" y="634295"/>
+                </a:lnTo>
+                <a:lnTo>
+                  <a:pt x="182493" y="652094"/>
+                </a:lnTo>
+                <a:lnTo>
+                  <a:pt x="173877" y="669893"/>
+                </a:lnTo>
+                <a:lnTo>
+                  <a:pt x="167611" y="687693"/>
+                </a:lnTo>
+                <a:lnTo>
+                  <a:pt x="165262" y="703874"/>
+                </a:lnTo>
+                <a:lnTo>
+                  <a:pt x="166828" y="721673"/>
+                </a:lnTo>
+                <a:lnTo>
+                  <a:pt x="175443" y="737855"/>
+                </a:lnTo>
+                <a:lnTo>
+                  <a:pt x="191108" y="754036"/>
+                </a:lnTo>
+                <a:lnTo>
+                  <a:pt x="213822" y="770218"/>
+                </a:lnTo>
+                <a:lnTo>
+                  <a:pt x="209123" y="783163"/>
+                </a:lnTo>
+                <a:lnTo>
+                  <a:pt x="202073" y="796108"/>
+                </a:lnTo>
+                <a:lnTo>
+                  <a:pt x="196591" y="811480"/>
+                </a:lnTo>
+                <a:lnTo>
+                  <a:pt x="195024" y="827661"/>
+                </a:lnTo>
+                <a:lnTo>
+                  <a:pt x="198157" y="843843"/>
+                </a:lnTo>
+                <a:lnTo>
+                  <a:pt x="206773" y="858406"/>
+                </a:lnTo>
+                <a:lnTo>
+                  <a:pt x="217738" y="869733"/>
+                </a:lnTo>
+                <a:lnTo>
+                  <a:pt x="231836" y="880250"/>
+                </a:lnTo>
+                <a:lnTo>
+                  <a:pt x="245934" y="887532"/>
+                </a:lnTo>
+                <a:lnTo>
+                  <a:pt x="259249" y="896432"/>
+                </a:lnTo>
+                <a:lnTo>
+                  <a:pt x="271781" y="908568"/>
+                </a:lnTo>
+                <a:lnTo>
+                  <a:pt x="278829" y="921513"/>
+                </a:lnTo>
+                <a:lnTo>
+                  <a:pt x="285878" y="944976"/>
+                </a:lnTo>
+                <a:lnTo>
+                  <a:pt x="285878" y="971675"/>
+                </a:lnTo>
+                <a:lnTo>
+                  <a:pt x="283529" y="996756"/>
+                </a:lnTo>
+                <a:lnTo>
+                  <a:pt x="277263" y="1022646"/>
+                </a:lnTo>
+                <a:lnTo>
+                  <a:pt x="271781" y="1047727"/>
+                </a:lnTo>
+                <a:lnTo>
+                  <a:pt x="267865" y="1070381"/>
+                </a:lnTo>
+                <a:lnTo>
+                  <a:pt x="264732" y="1102744"/>
+                </a:lnTo>
+                <a:lnTo>
+                  <a:pt x="267865" y="1131870"/>
+                </a:lnTo>
+                <a:lnTo>
+                  <a:pt x="276480" y="1158569"/>
+                </a:lnTo>
+                <a:lnTo>
+                  <a:pt x="287445" y="1182033"/>
+                </a:lnTo>
+                <a:lnTo>
+                  <a:pt x="303109" y="1200640"/>
+                </a:lnTo>
+                <a:lnTo>
+                  <a:pt x="323474" y="1218440"/>
+                </a:lnTo>
+                <a:lnTo>
+                  <a:pt x="343054" y="1233004"/>
+                </a:lnTo>
+                <a:lnTo>
+                  <a:pt x="365767" y="1245140"/>
+                </a:lnTo>
+                <a:lnTo>
+                  <a:pt x="388482" y="1255658"/>
+                </a:lnTo>
+                <a:lnTo>
+                  <a:pt x="411195" y="1261321"/>
+                </a:lnTo>
+                <a:lnTo>
+                  <a:pt x="452706" y="1268603"/>
+                </a:lnTo>
+                <a:lnTo>
+                  <a:pt x="496567" y="1271839"/>
+                </a:lnTo>
+                <a:lnTo>
+                  <a:pt x="542777" y="1270221"/>
+                </a:lnTo>
+                <a:lnTo>
+                  <a:pt x="588205" y="1265367"/>
+                </a:lnTo>
+                <a:lnTo>
+                  <a:pt x="633632" y="1259702"/>
+                </a:lnTo>
+                <a:lnTo>
+                  <a:pt x="676710" y="1250803"/>
+                </a:lnTo>
+                <a:lnTo>
+                  <a:pt x="715087" y="1240286"/>
+                </a:lnTo>
+                <a:lnTo>
+                  <a:pt x="748766" y="1228958"/>
+                </a:lnTo>
+                <a:lnTo>
+                  <a:pt x="762864" y="1224104"/>
+                </a:lnTo>
+                <a:lnTo>
+                  <a:pt x="781662" y="1218440"/>
+                </a:lnTo>
+                <a:lnTo>
+                  <a:pt x="802025" y="1212777"/>
+                </a:lnTo>
+                <a:lnTo>
+                  <a:pt x="823173" y="1207113"/>
+                </a:lnTo>
+                <a:lnTo>
+                  <a:pt x="845886" y="1203877"/>
+                </a:lnTo>
+                <a:lnTo>
+                  <a:pt x="868600" y="1202259"/>
+                </a:lnTo>
+                <a:lnTo>
+                  <a:pt x="888180" y="1205495"/>
+                </a:lnTo>
+                <a:lnTo>
+                  <a:pt x="905412" y="1212777"/>
+                </a:lnTo>
+                <a:lnTo>
+                  <a:pt x="921076" y="1227340"/>
+                </a:lnTo>
+                <a:lnTo>
+                  <a:pt x="935175" y="1250803"/>
+                </a:lnTo>
+                <a:lnTo>
+                  <a:pt x="948489" y="1280738"/>
+                </a:lnTo>
+                <a:lnTo>
+                  <a:pt x="961021" y="1315528"/>
+                </a:lnTo>
+                <a:lnTo>
+                  <a:pt x="971203" y="1355173"/>
+                </a:lnTo>
+                <a:lnTo>
+                  <a:pt x="981385" y="1396435"/>
+                </a:lnTo>
+                <a:lnTo>
+                  <a:pt x="990000" y="1439316"/>
+                </a:lnTo>
+                <a:lnTo>
+                  <a:pt x="997832" y="1483005"/>
+                </a:lnTo>
+                <a:lnTo>
+                  <a:pt x="1005665" y="1525886"/>
+                </a:lnTo>
+                <a:lnTo>
+                  <a:pt x="1011148" y="1565530"/>
+                </a:lnTo>
+                <a:lnTo>
+                  <a:pt x="1018196" y="1602747"/>
+                </a:lnTo>
+                <a:lnTo>
+                  <a:pt x="1023680" y="1633491"/>
+                </a:lnTo>
+                <a:lnTo>
+                  <a:pt x="1028379" y="1660191"/>
+                </a:lnTo>
+                <a:lnTo>
+                  <a:pt x="1134898" y="1678799"/>
+                </a:lnTo>
+                <a:lnTo>
+                  <a:pt x="1242983" y="1689317"/>
+                </a:lnTo>
+                <a:lnTo>
+                  <a:pt x="1354201" y="1690935"/>
+                </a:lnTo>
+                <a:lnTo>
+                  <a:pt x="1467769" y="1685272"/>
+                </a:lnTo>
+                <a:lnTo>
+                  <a:pt x="1585253" y="1669090"/>
+                </a:lnTo>
+                <a:lnTo>
+                  <a:pt x="1705871" y="1646436"/>
+                </a:lnTo>
+                <a:lnTo>
+                  <a:pt x="1829621" y="1615692"/>
+                </a:lnTo>
+                <a:lnTo>
+                  <a:pt x="1959636" y="1577666"/>
+                </a:lnTo>
+                <a:lnTo>
+                  <a:pt x="2093568" y="1533168"/>
+                </a:lnTo>
+                <a:lnTo>
+                  <a:pt x="2078686" y="1496759"/>
+                </a:lnTo>
+                <a:lnTo>
+                  <a:pt x="2064589" y="1455497"/>
+                </a:lnTo>
+                <a:lnTo>
+                  <a:pt x="2052057" y="1410189"/>
+                </a:lnTo>
+                <a:lnTo>
+                  <a:pt x="2039525" y="1365691"/>
+                </a:lnTo>
+                <a:lnTo>
+                  <a:pt x="2027777" y="1326046"/>
+                </a:lnTo>
+                <a:lnTo>
+                  <a:pt x="2015246" y="1293683"/>
+                </a:lnTo>
+                <a:lnTo>
+                  <a:pt x="2006630" y="1271839"/>
+                </a:lnTo>
+                <a:lnTo>
+                  <a:pt x="1996448" y="1241903"/>
+                </a:lnTo>
+                <a:lnTo>
+                  <a:pt x="1986266" y="1207922"/>
+                </a:lnTo>
+                <a:lnTo>
+                  <a:pt x="1975300" y="1169896"/>
+                </a:lnTo>
+                <a:lnTo>
+                  <a:pt x="1965119" y="1130252"/>
+                </a:lnTo>
+                <a:lnTo>
+                  <a:pt x="1954937" y="1088990"/>
+                </a:lnTo>
+                <a:lnTo>
+                  <a:pt x="1946321" y="1047727"/>
+                </a:lnTo>
+                <a:lnTo>
+                  <a:pt x="1940839" y="1009701"/>
+                </a:lnTo>
+                <a:lnTo>
+                  <a:pt x="1936923" y="973293"/>
+                </a:lnTo>
+                <a:lnTo>
+                  <a:pt x="1935356" y="943358"/>
+                </a:lnTo>
+                <a:lnTo>
+                  <a:pt x="1936923" y="918276"/>
+                </a:lnTo>
+                <a:lnTo>
+                  <a:pt x="1949455" y="865687"/>
+                </a:lnTo>
+                <a:lnTo>
+                  <a:pt x="1965119" y="817143"/>
+                </a:lnTo>
+                <a:lnTo>
+                  <a:pt x="1984700" y="771026"/>
+                </a:lnTo>
+                <a:lnTo>
+                  <a:pt x="2008980" y="730573"/>
+                </a:lnTo>
+                <a:lnTo>
+                  <a:pt x="2045008" y="680412"/>
+                </a:lnTo>
+                <a:lnTo>
+                  <a:pt x="2081820" y="630249"/>
+                </a:lnTo>
+                <a:lnTo>
+                  <a:pt x="2118631" y="581705"/>
+                </a:lnTo>
+                <a:lnTo>
+                  <a:pt x="2156226" y="529925"/>
+                </a:lnTo>
+                <a:lnTo>
+                  <a:pt x="2189904" y="477336"/>
+                </a:lnTo>
+                <a:lnTo>
+                  <a:pt x="2222800" y="423128"/>
+                </a:lnTo>
+                <a:lnTo>
+                  <a:pt x="2250214" y="364066"/>
+                </a:lnTo>
+                <a:lnTo>
+                  <a:pt x="2272927" y="300959"/>
+                </a:lnTo>
+                <a:lnTo>
+                  <a:pt x="2290158" y="227334"/>
+                </a:lnTo>
+                <a:lnTo>
+                  <a:pt x="2299557" y="152091"/>
+                </a:lnTo>
+                <a:lnTo>
+                  <a:pt x="2304256" y="75229"/>
+                </a:lnTo>
+                <a:close/>
+              </a:path>
+            </a:pathLst>
+          </a:custGeom>
+          <a:solidFill>
+            <a:srgbClr val="A3D5CB"/>
+          </a:solidFill>
+          <a:ln>
+            <a:noFill/>
+          </a:ln>
+        </p:spPr>
+        <p:txBody>
+          <a:bodyPr vert="horz" wrap="square" lIns="91440" tIns="45720" rIns="91440" bIns="45720" numCol="1" anchor="t" anchorCtr="0" compatLnSpc="1">
+            <a:prstTxWarp prst="textNoShape">
+              <a:avLst/>
+            </a:prstTxWarp>
+          </a:bodyPr>
+          <a:lstStyle/>
+          <a:p>
+            <a:endParaRPr lang="ko-KR" altLang="en-US" sz="2700"/>
+          </a:p>
+        </p:txBody>
+      </p:sp>
+      <p:sp>
+        <p:nvSpPr>
+          <p:cNvPr id="42" name="TextBox 10">
+            <a:extLst>
+              <a:ext uri="{FF2B5EF4-FFF2-40B4-BE49-F238E27FC236}">
+                <a16:creationId xmlns:a16="http://schemas.microsoft.com/office/drawing/2014/main" id="{599E9DFF-D071-4588-A1FB-F6BD55DB3604}"/>
+              </a:ext>
+            </a:extLst>
+          </p:cNvPr>
+          <p:cNvSpPr txBox="1"/>
+          <p:nvPr/>
+        </p:nvSpPr>
+        <p:spPr>
+          <a:xfrm>
+            <a:off x="5774179" y="3518074"/>
+            <a:ext cx="2234214" cy="1477328"/>
+          </a:xfrm>
+          <a:prstGeom prst="rect">
+            <a:avLst/>
+          </a:prstGeom>
+          <a:noFill/>
+        </p:spPr>
+        <p:txBody>
+          <a:bodyPr wrap="square" rtlCol="0">
+            <a:spAutoFit/>
+          </a:bodyPr>
+          <a:lstStyle/>
+          <a:p>
+            <a:pPr marL="171450" indent="-171450">
+              <a:buFont typeface="Arial" panose="020B0604020202020204" pitchFamily="34" charset="0"/>
+              <a:buChar char="•"/>
+            </a:pPr>
+            <a:r>
+              <a:rPr lang="zh-TW" altLang="en-US" b="1" dirty="0">
+                <a:solidFill>
+                  <a:schemeClr val="tx1">
+                    <a:lumMod val="75000"/>
+                    <a:lumOff val="25000"/>
+                  </a:schemeClr>
+                </a:solidFill>
+                <a:latin typeface="微軟正黑體" panose="020B0604030504040204" pitchFamily="34" charset="-120"/>
+                <a:ea typeface="微軟正黑體" panose="020B0604030504040204" pitchFamily="34" charset="-120"/>
+                <a:cs typeface="Arial" pitchFamily="34" charset="0"/>
+              </a:rPr>
+              <a:t>專家經驗判斷⽔平 不⼀致</a:t>
+            </a:r>
+            <a:endParaRPr lang="en-US" altLang="zh-TW" b="1" dirty="0">
+              <a:solidFill>
+                <a:schemeClr val="tx1">
+                  <a:lumMod val="75000"/>
+                  <a:lumOff val="25000"/>
+                </a:schemeClr>
+              </a:solidFill>
+              <a:latin typeface="微軟正黑體" panose="020B0604030504040204" pitchFamily="34" charset="-120"/>
+              <a:ea typeface="微軟正黑體" panose="020B0604030504040204" pitchFamily="34" charset="-120"/>
+              <a:cs typeface="Arial" pitchFamily="34" charset="0"/>
+            </a:endParaRPr>
+          </a:p>
+          <a:p>
+            <a:pPr marL="171450" indent="-171450">
+              <a:buFont typeface="Arial" panose="020B0604020202020204" pitchFamily="34" charset="0"/>
+              <a:buChar char="•"/>
+            </a:pPr>
+            <a:r>
+              <a:rPr lang="zh-TW" altLang="en-US" b="1" dirty="0">
+                <a:solidFill>
+                  <a:schemeClr val="tx1">
+                    <a:lumMod val="75000"/>
+                    <a:lumOff val="25000"/>
+                  </a:schemeClr>
+                </a:solidFill>
+                <a:latin typeface="微軟正黑體" panose="020B0604030504040204" pitchFamily="34" charset="-120"/>
+                <a:ea typeface="微軟正黑體" panose="020B0604030504040204" pitchFamily="34" charset="-120"/>
+                <a:cs typeface="Arial" pitchFamily="34" charset="0"/>
+              </a:rPr>
+              <a:t>沒有一致的評斷標準</a:t>
+            </a:r>
+            <a:endParaRPr lang="en-US" altLang="zh-TW" b="1" dirty="0">
+              <a:solidFill>
+                <a:schemeClr val="tx1">
+                  <a:lumMod val="75000"/>
+                  <a:lumOff val="25000"/>
+                </a:schemeClr>
+              </a:solidFill>
+              <a:latin typeface="微軟正黑體" panose="020B0604030504040204" pitchFamily="34" charset="-120"/>
+              <a:ea typeface="微軟正黑體" panose="020B0604030504040204" pitchFamily="34" charset="-120"/>
+              <a:cs typeface="Arial" pitchFamily="34" charset="0"/>
+            </a:endParaRPr>
+          </a:p>
+          <a:p>
+            <a:pPr marL="171450" indent="-171450">
+              <a:buFont typeface="Arial" panose="020B0604020202020204" pitchFamily="34" charset="0"/>
+              <a:buChar char="•"/>
+            </a:pPr>
+            <a:endParaRPr lang="ko-KR" altLang="en-US" b="1" dirty="0">
+              <a:solidFill>
+                <a:schemeClr val="tx1">
+                  <a:lumMod val="75000"/>
+                  <a:lumOff val="25000"/>
+                </a:schemeClr>
+              </a:solidFill>
+              <a:latin typeface="微軟正黑體" panose="020B0604030504040204" pitchFamily="34" charset="-120"/>
+              <a:cs typeface="Arial" pitchFamily="34" charset="0"/>
+            </a:endParaRPr>
+          </a:p>
+        </p:txBody>
+      </p:sp>
+      <p:sp>
+        <p:nvSpPr>
+          <p:cNvPr id="44" name="Pentagon 14">
+            <a:extLst>
+              <a:ext uri="{FF2B5EF4-FFF2-40B4-BE49-F238E27FC236}">
+                <a16:creationId xmlns:a16="http://schemas.microsoft.com/office/drawing/2014/main" id="{2691BF91-6D50-4D02-81EF-1622473F007E}"/>
+              </a:ext>
+            </a:extLst>
+          </p:cNvPr>
+          <p:cNvSpPr/>
+          <p:nvPr/>
+        </p:nvSpPr>
+        <p:spPr>
+          <a:xfrm>
+            <a:off x="4933950" y="2845882"/>
+            <a:ext cx="2736000" cy="504000"/>
+          </a:xfrm>
+          <a:prstGeom prst="homePlate">
+            <a:avLst/>
+          </a:prstGeom>
+          <a:solidFill>
+            <a:schemeClr val="bg1"/>
+          </a:solidFill>
+          <a:ln w="38100">
+            <a:solidFill>
+              <a:srgbClr val="409889"/>
+            </a:solidFill>
+          </a:ln>
+        </p:spPr>
+        <p:style>
+          <a:lnRef idx="2">
+            <a:schemeClr val="accent1">
+              <a:shade val="50000"/>
+            </a:schemeClr>
+          </a:lnRef>
+          <a:fillRef idx="1">
+            <a:schemeClr val="accent1"/>
+          </a:fillRef>
+          <a:effectRef idx="0">
+            <a:schemeClr val="accent1"/>
+          </a:effectRef>
+          <a:fontRef idx="minor">
+            <a:schemeClr val="lt1"/>
+          </a:fontRef>
+        </p:style>
+        <p:txBody>
+          <a:bodyPr rtlCol="0" anchor="ctr"/>
+          <a:lstStyle/>
+          <a:p>
+            <a:pPr algn="ctr"/>
+            <a:endParaRPr lang="ko-KR" altLang="en-US" sz="2700"/>
+          </a:p>
+        </p:txBody>
+      </p:sp>
+      <p:sp>
+        <p:nvSpPr>
+          <p:cNvPr id="46" name="Pentagon 16">
+            <a:extLst>
+              <a:ext uri="{FF2B5EF4-FFF2-40B4-BE49-F238E27FC236}">
+                <a16:creationId xmlns:a16="http://schemas.microsoft.com/office/drawing/2014/main" id="{AFF1B9AB-ADF4-4B7F-B18D-D37BD78A4A89}"/>
+              </a:ext>
+            </a:extLst>
+          </p:cNvPr>
+          <p:cNvSpPr/>
+          <p:nvPr/>
+        </p:nvSpPr>
+        <p:spPr>
+          <a:xfrm flipH="1">
+            <a:off x="1464808" y="2836838"/>
+            <a:ext cx="2736000" cy="504000"/>
+          </a:xfrm>
+          <a:prstGeom prst="homePlate">
+            <a:avLst/>
+          </a:prstGeom>
+          <a:solidFill>
+            <a:schemeClr val="bg1"/>
+          </a:solidFill>
+          <a:ln w="38100">
+            <a:solidFill>
+              <a:srgbClr val="409889"/>
+            </a:solidFill>
+          </a:ln>
+        </p:spPr>
+        <p:style>
+          <a:lnRef idx="2">
+            <a:schemeClr val="accent1">
+              <a:shade val="50000"/>
+            </a:schemeClr>
+          </a:lnRef>
+          <a:fillRef idx="1">
+            <a:schemeClr val="accent1"/>
+          </a:fillRef>
+          <a:effectRef idx="0">
+            <a:schemeClr val="accent1"/>
+          </a:effectRef>
+          <a:fontRef idx="minor">
+            <a:schemeClr val="lt1"/>
+          </a:fontRef>
+        </p:style>
+        <p:txBody>
+          <a:bodyPr rtlCol="0" anchor="ctr"/>
+          <a:lstStyle/>
+          <a:p>
+            <a:pPr algn="ctr"/>
+            <a:endParaRPr lang="ko-KR" altLang="en-US" sz="2700"/>
+          </a:p>
+        </p:txBody>
+      </p:sp>
+      <p:sp>
+        <p:nvSpPr>
+          <p:cNvPr id="48" name="TextBox 16">
+            <a:extLst>
+              <a:ext uri="{FF2B5EF4-FFF2-40B4-BE49-F238E27FC236}">
+                <a16:creationId xmlns:a16="http://schemas.microsoft.com/office/drawing/2014/main" id="{0B080F01-C740-419B-92F9-C258FDDDC015}"/>
+              </a:ext>
+            </a:extLst>
+          </p:cNvPr>
+          <p:cNvSpPr txBox="1"/>
+          <p:nvPr/>
+        </p:nvSpPr>
+        <p:spPr>
+          <a:xfrm>
+            <a:off x="1161588" y="3512769"/>
+            <a:ext cx="2382585" cy="1477328"/>
+          </a:xfrm>
+          <a:prstGeom prst="rect">
+            <a:avLst/>
+          </a:prstGeom>
+          <a:noFill/>
+        </p:spPr>
+        <p:txBody>
+          <a:bodyPr wrap="square" rtlCol="0">
+            <a:spAutoFit/>
+          </a:bodyPr>
+          <a:lstStyle/>
+          <a:p>
+            <a:pPr marL="285750" indent="-285750">
+              <a:buFont typeface="Arial" panose="020B0604020202020204" pitchFamily="34" charset="0"/>
+              <a:buChar char="•"/>
+            </a:pPr>
+            <a:r>
+              <a:rPr lang="zh-TW" altLang="en-US" b="1" dirty="0">
+                <a:solidFill>
+                  <a:schemeClr val="tx1">
+                    <a:lumMod val="75000"/>
+                    <a:lumOff val="25000"/>
+                  </a:schemeClr>
+                </a:solidFill>
+                <a:latin typeface="微軟正黑體" panose="020B0604030504040204" pitchFamily="34" charset="-120"/>
+                <a:ea typeface="微軟正黑體" panose="020B0604030504040204" pitchFamily="34" charset="-120"/>
+                <a:cs typeface="Arial" pitchFamily="34" charset="0"/>
+              </a:rPr>
+              <a:t>現有系統每⽇下午才發佈對最近⼀ ⽇的新聞評價</a:t>
+            </a:r>
+            <a:endParaRPr lang="en-US" altLang="zh-TW" b="1" dirty="0">
+              <a:solidFill>
+                <a:schemeClr val="tx1">
+                  <a:lumMod val="75000"/>
+                  <a:lumOff val="25000"/>
+                </a:schemeClr>
+              </a:solidFill>
+              <a:latin typeface="微軟正黑體" panose="020B0604030504040204" pitchFamily="34" charset="-120"/>
+              <a:ea typeface="微軟正黑體" panose="020B0604030504040204" pitchFamily="34" charset="-120"/>
+              <a:cs typeface="Arial" pitchFamily="34" charset="0"/>
+            </a:endParaRPr>
+          </a:p>
+          <a:p>
+            <a:pPr marL="285750" indent="-285750">
+              <a:buFont typeface="Arial" panose="020B0604020202020204" pitchFamily="34" charset="0"/>
+              <a:buChar char="•"/>
+            </a:pPr>
+            <a:r>
+              <a:rPr lang="zh-TW" altLang="en-US" b="1" dirty="0">
+                <a:solidFill>
+                  <a:schemeClr val="tx1">
+                    <a:lumMod val="75000"/>
+                    <a:lumOff val="25000"/>
+                  </a:schemeClr>
+                </a:solidFill>
+                <a:latin typeface="微軟正黑體" panose="020B0604030504040204" pitchFamily="34" charset="-120"/>
+                <a:ea typeface="微軟正黑體" panose="020B0604030504040204" pitchFamily="34" charset="-120"/>
+                <a:cs typeface="Arial" pitchFamily="34" charset="0"/>
+              </a:rPr>
+              <a:t>無法及時掌握新聞之影響</a:t>
+            </a:r>
+            <a:endParaRPr lang="en-US" altLang="zh-TW" b="1" dirty="0">
+              <a:solidFill>
+                <a:schemeClr val="tx1">
+                  <a:lumMod val="75000"/>
+                  <a:lumOff val="25000"/>
+                </a:schemeClr>
+              </a:solidFill>
+              <a:latin typeface="微軟正黑體" panose="020B0604030504040204" pitchFamily="34" charset="-120"/>
+              <a:ea typeface="微軟正黑體" panose="020B0604030504040204" pitchFamily="34" charset="-120"/>
+              <a:cs typeface="Arial" pitchFamily="34" charset="0"/>
+            </a:endParaRPr>
+          </a:p>
+        </p:txBody>
+      </p:sp>
+      <p:sp>
+        <p:nvSpPr>
+          <p:cNvPr id="56" name="Pentagon 30">
+            <a:extLst>
+              <a:ext uri="{FF2B5EF4-FFF2-40B4-BE49-F238E27FC236}">
+                <a16:creationId xmlns:a16="http://schemas.microsoft.com/office/drawing/2014/main" id="{CB8D9EDE-2B73-4CDB-BB54-B47F4F1839E7}"/>
+              </a:ext>
+            </a:extLst>
+          </p:cNvPr>
+          <p:cNvSpPr/>
+          <p:nvPr/>
+        </p:nvSpPr>
+        <p:spPr>
+          <a:xfrm>
+            <a:off x="2952002" y="2051760"/>
+            <a:ext cx="3211003" cy="484632"/>
+          </a:xfrm>
+          <a:custGeom>
+            <a:avLst/>
+            <a:gdLst/>
+            <a:ahLst/>
+            <a:cxnLst/>
+            <a:rect l="l" t="t" r="r" b="b"/>
+            <a:pathLst>
+              <a:path w="3211003" h="484632">
+                <a:moveTo>
+                  <a:pt x="242316" y="0"/>
+                </a:moveTo>
+                <a:lnTo>
+                  <a:pt x="1591003" y="0"/>
+                </a:lnTo>
+                <a:lnTo>
+                  <a:pt x="1620000" y="0"/>
+                </a:lnTo>
+                <a:lnTo>
+                  <a:pt x="2968687" y="0"/>
+                </a:lnTo>
+                <a:lnTo>
+                  <a:pt x="3211003" y="242316"/>
+                </a:lnTo>
+                <a:lnTo>
+                  <a:pt x="2968687" y="484632"/>
+                </a:lnTo>
+                <a:lnTo>
+                  <a:pt x="1620000" y="484632"/>
+                </a:lnTo>
+                <a:lnTo>
+                  <a:pt x="1591003" y="484632"/>
+                </a:lnTo>
+                <a:lnTo>
+                  <a:pt x="242316" y="484632"/>
+                </a:lnTo>
+                <a:lnTo>
+                  <a:pt x="0" y="242316"/>
+                </a:lnTo>
+                <a:close/>
+              </a:path>
+            </a:pathLst>
+          </a:custGeom>
+          <a:solidFill>
+            <a:srgbClr val="A3D5CB"/>
+          </a:solidFill>
+          <a:ln w="38100">
+            <a:solidFill>
+              <a:srgbClr val="A3D5CB"/>
+            </a:solidFill>
+          </a:ln>
+        </p:spPr>
+        <p:style>
+          <a:lnRef idx="2">
+            <a:schemeClr val="accent1">
+              <a:shade val="50000"/>
+            </a:schemeClr>
+          </a:lnRef>
+          <a:fillRef idx="1">
+            <a:schemeClr val="accent1"/>
+          </a:fillRef>
+          <a:effectRef idx="0">
+            <a:schemeClr val="accent1"/>
+          </a:effectRef>
+          <a:fontRef idx="minor">
+            <a:schemeClr val="lt1"/>
+          </a:fontRef>
+        </p:style>
+        <p:txBody>
+          <a:bodyPr rtlCol="0" anchor="ctr"/>
+          <a:lstStyle/>
+          <a:p>
+            <a:pPr algn="ctr"/>
+            <a:endParaRPr lang="ko-KR" altLang="en-US" sz="2700"/>
+          </a:p>
+        </p:txBody>
+      </p:sp>
+      <p:sp>
+        <p:nvSpPr>
+          <p:cNvPr id="57" name="TextBox 28">
+            <a:extLst>
+              <a:ext uri="{FF2B5EF4-FFF2-40B4-BE49-F238E27FC236}">
+                <a16:creationId xmlns:a16="http://schemas.microsoft.com/office/drawing/2014/main" id="{BB784CA9-2528-4FE6-B759-C9893BBFBC2A}"/>
+              </a:ext>
+            </a:extLst>
+          </p:cNvPr>
+          <p:cNvSpPr txBox="1"/>
+          <p:nvPr/>
+        </p:nvSpPr>
+        <p:spPr>
+          <a:xfrm>
+            <a:off x="3761230" y="2138471"/>
+            <a:ext cx="1609106" cy="369332"/>
+          </a:xfrm>
+          <a:prstGeom prst="rect">
+            <a:avLst/>
+          </a:prstGeom>
+          <a:noFill/>
+        </p:spPr>
+        <p:txBody>
+          <a:bodyPr wrap="square" rtlCol="0">
+            <a:spAutoFit/>
+          </a:bodyPr>
+          <a:lstStyle/>
+          <a:p>
+            <a:pPr algn="ctr"/>
+            <a:r>
+              <a:rPr lang="zh-TW" altLang="en-US" b="1" dirty="0">
+                <a:solidFill>
+                  <a:schemeClr val="bg1"/>
+                </a:solidFill>
+                <a:latin typeface="微軟正黑體" panose="020B0604030504040204" pitchFamily="34" charset="-120"/>
+                <a:ea typeface="微軟正黑體" panose="020B0604030504040204" pitchFamily="34" charset="-120"/>
+                <a:cs typeface="Arial" pitchFamily="34" charset="0"/>
+              </a:rPr>
+              <a:t>海量新聞資訊</a:t>
+            </a:r>
+            <a:endParaRPr lang="ko-KR" altLang="en-US" b="1" dirty="0">
+              <a:solidFill>
+                <a:schemeClr val="bg1"/>
+              </a:solidFill>
+              <a:latin typeface="微軟正黑體" panose="020B0604030504040204" pitchFamily="34" charset="-120"/>
+              <a:cs typeface="Arial" pitchFamily="34" charset="0"/>
+            </a:endParaRPr>
+          </a:p>
+        </p:txBody>
+      </p:sp>
+      <p:sp>
+        <p:nvSpPr>
+          <p:cNvPr id="58" name="TextBox 29">
+            <a:extLst>
+              <a:ext uri="{FF2B5EF4-FFF2-40B4-BE49-F238E27FC236}">
+                <a16:creationId xmlns:a16="http://schemas.microsoft.com/office/drawing/2014/main" id="{51AB7592-B4A0-4689-A27D-D160910D6F05}"/>
+              </a:ext>
+            </a:extLst>
+          </p:cNvPr>
+          <p:cNvSpPr txBox="1"/>
+          <p:nvPr/>
+        </p:nvSpPr>
+        <p:spPr>
+          <a:xfrm>
+            <a:off x="1891500" y="2913216"/>
+            <a:ext cx="1966742" cy="369332"/>
+          </a:xfrm>
+          <a:prstGeom prst="rect">
+            <a:avLst/>
+          </a:prstGeom>
+          <a:noFill/>
+        </p:spPr>
+        <p:txBody>
+          <a:bodyPr wrap="square" rtlCol="0">
+            <a:spAutoFit/>
+          </a:bodyPr>
+          <a:lstStyle/>
+          <a:p>
+            <a:pPr algn="ctr"/>
+            <a:r>
+              <a:rPr lang="zh-TW" altLang="en-US" b="1" dirty="0">
+                <a:solidFill>
+                  <a:schemeClr val="tx1">
+                    <a:lumMod val="75000"/>
+                    <a:lumOff val="25000"/>
+                  </a:schemeClr>
+                </a:solidFill>
+                <a:latin typeface="微軟正黑體" panose="020B0604030504040204" pitchFamily="34" charset="-120"/>
+                <a:ea typeface="微軟正黑體" panose="020B0604030504040204" pitchFamily="34" charset="-120"/>
+                <a:cs typeface="Arial" pitchFamily="34" charset="0"/>
+              </a:rPr>
+              <a:t>評分延遲</a:t>
+            </a:r>
+            <a:endParaRPr lang="ko-KR" altLang="en-US" b="1" dirty="0">
+              <a:solidFill>
+                <a:schemeClr val="tx1">
+                  <a:lumMod val="75000"/>
+                  <a:lumOff val="25000"/>
+                </a:schemeClr>
+              </a:solidFill>
+              <a:latin typeface="微軟正黑體" panose="020B0604030504040204" pitchFamily="34" charset="-120"/>
+              <a:cs typeface="Arial" pitchFamily="34" charset="0"/>
+            </a:endParaRPr>
+          </a:p>
+        </p:txBody>
+      </p:sp>
+      <p:sp>
+        <p:nvSpPr>
+          <p:cNvPr id="61" name="TextBox 32">
+            <a:extLst>
+              <a:ext uri="{FF2B5EF4-FFF2-40B4-BE49-F238E27FC236}">
+                <a16:creationId xmlns:a16="http://schemas.microsoft.com/office/drawing/2014/main" id="{01D5DF32-DBB6-4E6F-AD03-BED23715AF99}"/>
+              </a:ext>
+            </a:extLst>
+          </p:cNvPr>
+          <p:cNvSpPr txBox="1"/>
+          <p:nvPr/>
+        </p:nvSpPr>
+        <p:spPr>
+          <a:xfrm>
+            <a:off x="5143862" y="2913216"/>
+            <a:ext cx="2108638" cy="369332"/>
+          </a:xfrm>
+          <a:prstGeom prst="rect">
+            <a:avLst/>
+          </a:prstGeom>
+          <a:noFill/>
+        </p:spPr>
+        <p:txBody>
+          <a:bodyPr wrap="square" rtlCol="0">
+            <a:spAutoFit/>
+          </a:bodyPr>
+          <a:lstStyle/>
+          <a:p>
+            <a:pPr algn="ctr"/>
+            <a:r>
+              <a:rPr lang="zh-TW" altLang="en-US" b="1" dirty="0">
+                <a:solidFill>
+                  <a:schemeClr val="tx1">
+                    <a:lumMod val="75000"/>
+                    <a:lumOff val="25000"/>
+                  </a:schemeClr>
+                </a:solidFill>
+                <a:latin typeface="微軟正黑體" panose="020B0604030504040204" pitchFamily="34" charset="-120"/>
+                <a:ea typeface="微軟正黑體" panose="020B0604030504040204" pitchFamily="34" charset="-120"/>
+                <a:cs typeface="Arial" pitchFamily="34" charset="0"/>
+              </a:rPr>
+              <a:t>專家看法不一致</a:t>
+            </a:r>
+            <a:endParaRPr lang="ko-KR" altLang="en-US" b="1" dirty="0">
+              <a:solidFill>
+                <a:schemeClr val="tx1">
+                  <a:lumMod val="75000"/>
+                  <a:lumOff val="25000"/>
+                </a:schemeClr>
+              </a:solidFill>
+              <a:latin typeface="微軟正黑體" panose="020B0604030504040204" pitchFamily="34" charset="-120"/>
+              <a:cs typeface="Arial" pitchFamily="34" charset="0"/>
+            </a:endParaRPr>
+          </a:p>
+        </p:txBody>
+      </p:sp>
+      <p:sp>
+        <p:nvSpPr>
+          <p:cNvPr id="93" name="TextBox 19">
+            <a:extLst>
+              <a:ext uri="{FF2B5EF4-FFF2-40B4-BE49-F238E27FC236}">
+                <a16:creationId xmlns:a16="http://schemas.microsoft.com/office/drawing/2014/main" id="{D713466E-5639-46CE-A336-DAD97429C001}"/>
+              </a:ext>
+            </a:extLst>
+          </p:cNvPr>
+          <p:cNvSpPr txBox="1"/>
+          <p:nvPr/>
+        </p:nvSpPr>
+        <p:spPr>
+          <a:xfrm>
+            <a:off x="3544173" y="1153795"/>
+            <a:ext cx="2903751" cy="646331"/>
+          </a:xfrm>
+          <a:prstGeom prst="rect">
+            <a:avLst/>
+          </a:prstGeom>
+          <a:noFill/>
+        </p:spPr>
+        <p:txBody>
+          <a:bodyPr wrap="square" rtlCol="0">
+            <a:spAutoFit/>
+          </a:bodyPr>
+          <a:lstStyle/>
+          <a:p>
+            <a:pPr marL="171450" indent="-171450">
+              <a:buFont typeface="Arial" panose="020B0604020202020204" pitchFamily="34" charset="0"/>
+              <a:buChar char="•"/>
+            </a:pPr>
+            <a:r>
+              <a:rPr lang="zh-TW" altLang="en-US" b="1" dirty="0">
+                <a:solidFill>
+                  <a:schemeClr val="tx1">
+                    <a:lumMod val="75000"/>
+                    <a:lumOff val="25000"/>
+                  </a:schemeClr>
+                </a:solidFill>
+                <a:latin typeface="微軟正黑體" panose="020B0604030504040204" pitchFamily="34" charset="-120"/>
+                <a:ea typeface="微軟正黑體" panose="020B0604030504040204" pitchFamily="34" charset="-120"/>
+                <a:cs typeface="Arial" pitchFamily="34" charset="0"/>
+              </a:rPr>
+              <a:t>訊息來源眾多</a:t>
+            </a:r>
+            <a:endParaRPr lang="en-US" altLang="zh-TW" b="1" dirty="0">
+              <a:solidFill>
+                <a:schemeClr val="tx1">
+                  <a:lumMod val="75000"/>
+                  <a:lumOff val="25000"/>
+                </a:schemeClr>
+              </a:solidFill>
+              <a:latin typeface="微軟正黑體" panose="020B0604030504040204" pitchFamily="34" charset="-120"/>
+              <a:ea typeface="微軟正黑體" panose="020B0604030504040204" pitchFamily="34" charset="-120"/>
+              <a:cs typeface="Arial" pitchFamily="34" charset="0"/>
+            </a:endParaRPr>
+          </a:p>
+          <a:p>
+            <a:pPr marL="171450" indent="-171450">
+              <a:buFont typeface="Arial" panose="020B0604020202020204" pitchFamily="34" charset="0"/>
+              <a:buChar char="•"/>
+            </a:pPr>
+            <a:r>
+              <a:rPr lang="zh-TW" altLang="en-US" b="1" dirty="0">
+                <a:solidFill>
+                  <a:schemeClr val="tx1">
+                    <a:lumMod val="75000"/>
+                    <a:lumOff val="25000"/>
+                  </a:schemeClr>
+                </a:solidFill>
+                <a:latin typeface="微軟正黑體" panose="020B0604030504040204" pitchFamily="34" charset="-120"/>
+                <a:ea typeface="微軟正黑體" panose="020B0604030504040204" pitchFamily="34" charset="-120"/>
+                <a:cs typeface="Arial" pitchFamily="34" charset="0"/>
+              </a:rPr>
+              <a:t>那些新聞重要</a:t>
+            </a:r>
+            <a:r>
+              <a:rPr lang="en-US" altLang="zh-TW" b="1" dirty="0">
+                <a:solidFill>
+                  <a:schemeClr val="tx1">
+                    <a:lumMod val="75000"/>
+                    <a:lumOff val="25000"/>
+                  </a:schemeClr>
+                </a:solidFill>
+                <a:latin typeface="微軟正黑體" panose="020B0604030504040204" pitchFamily="34" charset="-120"/>
+                <a:ea typeface="微軟正黑體" panose="020B0604030504040204" pitchFamily="34" charset="-120"/>
+                <a:cs typeface="Arial" pitchFamily="34" charset="0"/>
+              </a:rPr>
+              <a:t>?</a:t>
+            </a:r>
+            <a:endParaRPr lang="ko-KR" altLang="en-US" b="1" dirty="0">
+              <a:solidFill>
+                <a:schemeClr val="tx1">
+                  <a:lumMod val="75000"/>
+                  <a:lumOff val="25000"/>
+                </a:schemeClr>
+              </a:solidFill>
+              <a:latin typeface="微軟正黑體" panose="020B0604030504040204" pitchFamily="34" charset="-120"/>
+              <a:cs typeface="Arial" pitchFamily="34" charset="0"/>
+            </a:endParaRPr>
+          </a:p>
+        </p:txBody>
+      </p:sp>
     </p:spTree>
     <p:extLst>
       <p:ext uri="{BB962C8B-B14F-4D97-AF65-F5344CB8AC3E}">
         <p14:creationId xmlns:p14="http://schemas.microsoft.com/office/powerpoint/2010/main" val="3654779372"/>
+      </p:ext>
+    </p:extLst>
+  </p:cSld>
+  <p:clrMapOvr>
+    <a:masterClrMapping/>
+  </p:clrMapOvr>
+</p:sld>
+</file>
+
+<file path=ppt/slides/slide3.xml><?xml version="1.0" encoding="utf-8"?>
+<p:sld xmlns:a="http://schemas.openxmlformats.org/drawingml/2006/main" xmlns:r="http://schemas.openxmlformats.org/officeDocument/2006/relationships" xmlns:p="http://schemas.openxmlformats.org/presentationml/2006/main">
+  <p:cSld>
+    <p:spTree>
+      <p:nvGrpSpPr>
+        <p:cNvPr id="1" name=""/>
+        <p:cNvGrpSpPr/>
+        <p:nvPr/>
+      </p:nvGrpSpPr>
+      <p:grpSpPr>
+        <a:xfrm>
+          <a:off x="0" y="0"/>
+          <a:ext cx="0" cy="0"/>
+          <a:chOff x="0" y="0"/>
+          <a:chExt cx="0" cy="0"/>
+        </a:xfrm>
+      </p:grpSpPr>
+      <p:sp>
+        <p:nvSpPr>
+          <p:cNvPr id="2" name="標題 1">
+            <a:extLst>
+              <a:ext uri="{FF2B5EF4-FFF2-40B4-BE49-F238E27FC236}">
+                <a16:creationId xmlns:a16="http://schemas.microsoft.com/office/drawing/2014/main" id="{21D46EF1-12EA-C94F-9F03-C7FE589E8C7A}"/>
+              </a:ext>
+            </a:extLst>
+          </p:cNvPr>
+          <p:cNvSpPr>
+            <a:spLocks noGrp="1"/>
+          </p:cNvSpPr>
+          <p:nvPr>
+            <p:ph type="title"/>
+          </p:nvPr>
+        </p:nvSpPr>
+        <p:spPr/>
+        <p:txBody>
+          <a:bodyPr>
+            <a:normAutofit/>
+          </a:bodyPr>
+          <a:lstStyle/>
+          <a:p>
+            <a:r>
+              <a:rPr lang="zh-TW" altLang="en-US" dirty="0"/>
+              <a:t>智能新聞評分系統</a:t>
+            </a:r>
+            <a:endParaRPr kumimoji="1" lang="zh-TW" altLang="en-US" dirty="0"/>
+          </a:p>
+        </p:txBody>
+      </p:sp>
+      <p:sp>
+        <p:nvSpPr>
+          <p:cNvPr id="4" name="日期版面配置區 3">
+            <a:extLst>
+              <a:ext uri="{FF2B5EF4-FFF2-40B4-BE49-F238E27FC236}">
+                <a16:creationId xmlns:a16="http://schemas.microsoft.com/office/drawing/2014/main" id="{190A1806-A5E7-ED48-84B7-A10F862FB7D3}"/>
+              </a:ext>
+            </a:extLst>
+          </p:cNvPr>
+          <p:cNvSpPr>
+            <a:spLocks noGrp="1"/>
+          </p:cNvSpPr>
+          <p:nvPr>
+            <p:ph type="dt" sz="half" idx="10"/>
+          </p:nvPr>
+        </p:nvSpPr>
+        <p:spPr/>
+        <p:txBody>
+          <a:bodyPr/>
+          <a:lstStyle/>
+          <a:p>
+            <a:fld id="{868F4FC5-FE50-A64D-A7E3-22233A0C6925}" type="datetime1">
+              <a:rPr kumimoji="1" lang="zh-TW" altLang="en-US" smtClean="0"/>
+              <a:t>2020/6/18</a:t>
+            </a:fld>
+            <a:endParaRPr kumimoji="1" lang="zh-TW" altLang="en-US" dirty="0"/>
+          </a:p>
+        </p:txBody>
+      </p:sp>
+      <p:sp>
+        <p:nvSpPr>
+          <p:cNvPr id="5" name="投影片編號版面配置區 4">
+            <a:extLst>
+              <a:ext uri="{FF2B5EF4-FFF2-40B4-BE49-F238E27FC236}">
+                <a16:creationId xmlns:a16="http://schemas.microsoft.com/office/drawing/2014/main" id="{DABF132B-1148-4041-B62C-1765B1EFCE4B}"/>
+              </a:ext>
+            </a:extLst>
+          </p:cNvPr>
+          <p:cNvSpPr>
+            <a:spLocks noGrp="1"/>
+          </p:cNvSpPr>
+          <p:nvPr>
+            <p:ph type="sldNum" sz="quarter" idx="12"/>
+          </p:nvPr>
+        </p:nvSpPr>
+        <p:spPr>
+          <a:xfrm>
+            <a:off x="3317421" y="5664499"/>
+            <a:ext cx="2057400" cy="365125"/>
+          </a:xfrm>
+        </p:spPr>
+        <p:txBody>
+          <a:bodyPr/>
+          <a:lstStyle/>
+          <a:p>
+            <a:fld id="{80929F01-733D-5847-83A7-C9CEA74310DB}" type="slidenum">
+              <a:rPr kumimoji="1" lang="zh-TW" altLang="en-US" smtClean="0"/>
+              <a:pPr/>
+              <a:t>3</a:t>
+            </a:fld>
+            <a:endParaRPr kumimoji="1" lang="zh-TW" altLang="en-US" dirty="0"/>
+          </a:p>
+        </p:txBody>
+      </p:sp>
+      <p:sp>
+        <p:nvSpPr>
+          <p:cNvPr id="18" name="矩形: 圓角 17">
+            <a:extLst>
+              <a:ext uri="{FF2B5EF4-FFF2-40B4-BE49-F238E27FC236}">
+                <a16:creationId xmlns:a16="http://schemas.microsoft.com/office/drawing/2014/main" id="{10E691B8-349B-497A-ADA3-DE29AAE7C2E1}"/>
+              </a:ext>
+            </a:extLst>
+          </p:cNvPr>
+          <p:cNvSpPr/>
+          <p:nvPr/>
+        </p:nvSpPr>
+        <p:spPr>
+          <a:xfrm>
+            <a:off x="1182828" y="1290384"/>
+            <a:ext cx="3083282" cy="4673579"/>
+          </a:xfrm>
+          <a:prstGeom prst="roundRect">
+            <a:avLst>
+              <a:gd name="adj" fmla="val 17459"/>
+            </a:avLst>
+          </a:prstGeom>
+          <a:solidFill>
+            <a:srgbClr val="479793"/>
+          </a:solidFill>
+          <a:ln>
+            <a:noFill/>
+          </a:ln>
+        </p:spPr>
+        <p:style>
+          <a:lnRef idx="2">
+            <a:schemeClr val="accent1">
+              <a:shade val="50000"/>
+            </a:schemeClr>
+          </a:lnRef>
+          <a:fillRef idx="1">
+            <a:schemeClr val="accent1"/>
+          </a:fillRef>
+          <a:effectRef idx="0">
+            <a:schemeClr val="accent1"/>
+          </a:effectRef>
+          <a:fontRef idx="minor">
+            <a:schemeClr val="lt1"/>
+          </a:fontRef>
+        </p:style>
+        <p:txBody>
+          <a:bodyPr rtlCol="0" anchor="ctr"/>
+          <a:lstStyle/>
+          <a:p>
+            <a:pPr algn="ctr"/>
+            <a:endParaRPr lang="zh-TW" altLang="en-US"/>
+          </a:p>
+        </p:txBody>
+      </p:sp>
+      <p:sp>
+        <p:nvSpPr>
+          <p:cNvPr id="19" name="矩形: 圓角 18">
+            <a:extLst>
+              <a:ext uri="{FF2B5EF4-FFF2-40B4-BE49-F238E27FC236}">
+                <a16:creationId xmlns:a16="http://schemas.microsoft.com/office/drawing/2014/main" id="{F842659E-8366-45A6-9871-7D605A1E68A6}"/>
+              </a:ext>
+            </a:extLst>
+          </p:cNvPr>
+          <p:cNvSpPr/>
+          <p:nvPr/>
+        </p:nvSpPr>
+        <p:spPr>
+          <a:xfrm>
+            <a:off x="4692833" y="1290385"/>
+            <a:ext cx="3083282" cy="4673579"/>
+          </a:xfrm>
+          <a:prstGeom prst="roundRect">
+            <a:avLst>
+              <a:gd name="adj" fmla="val 17459"/>
+            </a:avLst>
+          </a:prstGeom>
+          <a:solidFill>
+            <a:srgbClr val="479793"/>
+          </a:solidFill>
+          <a:ln>
+            <a:noFill/>
+          </a:ln>
+        </p:spPr>
+        <p:style>
+          <a:lnRef idx="2">
+            <a:schemeClr val="accent1">
+              <a:shade val="50000"/>
+            </a:schemeClr>
+          </a:lnRef>
+          <a:fillRef idx="1">
+            <a:schemeClr val="accent1"/>
+          </a:fillRef>
+          <a:effectRef idx="0">
+            <a:schemeClr val="accent1"/>
+          </a:effectRef>
+          <a:fontRef idx="minor">
+            <a:schemeClr val="lt1"/>
+          </a:fontRef>
+        </p:style>
+        <p:txBody>
+          <a:bodyPr rtlCol="0" anchor="ctr"/>
+          <a:lstStyle/>
+          <a:p>
+            <a:pPr algn="ctr"/>
+            <a:endParaRPr lang="zh-TW" altLang="en-US" dirty="0"/>
+          </a:p>
+        </p:txBody>
+      </p:sp>
+      <p:sp>
+        <p:nvSpPr>
+          <p:cNvPr id="20" name="矩形 19">
+            <a:extLst>
+              <a:ext uri="{FF2B5EF4-FFF2-40B4-BE49-F238E27FC236}">
+                <a16:creationId xmlns:a16="http://schemas.microsoft.com/office/drawing/2014/main" id="{4B0549B0-887E-43C0-8F51-204A431FDF36}"/>
+              </a:ext>
+            </a:extLst>
+          </p:cNvPr>
+          <p:cNvSpPr/>
+          <p:nvPr/>
+        </p:nvSpPr>
+        <p:spPr>
+          <a:xfrm>
+            <a:off x="1554917" y="1553847"/>
+            <a:ext cx="2339103" cy="523220"/>
+          </a:xfrm>
+          <a:prstGeom prst="rect">
+            <a:avLst/>
+          </a:prstGeom>
+        </p:spPr>
+        <p:txBody>
+          <a:bodyPr wrap="none">
+            <a:spAutoFit/>
+          </a:bodyPr>
+          <a:lstStyle/>
+          <a:p>
+            <a:pPr algn="ctr"/>
+            <a:r>
+              <a:rPr lang="zh-TW" altLang="en-US" sz="2800" b="1" dirty="0">
+                <a:solidFill>
+                  <a:schemeClr val="bg1"/>
+                </a:solidFill>
+                <a:latin typeface="微軟正黑體" panose="020B0604030504040204" pitchFamily="34" charset="-120"/>
+                <a:ea typeface="微軟正黑體" panose="020B0604030504040204" pitchFamily="34" charset="-120"/>
+                <a:cs typeface="Arial" pitchFamily="34" charset="0"/>
+              </a:rPr>
+              <a:t>海量新聞資訊</a:t>
+            </a:r>
+            <a:endParaRPr lang="ko-KR" altLang="en-US" sz="2800" b="1" dirty="0">
+              <a:solidFill>
+                <a:schemeClr val="bg1"/>
+              </a:solidFill>
+              <a:latin typeface="微軟正黑體" panose="020B0604030504040204" pitchFamily="34" charset="-120"/>
+              <a:cs typeface="Arial" pitchFamily="34" charset="0"/>
+            </a:endParaRPr>
+          </a:p>
+        </p:txBody>
+      </p:sp>
+      <p:sp>
+        <p:nvSpPr>
+          <p:cNvPr id="21" name="矩形 20">
+            <a:extLst>
+              <a:ext uri="{FF2B5EF4-FFF2-40B4-BE49-F238E27FC236}">
+                <a16:creationId xmlns:a16="http://schemas.microsoft.com/office/drawing/2014/main" id="{09582A5B-3453-4618-AD4E-59A44E8A4985}"/>
+              </a:ext>
+            </a:extLst>
+          </p:cNvPr>
+          <p:cNvSpPr/>
+          <p:nvPr/>
+        </p:nvSpPr>
+        <p:spPr>
+          <a:xfrm>
+            <a:off x="4736013" y="1553847"/>
+            <a:ext cx="3180059" cy="523220"/>
+          </a:xfrm>
+          <a:prstGeom prst="rect">
+            <a:avLst/>
+          </a:prstGeom>
+        </p:spPr>
+        <p:txBody>
+          <a:bodyPr wrap="square">
+            <a:spAutoFit/>
+          </a:bodyPr>
+          <a:lstStyle/>
+          <a:p>
+            <a:r>
+              <a:rPr lang="zh-TW" altLang="en-US" sz="2800" b="1" dirty="0">
+                <a:solidFill>
+                  <a:schemeClr val="bg1"/>
+                </a:solidFill>
+                <a:latin typeface="微軟正黑體" panose="020B0604030504040204" pitchFamily="34" charset="-120"/>
+                <a:ea typeface="微軟正黑體" panose="020B0604030504040204" pitchFamily="34" charset="-120"/>
+                <a:cs typeface="Arial" pitchFamily="34" charset="0"/>
+              </a:rPr>
+              <a:t>重要新聞篩選機制</a:t>
+            </a:r>
+          </a:p>
+        </p:txBody>
+      </p:sp>
+      <p:sp>
+        <p:nvSpPr>
+          <p:cNvPr id="22" name="矩形 21">
+            <a:extLst>
+              <a:ext uri="{FF2B5EF4-FFF2-40B4-BE49-F238E27FC236}">
+                <a16:creationId xmlns:a16="http://schemas.microsoft.com/office/drawing/2014/main" id="{B5C121C9-1F39-4D40-A50E-B2C760204A33}"/>
+              </a:ext>
+            </a:extLst>
+          </p:cNvPr>
+          <p:cNvSpPr/>
+          <p:nvPr/>
+        </p:nvSpPr>
+        <p:spPr>
+          <a:xfrm>
+            <a:off x="1245912" y="4124780"/>
+            <a:ext cx="2957114" cy="707886"/>
+          </a:xfrm>
+          <a:prstGeom prst="rect">
+            <a:avLst/>
+          </a:prstGeom>
+        </p:spPr>
+        <p:txBody>
+          <a:bodyPr wrap="square">
+            <a:spAutoFit/>
+          </a:bodyPr>
+          <a:lstStyle/>
+          <a:p>
+            <a:pPr algn="ctr"/>
+            <a:r>
+              <a:rPr lang="zh-TW" altLang="en-US" sz="2000" b="1" dirty="0">
+                <a:solidFill>
+                  <a:schemeClr val="tx1">
+                    <a:lumMod val="75000"/>
+                    <a:lumOff val="25000"/>
+                  </a:schemeClr>
+                </a:solidFill>
+                <a:latin typeface="微軟正黑體" panose="020B0604030504040204" pitchFamily="34" charset="-120"/>
+                <a:ea typeface="微軟正黑體" panose="020B0604030504040204" pitchFamily="34" charset="-120"/>
+                <a:cs typeface="Arial" pitchFamily="34" charset="0"/>
+              </a:rPr>
+              <a:t>那些新聞重要</a:t>
+            </a:r>
+            <a:r>
+              <a:rPr lang="en-US" altLang="zh-TW" sz="2000" b="1" dirty="0">
+                <a:solidFill>
+                  <a:schemeClr val="tx1">
+                    <a:lumMod val="75000"/>
+                    <a:lumOff val="25000"/>
+                  </a:schemeClr>
+                </a:solidFill>
+                <a:latin typeface="微軟正黑體" panose="020B0604030504040204" pitchFamily="34" charset="-120"/>
+                <a:ea typeface="微軟正黑體" panose="020B0604030504040204" pitchFamily="34" charset="-120"/>
+                <a:cs typeface="Arial" pitchFamily="34" charset="0"/>
+              </a:rPr>
+              <a:t>?</a:t>
+            </a:r>
+            <a:endParaRPr lang="ko-KR" altLang="en-US" sz="2000" b="1" dirty="0">
+              <a:solidFill>
+                <a:schemeClr val="tx1">
+                  <a:lumMod val="75000"/>
+                  <a:lumOff val="25000"/>
+                </a:schemeClr>
+              </a:solidFill>
+              <a:latin typeface="微軟正黑體" panose="020B0604030504040204" pitchFamily="34" charset="-120"/>
+              <a:cs typeface="Arial" pitchFamily="34" charset="0"/>
+            </a:endParaRPr>
+          </a:p>
+          <a:p>
+            <a:pPr algn="ctr"/>
+            <a:endParaRPr lang="zh-TW" altLang="en-US" sz="2000" b="1" dirty="0">
+              <a:solidFill>
+                <a:schemeClr val="bg1"/>
+              </a:solidFill>
+            </a:endParaRPr>
+          </a:p>
+        </p:txBody>
+      </p:sp>
+      <p:cxnSp>
+        <p:nvCxnSpPr>
+          <p:cNvPr id="24" name="直線接點 23">
+            <a:extLst>
+              <a:ext uri="{FF2B5EF4-FFF2-40B4-BE49-F238E27FC236}">
+                <a16:creationId xmlns:a16="http://schemas.microsoft.com/office/drawing/2014/main" id="{F0CF4B5F-62D3-4A4F-AADD-1E6F0F429FCA}"/>
+              </a:ext>
+            </a:extLst>
+          </p:cNvPr>
+          <p:cNvCxnSpPr/>
+          <p:nvPr/>
+        </p:nvCxnSpPr>
+        <p:spPr>
+          <a:xfrm>
+            <a:off x="1715951" y="4037013"/>
+            <a:ext cx="2103120" cy="0"/>
+          </a:xfrm>
+          <a:prstGeom prst="line">
+            <a:avLst/>
+          </a:prstGeom>
+          <a:ln>
+            <a:solidFill>
+              <a:schemeClr val="bg1"/>
+            </a:solidFill>
+          </a:ln>
+        </p:spPr>
+        <p:style>
+          <a:lnRef idx="1">
+            <a:schemeClr val="accent1"/>
+          </a:lnRef>
+          <a:fillRef idx="0">
+            <a:schemeClr val="accent1"/>
+          </a:fillRef>
+          <a:effectRef idx="0">
+            <a:schemeClr val="accent1"/>
+          </a:effectRef>
+          <a:fontRef idx="minor">
+            <a:schemeClr val="tx1"/>
+          </a:fontRef>
+        </p:style>
+      </p:cxnSp>
+      <p:cxnSp>
+        <p:nvCxnSpPr>
+          <p:cNvPr id="25" name="直線接點 24">
+            <a:extLst>
+              <a:ext uri="{FF2B5EF4-FFF2-40B4-BE49-F238E27FC236}">
+                <a16:creationId xmlns:a16="http://schemas.microsoft.com/office/drawing/2014/main" id="{57FA8200-1752-4F0A-9B86-6963388EC601}"/>
+              </a:ext>
+            </a:extLst>
+          </p:cNvPr>
+          <p:cNvCxnSpPr/>
+          <p:nvPr/>
+        </p:nvCxnSpPr>
+        <p:spPr>
+          <a:xfrm>
+            <a:off x="5182914" y="4037013"/>
+            <a:ext cx="2103120" cy="0"/>
+          </a:xfrm>
+          <a:prstGeom prst="line">
+            <a:avLst/>
+          </a:prstGeom>
+          <a:ln>
+            <a:solidFill>
+              <a:srgbClr val="1E3148"/>
+            </a:solidFill>
+          </a:ln>
+        </p:spPr>
+        <p:style>
+          <a:lnRef idx="1">
+            <a:schemeClr val="accent1"/>
+          </a:lnRef>
+          <a:fillRef idx="0">
+            <a:schemeClr val="accent1"/>
+          </a:fillRef>
+          <a:effectRef idx="0">
+            <a:schemeClr val="accent1"/>
+          </a:effectRef>
+          <a:fontRef idx="minor">
+            <a:schemeClr val="tx1"/>
+          </a:fontRef>
+        </p:style>
+      </p:cxnSp>
+      <p:pic>
+        <p:nvPicPr>
+          <p:cNvPr id="28" name="圖形 27" descr="目標對象">
+            <a:extLst>
+              <a:ext uri="{FF2B5EF4-FFF2-40B4-BE49-F238E27FC236}">
+                <a16:creationId xmlns:a16="http://schemas.microsoft.com/office/drawing/2014/main" id="{163CD058-570B-401F-BDA5-594BBEC288F9}"/>
+              </a:ext>
+            </a:extLst>
+          </p:cNvPr>
+          <p:cNvPicPr>
+            <a:picLocks noChangeAspect="1"/>
+          </p:cNvPicPr>
+          <p:nvPr/>
+        </p:nvPicPr>
+        <p:blipFill>
+          <a:blip r:embed="rId2">
+            <a:extLst>
+              <a:ext uri="{28A0092B-C50C-407E-A947-70E740481C1C}">
+                <a14:useLocalDpi xmlns:a14="http://schemas.microsoft.com/office/drawing/2010/main" val="0"/>
+              </a:ext>
+              <a:ext uri="{96DAC541-7B7A-43D3-8B79-37D633B846F1}">
+                <asvg:svgBlip xmlns:asvg="http://schemas.microsoft.com/office/drawing/2016/SVG/main" r:embed="rId3"/>
+              </a:ext>
+            </a:extLst>
+          </a:blip>
+          <a:stretch>
+            <a:fillRect/>
+          </a:stretch>
+        </p:blipFill>
+        <p:spPr>
+          <a:xfrm>
+            <a:off x="5696042" y="2323284"/>
+            <a:ext cx="1260000" cy="1260000"/>
+          </a:xfrm>
+          <a:prstGeom prst="rect">
+            <a:avLst/>
+          </a:prstGeom>
+        </p:spPr>
+      </p:pic>
+      <p:sp>
+        <p:nvSpPr>
+          <p:cNvPr id="7" name="AutoShape 2" descr="Insane messy line, complicated clew way on blue background. Tangled scribble path, chaotic difficult process way. Curved white line, solving a complex problem or quest. Vector illustration">
+            <a:extLst>
+              <a:ext uri="{FF2B5EF4-FFF2-40B4-BE49-F238E27FC236}">
+                <a16:creationId xmlns:a16="http://schemas.microsoft.com/office/drawing/2014/main" id="{ED584FE7-2743-463F-8859-550DB6147F42}"/>
+              </a:ext>
+            </a:extLst>
+          </p:cNvPr>
+          <p:cNvSpPr>
+            <a:spLocks noChangeAspect="1" noChangeArrowheads="1"/>
+          </p:cNvSpPr>
+          <p:nvPr/>
+        </p:nvSpPr>
+        <p:spPr bwMode="auto">
+          <a:xfrm>
+            <a:off x="4419600" y="3276600"/>
+            <a:ext cx="304800" cy="304800"/>
+          </a:xfrm>
+          <a:prstGeom prst="rect">
+            <a:avLst/>
+          </a:prstGeom>
+          <a:noFill/>
+          <a:extLst>
+            <a:ext uri="{909E8E84-426E-40DD-AFC4-6F175D3DCCD1}">
+              <a14:hiddenFill xmlns:a14="http://schemas.microsoft.com/office/drawing/2010/main">
+                <a:solidFill>
+                  <a:srgbClr val="FFFFFF"/>
+                </a:solidFill>
+              </a14:hiddenFill>
+            </a:ext>
+          </a:extLst>
+        </p:spPr>
+        <p:txBody>
+          <a:bodyPr vert="horz" wrap="square" lIns="91440" tIns="45720" rIns="91440" bIns="45720" numCol="1" anchor="t" anchorCtr="0" compatLnSpc="1">
+            <a:prstTxWarp prst="textNoShape">
+              <a:avLst/>
+            </a:prstTxWarp>
+          </a:bodyPr>
+          <a:lstStyle/>
+          <a:p>
+            <a:endParaRPr lang="zh-TW" altLang="en-US"/>
+          </a:p>
+        </p:txBody>
+      </p:sp>
+      <p:sp>
+        <p:nvSpPr>
+          <p:cNvPr id="10" name="箭號: 向右 9">
+            <a:extLst>
+              <a:ext uri="{FF2B5EF4-FFF2-40B4-BE49-F238E27FC236}">
+                <a16:creationId xmlns:a16="http://schemas.microsoft.com/office/drawing/2014/main" id="{F7C76E3F-6DE1-49A7-ACB8-2CC4DE556217}"/>
+              </a:ext>
+            </a:extLst>
+          </p:cNvPr>
+          <p:cNvSpPr/>
+          <p:nvPr/>
+        </p:nvSpPr>
+        <p:spPr>
+          <a:xfrm>
+            <a:off x="4346121" y="3491912"/>
+            <a:ext cx="302677" cy="304800"/>
+          </a:xfrm>
+          <a:prstGeom prst="rightArrow">
+            <a:avLst/>
+          </a:prstGeom>
+          <a:solidFill>
+            <a:srgbClr val="479793"/>
+          </a:solidFill>
+          <a:ln>
+            <a:solidFill>
+              <a:srgbClr val="479793"/>
+            </a:solidFill>
+          </a:ln>
+        </p:spPr>
+        <p:style>
+          <a:lnRef idx="2">
+            <a:schemeClr val="accent1">
+              <a:shade val="50000"/>
+            </a:schemeClr>
+          </a:lnRef>
+          <a:fillRef idx="1">
+            <a:schemeClr val="accent1"/>
+          </a:fillRef>
+          <a:effectRef idx="0">
+            <a:schemeClr val="accent1"/>
+          </a:effectRef>
+          <a:fontRef idx="minor">
+            <a:schemeClr val="lt1"/>
+          </a:fontRef>
+        </p:style>
+        <p:txBody>
+          <a:bodyPr rtlCol="0" anchor="ctr"/>
+          <a:lstStyle/>
+          <a:p>
+            <a:pPr algn="ctr"/>
+            <a:endParaRPr lang="zh-TW" altLang="en-US"/>
+          </a:p>
+        </p:txBody>
+      </p:sp>
+      <p:sp>
+        <p:nvSpPr>
+          <p:cNvPr id="11" name="文字方塊 10">
+            <a:extLst>
+              <a:ext uri="{FF2B5EF4-FFF2-40B4-BE49-F238E27FC236}">
+                <a16:creationId xmlns:a16="http://schemas.microsoft.com/office/drawing/2014/main" id="{79832523-3672-4F1F-854E-645D8E11C7F5}"/>
+              </a:ext>
+            </a:extLst>
+          </p:cNvPr>
+          <p:cNvSpPr txBox="1"/>
+          <p:nvPr/>
+        </p:nvSpPr>
+        <p:spPr>
+          <a:xfrm>
+            <a:off x="4848666" y="4124780"/>
+            <a:ext cx="2771616" cy="707886"/>
+          </a:xfrm>
+          <a:prstGeom prst="rect">
+            <a:avLst/>
+          </a:prstGeom>
+          <a:noFill/>
+        </p:spPr>
+        <p:txBody>
+          <a:bodyPr wrap="square" rtlCol="0">
+            <a:spAutoFit/>
+          </a:bodyPr>
+          <a:lstStyle/>
+          <a:p>
+            <a:r>
+              <a:rPr lang="zh-TW" altLang="en-US" sz="2000" b="1" dirty="0">
+                <a:solidFill>
+                  <a:schemeClr val="tx1">
+                    <a:lumMod val="75000"/>
+                    <a:lumOff val="25000"/>
+                  </a:schemeClr>
+                </a:solidFill>
+                <a:latin typeface="微軟正黑體" panose="020B0604030504040204" pitchFamily="34" charset="-120"/>
+                <a:ea typeface="微軟正黑體" panose="020B0604030504040204" pitchFamily="34" charset="-120"/>
+                <a:cs typeface="Arial" pitchFamily="34" charset="0"/>
+              </a:rPr>
+              <a:t>系統只展現重要的新聞內容及評分</a:t>
+            </a:r>
+            <a:r>
+              <a:rPr lang="en-US" altLang="zh-TW" sz="2000" b="1" dirty="0">
+                <a:solidFill>
+                  <a:schemeClr val="tx1">
+                    <a:lumMod val="75000"/>
+                    <a:lumOff val="25000"/>
+                  </a:schemeClr>
+                </a:solidFill>
+                <a:latin typeface="微軟正黑體" panose="020B0604030504040204" pitchFamily="34" charset="-120"/>
+                <a:ea typeface="微軟正黑體" panose="020B0604030504040204" pitchFamily="34" charset="-120"/>
+                <a:cs typeface="Arial" pitchFamily="34" charset="0"/>
+              </a:rPr>
+              <a:t>(-3.-2.2.3)</a:t>
+            </a:r>
+            <a:endParaRPr lang="zh-TW" altLang="en-US" sz="2000" b="1" dirty="0">
+              <a:solidFill>
+                <a:schemeClr val="tx1">
+                  <a:lumMod val="75000"/>
+                  <a:lumOff val="25000"/>
+                </a:schemeClr>
+              </a:solidFill>
+              <a:latin typeface="微軟正黑體" panose="020B0604030504040204" pitchFamily="34" charset="-120"/>
+              <a:ea typeface="微軟正黑體" panose="020B0604030504040204" pitchFamily="34" charset="-120"/>
+              <a:cs typeface="Arial" pitchFamily="34" charset="0"/>
+            </a:endParaRPr>
+          </a:p>
+        </p:txBody>
+      </p:sp>
+      <p:pic>
+        <p:nvPicPr>
+          <p:cNvPr id="15" name="圖形 14">
+            <a:extLst>
+              <a:ext uri="{FF2B5EF4-FFF2-40B4-BE49-F238E27FC236}">
+                <a16:creationId xmlns:a16="http://schemas.microsoft.com/office/drawing/2014/main" id="{C587C9A6-44F1-4A38-893C-D572F9AB6B7A}"/>
+              </a:ext>
+            </a:extLst>
+          </p:cNvPr>
+          <p:cNvPicPr>
+            <a:picLocks noChangeAspect="1"/>
+          </p:cNvPicPr>
+          <p:nvPr/>
+        </p:nvPicPr>
+        <p:blipFill>
+          <a:blip r:embed="rId4">
+            <a:extLst>
+              <a:ext uri="{96DAC541-7B7A-43D3-8B79-37D633B846F1}">
+                <asvg:svgBlip xmlns:asvg="http://schemas.microsoft.com/office/drawing/2016/SVG/main" r:embed="rId5"/>
+              </a:ext>
+            </a:extLst>
+          </a:blip>
+          <a:stretch>
+            <a:fillRect/>
+          </a:stretch>
+        </p:blipFill>
+        <p:spPr>
+          <a:xfrm>
+            <a:off x="2050624" y="2323284"/>
+            <a:ext cx="1258633" cy="1258633"/>
+          </a:xfrm>
+          <a:prstGeom prst="rect">
+            <a:avLst/>
+          </a:prstGeom>
+        </p:spPr>
+      </p:pic>
+    </p:spTree>
+    <p:extLst>
+      <p:ext uri="{BB962C8B-B14F-4D97-AF65-F5344CB8AC3E}">
+        <p14:creationId xmlns:p14="http://schemas.microsoft.com/office/powerpoint/2010/main" val="3990154650"/>
+      </p:ext>
+    </p:extLst>
+  </p:cSld>
+  <p:clrMapOvr>
+    <a:masterClrMapping/>
+  </p:clrMapOvr>
+</p:sld>
+</file>
+
+<file path=ppt/slides/slide4.xml><?xml version="1.0" encoding="utf-8"?>
+<p:sld xmlns:a="http://schemas.openxmlformats.org/drawingml/2006/main" xmlns:r="http://schemas.openxmlformats.org/officeDocument/2006/relationships" xmlns:p="http://schemas.openxmlformats.org/presentationml/2006/main">
+  <p:cSld>
+    <p:spTree>
+      <p:nvGrpSpPr>
+        <p:cNvPr id="1" name=""/>
+        <p:cNvGrpSpPr/>
+        <p:nvPr/>
+      </p:nvGrpSpPr>
+      <p:grpSpPr>
+        <a:xfrm>
+          <a:off x="0" y="0"/>
+          <a:ext cx="0" cy="0"/>
+          <a:chOff x="0" y="0"/>
+          <a:chExt cx="0" cy="0"/>
+        </a:xfrm>
+      </p:grpSpPr>
+      <p:sp>
+        <p:nvSpPr>
+          <p:cNvPr id="2" name="標題 1">
+            <a:extLst>
+              <a:ext uri="{FF2B5EF4-FFF2-40B4-BE49-F238E27FC236}">
+                <a16:creationId xmlns:a16="http://schemas.microsoft.com/office/drawing/2014/main" id="{21D46EF1-12EA-C94F-9F03-C7FE589E8C7A}"/>
+              </a:ext>
+            </a:extLst>
+          </p:cNvPr>
+          <p:cNvSpPr>
+            <a:spLocks noGrp="1"/>
+          </p:cNvSpPr>
+          <p:nvPr>
+            <p:ph type="title"/>
+          </p:nvPr>
+        </p:nvSpPr>
+        <p:spPr/>
+        <p:txBody>
+          <a:bodyPr>
+            <a:normAutofit/>
+          </a:bodyPr>
+          <a:lstStyle/>
+          <a:p>
+            <a:r>
+              <a:rPr lang="zh-TW" altLang="en-US" dirty="0"/>
+              <a:t>智能新聞評分系統</a:t>
+            </a:r>
+            <a:endParaRPr kumimoji="1" lang="zh-TW" altLang="en-US" dirty="0"/>
+          </a:p>
+        </p:txBody>
+      </p:sp>
+      <p:sp>
+        <p:nvSpPr>
+          <p:cNvPr id="4" name="日期版面配置區 3">
+            <a:extLst>
+              <a:ext uri="{FF2B5EF4-FFF2-40B4-BE49-F238E27FC236}">
+                <a16:creationId xmlns:a16="http://schemas.microsoft.com/office/drawing/2014/main" id="{190A1806-A5E7-ED48-84B7-A10F862FB7D3}"/>
+              </a:ext>
+            </a:extLst>
+          </p:cNvPr>
+          <p:cNvSpPr>
+            <a:spLocks noGrp="1"/>
+          </p:cNvSpPr>
+          <p:nvPr>
+            <p:ph type="dt" sz="half" idx="10"/>
+          </p:nvPr>
+        </p:nvSpPr>
+        <p:spPr/>
+        <p:txBody>
+          <a:bodyPr/>
+          <a:lstStyle/>
+          <a:p>
+            <a:fld id="{868F4FC5-FE50-A64D-A7E3-22233A0C6925}" type="datetime1">
+              <a:rPr kumimoji="1" lang="zh-TW" altLang="en-US" smtClean="0"/>
+              <a:t>2020/6/18</a:t>
+            </a:fld>
+            <a:endParaRPr kumimoji="1" lang="zh-TW" altLang="en-US" dirty="0"/>
+          </a:p>
+        </p:txBody>
+      </p:sp>
+      <p:sp>
+        <p:nvSpPr>
+          <p:cNvPr id="5" name="投影片編號版面配置區 4">
+            <a:extLst>
+              <a:ext uri="{FF2B5EF4-FFF2-40B4-BE49-F238E27FC236}">
+                <a16:creationId xmlns:a16="http://schemas.microsoft.com/office/drawing/2014/main" id="{DABF132B-1148-4041-B62C-1765B1EFCE4B}"/>
+              </a:ext>
+            </a:extLst>
+          </p:cNvPr>
+          <p:cNvSpPr>
+            <a:spLocks noGrp="1"/>
+          </p:cNvSpPr>
+          <p:nvPr>
+            <p:ph type="sldNum" sz="quarter" idx="12"/>
+          </p:nvPr>
+        </p:nvSpPr>
+        <p:spPr>
+          <a:xfrm>
+            <a:off x="3317421" y="5664499"/>
+            <a:ext cx="2057400" cy="365125"/>
+          </a:xfrm>
+        </p:spPr>
+        <p:txBody>
+          <a:bodyPr/>
+          <a:lstStyle/>
+          <a:p>
+            <a:fld id="{80929F01-733D-5847-83A7-C9CEA74310DB}" type="slidenum">
+              <a:rPr kumimoji="1" lang="zh-TW" altLang="en-US" smtClean="0"/>
+              <a:pPr/>
+              <a:t>4</a:t>
+            </a:fld>
+            <a:endParaRPr kumimoji="1" lang="zh-TW" altLang="en-US" dirty="0"/>
+          </a:p>
+        </p:txBody>
+      </p:sp>
+      <p:sp>
+        <p:nvSpPr>
+          <p:cNvPr id="18" name="矩形: 圓角 17">
+            <a:extLst>
+              <a:ext uri="{FF2B5EF4-FFF2-40B4-BE49-F238E27FC236}">
+                <a16:creationId xmlns:a16="http://schemas.microsoft.com/office/drawing/2014/main" id="{10E691B8-349B-497A-ADA3-DE29AAE7C2E1}"/>
+              </a:ext>
+            </a:extLst>
+          </p:cNvPr>
+          <p:cNvSpPr/>
+          <p:nvPr/>
+        </p:nvSpPr>
+        <p:spPr>
+          <a:xfrm>
+            <a:off x="1182828" y="1290384"/>
+            <a:ext cx="3083282" cy="4673579"/>
+          </a:xfrm>
+          <a:prstGeom prst="roundRect">
+            <a:avLst>
+              <a:gd name="adj" fmla="val 17459"/>
+            </a:avLst>
+          </a:prstGeom>
+          <a:solidFill>
+            <a:srgbClr val="479793"/>
+          </a:solidFill>
+          <a:ln>
+            <a:noFill/>
+          </a:ln>
+        </p:spPr>
+        <p:style>
+          <a:lnRef idx="2">
+            <a:schemeClr val="accent1">
+              <a:shade val="50000"/>
+            </a:schemeClr>
+          </a:lnRef>
+          <a:fillRef idx="1">
+            <a:schemeClr val="accent1"/>
+          </a:fillRef>
+          <a:effectRef idx="0">
+            <a:schemeClr val="accent1"/>
+          </a:effectRef>
+          <a:fontRef idx="minor">
+            <a:schemeClr val="lt1"/>
+          </a:fontRef>
+        </p:style>
+        <p:txBody>
+          <a:bodyPr rtlCol="0" anchor="ctr"/>
+          <a:lstStyle/>
+          <a:p>
+            <a:pPr algn="ctr"/>
+            <a:endParaRPr lang="zh-TW" altLang="en-US"/>
+          </a:p>
+        </p:txBody>
+      </p:sp>
+      <p:sp>
+        <p:nvSpPr>
+          <p:cNvPr id="19" name="矩形: 圓角 18">
+            <a:extLst>
+              <a:ext uri="{FF2B5EF4-FFF2-40B4-BE49-F238E27FC236}">
+                <a16:creationId xmlns:a16="http://schemas.microsoft.com/office/drawing/2014/main" id="{F842659E-8366-45A6-9871-7D605A1E68A6}"/>
+              </a:ext>
+            </a:extLst>
+          </p:cNvPr>
+          <p:cNvSpPr/>
+          <p:nvPr/>
+        </p:nvSpPr>
+        <p:spPr>
+          <a:xfrm>
+            <a:off x="4692833" y="1290385"/>
+            <a:ext cx="3083282" cy="4673579"/>
+          </a:xfrm>
+          <a:prstGeom prst="roundRect">
+            <a:avLst>
+              <a:gd name="adj" fmla="val 17459"/>
+            </a:avLst>
+          </a:prstGeom>
+          <a:solidFill>
+            <a:srgbClr val="479793"/>
+          </a:solidFill>
+          <a:ln>
+            <a:noFill/>
+          </a:ln>
+        </p:spPr>
+        <p:style>
+          <a:lnRef idx="2">
+            <a:schemeClr val="accent1">
+              <a:shade val="50000"/>
+            </a:schemeClr>
+          </a:lnRef>
+          <a:fillRef idx="1">
+            <a:schemeClr val="accent1"/>
+          </a:fillRef>
+          <a:effectRef idx="0">
+            <a:schemeClr val="accent1"/>
+          </a:effectRef>
+          <a:fontRef idx="minor">
+            <a:schemeClr val="lt1"/>
+          </a:fontRef>
+        </p:style>
+        <p:txBody>
+          <a:bodyPr rtlCol="0" anchor="ctr"/>
+          <a:lstStyle/>
+          <a:p>
+            <a:pPr algn="ctr"/>
+            <a:endParaRPr lang="zh-TW" altLang="en-US"/>
+          </a:p>
+        </p:txBody>
+      </p:sp>
+      <p:sp>
+        <p:nvSpPr>
+          <p:cNvPr id="20" name="矩形 19">
+            <a:extLst>
+              <a:ext uri="{FF2B5EF4-FFF2-40B4-BE49-F238E27FC236}">
+                <a16:creationId xmlns:a16="http://schemas.microsoft.com/office/drawing/2014/main" id="{4B0549B0-887E-43C0-8F51-204A431FDF36}"/>
+              </a:ext>
+            </a:extLst>
+          </p:cNvPr>
+          <p:cNvSpPr/>
+          <p:nvPr/>
+        </p:nvSpPr>
+        <p:spPr>
+          <a:xfrm>
+            <a:off x="1957032" y="1543272"/>
+            <a:ext cx="1620958" cy="523220"/>
+          </a:xfrm>
+          <a:prstGeom prst="rect">
+            <a:avLst/>
+          </a:prstGeom>
+        </p:spPr>
+        <p:txBody>
+          <a:bodyPr wrap="none">
+            <a:spAutoFit/>
+          </a:bodyPr>
+          <a:lstStyle/>
+          <a:p>
+            <a:pPr algn="ctr"/>
+            <a:r>
+              <a:rPr lang="zh-TW" altLang="en-US" sz="2800" b="1" dirty="0">
+                <a:solidFill>
+                  <a:schemeClr val="bg1"/>
+                </a:solidFill>
+                <a:latin typeface="微軟正黑體" panose="020B0604030504040204" pitchFamily="34" charset="-120"/>
+                <a:ea typeface="微軟正黑體" panose="020B0604030504040204" pitchFamily="34" charset="-120"/>
+                <a:cs typeface="Arial" pitchFamily="34" charset="0"/>
+              </a:rPr>
+              <a:t>評分延遲</a:t>
+            </a:r>
+            <a:endParaRPr lang="ko-KR" altLang="en-US" sz="2800" b="1" dirty="0">
+              <a:solidFill>
+                <a:schemeClr val="bg1"/>
+              </a:solidFill>
+              <a:latin typeface="微軟正黑體" panose="020B0604030504040204" pitchFamily="34" charset="-120"/>
+              <a:cs typeface="Arial" pitchFamily="34" charset="0"/>
+            </a:endParaRPr>
+          </a:p>
+        </p:txBody>
+      </p:sp>
+      <p:sp>
+        <p:nvSpPr>
+          <p:cNvPr id="21" name="矩形 20">
+            <a:extLst>
+              <a:ext uri="{FF2B5EF4-FFF2-40B4-BE49-F238E27FC236}">
+                <a16:creationId xmlns:a16="http://schemas.microsoft.com/office/drawing/2014/main" id="{09582A5B-3453-4618-AD4E-59A44E8A4985}"/>
+              </a:ext>
+            </a:extLst>
+          </p:cNvPr>
+          <p:cNvSpPr/>
+          <p:nvPr/>
+        </p:nvSpPr>
+        <p:spPr>
+          <a:xfrm>
+            <a:off x="4692833" y="1506797"/>
+            <a:ext cx="3180059" cy="523220"/>
+          </a:xfrm>
+          <a:prstGeom prst="rect">
+            <a:avLst/>
+          </a:prstGeom>
+        </p:spPr>
+        <p:txBody>
+          <a:bodyPr wrap="square">
+            <a:spAutoFit/>
+          </a:bodyPr>
+          <a:lstStyle/>
+          <a:p>
+            <a:pPr algn="ctr"/>
+            <a:r>
+              <a:rPr lang="zh-TW" altLang="en-US" sz="2800" b="1" dirty="0">
+                <a:solidFill>
+                  <a:schemeClr val="bg1"/>
+                </a:solidFill>
+                <a:latin typeface="微軟正黑體" panose="020B0604030504040204" pitchFamily="34" charset="-120"/>
+                <a:ea typeface="微軟正黑體" panose="020B0604030504040204" pitchFamily="34" charset="-120"/>
+                <a:cs typeface="Arial" pitchFamily="34" charset="0"/>
+              </a:rPr>
+              <a:t>新聞爬蟲</a:t>
+            </a:r>
+          </a:p>
+        </p:txBody>
+      </p:sp>
+      <p:sp>
+        <p:nvSpPr>
+          <p:cNvPr id="22" name="矩形 21">
+            <a:extLst>
+              <a:ext uri="{FF2B5EF4-FFF2-40B4-BE49-F238E27FC236}">
+                <a16:creationId xmlns:a16="http://schemas.microsoft.com/office/drawing/2014/main" id="{B5C121C9-1F39-4D40-A50E-B2C760204A33}"/>
+              </a:ext>
+            </a:extLst>
+          </p:cNvPr>
+          <p:cNvSpPr/>
+          <p:nvPr/>
+        </p:nvSpPr>
+        <p:spPr>
+          <a:xfrm>
+            <a:off x="1308996" y="4171637"/>
+            <a:ext cx="2957114" cy="1015663"/>
+          </a:xfrm>
+          <a:prstGeom prst="rect">
+            <a:avLst/>
+          </a:prstGeom>
+        </p:spPr>
+        <p:txBody>
+          <a:bodyPr wrap="square">
+            <a:spAutoFit/>
+          </a:bodyPr>
+          <a:lstStyle/>
+          <a:p>
+            <a:pPr algn="ctr"/>
+            <a:r>
+              <a:rPr lang="zh-TW" altLang="en-US" sz="2000" b="1" dirty="0">
+                <a:solidFill>
+                  <a:schemeClr val="tx1">
+                    <a:lumMod val="75000"/>
+                    <a:lumOff val="25000"/>
+                  </a:schemeClr>
+                </a:solidFill>
+                <a:latin typeface="微軟正黑體" panose="020B0604030504040204" pitchFamily="34" charset="-120"/>
+                <a:ea typeface="微軟正黑體" panose="020B0604030504040204" pitchFamily="34" charset="-120"/>
+                <a:cs typeface="Arial" pitchFamily="34" charset="0"/>
+              </a:rPr>
+              <a:t>無法及時掌握新聞之影響</a:t>
+            </a:r>
+            <a:endParaRPr lang="en-US" altLang="zh-TW" sz="2000" b="1" dirty="0">
+              <a:solidFill>
+                <a:schemeClr val="tx1">
+                  <a:lumMod val="75000"/>
+                  <a:lumOff val="25000"/>
+                </a:schemeClr>
+              </a:solidFill>
+              <a:latin typeface="微軟正黑體" panose="020B0604030504040204" pitchFamily="34" charset="-120"/>
+              <a:ea typeface="微軟正黑體" panose="020B0604030504040204" pitchFamily="34" charset="-120"/>
+              <a:cs typeface="Arial" pitchFamily="34" charset="0"/>
+            </a:endParaRPr>
+          </a:p>
+          <a:p>
+            <a:pPr algn="ctr"/>
+            <a:endParaRPr lang="zh-TW" altLang="en-US" sz="2000" b="1" dirty="0">
+              <a:solidFill>
+                <a:schemeClr val="bg1"/>
+              </a:solidFill>
+            </a:endParaRPr>
+          </a:p>
+        </p:txBody>
+      </p:sp>
+      <p:cxnSp>
+        <p:nvCxnSpPr>
+          <p:cNvPr id="24" name="直線接點 23">
+            <a:extLst>
+              <a:ext uri="{FF2B5EF4-FFF2-40B4-BE49-F238E27FC236}">
+                <a16:creationId xmlns:a16="http://schemas.microsoft.com/office/drawing/2014/main" id="{F0CF4B5F-62D3-4A4F-AADD-1E6F0F429FCA}"/>
+              </a:ext>
+            </a:extLst>
+          </p:cNvPr>
+          <p:cNvCxnSpPr/>
+          <p:nvPr/>
+        </p:nvCxnSpPr>
+        <p:spPr>
+          <a:xfrm>
+            <a:off x="1715951" y="4037013"/>
+            <a:ext cx="2103120" cy="0"/>
+          </a:xfrm>
+          <a:prstGeom prst="line">
+            <a:avLst/>
+          </a:prstGeom>
+          <a:ln>
+            <a:solidFill>
+              <a:schemeClr val="bg1"/>
+            </a:solidFill>
+          </a:ln>
+        </p:spPr>
+        <p:style>
+          <a:lnRef idx="1">
+            <a:schemeClr val="accent1"/>
+          </a:lnRef>
+          <a:fillRef idx="0">
+            <a:schemeClr val="accent1"/>
+          </a:fillRef>
+          <a:effectRef idx="0">
+            <a:schemeClr val="accent1"/>
+          </a:effectRef>
+          <a:fontRef idx="minor">
+            <a:schemeClr val="tx1"/>
+          </a:fontRef>
+        </p:style>
+      </p:cxnSp>
+      <p:cxnSp>
+        <p:nvCxnSpPr>
+          <p:cNvPr id="25" name="直線接點 24">
+            <a:extLst>
+              <a:ext uri="{FF2B5EF4-FFF2-40B4-BE49-F238E27FC236}">
+                <a16:creationId xmlns:a16="http://schemas.microsoft.com/office/drawing/2014/main" id="{57FA8200-1752-4F0A-9B86-6963388EC601}"/>
+              </a:ext>
+            </a:extLst>
+          </p:cNvPr>
+          <p:cNvCxnSpPr/>
+          <p:nvPr/>
+        </p:nvCxnSpPr>
+        <p:spPr>
+          <a:xfrm>
+            <a:off x="5182914" y="4037013"/>
+            <a:ext cx="2103120" cy="0"/>
+          </a:xfrm>
+          <a:prstGeom prst="line">
+            <a:avLst/>
+          </a:prstGeom>
+          <a:ln>
+            <a:solidFill>
+              <a:srgbClr val="1E3148"/>
+            </a:solidFill>
+          </a:ln>
+        </p:spPr>
+        <p:style>
+          <a:lnRef idx="1">
+            <a:schemeClr val="accent1"/>
+          </a:lnRef>
+          <a:fillRef idx="0">
+            <a:schemeClr val="accent1"/>
+          </a:fillRef>
+          <a:effectRef idx="0">
+            <a:schemeClr val="accent1"/>
+          </a:effectRef>
+          <a:fontRef idx="minor">
+            <a:schemeClr val="tx1"/>
+          </a:fontRef>
+        </p:style>
+      </p:cxnSp>
+      <p:sp>
+        <p:nvSpPr>
+          <p:cNvPr id="7" name="AutoShape 2" descr="Insane messy line, complicated clew way on blue background. Tangled scribble path, chaotic difficult process way. Curved white line, solving a complex problem or quest. Vector illustration">
+            <a:extLst>
+              <a:ext uri="{FF2B5EF4-FFF2-40B4-BE49-F238E27FC236}">
+                <a16:creationId xmlns:a16="http://schemas.microsoft.com/office/drawing/2014/main" id="{ED584FE7-2743-463F-8859-550DB6147F42}"/>
+              </a:ext>
+            </a:extLst>
+          </p:cNvPr>
+          <p:cNvSpPr>
+            <a:spLocks noChangeAspect="1" noChangeArrowheads="1"/>
+          </p:cNvSpPr>
+          <p:nvPr/>
+        </p:nvSpPr>
+        <p:spPr bwMode="auto">
+          <a:xfrm>
+            <a:off x="4419600" y="3276600"/>
+            <a:ext cx="304800" cy="304800"/>
+          </a:xfrm>
+          <a:prstGeom prst="rect">
+            <a:avLst/>
+          </a:prstGeom>
+          <a:noFill/>
+          <a:extLst>
+            <a:ext uri="{909E8E84-426E-40DD-AFC4-6F175D3DCCD1}">
+              <a14:hiddenFill xmlns:a14="http://schemas.microsoft.com/office/drawing/2010/main">
+                <a:solidFill>
+                  <a:srgbClr val="FFFFFF"/>
+                </a:solidFill>
+              </a14:hiddenFill>
+            </a:ext>
+          </a:extLst>
+        </p:spPr>
+        <p:txBody>
+          <a:bodyPr vert="horz" wrap="square" lIns="91440" tIns="45720" rIns="91440" bIns="45720" numCol="1" anchor="t" anchorCtr="0" compatLnSpc="1">
+            <a:prstTxWarp prst="textNoShape">
+              <a:avLst/>
+            </a:prstTxWarp>
+          </a:bodyPr>
+          <a:lstStyle/>
+          <a:p>
+            <a:endParaRPr lang="zh-TW" altLang="en-US"/>
+          </a:p>
+        </p:txBody>
+      </p:sp>
+      <p:sp>
+        <p:nvSpPr>
+          <p:cNvPr id="10" name="箭號: 向右 9">
+            <a:extLst>
+              <a:ext uri="{FF2B5EF4-FFF2-40B4-BE49-F238E27FC236}">
+                <a16:creationId xmlns:a16="http://schemas.microsoft.com/office/drawing/2014/main" id="{F7C76E3F-6DE1-49A7-ACB8-2CC4DE556217}"/>
+              </a:ext>
+            </a:extLst>
+          </p:cNvPr>
+          <p:cNvSpPr/>
+          <p:nvPr/>
+        </p:nvSpPr>
+        <p:spPr>
+          <a:xfrm>
+            <a:off x="4346121" y="3491912"/>
+            <a:ext cx="302677" cy="304800"/>
+          </a:xfrm>
+          <a:prstGeom prst="rightArrow">
+            <a:avLst/>
+          </a:prstGeom>
+          <a:solidFill>
+            <a:srgbClr val="479793"/>
+          </a:solidFill>
+          <a:ln>
+            <a:solidFill>
+              <a:srgbClr val="479793"/>
+            </a:solidFill>
+          </a:ln>
+        </p:spPr>
+        <p:style>
+          <a:lnRef idx="2">
+            <a:schemeClr val="accent1">
+              <a:shade val="50000"/>
+            </a:schemeClr>
+          </a:lnRef>
+          <a:fillRef idx="1">
+            <a:schemeClr val="accent1"/>
+          </a:fillRef>
+          <a:effectRef idx="0">
+            <a:schemeClr val="accent1"/>
+          </a:effectRef>
+          <a:fontRef idx="minor">
+            <a:schemeClr val="lt1"/>
+          </a:fontRef>
+        </p:style>
+        <p:txBody>
+          <a:bodyPr rtlCol="0" anchor="ctr"/>
+          <a:lstStyle/>
+          <a:p>
+            <a:pPr algn="ctr"/>
+            <a:endParaRPr lang="zh-TW" altLang="en-US"/>
+          </a:p>
+        </p:txBody>
+      </p:sp>
+      <p:pic>
+        <p:nvPicPr>
+          <p:cNvPr id="12" name="圖形 11">
+            <a:extLst>
+              <a:ext uri="{FF2B5EF4-FFF2-40B4-BE49-F238E27FC236}">
+                <a16:creationId xmlns:a16="http://schemas.microsoft.com/office/drawing/2014/main" id="{78E74DB9-C5DE-489F-8D5B-030E484471C6}"/>
+              </a:ext>
+            </a:extLst>
+          </p:cNvPr>
+          <p:cNvPicPr>
+            <a:picLocks noChangeAspect="1"/>
+          </p:cNvPicPr>
+          <p:nvPr/>
+        </p:nvPicPr>
+        <p:blipFill>
+          <a:blip r:embed="rId2">
+            <a:extLst>
+              <a:ext uri="{96DAC541-7B7A-43D3-8B79-37D633B846F1}">
+                <asvg:svgBlip xmlns:asvg="http://schemas.microsoft.com/office/drawing/2016/SVG/main" r:embed="rId3"/>
+              </a:ext>
+            </a:extLst>
+          </a:blip>
+          <a:stretch>
+            <a:fillRect/>
+          </a:stretch>
+        </p:blipFill>
+        <p:spPr>
+          <a:xfrm>
+            <a:off x="2137511" y="2217442"/>
+            <a:ext cx="1260000" cy="1260000"/>
+          </a:xfrm>
+          <a:prstGeom prst="rect">
+            <a:avLst/>
+          </a:prstGeom>
+        </p:spPr>
+      </p:pic>
+      <p:sp>
+        <p:nvSpPr>
+          <p:cNvPr id="23" name="矩形 22">
+            <a:extLst>
+              <a:ext uri="{FF2B5EF4-FFF2-40B4-BE49-F238E27FC236}">
+                <a16:creationId xmlns:a16="http://schemas.microsoft.com/office/drawing/2014/main" id="{7E94A73C-85F1-46A7-93F6-E828E8E0C04B}"/>
+              </a:ext>
+            </a:extLst>
+          </p:cNvPr>
+          <p:cNvSpPr/>
+          <p:nvPr/>
+        </p:nvSpPr>
+        <p:spPr>
+          <a:xfrm>
+            <a:off x="4897932" y="4113116"/>
+            <a:ext cx="2957114" cy="1323439"/>
+          </a:xfrm>
+          <a:prstGeom prst="rect">
+            <a:avLst/>
+          </a:prstGeom>
+        </p:spPr>
+        <p:txBody>
+          <a:bodyPr wrap="square">
+            <a:spAutoFit/>
+          </a:bodyPr>
+          <a:lstStyle/>
+          <a:p>
+            <a:r>
+              <a:rPr lang="zh-TW" altLang="en-US" sz="2000" b="1" dirty="0">
+                <a:solidFill>
+                  <a:schemeClr val="tx1">
+                    <a:lumMod val="75000"/>
+                    <a:lumOff val="25000"/>
+                  </a:schemeClr>
+                </a:solidFill>
+                <a:latin typeface="微軟正黑體" panose="020B0604030504040204" pitchFamily="34" charset="-120"/>
+                <a:ea typeface="微軟正黑體" panose="020B0604030504040204" pitchFamily="34" charset="-120"/>
+                <a:cs typeface="Arial" pitchFamily="34" charset="0"/>
+              </a:rPr>
+              <a:t>針對公開資訊觀測站，每十秒爬一次，即時更新</a:t>
+            </a:r>
+            <a:endParaRPr lang="en-US" altLang="zh-TW" sz="2000" b="1" dirty="0">
+              <a:solidFill>
+                <a:schemeClr val="tx1">
+                  <a:lumMod val="75000"/>
+                  <a:lumOff val="25000"/>
+                </a:schemeClr>
+              </a:solidFill>
+              <a:latin typeface="微軟正黑體" panose="020B0604030504040204" pitchFamily="34" charset="-120"/>
+              <a:ea typeface="微軟正黑體" panose="020B0604030504040204" pitchFamily="34" charset="-120"/>
+              <a:cs typeface="Arial" pitchFamily="34" charset="0"/>
+            </a:endParaRPr>
+          </a:p>
+          <a:p>
+            <a:pPr algn="ctr"/>
+            <a:endParaRPr lang="zh-TW" altLang="en-US" sz="2000" b="1" dirty="0">
+              <a:solidFill>
+                <a:schemeClr val="bg1"/>
+              </a:solidFill>
+            </a:endParaRPr>
+          </a:p>
+        </p:txBody>
+      </p:sp>
+      <p:pic>
+        <p:nvPicPr>
+          <p:cNvPr id="14" name="圖形 13">
+            <a:extLst>
+              <a:ext uri="{FF2B5EF4-FFF2-40B4-BE49-F238E27FC236}">
+                <a16:creationId xmlns:a16="http://schemas.microsoft.com/office/drawing/2014/main" id="{144B4B42-2D44-476F-A8C3-5BFE4D8FA985}"/>
+              </a:ext>
+            </a:extLst>
+          </p:cNvPr>
+          <p:cNvPicPr>
+            <a:picLocks noChangeAspect="1"/>
+          </p:cNvPicPr>
+          <p:nvPr/>
+        </p:nvPicPr>
+        <p:blipFill>
+          <a:blip r:embed="rId4">
+            <a:extLst>
+              <a:ext uri="{96DAC541-7B7A-43D3-8B79-37D633B846F1}">
+                <asvg:svgBlip xmlns:asvg="http://schemas.microsoft.com/office/drawing/2016/SVG/main" r:embed="rId5"/>
+              </a:ext>
+            </a:extLst>
+          </a:blip>
+          <a:stretch>
+            <a:fillRect/>
+          </a:stretch>
+        </p:blipFill>
+        <p:spPr>
+          <a:xfrm>
+            <a:off x="5652862" y="2169000"/>
+            <a:ext cx="1260000" cy="1260000"/>
+          </a:xfrm>
+          <a:prstGeom prst="rect">
+            <a:avLst/>
+          </a:prstGeom>
+        </p:spPr>
+      </p:pic>
+    </p:spTree>
+    <p:extLst>
+      <p:ext uri="{BB962C8B-B14F-4D97-AF65-F5344CB8AC3E}">
+        <p14:creationId xmlns:p14="http://schemas.microsoft.com/office/powerpoint/2010/main" val="1859702432"/>
+      </p:ext>
+    </p:extLst>
+  </p:cSld>
+  <p:clrMapOvr>
+    <a:masterClrMapping/>
+  </p:clrMapOvr>
+</p:sld>
+</file>
+
+<file path=ppt/slides/slide5.xml><?xml version="1.0" encoding="utf-8"?>
+<p:sld xmlns:a="http://schemas.openxmlformats.org/drawingml/2006/main" xmlns:r="http://schemas.openxmlformats.org/officeDocument/2006/relationships" xmlns:p="http://schemas.openxmlformats.org/presentationml/2006/main">
+  <p:cSld>
+    <p:spTree>
+      <p:nvGrpSpPr>
+        <p:cNvPr id="1" name=""/>
+        <p:cNvGrpSpPr/>
+        <p:nvPr/>
+      </p:nvGrpSpPr>
+      <p:grpSpPr>
+        <a:xfrm>
+          <a:off x="0" y="0"/>
+          <a:ext cx="0" cy="0"/>
+          <a:chOff x="0" y="0"/>
+          <a:chExt cx="0" cy="0"/>
+        </a:xfrm>
+      </p:grpSpPr>
+      <p:sp>
+        <p:nvSpPr>
+          <p:cNvPr id="2" name="標題 1">
+            <a:extLst>
+              <a:ext uri="{FF2B5EF4-FFF2-40B4-BE49-F238E27FC236}">
+                <a16:creationId xmlns:a16="http://schemas.microsoft.com/office/drawing/2014/main" id="{21D46EF1-12EA-C94F-9F03-C7FE589E8C7A}"/>
+              </a:ext>
+            </a:extLst>
+          </p:cNvPr>
+          <p:cNvSpPr>
+            <a:spLocks noGrp="1"/>
+          </p:cNvSpPr>
+          <p:nvPr>
+            <p:ph type="title"/>
+          </p:nvPr>
+        </p:nvSpPr>
+        <p:spPr/>
+        <p:txBody>
+          <a:bodyPr>
+            <a:normAutofit/>
+          </a:bodyPr>
+          <a:lstStyle/>
+          <a:p>
+            <a:r>
+              <a:rPr lang="zh-TW" altLang="en-US" dirty="0"/>
+              <a:t>智能新聞評分系統</a:t>
+            </a:r>
+            <a:endParaRPr kumimoji="1" lang="zh-TW" altLang="en-US" dirty="0"/>
+          </a:p>
+        </p:txBody>
+      </p:sp>
+      <p:sp>
+        <p:nvSpPr>
+          <p:cNvPr id="4" name="日期版面配置區 3">
+            <a:extLst>
+              <a:ext uri="{FF2B5EF4-FFF2-40B4-BE49-F238E27FC236}">
+                <a16:creationId xmlns:a16="http://schemas.microsoft.com/office/drawing/2014/main" id="{190A1806-A5E7-ED48-84B7-A10F862FB7D3}"/>
+              </a:ext>
+            </a:extLst>
+          </p:cNvPr>
+          <p:cNvSpPr>
+            <a:spLocks noGrp="1"/>
+          </p:cNvSpPr>
+          <p:nvPr>
+            <p:ph type="dt" sz="half" idx="10"/>
+          </p:nvPr>
+        </p:nvSpPr>
+        <p:spPr/>
+        <p:txBody>
+          <a:bodyPr/>
+          <a:lstStyle/>
+          <a:p>
+            <a:fld id="{868F4FC5-FE50-A64D-A7E3-22233A0C6925}" type="datetime1">
+              <a:rPr kumimoji="1" lang="zh-TW" altLang="en-US" smtClean="0"/>
+              <a:t>2020/6/18</a:t>
+            </a:fld>
+            <a:endParaRPr kumimoji="1" lang="zh-TW" altLang="en-US" dirty="0"/>
+          </a:p>
+        </p:txBody>
+      </p:sp>
+      <p:sp>
+        <p:nvSpPr>
+          <p:cNvPr id="5" name="投影片編號版面配置區 4">
+            <a:extLst>
+              <a:ext uri="{FF2B5EF4-FFF2-40B4-BE49-F238E27FC236}">
+                <a16:creationId xmlns:a16="http://schemas.microsoft.com/office/drawing/2014/main" id="{DABF132B-1148-4041-B62C-1765B1EFCE4B}"/>
+              </a:ext>
+            </a:extLst>
+          </p:cNvPr>
+          <p:cNvSpPr>
+            <a:spLocks noGrp="1"/>
+          </p:cNvSpPr>
+          <p:nvPr>
+            <p:ph type="sldNum" sz="quarter" idx="12"/>
+          </p:nvPr>
+        </p:nvSpPr>
+        <p:spPr>
+          <a:xfrm>
+            <a:off x="3317421" y="5664499"/>
+            <a:ext cx="2057400" cy="365125"/>
+          </a:xfrm>
+        </p:spPr>
+        <p:txBody>
+          <a:bodyPr/>
+          <a:lstStyle/>
+          <a:p>
+            <a:fld id="{80929F01-733D-5847-83A7-C9CEA74310DB}" type="slidenum">
+              <a:rPr kumimoji="1" lang="zh-TW" altLang="en-US" smtClean="0"/>
+              <a:pPr/>
+              <a:t>5</a:t>
+            </a:fld>
+            <a:endParaRPr kumimoji="1" lang="zh-TW" altLang="en-US" dirty="0"/>
+          </a:p>
+        </p:txBody>
+      </p:sp>
+      <p:sp>
+        <p:nvSpPr>
+          <p:cNvPr id="18" name="矩形: 圓角 17">
+            <a:extLst>
+              <a:ext uri="{FF2B5EF4-FFF2-40B4-BE49-F238E27FC236}">
+                <a16:creationId xmlns:a16="http://schemas.microsoft.com/office/drawing/2014/main" id="{10E691B8-349B-497A-ADA3-DE29AAE7C2E1}"/>
+              </a:ext>
+            </a:extLst>
+          </p:cNvPr>
+          <p:cNvSpPr/>
+          <p:nvPr/>
+        </p:nvSpPr>
+        <p:spPr>
+          <a:xfrm>
+            <a:off x="1182828" y="1290384"/>
+            <a:ext cx="3083282" cy="4673579"/>
+          </a:xfrm>
+          <a:prstGeom prst="roundRect">
+            <a:avLst>
+              <a:gd name="adj" fmla="val 17459"/>
+            </a:avLst>
+          </a:prstGeom>
+          <a:solidFill>
+            <a:srgbClr val="479793"/>
+          </a:solidFill>
+          <a:ln>
+            <a:noFill/>
+          </a:ln>
+        </p:spPr>
+        <p:style>
+          <a:lnRef idx="2">
+            <a:schemeClr val="accent1">
+              <a:shade val="50000"/>
+            </a:schemeClr>
+          </a:lnRef>
+          <a:fillRef idx="1">
+            <a:schemeClr val="accent1"/>
+          </a:fillRef>
+          <a:effectRef idx="0">
+            <a:schemeClr val="accent1"/>
+          </a:effectRef>
+          <a:fontRef idx="minor">
+            <a:schemeClr val="lt1"/>
+          </a:fontRef>
+        </p:style>
+        <p:txBody>
+          <a:bodyPr rtlCol="0" anchor="ctr"/>
+          <a:lstStyle/>
+          <a:p>
+            <a:pPr algn="ctr"/>
+            <a:endParaRPr lang="zh-TW" altLang="en-US"/>
+          </a:p>
+        </p:txBody>
+      </p:sp>
+      <p:sp>
+        <p:nvSpPr>
+          <p:cNvPr id="19" name="矩形: 圓角 18">
+            <a:extLst>
+              <a:ext uri="{FF2B5EF4-FFF2-40B4-BE49-F238E27FC236}">
+                <a16:creationId xmlns:a16="http://schemas.microsoft.com/office/drawing/2014/main" id="{F842659E-8366-45A6-9871-7D605A1E68A6}"/>
+              </a:ext>
+            </a:extLst>
+          </p:cNvPr>
+          <p:cNvSpPr/>
+          <p:nvPr/>
+        </p:nvSpPr>
+        <p:spPr>
+          <a:xfrm>
+            <a:off x="4692833" y="1290385"/>
+            <a:ext cx="3083282" cy="4673579"/>
+          </a:xfrm>
+          <a:prstGeom prst="roundRect">
+            <a:avLst>
+              <a:gd name="adj" fmla="val 17459"/>
+            </a:avLst>
+          </a:prstGeom>
+          <a:solidFill>
+            <a:srgbClr val="479793"/>
+          </a:solidFill>
+          <a:ln>
+            <a:noFill/>
+          </a:ln>
+        </p:spPr>
+        <p:style>
+          <a:lnRef idx="2">
+            <a:schemeClr val="accent1">
+              <a:shade val="50000"/>
+            </a:schemeClr>
+          </a:lnRef>
+          <a:fillRef idx="1">
+            <a:schemeClr val="accent1"/>
+          </a:fillRef>
+          <a:effectRef idx="0">
+            <a:schemeClr val="accent1"/>
+          </a:effectRef>
+          <a:fontRef idx="minor">
+            <a:schemeClr val="lt1"/>
+          </a:fontRef>
+        </p:style>
+        <p:txBody>
+          <a:bodyPr rtlCol="0" anchor="ctr"/>
+          <a:lstStyle/>
+          <a:p>
+            <a:pPr algn="ctr"/>
+            <a:endParaRPr lang="zh-TW" altLang="en-US"/>
+          </a:p>
+        </p:txBody>
+      </p:sp>
+      <p:sp>
+        <p:nvSpPr>
+          <p:cNvPr id="20" name="矩形 19">
+            <a:extLst>
+              <a:ext uri="{FF2B5EF4-FFF2-40B4-BE49-F238E27FC236}">
+                <a16:creationId xmlns:a16="http://schemas.microsoft.com/office/drawing/2014/main" id="{4B0549B0-887E-43C0-8F51-204A431FDF36}"/>
+              </a:ext>
+            </a:extLst>
+          </p:cNvPr>
+          <p:cNvSpPr/>
+          <p:nvPr/>
+        </p:nvSpPr>
+        <p:spPr>
+          <a:xfrm>
+            <a:off x="1375381" y="1553847"/>
+            <a:ext cx="2698176" cy="523220"/>
+          </a:xfrm>
+          <a:prstGeom prst="rect">
+            <a:avLst/>
+          </a:prstGeom>
+        </p:spPr>
+        <p:txBody>
+          <a:bodyPr wrap="none">
+            <a:spAutoFit/>
+          </a:bodyPr>
+          <a:lstStyle/>
+          <a:p>
+            <a:pPr algn="ctr"/>
+            <a:r>
+              <a:rPr lang="zh-TW" altLang="en-US" sz="2800" b="1" dirty="0">
+                <a:solidFill>
+                  <a:schemeClr val="bg1"/>
+                </a:solidFill>
+                <a:latin typeface="微軟正黑體" panose="020B0604030504040204" pitchFamily="34" charset="-120"/>
+                <a:ea typeface="微軟正黑體" panose="020B0604030504040204" pitchFamily="34" charset="-120"/>
+                <a:cs typeface="Arial" pitchFamily="34" charset="0"/>
+              </a:rPr>
+              <a:t>專家看法不一致</a:t>
+            </a:r>
+            <a:endParaRPr lang="ko-KR" altLang="en-US" sz="2800" b="1" dirty="0">
+              <a:solidFill>
+                <a:schemeClr val="bg1"/>
+              </a:solidFill>
+              <a:latin typeface="微軟正黑體" panose="020B0604030504040204" pitchFamily="34" charset="-120"/>
+              <a:cs typeface="Arial" pitchFamily="34" charset="0"/>
+            </a:endParaRPr>
+          </a:p>
+        </p:txBody>
+      </p:sp>
+      <p:sp>
+        <p:nvSpPr>
+          <p:cNvPr id="21" name="矩形 20">
+            <a:extLst>
+              <a:ext uri="{FF2B5EF4-FFF2-40B4-BE49-F238E27FC236}">
+                <a16:creationId xmlns:a16="http://schemas.microsoft.com/office/drawing/2014/main" id="{09582A5B-3453-4618-AD4E-59A44E8A4985}"/>
+              </a:ext>
+            </a:extLst>
+          </p:cNvPr>
+          <p:cNvSpPr/>
+          <p:nvPr/>
+        </p:nvSpPr>
+        <p:spPr>
+          <a:xfrm>
+            <a:off x="5487996" y="1553847"/>
+            <a:ext cx="1904273" cy="523220"/>
+          </a:xfrm>
+          <a:prstGeom prst="rect">
+            <a:avLst/>
+          </a:prstGeom>
+        </p:spPr>
+        <p:txBody>
+          <a:bodyPr wrap="square">
+            <a:spAutoFit/>
+          </a:bodyPr>
+          <a:lstStyle/>
+          <a:p>
+            <a:r>
+              <a:rPr lang="zh-TW" altLang="en-US" sz="2800" b="1" dirty="0">
+                <a:solidFill>
+                  <a:schemeClr val="bg1"/>
+                </a:solidFill>
+                <a:latin typeface="微軟正黑體" panose="020B0604030504040204" pitchFamily="34" charset="-120"/>
+                <a:ea typeface="微軟正黑體" panose="020B0604030504040204" pitchFamily="34" charset="-120"/>
+                <a:cs typeface="Arial" pitchFamily="34" charset="0"/>
+              </a:rPr>
+              <a:t>機器學習</a:t>
+            </a:r>
+          </a:p>
+        </p:txBody>
+      </p:sp>
+      <p:sp>
+        <p:nvSpPr>
+          <p:cNvPr id="22" name="矩形 21">
+            <a:extLst>
+              <a:ext uri="{FF2B5EF4-FFF2-40B4-BE49-F238E27FC236}">
+                <a16:creationId xmlns:a16="http://schemas.microsoft.com/office/drawing/2014/main" id="{B5C121C9-1F39-4D40-A50E-B2C760204A33}"/>
+              </a:ext>
+            </a:extLst>
+          </p:cNvPr>
+          <p:cNvSpPr/>
+          <p:nvPr/>
+        </p:nvSpPr>
+        <p:spPr>
+          <a:xfrm>
+            <a:off x="1245912" y="4200892"/>
+            <a:ext cx="2957114" cy="1015663"/>
+          </a:xfrm>
+          <a:prstGeom prst="rect">
+            <a:avLst/>
+          </a:prstGeom>
+        </p:spPr>
+        <p:txBody>
+          <a:bodyPr wrap="square">
+            <a:spAutoFit/>
+          </a:bodyPr>
+          <a:lstStyle/>
+          <a:p>
+            <a:r>
+              <a:rPr lang="zh-TW" altLang="en-US" sz="2000" b="1" dirty="0">
+                <a:solidFill>
+                  <a:schemeClr val="tx1">
+                    <a:lumMod val="75000"/>
+                    <a:lumOff val="25000"/>
+                  </a:schemeClr>
+                </a:solidFill>
+                <a:latin typeface="微軟正黑體" panose="020B0604030504040204" pitchFamily="34" charset="-120"/>
+                <a:ea typeface="微軟正黑體" panose="020B0604030504040204" pitchFamily="34" charset="-120"/>
+                <a:cs typeface="Arial" pitchFamily="34" charset="0"/>
+              </a:rPr>
+              <a:t>專家經驗判斷⽔平不⼀致</a:t>
+            </a:r>
+            <a:endParaRPr lang="en-US" altLang="zh-TW" sz="2000" b="1" dirty="0">
+              <a:solidFill>
+                <a:schemeClr val="tx1">
+                  <a:lumMod val="75000"/>
+                  <a:lumOff val="25000"/>
+                </a:schemeClr>
+              </a:solidFill>
+              <a:latin typeface="微軟正黑體" panose="020B0604030504040204" pitchFamily="34" charset="-120"/>
+              <a:ea typeface="微軟正黑體" panose="020B0604030504040204" pitchFamily="34" charset="-120"/>
+              <a:cs typeface="Arial" pitchFamily="34" charset="0"/>
+            </a:endParaRPr>
+          </a:p>
+          <a:p>
+            <a:pPr algn="ctr"/>
+            <a:endParaRPr lang="zh-TW" altLang="en-US" sz="2000" b="1" dirty="0">
+              <a:solidFill>
+                <a:schemeClr val="bg1"/>
+              </a:solidFill>
+            </a:endParaRPr>
+          </a:p>
+        </p:txBody>
+      </p:sp>
+      <p:cxnSp>
+        <p:nvCxnSpPr>
+          <p:cNvPr id="24" name="直線接點 23">
+            <a:extLst>
+              <a:ext uri="{FF2B5EF4-FFF2-40B4-BE49-F238E27FC236}">
+                <a16:creationId xmlns:a16="http://schemas.microsoft.com/office/drawing/2014/main" id="{F0CF4B5F-62D3-4A4F-AADD-1E6F0F429FCA}"/>
+              </a:ext>
+            </a:extLst>
+          </p:cNvPr>
+          <p:cNvCxnSpPr/>
+          <p:nvPr/>
+        </p:nvCxnSpPr>
+        <p:spPr>
+          <a:xfrm>
+            <a:off x="1715951" y="4037013"/>
+            <a:ext cx="2103120" cy="0"/>
+          </a:xfrm>
+          <a:prstGeom prst="line">
+            <a:avLst/>
+          </a:prstGeom>
+          <a:ln>
+            <a:solidFill>
+              <a:schemeClr val="bg1"/>
+            </a:solidFill>
+          </a:ln>
+        </p:spPr>
+        <p:style>
+          <a:lnRef idx="1">
+            <a:schemeClr val="accent1"/>
+          </a:lnRef>
+          <a:fillRef idx="0">
+            <a:schemeClr val="accent1"/>
+          </a:fillRef>
+          <a:effectRef idx="0">
+            <a:schemeClr val="accent1"/>
+          </a:effectRef>
+          <a:fontRef idx="minor">
+            <a:schemeClr val="tx1"/>
+          </a:fontRef>
+        </p:style>
+      </p:cxnSp>
+      <p:cxnSp>
+        <p:nvCxnSpPr>
+          <p:cNvPr id="25" name="直線接點 24">
+            <a:extLst>
+              <a:ext uri="{FF2B5EF4-FFF2-40B4-BE49-F238E27FC236}">
+                <a16:creationId xmlns:a16="http://schemas.microsoft.com/office/drawing/2014/main" id="{57FA8200-1752-4F0A-9B86-6963388EC601}"/>
+              </a:ext>
+            </a:extLst>
+          </p:cNvPr>
+          <p:cNvCxnSpPr/>
+          <p:nvPr/>
+        </p:nvCxnSpPr>
+        <p:spPr>
+          <a:xfrm>
+            <a:off x="5182914" y="4037013"/>
+            <a:ext cx="2103120" cy="0"/>
+          </a:xfrm>
+          <a:prstGeom prst="line">
+            <a:avLst/>
+          </a:prstGeom>
+          <a:ln>
+            <a:solidFill>
+              <a:srgbClr val="1E3148"/>
+            </a:solidFill>
+          </a:ln>
+        </p:spPr>
+        <p:style>
+          <a:lnRef idx="1">
+            <a:schemeClr val="accent1"/>
+          </a:lnRef>
+          <a:fillRef idx="0">
+            <a:schemeClr val="accent1"/>
+          </a:fillRef>
+          <a:effectRef idx="0">
+            <a:schemeClr val="accent1"/>
+          </a:effectRef>
+          <a:fontRef idx="minor">
+            <a:schemeClr val="tx1"/>
+          </a:fontRef>
+        </p:style>
+      </p:cxnSp>
+      <p:sp>
+        <p:nvSpPr>
+          <p:cNvPr id="7" name="AutoShape 2" descr="Insane messy line, complicated clew way on blue background. Tangled scribble path, chaotic difficult process way. Curved white line, solving a complex problem or quest. Vector illustration">
+            <a:extLst>
+              <a:ext uri="{FF2B5EF4-FFF2-40B4-BE49-F238E27FC236}">
+                <a16:creationId xmlns:a16="http://schemas.microsoft.com/office/drawing/2014/main" id="{ED584FE7-2743-463F-8859-550DB6147F42}"/>
+              </a:ext>
+            </a:extLst>
+          </p:cNvPr>
+          <p:cNvSpPr>
+            <a:spLocks noChangeAspect="1" noChangeArrowheads="1"/>
+          </p:cNvSpPr>
+          <p:nvPr/>
+        </p:nvSpPr>
+        <p:spPr bwMode="auto">
+          <a:xfrm>
+            <a:off x="4419600" y="3276600"/>
+            <a:ext cx="304800" cy="304800"/>
+          </a:xfrm>
+          <a:prstGeom prst="rect">
+            <a:avLst/>
+          </a:prstGeom>
+          <a:noFill/>
+          <a:extLst>
+            <a:ext uri="{909E8E84-426E-40DD-AFC4-6F175D3DCCD1}">
+              <a14:hiddenFill xmlns:a14="http://schemas.microsoft.com/office/drawing/2010/main">
+                <a:solidFill>
+                  <a:srgbClr val="FFFFFF"/>
+                </a:solidFill>
+              </a14:hiddenFill>
+            </a:ext>
+          </a:extLst>
+        </p:spPr>
+        <p:txBody>
+          <a:bodyPr vert="horz" wrap="square" lIns="91440" tIns="45720" rIns="91440" bIns="45720" numCol="1" anchor="t" anchorCtr="0" compatLnSpc="1">
+            <a:prstTxWarp prst="textNoShape">
+              <a:avLst/>
+            </a:prstTxWarp>
+          </a:bodyPr>
+          <a:lstStyle/>
+          <a:p>
+            <a:endParaRPr lang="zh-TW" altLang="en-US"/>
+          </a:p>
+        </p:txBody>
+      </p:sp>
+      <p:sp>
+        <p:nvSpPr>
+          <p:cNvPr id="10" name="箭號: 向右 9">
+            <a:extLst>
+              <a:ext uri="{FF2B5EF4-FFF2-40B4-BE49-F238E27FC236}">
+                <a16:creationId xmlns:a16="http://schemas.microsoft.com/office/drawing/2014/main" id="{F7C76E3F-6DE1-49A7-ACB8-2CC4DE556217}"/>
+              </a:ext>
+            </a:extLst>
+          </p:cNvPr>
+          <p:cNvSpPr/>
+          <p:nvPr/>
+        </p:nvSpPr>
+        <p:spPr>
+          <a:xfrm>
+            <a:off x="4346121" y="3491912"/>
+            <a:ext cx="302677" cy="304800"/>
+          </a:xfrm>
+          <a:prstGeom prst="rightArrow">
+            <a:avLst/>
+          </a:prstGeom>
+          <a:solidFill>
+            <a:srgbClr val="479793"/>
+          </a:solidFill>
+          <a:ln>
+            <a:solidFill>
+              <a:srgbClr val="479793"/>
+            </a:solidFill>
+          </a:ln>
+        </p:spPr>
+        <p:style>
+          <a:lnRef idx="2">
+            <a:schemeClr val="accent1">
+              <a:shade val="50000"/>
+            </a:schemeClr>
+          </a:lnRef>
+          <a:fillRef idx="1">
+            <a:schemeClr val="accent1"/>
+          </a:fillRef>
+          <a:effectRef idx="0">
+            <a:schemeClr val="accent1"/>
+          </a:effectRef>
+          <a:fontRef idx="minor">
+            <a:schemeClr val="lt1"/>
+          </a:fontRef>
+        </p:style>
+        <p:txBody>
+          <a:bodyPr rtlCol="0" anchor="ctr"/>
+          <a:lstStyle/>
+          <a:p>
+            <a:pPr algn="ctr"/>
+            <a:endParaRPr lang="zh-TW" altLang="en-US"/>
+          </a:p>
+        </p:txBody>
+      </p:sp>
+      <p:sp>
+        <p:nvSpPr>
+          <p:cNvPr id="11" name="文字方塊 10">
+            <a:extLst>
+              <a:ext uri="{FF2B5EF4-FFF2-40B4-BE49-F238E27FC236}">
+                <a16:creationId xmlns:a16="http://schemas.microsoft.com/office/drawing/2014/main" id="{79832523-3672-4F1F-854E-645D8E11C7F5}"/>
+              </a:ext>
+            </a:extLst>
+          </p:cNvPr>
+          <p:cNvSpPr txBox="1"/>
+          <p:nvPr/>
+        </p:nvSpPr>
+        <p:spPr>
+          <a:xfrm>
+            <a:off x="4848666" y="4115118"/>
+            <a:ext cx="2771616" cy="1015663"/>
+          </a:xfrm>
+          <a:prstGeom prst="rect">
+            <a:avLst/>
+          </a:prstGeom>
+          <a:noFill/>
+        </p:spPr>
+        <p:txBody>
+          <a:bodyPr wrap="square" rtlCol="0">
+            <a:spAutoFit/>
+          </a:bodyPr>
+          <a:lstStyle/>
+          <a:p>
+            <a:r>
+              <a:rPr lang="zh-TW" altLang="en-US" sz="2000" b="1" dirty="0">
+                <a:solidFill>
+                  <a:schemeClr val="tx1">
+                    <a:lumMod val="75000"/>
+                    <a:lumOff val="25000"/>
+                  </a:schemeClr>
+                </a:solidFill>
+                <a:latin typeface="微軟正黑體" panose="020B0604030504040204" pitchFamily="34" charset="-120"/>
+                <a:ea typeface="微軟正黑體" panose="020B0604030504040204" pitchFamily="34" charset="-120"/>
+                <a:cs typeface="Arial" pitchFamily="34" charset="0"/>
+              </a:rPr>
+              <a:t>利用機器學習參考各專家評分結果，降低評分變異程度</a:t>
+            </a:r>
+          </a:p>
+        </p:txBody>
+      </p:sp>
+      <p:pic>
+        <p:nvPicPr>
+          <p:cNvPr id="6" name="圖形 5">
+            <a:extLst>
+              <a:ext uri="{FF2B5EF4-FFF2-40B4-BE49-F238E27FC236}">
+                <a16:creationId xmlns:a16="http://schemas.microsoft.com/office/drawing/2014/main" id="{BFAB29FE-CFA1-4A58-A071-C7EC9C9DAB6B}"/>
+              </a:ext>
+            </a:extLst>
+          </p:cNvPr>
+          <p:cNvPicPr>
+            <a:picLocks noChangeAspect="1"/>
+          </p:cNvPicPr>
+          <p:nvPr/>
+        </p:nvPicPr>
+        <p:blipFill>
+          <a:blip r:embed="rId2">
+            <a:extLst>
+              <a:ext uri="{96DAC541-7B7A-43D3-8B79-37D633B846F1}">
+                <asvg:svgBlip xmlns:asvg="http://schemas.microsoft.com/office/drawing/2016/SVG/main" r:embed="rId3"/>
+              </a:ext>
+            </a:extLst>
+          </a:blip>
+          <a:stretch>
+            <a:fillRect/>
+          </a:stretch>
+        </p:blipFill>
+        <p:spPr>
+          <a:xfrm>
+            <a:off x="2137511" y="2293120"/>
+            <a:ext cx="1260000" cy="1260000"/>
+          </a:xfrm>
+          <a:prstGeom prst="rect">
+            <a:avLst/>
+          </a:prstGeom>
+        </p:spPr>
+      </p:pic>
+      <p:pic>
+        <p:nvPicPr>
+          <p:cNvPr id="16" name="圖形 15">
+            <a:extLst>
+              <a:ext uri="{FF2B5EF4-FFF2-40B4-BE49-F238E27FC236}">
+                <a16:creationId xmlns:a16="http://schemas.microsoft.com/office/drawing/2014/main" id="{EC80DC24-23F1-4E95-87D8-FA058F9FE123}"/>
+              </a:ext>
+            </a:extLst>
+          </p:cNvPr>
+          <p:cNvPicPr>
+            <a:picLocks noChangeAspect="1"/>
+          </p:cNvPicPr>
+          <p:nvPr/>
+        </p:nvPicPr>
+        <p:blipFill>
+          <a:blip r:embed="rId4">
+            <a:extLst>
+              <a:ext uri="{96DAC541-7B7A-43D3-8B79-37D633B846F1}">
+                <asvg:svgBlip xmlns:asvg="http://schemas.microsoft.com/office/drawing/2016/SVG/main" r:embed="rId5"/>
+              </a:ext>
+            </a:extLst>
+          </a:blip>
+          <a:stretch>
+            <a:fillRect/>
+          </a:stretch>
+        </p:blipFill>
+        <p:spPr>
+          <a:xfrm>
+            <a:off x="5604474" y="2211139"/>
+            <a:ext cx="1260000" cy="1260000"/>
+          </a:xfrm>
+          <a:prstGeom prst="rect">
+            <a:avLst/>
+          </a:prstGeom>
+        </p:spPr>
+      </p:pic>
+    </p:spTree>
+    <p:extLst>
+      <p:ext uri="{BB962C8B-B14F-4D97-AF65-F5344CB8AC3E}">
+        <p14:creationId xmlns:p14="http://schemas.microsoft.com/office/powerpoint/2010/main" val="957746884"/>
       </p:ext>
     </p:extLst>
   </p:cSld>

--- a/Fintech.pptx
+++ b/Fintech.pptx
@@ -5,10 +5,10 @@
     <p:sldMasterId id="2147483684" r:id="rId1"/>
   </p:sldMasterIdLst>
   <p:notesMasterIdLst>
-    <p:notesMasterId r:id="rId7"/>
+    <p:notesMasterId r:id="rId12"/>
   </p:notesMasterIdLst>
   <p:handoutMasterIdLst>
-    <p:handoutMasterId r:id="rId8"/>
+    <p:handoutMasterId r:id="rId13"/>
   </p:handoutMasterIdLst>
   <p:sldIdLst>
     <p:sldId id="257" r:id="rId2"/>
@@ -16,6 +16,11 @@
     <p:sldId id="289" r:id="rId4"/>
     <p:sldId id="290" r:id="rId5"/>
     <p:sldId id="291" r:id="rId6"/>
+    <p:sldId id="292" r:id="rId7"/>
+    <p:sldId id="293" r:id="rId8"/>
+    <p:sldId id="294" r:id="rId9"/>
+    <p:sldId id="295" r:id="rId10"/>
+    <p:sldId id="296" r:id="rId11"/>
   </p:sldIdLst>
   <p:sldSz cx="9144000" cy="6858000" type="screen4x3"/>
   <p:notesSz cx="6858000" cy="9144000"/>
@@ -123,6 +128,18 @@
     </p:ext>
   </p:extLst>
 </p:presentation>
+</file>
+
+<file path=ppt/commentAuthors.xml><?xml version="1.0" encoding="utf-8"?>
+<p:cmAuthorLst xmlns:a="http://schemas.openxmlformats.org/drawingml/2006/main" xmlns:r="http://schemas.openxmlformats.org/officeDocument/2006/relationships" xmlns:p="http://schemas.openxmlformats.org/presentationml/2006/main">
+  <p:cmAuthor id="1" name="呂明諺" initials="呂明諺" lastIdx="1" clrIdx="0">
+    <p:extLst>
+      <p:ext uri="{19B8F6BF-5375-455C-9EA6-DF929625EA0E}">
+        <p15:presenceInfo xmlns:p15="http://schemas.microsoft.com/office/powerpoint/2012/main" userId="呂明諺" providerId="None"/>
+      </p:ext>
+    </p:extLst>
+  </p:cmAuthor>
+</p:cmAuthorLst>
 </file>
 
 <file path=ppt/handoutMasters/handoutMaster1.xml><?xml version="1.0" encoding="utf-8"?>
@@ -2756,6 +2773,466 @@
 </p:sld>
 </file>
 
+<file path=ppt/slides/slide10.xml><?xml version="1.0" encoding="utf-8"?>
+<p:sld xmlns:a="http://schemas.openxmlformats.org/drawingml/2006/main" xmlns:r="http://schemas.openxmlformats.org/officeDocument/2006/relationships" xmlns:p="http://schemas.openxmlformats.org/presentationml/2006/main">
+  <p:cSld>
+    <p:spTree>
+      <p:nvGrpSpPr>
+        <p:cNvPr id="1" name=""/>
+        <p:cNvGrpSpPr/>
+        <p:nvPr/>
+      </p:nvGrpSpPr>
+      <p:grpSpPr>
+        <a:xfrm>
+          <a:off x="0" y="0"/>
+          <a:ext cx="0" cy="0"/>
+          <a:chOff x="0" y="0"/>
+          <a:chExt cx="0" cy="0"/>
+        </a:xfrm>
+      </p:grpSpPr>
+      <p:sp>
+        <p:nvSpPr>
+          <p:cNvPr id="2" name="標題 1">
+            <a:extLst>
+              <a:ext uri="{FF2B5EF4-FFF2-40B4-BE49-F238E27FC236}">
+                <a16:creationId xmlns:a16="http://schemas.microsoft.com/office/drawing/2014/main" id="{21D46EF1-12EA-C94F-9F03-C7FE589E8C7A}"/>
+              </a:ext>
+            </a:extLst>
+          </p:cNvPr>
+          <p:cNvSpPr>
+            <a:spLocks noGrp="1"/>
+          </p:cNvSpPr>
+          <p:nvPr>
+            <p:ph type="title"/>
+          </p:nvPr>
+        </p:nvSpPr>
+        <p:spPr/>
+        <p:txBody>
+          <a:bodyPr>
+            <a:normAutofit/>
+          </a:bodyPr>
+          <a:lstStyle/>
+          <a:p>
+            <a:r>
+              <a:rPr kumimoji="1" lang="zh-TW" altLang="en-US" dirty="0"/>
+              <a:t>斷詞工具選擇</a:t>
+            </a:r>
+          </a:p>
+        </p:txBody>
+      </p:sp>
+      <p:sp>
+        <p:nvSpPr>
+          <p:cNvPr id="4" name="日期版面配置區 3">
+            <a:extLst>
+              <a:ext uri="{FF2B5EF4-FFF2-40B4-BE49-F238E27FC236}">
+                <a16:creationId xmlns:a16="http://schemas.microsoft.com/office/drawing/2014/main" id="{190A1806-A5E7-ED48-84B7-A10F862FB7D3}"/>
+              </a:ext>
+            </a:extLst>
+          </p:cNvPr>
+          <p:cNvSpPr>
+            <a:spLocks noGrp="1"/>
+          </p:cNvSpPr>
+          <p:nvPr>
+            <p:ph type="dt" sz="half" idx="10"/>
+          </p:nvPr>
+        </p:nvSpPr>
+        <p:spPr/>
+        <p:txBody>
+          <a:bodyPr/>
+          <a:lstStyle/>
+          <a:p>
+            <a:fld id="{868F4FC5-FE50-A64D-A7E3-22233A0C6925}" type="datetime1">
+              <a:rPr kumimoji="1" lang="zh-TW" altLang="en-US" smtClean="0"/>
+              <a:t>2020/6/18</a:t>
+            </a:fld>
+            <a:endParaRPr kumimoji="1" lang="zh-TW" altLang="en-US" dirty="0"/>
+          </a:p>
+        </p:txBody>
+      </p:sp>
+      <p:sp>
+        <p:nvSpPr>
+          <p:cNvPr id="16" name="矩形: 圓角 15">
+            <a:extLst>
+              <a:ext uri="{FF2B5EF4-FFF2-40B4-BE49-F238E27FC236}">
+                <a16:creationId xmlns:a16="http://schemas.microsoft.com/office/drawing/2014/main" id="{3C5C4A58-35FA-4AAA-855F-059DAD96975C}"/>
+              </a:ext>
+            </a:extLst>
+          </p:cNvPr>
+          <p:cNvSpPr/>
+          <p:nvPr/>
+        </p:nvSpPr>
+        <p:spPr>
+          <a:xfrm>
+            <a:off x="351064" y="2111830"/>
+            <a:ext cx="8441872" cy="2525485"/>
+          </a:xfrm>
+          <a:prstGeom prst="roundRect">
+            <a:avLst>
+              <a:gd name="adj" fmla="val 17459"/>
+            </a:avLst>
+          </a:prstGeom>
+          <a:solidFill>
+            <a:srgbClr val="479793"/>
+          </a:solidFill>
+          <a:ln>
+            <a:noFill/>
+          </a:ln>
+        </p:spPr>
+        <p:style>
+          <a:lnRef idx="2">
+            <a:schemeClr val="accent1">
+              <a:shade val="50000"/>
+            </a:schemeClr>
+          </a:lnRef>
+          <a:fillRef idx="1">
+            <a:schemeClr val="accent1"/>
+          </a:fillRef>
+          <a:effectRef idx="0">
+            <a:schemeClr val="accent1"/>
+          </a:effectRef>
+          <a:fontRef idx="minor">
+            <a:schemeClr val="lt1"/>
+          </a:fontRef>
+        </p:style>
+        <p:txBody>
+          <a:bodyPr rtlCol="0" anchor="ctr"/>
+          <a:lstStyle/>
+          <a:p>
+            <a:pPr algn="ctr"/>
+            <a:endParaRPr lang="zh-TW" altLang="en-US" dirty="0">
+              <a:latin typeface="微軟正黑體" panose="020B0604030504040204" pitchFamily="34" charset="-120"/>
+              <a:ea typeface="微軟正黑體" panose="020B0604030504040204" pitchFamily="34" charset="-120"/>
+            </a:endParaRPr>
+          </a:p>
+        </p:txBody>
+      </p:sp>
+      <p:sp>
+        <p:nvSpPr>
+          <p:cNvPr id="9" name="文字方塊 8">
+            <a:extLst>
+              <a:ext uri="{FF2B5EF4-FFF2-40B4-BE49-F238E27FC236}">
+                <a16:creationId xmlns:a16="http://schemas.microsoft.com/office/drawing/2014/main" id="{F4169A6B-9E59-4F68-893A-890C2E1DAA3B}"/>
+              </a:ext>
+            </a:extLst>
+          </p:cNvPr>
+          <p:cNvSpPr txBox="1"/>
+          <p:nvPr/>
+        </p:nvSpPr>
+        <p:spPr>
+          <a:xfrm>
+            <a:off x="3369129" y="2311430"/>
+            <a:ext cx="2999014" cy="584775"/>
+          </a:xfrm>
+          <a:prstGeom prst="rect">
+            <a:avLst/>
+          </a:prstGeom>
+          <a:noFill/>
+        </p:spPr>
+        <p:txBody>
+          <a:bodyPr wrap="square" rtlCol="0">
+            <a:spAutoFit/>
+          </a:bodyPr>
+          <a:lstStyle/>
+          <a:p>
+            <a:r>
+              <a:rPr lang="en-US" altLang="zh-TW" sz="3200" b="1" dirty="0" err="1">
+                <a:solidFill>
+                  <a:schemeClr val="bg1"/>
+                </a:solidFill>
+                <a:latin typeface="微軟正黑體" panose="020B0604030504040204" pitchFamily="34" charset="-120"/>
+                <a:ea typeface="微軟正黑體" panose="020B0604030504040204" pitchFamily="34" charset="-120"/>
+              </a:rPr>
+              <a:t>ckiptagger</a:t>
+            </a:r>
+            <a:endParaRPr lang="zh-TW" altLang="en-US" sz="3200" b="1" dirty="0">
+              <a:solidFill>
+                <a:schemeClr val="bg1"/>
+              </a:solidFill>
+              <a:latin typeface="微軟正黑體" panose="020B0604030504040204" pitchFamily="34" charset="-120"/>
+              <a:ea typeface="微軟正黑體" panose="020B0604030504040204" pitchFamily="34" charset="-120"/>
+            </a:endParaRPr>
+          </a:p>
+        </p:txBody>
+      </p:sp>
+      <p:cxnSp>
+        <p:nvCxnSpPr>
+          <p:cNvPr id="18" name="直線接點 17">
+            <a:extLst>
+              <a:ext uri="{FF2B5EF4-FFF2-40B4-BE49-F238E27FC236}">
+                <a16:creationId xmlns:a16="http://schemas.microsoft.com/office/drawing/2014/main" id="{4B6FE020-57DF-4573-B172-2C5F76B62591}"/>
+              </a:ext>
+            </a:extLst>
+          </p:cNvPr>
+          <p:cNvCxnSpPr/>
+          <p:nvPr/>
+        </p:nvCxnSpPr>
+        <p:spPr>
+          <a:xfrm>
+            <a:off x="2502000" y="3013756"/>
+            <a:ext cx="4140000" cy="0"/>
+          </a:xfrm>
+          <a:prstGeom prst="line">
+            <a:avLst/>
+          </a:prstGeom>
+          <a:ln>
+            <a:solidFill>
+              <a:schemeClr val="bg1"/>
+            </a:solidFill>
+          </a:ln>
+        </p:spPr>
+        <p:style>
+          <a:lnRef idx="1">
+            <a:schemeClr val="accent1"/>
+          </a:lnRef>
+          <a:fillRef idx="0">
+            <a:schemeClr val="accent1"/>
+          </a:fillRef>
+          <a:effectRef idx="0">
+            <a:schemeClr val="accent1"/>
+          </a:effectRef>
+          <a:fontRef idx="minor">
+            <a:schemeClr val="tx1"/>
+          </a:fontRef>
+        </p:style>
+      </p:cxnSp>
+      <p:sp>
+        <p:nvSpPr>
+          <p:cNvPr id="12" name="文字方塊 11">
+            <a:extLst>
+              <a:ext uri="{FF2B5EF4-FFF2-40B4-BE49-F238E27FC236}">
+                <a16:creationId xmlns:a16="http://schemas.microsoft.com/office/drawing/2014/main" id="{FDD42F23-8C63-4BB2-ACD3-D9E736B76E5D}"/>
+              </a:ext>
+            </a:extLst>
+          </p:cNvPr>
+          <p:cNvSpPr txBox="1"/>
+          <p:nvPr/>
+        </p:nvSpPr>
+        <p:spPr>
+          <a:xfrm>
+            <a:off x="1804637" y="3270799"/>
+            <a:ext cx="6781800" cy="1200329"/>
+          </a:xfrm>
+          <a:prstGeom prst="rect">
+            <a:avLst/>
+          </a:prstGeom>
+          <a:noFill/>
+        </p:spPr>
+        <p:txBody>
+          <a:bodyPr wrap="square" rtlCol="0">
+            <a:spAutoFit/>
+          </a:bodyPr>
+          <a:lstStyle/>
+          <a:p>
+            <a:pPr marL="285750" indent="-285750">
+              <a:buFont typeface="Arial" panose="020B0604020202020204" pitchFamily="34" charset="0"/>
+              <a:buChar char="•"/>
+            </a:pPr>
+            <a:r>
+              <a:rPr lang="en-US" altLang="zh-TW" b="1" dirty="0" err="1">
+                <a:solidFill>
+                  <a:schemeClr val="bg1">
+                    <a:lumMod val="95000"/>
+                  </a:schemeClr>
+                </a:solidFill>
+                <a:latin typeface="微軟正黑體" panose="020B0604030504040204" pitchFamily="34" charset="-120"/>
+                <a:ea typeface="微軟正黑體" panose="020B0604030504040204" pitchFamily="34" charset="-120"/>
+              </a:rPr>
+              <a:t>Ckiptagger</a:t>
+            </a:r>
+            <a:r>
+              <a:rPr lang="en-US" altLang="zh-TW" b="1" dirty="0">
+                <a:solidFill>
+                  <a:schemeClr val="bg1">
+                    <a:lumMod val="95000"/>
+                  </a:schemeClr>
+                </a:solidFill>
+                <a:latin typeface="微軟正黑體" panose="020B0604030504040204" pitchFamily="34" charset="-120"/>
+                <a:ea typeface="微軟正黑體" panose="020B0604030504040204" pitchFamily="34" charset="-120"/>
+              </a:rPr>
+              <a:t> </a:t>
+            </a:r>
+            <a:r>
+              <a:rPr lang="zh-TW" altLang="en-US" b="1" dirty="0">
+                <a:solidFill>
+                  <a:schemeClr val="bg1">
+                    <a:lumMod val="95000"/>
+                  </a:schemeClr>
+                </a:solidFill>
+                <a:latin typeface="微軟正黑體" panose="020B0604030504040204" pitchFamily="34" charset="-120"/>
+                <a:ea typeface="微軟正黑體" panose="020B0604030504040204" pitchFamily="34" charset="-120"/>
+              </a:rPr>
+              <a:t>斷詞結果較準確</a:t>
+            </a:r>
+            <a:endParaRPr lang="en-US" altLang="zh-TW" b="1" dirty="0">
+              <a:solidFill>
+                <a:schemeClr val="bg1">
+                  <a:lumMod val="95000"/>
+                </a:schemeClr>
+              </a:solidFill>
+              <a:latin typeface="微軟正黑體" panose="020B0604030504040204" pitchFamily="34" charset="-120"/>
+              <a:ea typeface="微軟正黑體" panose="020B0604030504040204" pitchFamily="34" charset="-120"/>
+            </a:endParaRPr>
+          </a:p>
+          <a:p>
+            <a:pPr marL="285750" indent="-285750">
+              <a:buFont typeface="Arial" panose="020B0604020202020204" pitchFamily="34" charset="0"/>
+              <a:buChar char="•"/>
+            </a:pPr>
+            <a:r>
+              <a:rPr lang="zh-TW" altLang="en-US" b="1" dirty="0">
+                <a:solidFill>
+                  <a:schemeClr val="bg1">
+                    <a:lumMod val="95000"/>
+                  </a:schemeClr>
+                </a:solidFill>
+                <a:latin typeface="微軟正黑體" panose="020B0604030504040204" pitchFamily="34" charset="-120"/>
+                <a:ea typeface="微軟正黑體" panose="020B0604030504040204" pitchFamily="34" charset="-120"/>
+              </a:rPr>
+              <a:t>使用</a:t>
+            </a:r>
+            <a:r>
+              <a:rPr lang="en-US" altLang="zh-TW" b="1" dirty="0" err="1">
+                <a:solidFill>
+                  <a:schemeClr val="bg1">
+                    <a:lumMod val="95000"/>
+                  </a:schemeClr>
+                </a:solidFill>
+                <a:latin typeface="微軟正黑體" panose="020B0604030504040204" pitchFamily="34" charset="-120"/>
+                <a:ea typeface="微軟正黑體" panose="020B0604030504040204" pitchFamily="34" charset="-120"/>
+              </a:rPr>
+              <a:t>Ckiptagger</a:t>
+            </a:r>
+            <a:r>
+              <a:rPr lang="en-US" altLang="zh-TW" b="1" dirty="0">
+                <a:solidFill>
+                  <a:schemeClr val="bg1">
+                    <a:lumMod val="95000"/>
+                  </a:schemeClr>
+                </a:solidFill>
+                <a:latin typeface="微軟正黑體" panose="020B0604030504040204" pitchFamily="34" charset="-120"/>
+                <a:ea typeface="微軟正黑體" panose="020B0604030504040204" pitchFamily="34" charset="-120"/>
+              </a:rPr>
+              <a:t> </a:t>
+            </a:r>
+            <a:r>
+              <a:rPr lang="zh-TW" altLang="en-US" b="1" dirty="0">
+                <a:solidFill>
+                  <a:schemeClr val="bg1">
+                    <a:lumMod val="95000"/>
+                  </a:schemeClr>
+                </a:solidFill>
+                <a:latin typeface="微軟正黑體" panose="020B0604030504040204" pitchFamily="34" charset="-120"/>
+                <a:ea typeface="微軟正黑體" panose="020B0604030504040204" pitchFamily="34" charset="-120"/>
+              </a:rPr>
+              <a:t>斷詞後模型預測結果較佳</a:t>
+            </a:r>
+            <a:endParaRPr lang="en-US" altLang="zh-TW" b="1" dirty="0">
+              <a:solidFill>
+                <a:schemeClr val="bg1">
+                  <a:lumMod val="95000"/>
+                </a:schemeClr>
+              </a:solidFill>
+              <a:latin typeface="微軟正黑體" panose="020B0604030504040204" pitchFamily="34" charset="-120"/>
+              <a:ea typeface="微軟正黑體" panose="020B0604030504040204" pitchFamily="34" charset="-120"/>
+            </a:endParaRPr>
+          </a:p>
+          <a:p>
+            <a:pPr marL="285750" indent="-285750">
+              <a:buFont typeface="Arial" panose="020B0604020202020204" pitchFamily="34" charset="0"/>
+              <a:buChar char="•"/>
+            </a:pPr>
+            <a:r>
+              <a:rPr lang="zh-TW" altLang="en-US" b="1" dirty="0">
+                <a:solidFill>
+                  <a:schemeClr val="bg1">
+                    <a:lumMod val="95000"/>
+                  </a:schemeClr>
+                </a:solidFill>
+                <a:latin typeface="微軟正黑體" panose="020B0604030504040204" pitchFamily="34" charset="-120"/>
+                <a:ea typeface="微軟正黑體" panose="020B0604030504040204" pitchFamily="34" charset="-120"/>
+              </a:rPr>
+              <a:t>再切詞工具方面我們選擇</a:t>
+            </a:r>
+            <a:r>
+              <a:rPr lang="en-US" altLang="zh-TW" b="1" dirty="0" err="1">
+                <a:solidFill>
+                  <a:schemeClr val="bg1">
+                    <a:lumMod val="95000"/>
+                  </a:schemeClr>
+                </a:solidFill>
+                <a:latin typeface="微軟正黑體" panose="020B0604030504040204" pitchFamily="34" charset="-120"/>
+                <a:ea typeface="微軟正黑體" panose="020B0604030504040204" pitchFamily="34" charset="-120"/>
+              </a:rPr>
+              <a:t>ckiptagger</a:t>
+            </a:r>
+            <a:endParaRPr lang="zh-TW" altLang="en-US" b="1" dirty="0">
+              <a:solidFill>
+                <a:schemeClr val="bg1">
+                  <a:lumMod val="95000"/>
+                </a:schemeClr>
+              </a:solidFill>
+              <a:latin typeface="微軟正黑體" panose="020B0604030504040204" pitchFamily="34" charset="-120"/>
+              <a:ea typeface="微軟正黑體" panose="020B0604030504040204" pitchFamily="34" charset="-120"/>
+            </a:endParaRPr>
+          </a:p>
+          <a:p>
+            <a:pPr marL="285750" indent="-285750">
+              <a:buFont typeface="Arial" panose="020B0604020202020204" pitchFamily="34" charset="0"/>
+              <a:buChar char="•"/>
+            </a:pPr>
+            <a:endParaRPr lang="zh-TW" altLang="en-US" dirty="0"/>
+          </a:p>
+        </p:txBody>
+      </p:sp>
+      <p:pic>
+        <p:nvPicPr>
+          <p:cNvPr id="20" name="圖形 19">
+            <a:extLst>
+              <a:ext uri="{FF2B5EF4-FFF2-40B4-BE49-F238E27FC236}">
+                <a16:creationId xmlns:a16="http://schemas.microsoft.com/office/drawing/2014/main" id="{2A5D4140-62B4-43DD-95DF-239FB303906D}"/>
+              </a:ext>
+            </a:extLst>
+          </p:cNvPr>
+          <p:cNvPicPr>
+            <a:picLocks noChangeAspect="1"/>
+          </p:cNvPicPr>
+          <p:nvPr/>
+        </p:nvPicPr>
+        <p:blipFill>
+          <a:blip r:embed="rId2">
+            <a:extLst>
+              <a:ext uri="{96DAC541-7B7A-43D3-8B79-37D633B846F1}">
+                <asvg:svgBlip xmlns:asvg="http://schemas.microsoft.com/office/drawing/2016/SVG/main" r:embed="rId3"/>
+              </a:ext>
+            </a:extLst>
+          </a:blip>
+          <a:stretch>
+            <a:fillRect/>
+          </a:stretch>
+        </p:blipFill>
+        <p:spPr>
+          <a:xfrm>
+            <a:off x="5734381" y="2219685"/>
+            <a:ext cx="584777" cy="584777"/>
+          </a:xfrm>
+          <a:prstGeom prst="rect">
+            <a:avLst/>
+          </a:prstGeom>
+        </p:spPr>
+      </p:pic>
+    </p:spTree>
+    <p:extLst>
+      <p:ext uri="{BB962C8B-B14F-4D97-AF65-F5344CB8AC3E}">
+        <p14:creationId xmlns:p14="http://schemas.microsoft.com/office/powerpoint/2010/main" val="3417481153"/>
+      </p:ext>
+    </p:extLst>
+  </p:cSld>
+  <p:clrMapOvr>
+    <a:masterClrMapping/>
+  </p:clrMapOvr>
+</p:sld>
+</file>
+
 <file path=ppt/slides/slide2.xml><?xml version="1.0" encoding="utf-8"?>
 <p:sld xmlns:a="http://schemas.openxmlformats.org/drawingml/2006/main" xmlns:r="http://schemas.openxmlformats.org/officeDocument/2006/relationships" xmlns:p="http://schemas.openxmlformats.org/presentationml/2006/main">
   <p:cSld>
@@ -6283,6 +6760,2336 @@
     <p:extLst>
       <p:ext uri="{BB962C8B-B14F-4D97-AF65-F5344CB8AC3E}">
         <p14:creationId xmlns:p14="http://schemas.microsoft.com/office/powerpoint/2010/main" val="957746884"/>
+      </p:ext>
+    </p:extLst>
+  </p:cSld>
+  <p:clrMapOvr>
+    <a:masterClrMapping/>
+  </p:clrMapOvr>
+</p:sld>
+</file>
+
+<file path=ppt/slides/slide6.xml><?xml version="1.0" encoding="utf-8"?>
+<p:sld xmlns:a="http://schemas.openxmlformats.org/drawingml/2006/main" xmlns:r="http://schemas.openxmlformats.org/officeDocument/2006/relationships" xmlns:p="http://schemas.openxmlformats.org/presentationml/2006/main">
+  <p:cSld>
+    <p:spTree>
+      <p:nvGrpSpPr>
+        <p:cNvPr id="1" name=""/>
+        <p:cNvGrpSpPr/>
+        <p:nvPr/>
+      </p:nvGrpSpPr>
+      <p:grpSpPr>
+        <a:xfrm>
+          <a:off x="0" y="0"/>
+          <a:ext cx="0" cy="0"/>
+          <a:chOff x="0" y="0"/>
+          <a:chExt cx="0" cy="0"/>
+        </a:xfrm>
+      </p:grpSpPr>
+      <p:sp>
+        <p:nvSpPr>
+          <p:cNvPr id="2" name="標題 1">
+            <a:extLst>
+              <a:ext uri="{FF2B5EF4-FFF2-40B4-BE49-F238E27FC236}">
+                <a16:creationId xmlns:a16="http://schemas.microsoft.com/office/drawing/2014/main" id="{21D46EF1-12EA-C94F-9F03-C7FE589E8C7A}"/>
+              </a:ext>
+            </a:extLst>
+          </p:cNvPr>
+          <p:cNvSpPr>
+            <a:spLocks noGrp="1"/>
+          </p:cNvSpPr>
+          <p:nvPr>
+            <p:ph type="title"/>
+          </p:nvPr>
+        </p:nvSpPr>
+        <p:spPr/>
+        <p:txBody>
+          <a:bodyPr>
+            <a:normAutofit/>
+          </a:bodyPr>
+          <a:lstStyle/>
+          <a:p>
+            <a:r>
+              <a:rPr lang="zh-TW" altLang="en-US" dirty="0"/>
+              <a:t>資料集樣態說明</a:t>
+            </a:r>
+            <a:endParaRPr kumimoji="1" lang="zh-TW" altLang="en-US" dirty="0"/>
+          </a:p>
+        </p:txBody>
+      </p:sp>
+      <p:sp>
+        <p:nvSpPr>
+          <p:cNvPr id="4" name="日期版面配置區 3">
+            <a:extLst>
+              <a:ext uri="{FF2B5EF4-FFF2-40B4-BE49-F238E27FC236}">
+                <a16:creationId xmlns:a16="http://schemas.microsoft.com/office/drawing/2014/main" id="{190A1806-A5E7-ED48-84B7-A10F862FB7D3}"/>
+              </a:ext>
+            </a:extLst>
+          </p:cNvPr>
+          <p:cNvSpPr>
+            <a:spLocks noGrp="1"/>
+          </p:cNvSpPr>
+          <p:nvPr>
+            <p:ph type="dt" sz="half" idx="10"/>
+          </p:nvPr>
+        </p:nvSpPr>
+        <p:spPr/>
+        <p:txBody>
+          <a:bodyPr/>
+          <a:lstStyle/>
+          <a:p>
+            <a:fld id="{868F4FC5-FE50-A64D-A7E3-22233A0C6925}" type="datetime1">
+              <a:rPr kumimoji="1" lang="zh-TW" altLang="en-US" smtClean="0"/>
+              <a:t>2020/6/18</a:t>
+            </a:fld>
+            <a:endParaRPr kumimoji="1" lang="zh-TW" altLang="en-US" dirty="0"/>
+          </a:p>
+        </p:txBody>
+      </p:sp>
+      <p:pic>
+        <p:nvPicPr>
+          <p:cNvPr id="17" name="內容版面配置區 3">
+            <a:extLst>
+              <a:ext uri="{FF2B5EF4-FFF2-40B4-BE49-F238E27FC236}">
+                <a16:creationId xmlns:a16="http://schemas.microsoft.com/office/drawing/2014/main" id="{68E9BB5C-F12B-439B-A823-59EE8F6AB084}"/>
+              </a:ext>
+            </a:extLst>
+          </p:cNvPr>
+          <p:cNvPicPr>
+            <a:picLocks noGrp="1" noChangeAspect="1"/>
+          </p:cNvPicPr>
+          <p:nvPr>
+            <p:ph idx="1"/>
+          </p:nvPr>
+        </p:nvPicPr>
+        <p:blipFill>
+          <a:blip r:embed="rId2"/>
+          <a:stretch>
+            <a:fillRect/>
+          </a:stretch>
+        </p:blipFill>
+        <p:spPr>
+          <a:xfrm>
+            <a:off x="628649" y="952499"/>
+            <a:ext cx="5870122" cy="5407369"/>
+          </a:xfrm>
+          <a:prstGeom prst="rect">
+            <a:avLst/>
+          </a:prstGeom>
+        </p:spPr>
+      </p:pic>
+      <p:sp>
+        <p:nvSpPr>
+          <p:cNvPr id="3" name="文字方塊 2">
+            <a:extLst>
+              <a:ext uri="{FF2B5EF4-FFF2-40B4-BE49-F238E27FC236}">
+                <a16:creationId xmlns:a16="http://schemas.microsoft.com/office/drawing/2014/main" id="{8B5D0777-04A0-4423-B924-FD4F17BD1E7B}"/>
+              </a:ext>
+            </a:extLst>
+          </p:cNvPr>
+          <p:cNvSpPr txBox="1"/>
+          <p:nvPr/>
+        </p:nvSpPr>
+        <p:spPr>
+          <a:xfrm>
+            <a:off x="6656614" y="2394858"/>
+            <a:ext cx="2242458" cy="2800767"/>
+          </a:xfrm>
+          <a:prstGeom prst="rect">
+            <a:avLst/>
+          </a:prstGeom>
+          <a:noFill/>
+        </p:spPr>
+        <p:txBody>
+          <a:bodyPr wrap="square" rtlCol="0">
+            <a:spAutoFit/>
+          </a:bodyPr>
+          <a:lstStyle/>
+          <a:p>
+            <a:pPr marL="285750" indent="-285750">
+              <a:buFont typeface="Arial" panose="020B0604020202020204" pitchFamily="34" charset="0"/>
+              <a:buChar char="•"/>
+            </a:pPr>
+            <a:r>
+              <a:rPr lang="zh-TW" altLang="en-US" dirty="0">
+                <a:latin typeface="微軟正黑體" panose="020B0604030504040204" pitchFamily="34" charset="-120"/>
+                <a:ea typeface="微軟正黑體" panose="020B0604030504040204" pitchFamily="34" charset="-120"/>
+              </a:rPr>
+              <a:t>資料重要內容</a:t>
+            </a:r>
+            <a:endParaRPr lang="en-US" altLang="zh-TW" dirty="0">
+              <a:latin typeface="微軟正黑體" panose="020B0604030504040204" pitchFamily="34" charset="-120"/>
+              <a:ea typeface="微軟正黑體" panose="020B0604030504040204" pitchFamily="34" charset="-120"/>
+            </a:endParaRPr>
+          </a:p>
+          <a:p>
+            <a:pPr marL="342900" indent="-342900">
+              <a:buFont typeface="+mj-lt"/>
+              <a:buAutoNum type="alphaUcPeriod"/>
+            </a:pPr>
+            <a:r>
+              <a:rPr lang="zh-TW" altLang="en-US" dirty="0">
+                <a:latin typeface="微軟正黑體" panose="020B0604030504040204" pitchFamily="34" charset="-120"/>
+                <a:ea typeface="微軟正黑體" panose="020B0604030504040204" pitchFamily="34" charset="-120"/>
+              </a:rPr>
+              <a:t>事件強度</a:t>
+            </a:r>
+            <a:endParaRPr lang="en-US" altLang="zh-TW" dirty="0">
+              <a:latin typeface="微軟正黑體" panose="020B0604030504040204" pitchFamily="34" charset="-120"/>
+              <a:ea typeface="微軟正黑體" panose="020B0604030504040204" pitchFamily="34" charset="-120"/>
+            </a:endParaRPr>
+          </a:p>
+          <a:p>
+            <a:pPr marL="342900" indent="-342900">
+              <a:buFont typeface="+mj-lt"/>
+              <a:buAutoNum type="alphaUcPeriod"/>
+            </a:pPr>
+            <a:r>
+              <a:rPr lang="zh-TW" altLang="en-US" dirty="0">
+                <a:latin typeface="微軟正黑體" panose="020B0604030504040204" pitchFamily="34" charset="-120"/>
+                <a:ea typeface="微軟正黑體" panose="020B0604030504040204" pitchFamily="34" charset="-120"/>
+              </a:rPr>
+              <a:t>大事件類別</a:t>
+            </a:r>
+            <a:endParaRPr lang="en-US" altLang="zh-TW" dirty="0">
+              <a:latin typeface="微軟正黑體" panose="020B0604030504040204" pitchFamily="34" charset="-120"/>
+              <a:ea typeface="微軟正黑體" panose="020B0604030504040204" pitchFamily="34" charset="-120"/>
+            </a:endParaRPr>
+          </a:p>
+          <a:p>
+            <a:pPr marL="342900" indent="-342900">
+              <a:buFont typeface="+mj-lt"/>
+              <a:buAutoNum type="alphaUcPeriod"/>
+            </a:pPr>
+            <a:r>
+              <a:rPr lang="zh-TW" altLang="en-US" dirty="0">
+                <a:latin typeface="微軟正黑體" panose="020B0604030504040204" pitchFamily="34" charset="-120"/>
+                <a:ea typeface="微軟正黑體" panose="020B0604030504040204" pitchFamily="34" charset="-120"/>
+              </a:rPr>
+              <a:t>小事件類別</a:t>
+            </a:r>
+            <a:endParaRPr lang="en-US" altLang="zh-TW" dirty="0">
+              <a:latin typeface="微軟正黑體" panose="020B0604030504040204" pitchFamily="34" charset="-120"/>
+              <a:ea typeface="微軟正黑體" panose="020B0604030504040204" pitchFamily="34" charset="-120"/>
+            </a:endParaRPr>
+          </a:p>
+          <a:p>
+            <a:pPr marL="342900" indent="-342900">
+              <a:buFont typeface="+mj-lt"/>
+              <a:buAutoNum type="alphaUcPeriod"/>
+            </a:pPr>
+            <a:r>
+              <a:rPr lang="zh-TW" altLang="en-US" dirty="0">
+                <a:latin typeface="微軟正黑體" panose="020B0604030504040204" pitchFamily="34" charset="-120"/>
+                <a:ea typeface="微軟正黑體" panose="020B0604030504040204" pitchFamily="34" charset="-120"/>
+              </a:rPr>
+              <a:t>事件內容</a:t>
+            </a:r>
+            <a:endParaRPr lang="en-US" altLang="zh-TW" dirty="0">
+              <a:latin typeface="微軟正黑體" panose="020B0604030504040204" pitchFamily="34" charset="-120"/>
+              <a:ea typeface="微軟正黑體" panose="020B0604030504040204" pitchFamily="34" charset="-120"/>
+            </a:endParaRPr>
+          </a:p>
+          <a:p>
+            <a:endParaRPr lang="en-US" altLang="zh-TW" dirty="0">
+              <a:latin typeface="微軟正黑體" panose="020B0604030504040204" pitchFamily="34" charset="-120"/>
+              <a:ea typeface="微軟正黑體" panose="020B0604030504040204" pitchFamily="34" charset="-120"/>
+            </a:endParaRPr>
+          </a:p>
+          <a:p>
+            <a:pPr marL="285750" indent="-285750">
+              <a:buFont typeface="Arial" panose="020B0604020202020204" pitchFamily="34" charset="0"/>
+              <a:buChar char="•"/>
+            </a:pPr>
+            <a:r>
+              <a:rPr lang="zh-TW" altLang="en-US" dirty="0">
+                <a:latin typeface="微軟正黑體" panose="020B0604030504040204" pitchFamily="34" charset="-120"/>
+                <a:ea typeface="微軟正黑體" panose="020B0604030504040204" pitchFamily="34" charset="-120"/>
+              </a:rPr>
+              <a:t>資料樣本數</a:t>
+            </a:r>
+            <a:endParaRPr lang="en-US" altLang="zh-TW" dirty="0">
+              <a:latin typeface="微軟正黑體" panose="020B0604030504040204" pitchFamily="34" charset="-120"/>
+              <a:ea typeface="微軟正黑體" panose="020B0604030504040204" pitchFamily="34" charset="-120"/>
+            </a:endParaRPr>
+          </a:p>
+          <a:p>
+            <a:pPr marL="342900" indent="-342900">
+              <a:buFont typeface="+mj-lt"/>
+              <a:buAutoNum type="alphaUcPeriod"/>
+            </a:pPr>
+            <a:r>
+              <a:rPr lang="en-US" altLang="zh-TW" sz="1600" dirty="0">
+                <a:latin typeface="微軟正黑體" panose="020B0604030504040204" pitchFamily="34" charset="-120"/>
+                <a:ea typeface="微軟正黑體" panose="020B0604030504040204" pitchFamily="34" charset="-120"/>
+              </a:rPr>
+              <a:t>2019(1-12):23703</a:t>
+            </a:r>
+          </a:p>
+          <a:p>
+            <a:pPr marL="342900" indent="-342900">
+              <a:buFont typeface="+mj-lt"/>
+              <a:buAutoNum type="alphaUcPeriod"/>
+            </a:pPr>
+            <a:r>
+              <a:rPr lang="en-US" altLang="zh-TW" sz="1600" dirty="0">
+                <a:latin typeface="微軟正黑體" panose="020B0604030504040204" pitchFamily="34" charset="-120"/>
+                <a:ea typeface="微軟正黑體" panose="020B0604030504040204" pitchFamily="34" charset="-120"/>
+              </a:rPr>
+              <a:t>2020(1-3):13,104</a:t>
+            </a:r>
+          </a:p>
+          <a:p>
+            <a:endParaRPr lang="zh-TW" altLang="en-US" dirty="0"/>
+          </a:p>
+        </p:txBody>
+      </p:sp>
+    </p:spTree>
+    <p:extLst>
+      <p:ext uri="{BB962C8B-B14F-4D97-AF65-F5344CB8AC3E}">
+        <p14:creationId xmlns:p14="http://schemas.microsoft.com/office/powerpoint/2010/main" val="1814565133"/>
+      </p:ext>
+    </p:extLst>
+  </p:cSld>
+  <p:clrMapOvr>
+    <a:masterClrMapping/>
+  </p:clrMapOvr>
+</p:sld>
+</file>
+
+<file path=ppt/slides/slide7.xml><?xml version="1.0" encoding="utf-8"?>
+<p:sld xmlns:a="http://schemas.openxmlformats.org/drawingml/2006/main" xmlns:r="http://schemas.openxmlformats.org/officeDocument/2006/relationships" xmlns:p="http://schemas.openxmlformats.org/presentationml/2006/main">
+  <p:cSld>
+    <p:spTree>
+      <p:nvGrpSpPr>
+        <p:cNvPr id="1" name=""/>
+        <p:cNvGrpSpPr/>
+        <p:nvPr/>
+      </p:nvGrpSpPr>
+      <p:grpSpPr>
+        <a:xfrm>
+          <a:off x="0" y="0"/>
+          <a:ext cx="0" cy="0"/>
+          <a:chOff x="0" y="0"/>
+          <a:chExt cx="0" cy="0"/>
+        </a:xfrm>
+      </p:grpSpPr>
+      <p:sp>
+        <p:nvSpPr>
+          <p:cNvPr id="2" name="標題 1">
+            <a:extLst>
+              <a:ext uri="{FF2B5EF4-FFF2-40B4-BE49-F238E27FC236}">
+                <a16:creationId xmlns:a16="http://schemas.microsoft.com/office/drawing/2014/main" id="{21D46EF1-12EA-C94F-9F03-C7FE589E8C7A}"/>
+              </a:ext>
+            </a:extLst>
+          </p:cNvPr>
+          <p:cNvSpPr>
+            <a:spLocks noGrp="1"/>
+          </p:cNvSpPr>
+          <p:nvPr>
+            <p:ph type="title"/>
+          </p:nvPr>
+        </p:nvSpPr>
+        <p:spPr/>
+        <p:txBody>
+          <a:bodyPr>
+            <a:normAutofit/>
+          </a:bodyPr>
+          <a:lstStyle/>
+          <a:p>
+            <a:r>
+              <a:rPr lang="zh-TW" altLang="en-US" dirty="0"/>
+              <a:t>資料集樣態說明</a:t>
+            </a:r>
+            <a:endParaRPr kumimoji="1" lang="zh-TW" altLang="en-US" dirty="0"/>
+          </a:p>
+        </p:txBody>
+      </p:sp>
+      <p:cxnSp>
+        <p:nvCxnSpPr>
+          <p:cNvPr id="17" name="直線接點 16">
+            <a:extLst>
+              <a:ext uri="{FF2B5EF4-FFF2-40B4-BE49-F238E27FC236}">
+                <a16:creationId xmlns:a16="http://schemas.microsoft.com/office/drawing/2014/main" id="{ABDE7D05-FE6E-45E9-8A0A-DF4074245D2D}"/>
+              </a:ext>
+            </a:extLst>
+          </p:cNvPr>
+          <p:cNvCxnSpPr>
+            <a:cxnSpLocks/>
+          </p:cNvCxnSpPr>
+          <p:nvPr/>
+        </p:nvCxnSpPr>
+        <p:spPr>
+          <a:xfrm>
+            <a:off x="3479800" y="1288197"/>
+            <a:ext cx="5232400" cy="0"/>
+          </a:xfrm>
+          <a:prstGeom prst="line">
+            <a:avLst/>
+          </a:prstGeom>
+          <a:ln w="12700">
+            <a:solidFill>
+              <a:srgbClr val="1E3148"/>
+            </a:solidFill>
+          </a:ln>
+        </p:spPr>
+        <p:style>
+          <a:lnRef idx="1">
+            <a:schemeClr val="accent1"/>
+          </a:lnRef>
+          <a:fillRef idx="0">
+            <a:schemeClr val="accent1"/>
+          </a:fillRef>
+          <a:effectRef idx="0">
+            <a:schemeClr val="accent1"/>
+          </a:effectRef>
+          <a:fontRef idx="minor">
+            <a:schemeClr val="tx1"/>
+          </a:fontRef>
+        </p:style>
+      </p:cxnSp>
+      <p:cxnSp>
+        <p:nvCxnSpPr>
+          <p:cNvPr id="38" name="直線接點 37">
+            <a:extLst>
+              <a:ext uri="{FF2B5EF4-FFF2-40B4-BE49-F238E27FC236}">
+                <a16:creationId xmlns:a16="http://schemas.microsoft.com/office/drawing/2014/main" id="{4475808F-4451-4E3A-B3CF-12538B9BCC77}"/>
+              </a:ext>
+            </a:extLst>
+          </p:cNvPr>
+          <p:cNvCxnSpPr>
+            <a:cxnSpLocks/>
+          </p:cNvCxnSpPr>
+          <p:nvPr/>
+        </p:nvCxnSpPr>
+        <p:spPr>
+          <a:xfrm>
+            <a:off x="3479800" y="1290840"/>
+            <a:ext cx="5232400" cy="0"/>
+          </a:xfrm>
+          <a:prstGeom prst="line">
+            <a:avLst/>
+          </a:prstGeom>
+          <a:ln w="12700">
+            <a:solidFill>
+              <a:srgbClr val="1E3148"/>
+            </a:solidFill>
+          </a:ln>
+        </p:spPr>
+        <p:style>
+          <a:lnRef idx="1">
+            <a:schemeClr val="accent1"/>
+          </a:lnRef>
+          <a:fillRef idx="0">
+            <a:schemeClr val="accent1"/>
+          </a:fillRef>
+          <a:effectRef idx="0">
+            <a:schemeClr val="accent1"/>
+          </a:effectRef>
+          <a:fontRef idx="minor">
+            <a:schemeClr val="tx1"/>
+          </a:fontRef>
+        </p:style>
+      </p:cxnSp>
+      <p:sp>
+        <p:nvSpPr>
+          <p:cNvPr id="39" name="矩形: 圓角 38">
+            <a:extLst>
+              <a:ext uri="{FF2B5EF4-FFF2-40B4-BE49-F238E27FC236}">
+                <a16:creationId xmlns:a16="http://schemas.microsoft.com/office/drawing/2014/main" id="{4FFE04BE-110B-4C43-83ED-F2B4BBFB8B50}"/>
+              </a:ext>
+            </a:extLst>
+          </p:cNvPr>
+          <p:cNvSpPr/>
+          <p:nvPr/>
+        </p:nvSpPr>
+        <p:spPr>
+          <a:xfrm>
+            <a:off x="262020" y="1431473"/>
+            <a:ext cx="4114801" cy="4914895"/>
+          </a:xfrm>
+          <a:prstGeom prst="roundRect">
+            <a:avLst>
+              <a:gd name="adj" fmla="val 14493"/>
+            </a:avLst>
+          </a:prstGeom>
+          <a:solidFill>
+            <a:srgbClr val="A3D5CB"/>
+          </a:solidFill>
+          <a:ln>
+            <a:noFill/>
+          </a:ln>
+        </p:spPr>
+        <p:style>
+          <a:lnRef idx="2">
+            <a:schemeClr val="accent1">
+              <a:shade val="50000"/>
+            </a:schemeClr>
+          </a:lnRef>
+          <a:fillRef idx="1">
+            <a:schemeClr val="accent1"/>
+          </a:fillRef>
+          <a:effectRef idx="0">
+            <a:schemeClr val="accent1"/>
+          </a:effectRef>
+          <a:fontRef idx="minor">
+            <a:schemeClr val="lt1"/>
+          </a:fontRef>
+        </p:style>
+        <p:txBody>
+          <a:bodyPr rtlCol="0" anchor="ctr"/>
+          <a:lstStyle/>
+          <a:p>
+            <a:pPr algn="ctr"/>
+            <a:endParaRPr lang="zh-TW" altLang="en-US"/>
+          </a:p>
+        </p:txBody>
+      </p:sp>
+      <p:pic>
+        <p:nvPicPr>
+          <p:cNvPr id="54" name="圖片 53">
+            <a:extLst>
+              <a:ext uri="{FF2B5EF4-FFF2-40B4-BE49-F238E27FC236}">
+                <a16:creationId xmlns:a16="http://schemas.microsoft.com/office/drawing/2014/main" id="{77A9DE2D-7728-482F-912C-AE965A2190B8}"/>
+              </a:ext>
+            </a:extLst>
+          </p:cNvPr>
+          <p:cNvPicPr>
+            <a:picLocks noChangeAspect="1"/>
+          </p:cNvPicPr>
+          <p:nvPr/>
+        </p:nvPicPr>
+        <p:blipFill>
+          <a:blip r:embed="rId2"/>
+          <a:stretch>
+            <a:fillRect/>
+          </a:stretch>
+        </p:blipFill>
+        <p:spPr>
+          <a:xfrm>
+            <a:off x="381000" y="2821280"/>
+            <a:ext cx="3869871" cy="2833847"/>
+          </a:xfrm>
+          <a:prstGeom prst="rect">
+            <a:avLst/>
+          </a:prstGeom>
+          <a:scene3d>
+            <a:camera prst="orthographicFront"/>
+            <a:lightRig rig="threePt" dir="t"/>
+          </a:scene3d>
+          <a:sp3d>
+            <a:bevelT/>
+          </a:sp3d>
+        </p:spPr>
+      </p:pic>
+      <p:sp>
+        <p:nvSpPr>
+          <p:cNvPr id="57" name="矩形: 圓角 56">
+            <a:extLst>
+              <a:ext uri="{FF2B5EF4-FFF2-40B4-BE49-F238E27FC236}">
+                <a16:creationId xmlns:a16="http://schemas.microsoft.com/office/drawing/2014/main" id="{FDA82A96-8448-419F-A950-7DE5046E9BD0}"/>
+              </a:ext>
+            </a:extLst>
+          </p:cNvPr>
+          <p:cNvSpPr/>
+          <p:nvPr/>
+        </p:nvSpPr>
+        <p:spPr>
+          <a:xfrm>
+            <a:off x="4767179" y="1431474"/>
+            <a:ext cx="4114801" cy="4914894"/>
+          </a:xfrm>
+          <a:prstGeom prst="roundRect">
+            <a:avLst>
+              <a:gd name="adj" fmla="val 14493"/>
+            </a:avLst>
+          </a:prstGeom>
+          <a:solidFill>
+            <a:srgbClr val="A3D5CB"/>
+          </a:solidFill>
+          <a:ln>
+            <a:noFill/>
+          </a:ln>
+        </p:spPr>
+        <p:style>
+          <a:lnRef idx="2">
+            <a:schemeClr val="accent1">
+              <a:shade val="50000"/>
+            </a:schemeClr>
+          </a:lnRef>
+          <a:fillRef idx="1">
+            <a:schemeClr val="accent1"/>
+          </a:fillRef>
+          <a:effectRef idx="0">
+            <a:schemeClr val="accent1"/>
+          </a:effectRef>
+          <a:fontRef idx="minor">
+            <a:schemeClr val="lt1"/>
+          </a:fontRef>
+        </p:style>
+        <p:txBody>
+          <a:bodyPr rtlCol="0" anchor="ctr"/>
+          <a:lstStyle/>
+          <a:p>
+            <a:pPr algn="ctr"/>
+            <a:endParaRPr lang="zh-TW" altLang="en-US" dirty="0"/>
+          </a:p>
+        </p:txBody>
+      </p:sp>
+      <p:pic>
+        <p:nvPicPr>
+          <p:cNvPr id="59" name="圖片 58">
+            <a:extLst>
+              <a:ext uri="{FF2B5EF4-FFF2-40B4-BE49-F238E27FC236}">
+                <a16:creationId xmlns:a16="http://schemas.microsoft.com/office/drawing/2014/main" id="{0383DB05-471A-4988-8181-8AE1FA465826}"/>
+              </a:ext>
+            </a:extLst>
+          </p:cNvPr>
+          <p:cNvPicPr>
+            <a:picLocks noChangeAspect="1"/>
+          </p:cNvPicPr>
+          <p:nvPr/>
+        </p:nvPicPr>
+        <p:blipFill>
+          <a:blip r:embed="rId3"/>
+          <a:stretch>
+            <a:fillRect/>
+          </a:stretch>
+        </p:blipFill>
+        <p:spPr>
+          <a:xfrm>
+            <a:off x="4844143" y="2843047"/>
+            <a:ext cx="3989614" cy="2812079"/>
+          </a:xfrm>
+          <a:prstGeom prst="rect">
+            <a:avLst/>
+          </a:prstGeom>
+          <a:scene3d>
+            <a:camera prst="orthographicFront"/>
+            <a:lightRig rig="threePt" dir="t"/>
+          </a:scene3d>
+          <a:sp3d>
+            <a:bevelT/>
+          </a:sp3d>
+        </p:spPr>
+      </p:pic>
+      <p:sp>
+        <p:nvSpPr>
+          <p:cNvPr id="61" name="矩形: 圓角 60">
+            <a:extLst>
+              <a:ext uri="{FF2B5EF4-FFF2-40B4-BE49-F238E27FC236}">
+                <a16:creationId xmlns:a16="http://schemas.microsoft.com/office/drawing/2014/main" id="{D000CA58-8413-4CBE-B9D6-0C8EEF016920}"/>
+              </a:ext>
+            </a:extLst>
+          </p:cNvPr>
+          <p:cNvSpPr/>
+          <p:nvPr/>
+        </p:nvSpPr>
+        <p:spPr>
+          <a:xfrm>
+            <a:off x="434151" y="1687561"/>
+            <a:ext cx="3763567" cy="830997"/>
+          </a:xfrm>
+          <a:prstGeom prst="roundRect">
+            <a:avLst/>
+          </a:prstGeom>
+          <a:solidFill>
+            <a:srgbClr val="479793"/>
+          </a:solidFill>
+          <a:ln>
+            <a:solidFill>
+              <a:srgbClr val="479793"/>
+            </a:solidFill>
+          </a:ln>
+        </p:spPr>
+        <p:style>
+          <a:lnRef idx="2">
+            <a:schemeClr val="accent1">
+              <a:shade val="50000"/>
+            </a:schemeClr>
+          </a:lnRef>
+          <a:fillRef idx="1">
+            <a:schemeClr val="accent1"/>
+          </a:fillRef>
+          <a:effectRef idx="0">
+            <a:schemeClr val="accent1"/>
+          </a:effectRef>
+          <a:fontRef idx="minor">
+            <a:schemeClr val="lt1"/>
+          </a:fontRef>
+        </p:style>
+        <p:txBody>
+          <a:bodyPr rtlCol="0" anchor="ctr"/>
+          <a:lstStyle/>
+          <a:p>
+            <a:pPr algn="ctr"/>
+            <a:endParaRPr lang="zh-TW" altLang="en-US"/>
+          </a:p>
+        </p:txBody>
+      </p:sp>
+      <p:sp>
+        <p:nvSpPr>
+          <p:cNvPr id="58" name="文字方塊 57">
+            <a:extLst>
+              <a:ext uri="{FF2B5EF4-FFF2-40B4-BE49-F238E27FC236}">
+                <a16:creationId xmlns:a16="http://schemas.microsoft.com/office/drawing/2014/main" id="{572D7B99-FB96-4530-8486-B7A87D373FFB}"/>
+              </a:ext>
+            </a:extLst>
+          </p:cNvPr>
+          <p:cNvSpPr txBox="1"/>
+          <p:nvPr/>
+        </p:nvSpPr>
+        <p:spPr>
+          <a:xfrm>
+            <a:off x="674739" y="1720279"/>
+            <a:ext cx="3388178" cy="830997"/>
+          </a:xfrm>
+          <a:prstGeom prst="rect">
+            <a:avLst/>
+          </a:prstGeom>
+          <a:noFill/>
+        </p:spPr>
+        <p:txBody>
+          <a:bodyPr wrap="square" rtlCol="0">
+            <a:spAutoFit/>
+          </a:bodyPr>
+          <a:lstStyle/>
+          <a:p>
+            <a:r>
+              <a:rPr lang="zh-TW" altLang="en-US" sz="2400" b="1" dirty="0">
+                <a:solidFill>
+                  <a:schemeClr val="bg1"/>
+                </a:solidFill>
+                <a:latin typeface="微軟正黑體" panose="020B0604030504040204" pitchFamily="34" charset="-120"/>
+                <a:ea typeface="微軟正黑體" panose="020B0604030504040204" pitchFamily="34" charset="-120"/>
+              </a:rPr>
+              <a:t>事件強度本身樣本分布不均</a:t>
+            </a:r>
+          </a:p>
+        </p:txBody>
+      </p:sp>
+      <p:sp>
+        <p:nvSpPr>
+          <p:cNvPr id="63" name="矩形: 圓角 62">
+            <a:extLst>
+              <a:ext uri="{FF2B5EF4-FFF2-40B4-BE49-F238E27FC236}">
+                <a16:creationId xmlns:a16="http://schemas.microsoft.com/office/drawing/2014/main" id="{ADDA4FFE-1D4F-4B33-A490-2D44AB1BE3CC}"/>
+              </a:ext>
+            </a:extLst>
+          </p:cNvPr>
+          <p:cNvSpPr/>
+          <p:nvPr/>
+        </p:nvSpPr>
+        <p:spPr>
+          <a:xfrm>
+            <a:off x="4957166" y="1720278"/>
+            <a:ext cx="3763567" cy="830997"/>
+          </a:xfrm>
+          <a:prstGeom prst="roundRect">
+            <a:avLst/>
+          </a:prstGeom>
+          <a:solidFill>
+            <a:srgbClr val="479793"/>
+          </a:solidFill>
+          <a:ln>
+            <a:solidFill>
+              <a:srgbClr val="479793"/>
+            </a:solidFill>
+          </a:ln>
+        </p:spPr>
+        <p:style>
+          <a:lnRef idx="2">
+            <a:schemeClr val="accent1">
+              <a:shade val="50000"/>
+            </a:schemeClr>
+          </a:lnRef>
+          <a:fillRef idx="1">
+            <a:schemeClr val="accent1"/>
+          </a:fillRef>
+          <a:effectRef idx="0">
+            <a:schemeClr val="accent1"/>
+          </a:effectRef>
+          <a:fontRef idx="minor">
+            <a:schemeClr val="lt1"/>
+          </a:fontRef>
+        </p:style>
+        <p:txBody>
+          <a:bodyPr rtlCol="0" anchor="ctr"/>
+          <a:lstStyle/>
+          <a:p>
+            <a:pPr algn="ctr"/>
+            <a:endParaRPr lang="zh-TW" altLang="en-US"/>
+          </a:p>
+        </p:txBody>
+      </p:sp>
+      <p:sp>
+        <p:nvSpPr>
+          <p:cNvPr id="60" name="文字方塊 59">
+            <a:extLst>
+              <a:ext uri="{FF2B5EF4-FFF2-40B4-BE49-F238E27FC236}">
+                <a16:creationId xmlns:a16="http://schemas.microsoft.com/office/drawing/2014/main" id="{37ACAEB1-5CA4-49FF-9030-EF1B481080C2}"/>
+              </a:ext>
+            </a:extLst>
+          </p:cNvPr>
+          <p:cNvSpPr txBox="1"/>
+          <p:nvPr/>
+        </p:nvSpPr>
+        <p:spPr>
+          <a:xfrm>
+            <a:off x="5023457" y="1763210"/>
+            <a:ext cx="3630983" cy="830997"/>
+          </a:xfrm>
+          <a:prstGeom prst="rect">
+            <a:avLst/>
+          </a:prstGeom>
+          <a:noFill/>
+        </p:spPr>
+        <p:txBody>
+          <a:bodyPr wrap="square" rtlCol="0">
+            <a:spAutoFit/>
+          </a:bodyPr>
+          <a:lstStyle/>
+          <a:p>
+            <a:pPr algn="ctr"/>
+            <a:r>
+              <a:rPr lang="zh-TW" altLang="en-US" sz="2400" b="1" dirty="0">
+                <a:solidFill>
+                  <a:schemeClr val="bg1"/>
+                </a:solidFill>
+                <a:latin typeface="微軟正黑體" panose="020B0604030504040204" pitchFamily="34" charset="-120"/>
+                <a:ea typeface="微軟正黑體" panose="020B0604030504040204" pitchFamily="34" charset="-120"/>
+              </a:rPr>
+              <a:t>大事件類別事件強度分布有所差異</a:t>
+            </a:r>
+          </a:p>
+        </p:txBody>
+      </p:sp>
+    </p:spTree>
+    <p:extLst>
+      <p:ext uri="{BB962C8B-B14F-4D97-AF65-F5344CB8AC3E}">
+        <p14:creationId xmlns:p14="http://schemas.microsoft.com/office/powerpoint/2010/main" val="4215314092"/>
+      </p:ext>
+    </p:extLst>
+  </p:cSld>
+  <p:clrMapOvr>
+    <a:masterClrMapping/>
+  </p:clrMapOvr>
+</p:sld>
+</file>
+
+<file path=ppt/slides/slide8.xml><?xml version="1.0" encoding="utf-8"?>
+<p:sld xmlns:a="http://schemas.openxmlformats.org/drawingml/2006/main" xmlns:r="http://schemas.openxmlformats.org/officeDocument/2006/relationships" xmlns:p="http://schemas.openxmlformats.org/presentationml/2006/main">
+  <p:cSld>
+    <p:spTree>
+      <p:nvGrpSpPr>
+        <p:cNvPr id="1" name=""/>
+        <p:cNvGrpSpPr/>
+        <p:nvPr/>
+      </p:nvGrpSpPr>
+      <p:grpSpPr>
+        <a:xfrm>
+          <a:off x="0" y="0"/>
+          <a:ext cx="0" cy="0"/>
+          <a:chOff x="0" y="0"/>
+          <a:chExt cx="0" cy="0"/>
+        </a:xfrm>
+      </p:grpSpPr>
+      <p:sp>
+        <p:nvSpPr>
+          <p:cNvPr id="2" name="標題 1">
+            <a:extLst>
+              <a:ext uri="{FF2B5EF4-FFF2-40B4-BE49-F238E27FC236}">
+                <a16:creationId xmlns:a16="http://schemas.microsoft.com/office/drawing/2014/main" id="{21D46EF1-12EA-C94F-9F03-C7FE589E8C7A}"/>
+              </a:ext>
+            </a:extLst>
+          </p:cNvPr>
+          <p:cNvSpPr>
+            <a:spLocks noGrp="1"/>
+          </p:cNvSpPr>
+          <p:nvPr>
+            <p:ph type="title"/>
+          </p:nvPr>
+        </p:nvSpPr>
+        <p:spPr/>
+        <p:txBody>
+          <a:bodyPr>
+            <a:normAutofit/>
+          </a:bodyPr>
+          <a:lstStyle/>
+          <a:p>
+            <a:r>
+              <a:rPr lang="zh-TW" altLang="en-US" dirty="0"/>
+              <a:t>資料預處理</a:t>
+            </a:r>
+            <a:r>
+              <a:rPr lang="en-US" altLang="zh-TW" dirty="0"/>
+              <a:t>(</a:t>
+            </a:r>
+            <a:r>
+              <a:rPr lang="zh-TW" altLang="en-US" dirty="0"/>
+              <a:t>斷詞</a:t>
+            </a:r>
+            <a:r>
+              <a:rPr lang="en-US" altLang="zh-TW" dirty="0"/>
+              <a:t>)</a:t>
+            </a:r>
+            <a:endParaRPr kumimoji="1" lang="zh-TW" altLang="en-US" dirty="0"/>
+          </a:p>
+        </p:txBody>
+      </p:sp>
+      <p:sp>
+        <p:nvSpPr>
+          <p:cNvPr id="4" name="日期版面配置區 3">
+            <a:extLst>
+              <a:ext uri="{FF2B5EF4-FFF2-40B4-BE49-F238E27FC236}">
+                <a16:creationId xmlns:a16="http://schemas.microsoft.com/office/drawing/2014/main" id="{190A1806-A5E7-ED48-84B7-A10F862FB7D3}"/>
+              </a:ext>
+            </a:extLst>
+          </p:cNvPr>
+          <p:cNvSpPr>
+            <a:spLocks noGrp="1"/>
+          </p:cNvSpPr>
+          <p:nvPr>
+            <p:ph type="dt" sz="half" idx="10"/>
+          </p:nvPr>
+        </p:nvSpPr>
+        <p:spPr/>
+        <p:txBody>
+          <a:bodyPr/>
+          <a:lstStyle/>
+          <a:p>
+            <a:fld id="{868F4FC5-FE50-A64D-A7E3-22233A0C6925}" type="datetime1">
+              <a:rPr kumimoji="1" lang="zh-TW" altLang="en-US" smtClean="0"/>
+              <a:t>2020/6/18</a:t>
+            </a:fld>
+            <a:endParaRPr kumimoji="1" lang="zh-TW" altLang="en-US" dirty="0"/>
+          </a:p>
+        </p:txBody>
+      </p:sp>
+      <p:sp>
+        <p:nvSpPr>
+          <p:cNvPr id="26" name="橢圓 25">
+            <a:extLst>
+              <a:ext uri="{FF2B5EF4-FFF2-40B4-BE49-F238E27FC236}">
+                <a16:creationId xmlns:a16="http://schemas.microsoft.com/office/drawing/2014/main" id="{418AF592-2E3C-4A4B-A110-4E2D5A0589FC}"/>
+              </a:ext>
+            </a:extLst>
+          </p:cNvPr>
+          <p:cNvSpPr/>
+          <p:nvPr/>
+        </p:nvSpPr>
+        <p:spPr>
+          <a:xfrm>
+            <a:off x="557209" y="1412344"/>
+            <a:ext cx="1326019" cy="1169770"/>
+          </a:xfrm>
+          <a:prstGeom prst="ellipse">
+            <a:avLst/>
+          </a:prstGeom>
+          <a:solidFill>
+            <a:srgbClr val="479793"/>
+          </a:solidFill>
+          <a:ln>
+            <a:noFill/>
+          </a:ln>
+        </p:spPr>
+        <p:style>
+          <a:lnRef idx="2">
+            <a:schemeClr val="accent1">
+              <a:shade val="50000"/>
+            </a:schemeClr>
+          </a:lnRef>
+          <a:fillRef idx="1">
+            <a:schemeClr val="accent1"/>
+          </a:fillRef>
+          <a:effectRef idx="0">
+            <a:schemeClr val="accent1"/>
+          </a:effectRef>
+          <a:fontRef idx="minor">
+            <a:schemeClr val="lt1"/>
+          </a:fontRef>
+        </p:style>
+        <p:txBody>
+          <a:bodyPr rtlCol="0" anchor="ctr"/>
+          <a:lstStyle/>
+          <a:p>
+            <a:pPr algn="ctr"/>
+            <a:r>
+              <a:rPr lang="zh-TW" altLang="en-US" sz="2800" b="1" dirty="0">
+                <a:latin typeface="微軟正黑體" panose="020B0604030504040204" pitchFamily="34" charset="-120"/>
+                <a:ea typeface="微軟正黑體" panose="020B0604030504040204" pitchFamily="34" charset="-120"/>
+              </a:rPr>
+              <a:t>斷詞</a:t>
+            </a:r>
+          </a:p>
+        </p:txBody>
+      </p:sp>
+      <p:sp>
+        <p:nvSpPr>
+          <p:cNvPr id="28" name="橢圓 27">
+            <a:extLst>
+              <a:ext uri="{FF2B5EF4-FFF2-40B4-BE49-F238E27FC236}">
+                <a16:creationId xmlns:a16="http://schemas.microsoft.com/office/drawing/2014/main" id="{68B0529E-8D4F-42FD-A2BD-92BAFC7E98A3}"/>
+              </a:ext>
+            </a:extLst>
+          </p:cNvPr>
+          <p:cNvSpPr/>
+          <p:nvPr/>
+        </p:nvSpPr>
+        <p:spPr>
+          <a:xfrm>
+            <a:off x="557209" y="3108316"/>
+            <a:ext cx="1326019" cy="1169770"/>
+          </a:xfrm>
+          <a:prstGeom prst="ellipse">
+            <a:avLst/>
+          </a:prstGeom>
+          <a:solidFill>
+            <a:srgbClr val="479793"/>
+          </a:solidFill>
+          <a:ln>
+            <a:noFill/>
+          </a:ln>
+        </p:spPr>
+        <p:style>
+          <a:lnRef idx="2">
+            <a:schemeClr val="accent1">
+              <a:shade val="50000"/>
+            </a:schemeClr>
+          </a:lnRef>
+          <a:fillRef idx="1">
+            <a:schemeClr val="accent1"/>
+          </a:fillRef>
+          <a:effectRef idx="0">
+            <a:schemeClr val="accent1"/>
+          </a:effectRef>
+          <a:fontRef idx="minor">
+            <a:schemeClr val="lt1"/>
+          </a:fontRef>
+        </p:style>
+        <p:txBody>
+          <a:bodyPr rtlCol="0" anchor="ctr"/>
+          <a:lstStyle/>
+          <a:p>
+            <a:pPr algn="ctr"/>
+            <a:r>
+              <a:rPr lang="zh-TW" altLang="en-US" sz="2800" b="1" dirty="0">
+                <a:latin typeface="微軟正黑體" panose="020B0604030504040204" pitchFamily="34" charset="-120"/>
+                <a:ea typeface="微軟正黑體" panose="020B0604030504040204" pitchFamily="34" charset="-120"/>
+              </a:rPr>
+              <a:t>標的</a:t>
+            </a:r>
+          </a:p>
+        </p:txBody>
+      </p:sp>
+      <p:sp>
+        <p:nvSpPr>
+          <p:cNvPr id="29" name="橢圓 28">
+            <a:extLst>
+              <a:ext uri="{FF2B5EF4-FFF2-40B4-BE49-F238E27FC236}">
+                <a16:creationId xmlns:a16="http://schemas.microsoft.com/office/drawing/2014/main" id="{D89BB2BE-407D-442A-8D88-7C3A4E0F9250}"/>
+              </a:ext>
+            </a:extLst>
+          </p:cNvPr>
+          <p:cNvSpPr/>
+          <p:nvPr/>
+        </p:nvSpPr>
+        <p:spPr>
+          <a:xfrm>
+            <a:off x="557209" y="4804288"/>
+            <a:ext cx="1326019" cy="1169770"/>
+          </a:xfrm>
+          <a:prstGeom prst="ellipse">
+            <a:avLst/>
+          </a:prstGeom>
+          <a:solidFill>
+            <a:srgbClr val="479793"/>
+          </a:solidFill>
+          <a:ln>
+            <a:noFill/>
+          </a:ln>
+        </p:spPr>
+        <p:style>
+          <a:lnRef idx="2">
+            <a:schemeClr val="accent1">
+              <a:shade val="50000"/>
+            </a:schemeClr>
+          </a:lnRef>
+          <a:fillRef idx="1">
+            <a:schemeClr val="accent1"/>
+          </a:fillRef>
+          <a:effectRef idx="0">
+            <a:schemeClr val="accent1"/>
+          </a:effectRef>
+          <a:fontRef idx="minor">
+            <a:schemeClr val="lt1"/>
+          </a:fontRef>
+        </p:style>
+        <p:txBody>
+          <a:bodyPr rtlCol="0" anchor="ctr"/>
+          <a:lstStyle/>
+          <a:p>
+            <a:pPr algn="ctr"/>
+            <a:r>
+              <a:rPr lang="zh-TW" altLang="en-US" sz="2800" b="1" dirty="0">
+                <a:latin typeface="微軟正黑體" panose="020B0604030504040204" pitchFamily="34" charset="-120"/>
+                <a:ea typeface="微軟正黑體" panose="020B0604030504040204" pitchFamily="34" charset="-120"/>
+              </a:rPr>
+              <a:t>工具</a:t>
+            </a:r>
+          </a:p>
+        </p:txBody>
+      </p:sp>
+      <p:sp>
+        <p:nvSpPr>
+          <p:cNvPr id="8" name="文字方塊 7">
+            <a:extLst>
+              <a:ext uri="{FF2B5EF4-FFF2-40B4-BE49-F238E27FC236}">
+                <a16:creationId xmlns:a16="http://schemas.microsoft.com/office/drawing/2014/main" id="{16F8915A-7CC0-4A26-B33E-26B9266C36E9}"/>
+              </a:ext>
+            </a:extLst>
+          </p:cNvPr>
+          <p:cNvSpPr txBox="1"/>
+          <p:nvPr/>
+        </p:nvSpPr>
+        <p:spPr>
+          <a:xfrm>
+            <a:off x="2264229" y="1412344"/>
+            <a:ext cx="6022521" cy="1200329"/>
+          </a:xfrm>
+          <a:prstGeom prst="rect">
+            <a:avLst/>
+          </a:prstGeom>
+          <a:noFill/>
+        </p:spPr>
+        <p:txBody>
+          <a:bodyPr wrap="square" rtlCol="0">
+            <a:spAutoFit/>
+          </a:bodyPr>
+          <a:lstStyle/>
+          <a:p>
+            <a:pPr marL="342900" indent="-342900">
+              <a:buFont typeface="Arial" panose="020B0604020202020204" pitchFamily="34" charset="0"/>
+              <a:buChar char="•"/>
+            </a:pPr>
+            <a:r>
+              <a:rPr lang="zh-TW" altLang="en-US" b="1" dirty="0">
+                <a:latin typeface="Microsoft JhengHei" panose="020B0604030504040204" pitchFamily="34" charset="-120"/>
+                <a:ea typeface="Microsoft JhengHei" panose="020B0604030504040204" pitchFamily="34" charset="-120"/>
+              </a:rPr>
+              <a:t>詞是最小有意義且可以自由使用的語言單位</a:t>
+            </a:r>
+            <a:endParaRPr lang="en-US" altLang="zh-TW" b="1" dirty="0">
+              <a:latin typeface="Microsoft JhengHei" panose="020B0604030504040204" pitchFamily="34" charset="-120"/>
+              <a:ea typeface="Microsoft JhengHei" panose="020B0604030504040204" pitchFamily="34" charset="-120"/>
+            </a:endParaRPr>
+          </a:p>
+          <a:p>
+            <a:pPr marL="342900" indent="-342900">
+              <a:buFont typeface="Arial" panose="020B0604020202020204" pitchFamily="34" charset="0"/>
+              <a:buChar char="•"/>
+            </a:pPr>
+            <a:r>
+              <a:rPr lang="zh-TW" altLang="en-US" b="1" dirty="0">
+                <a:latin typeface="Microsoft JhengHei" panose="020B0604030504040204" pitchFamily="34" charset="-120"/>
+                <a:ea typeface="Microsoft JhengHei" panose="020B0604030504040204" pitchFamily="34" charset="-120"/>
+              </a:rPr>
+              <a:t>任何語言處理的系統都必須先能分辨文本中的詞才能進行進一步的處理</a:t>
+            </a:r>
+            <a:endParaRPr lang="en-US" altLang="zh-TW" b="1" dirty="0">
+              <a:latin typeface="Microsoft JhengHei" panose="020B0604030504040204" pitchFamily="34" charset="-120"/>
+              <a:ea typeface="Microsoft JhengHei" panose="020B0604030504040204" pitchFamily="34" charset="-120"/>
+            </a:endParaRPr>
+          </a:p>
+          <a:p>
+            <a:pPr marL="342900" indent="-342900">
+              <a:buFont typeface="Arial" panose="020B0604020202020204" pitchFamily="34" charset="0"/>
+              <a:buChar char="•"/>
+            </a:pPr>
+            <a:r>
+              <a:rPr lang="zh-TW" altLang="en-US" b="1" dirty="0">
+                <a:latin typeface="Microsoft JhengHei" panose="020B0604030504040204" pitchFamily="34" charset="-120"/>
+                <a:ea typeface="Microsoft JhengHei" panose="020B0604030504040204" pitchFamily="34" charset="-120"/>
+              </a:rPr>
+              <a:t>將一段中文切分出有「意義」的小單位（詞）</a:t>
+            </a:r>
+            <a:endParaRPr lang="en-US" altLang="zh-TW" b="1" dirty="0">
+              <a:latin typeface="Microsoft JhengHei" panose="020B0604030504040204" pitchFamily="34" charset="-120"/>
+              <a:ea typeface="Microsoft JhengHei" panose="020B0604030504040204" pitchFamily="34" charset="-120"/>
+            </a:endParaRPr>
+          </a:p>
+        </p:txBody>
+      </p:sp>
+      <p:sp>
+        <p:nvSpPr>
+          <p:cNvPr id="9" name="文字方塊 8">
+            <a:extLst>
+              <a:ext uri="{FF2B5EF4-FFF2-40B4-BE49-F238E27FC236}">
+                <a16:creationId xmlns:a16="http://schemas.microsoft.com/office/drawing/2014/main" id="{47E25484-CEFD-4475-8834-165356AA5753}"/>
+              </a:ext>
+            </a:extLst>
+          </p:cNvPr>
+          <p:cNvSpPr txBox="1"/>
+          <p:nvPr/>
+        </p:nvSpPr>
+        <p:spPr>
+          <a:xfrm>
+            <a:off x="2264229" y="3490557"/>
+            <a:ext cx="5853793" cy="646331"/>
+          </a:xfrm>
+          <a:prstGeom prst="rect">
+            <a:avLst/>
+          </a:prstGeom>
+          <a:noFill/>
+        </p:spPr>
+        <p:txBody>
+          <a:bodyPr wrap="square" rtlCol="0">
+            <a:spAutoFit/>
+          </a:bodyPr>
+          <a:lstStyle/>
+          <a:p>
+            <a:pPr marL="285750" indent="-285750">
+              <a:buFont typeface="Arial" panose="020B0604020202020204" pitchFamily="34" charset="0"/>
+              <a:buChar char="•"/>
+            </a:pPr>
+            <a:r>
+              <a:rPr lang="zh-TW" altLang="en-US" b="1" dirty="0">
+                <a:latin typeface="Microsoft JhengHei" panose="020B0604030504040204" pitchFamily="34" charset="-120"/>
+                <a:ea typeface="Microsoft JhengHei" panose="020B0604030504040204" pitchFamily="34" charset="-120"/>
+              </a:rPr>
+              <a:t>本次報告須做處理的部分為新聞的內容</a:t>
+            </a:r>
+            <a:endParaRPr lang="en-US" altLang="zh-TW" b="1" dirty="0">
+              <a:latin typeface="Microsoft JhengHei" panose="020B0604030504040204" pitchFamily="34" charset="-120"/>
+              <a:ea typeface="Microsoft JhengHei" panose="020B0604030504040204" pitchFamily="34" charset="-120"/>
+            </a:endParaRPr>
+          </a:p>
+          <a:p>
+            <a:pPr marL="285750" indent="-285750">
+              <a:buFont typeface="Arial" panose="020B0604020202020204" pitchFamily="34" charset="0"/>
+              <a:buChar char="•"/>
+            </a:pPr>
+            <a:endParaRPr lang="zh-TW" altLang="en-US" dirty="0"/>
+          </a:p>
+        </p:txBody>
+      </p:sp>
+      <p:sp>
+        <p:nvSpPr>
+          <p:cNvPr id="12" name="文字方塊 11">
+            <a:extLst>
+              <a:ext uri="{FF2B5EF4-FFF2-40B4-BE49-F238E27FC236}">
+                <a16:creationId xmlns:a16="http://schemas.microsoft.com/office/drawing/2014/main" id="{D89147E5-9320-4259-938A-63D4FD5FE4B1}"/>
+              </a:ext>
+            </a:extLst>
+          </p:cNvPr>
+          <p:cNvSpPr txBox="1"/>
+          <p:nvPr/>
+        </p:nvSpPr>
+        <p:spPr>
+          <a:xfrm>
+            <a:off x="2264229" y="5209096"/>
+            <a:ext cx="4523014" cy="646331"/>
+          </a:xfrm>
+          <a:prstGeom prst="rect">
+            <a:avLst/>
+          </a:prstGeom>
+          <a:noFill/>
+        </p:spPr>
+        <p:txBody>
+          <a:bodyPr wrap="square" rtlCol="0">
+            <a:spAutoFit/>
+          </a:bodyPr>
+          <a:lstStyle/>
+          <a:p>
+            <a:pPr marL="285750" indent="-285750">
+              <a:buFont typeface="Arial" panose="020B0604020202020204" pitchFamily="34" charset="0"/>
+              <a:buChar char="•"/>
+            </a:pPr>
+            <a:r>
+              <a:rPr lang="zh-TW" altLang="en-US" b="1" dirty="0">
+                <a:latin typeface="Microsoft JhengHei" panose="020B0604030504040204" pitchFamily="34" charset="-120"/>
+                <a:ea typeface="Microsoft JhengHei" panose="020B0604030504040204" pitchFamily="34" charset="-120"/>
+              </a:rPr>
+              <a:t>分別使用</a:t>
+            </a:r>
+            <a:r>
+              <a:rPr lang="en-US" altLang="zh-TW" b="1" dirty="0">
+                <a:latin typeface="Microsoft JhengHei" panose="020B0604030504040204" pitchFamily="34" charset="-120"/>
+                <a:ea typeface="Microsoft JhengHei" panose="020B0604030504040204" pitchFamily="34" charset="-120"/>
+              </a:rPr>
+              <a:t>2</a:t>
+            </a:r>
+            <a:r>
+              <a:rPr lang="zh-TW" altLang="en-US" b="1" dirty="0">
+                <a:latin typeface="Microsoft JhengHei" panose="020B0604030504040204" pitchFamily="34" charset="-120"/>
+                <a:ea typeface="Microsoft JhengHei" panose="020B0604030504040204" pitchFamily="34" charset="-120"/>
+              </a:rPr>
+              <a:t>種不同的斷詞系統做新聞斷詞</a:t>
+            </a:r>
+            <a:endParaRPr lang="en-US" altLang="zh-TW" b="1" dirty="0">
+              <a:latin typeface="微軟正黑體" panose="020B0604030504040204" pitchFamily="34" charset="-120"/>
+              <a:ea typeface="微軟正黑體" panose="020B0604030504040204" pitchFamily="34" charset="-120"/>
+            </a:endParaRPr>
+          </a:p>
+          <a:p>
+            <a:pPr marL="285750" indent="-285750">
+              <a:buFont typeface="Arial" panose="020B0604020202020204" pitchFamily="34" charset="0"/>
+              <a:buChar char="•"/>
+            </a:pPr>
+            <a:endParaRPr lang="zh-TW" altLang="en-US" dirty="0"/>
+          </a:p>
+        </p:txBody>
+      </p:sp>
+    </p:spTree>
+    <p:extLst>
+      <p:ext uri="{BB962C8B-B14F-4D97-AF65-F5344CB8AC3E}">
+        <p14:creationId xmlns:p14="http://schemas.microsoft.com/office/powerpoint/2010/main" val="4062619411"/>
+      </p:ext>
+    </p:extLst>
+  </p:cSld>
+  <p:clrMapOvr>
+    <a:masterClrMapping/>
+  </p:clrMapOvr>
+</p:sld>
+</file>
+
+<file path=ppt/slides/slide9.xml><?xml version="1.0" encoding="utf-8"?>
+<p:sld xmlns:a="http://schemas.openxmlformats.org/drawingml/2006/main" xmlns:r="http://schemas.openxmlformats.org/officeDocument/2006/relationships" xmlns:p="http://schemas.openxmlformats.org/presentationml/2006/main">
+  <p:cSld>
+    <p:spTree>
+      <p:nvGrpSpPr>
+        <p:cNvPr id="1" name=""/>
+        <p:cNvGrpSpPr/>
+        <p:nvPr/>
+      </p:nvGrpSpPr>
+      <p:grpSpPr>
+        <a:xfrm>
+          <a:off x="0" y="0"/>
+          <a:ext cx="0" cy="0"/>
+          <a:chOff x="0" y="0"/>
+          <a:chExt cx="0" cy="0"/>
+        </a:xfrm>
+      </p:grpSpPr>
+      <p:sp>
+        <p:nvSpPr>
+          <p:cNvPr id="2" name="標題 1">
+            <a:extLst>
+              <a:ext uri="{FF2B5EF4-FFF2-40B4-BE49-F238E27FC236}">
+                <a16:creationId xmlns:a16="http://schemas.microsoft.com/office/drawing/2014/main" id="{21D46EF1-12EA-C94F-9F03-C7FE589E8C7A}"/>
+              </a:ext>
+            </a:extLst>
+          </p:cNvPr>
+          <p:cNvSpPr>
+            <a:spLocks noGrp="1"/>
+          </p:cNvSpPr>
+          <p:nvPr>
+            <p:ph type="title"/>
+          </p:nvPr>
+        </p:nvSpPr>
+        <p:spPr/>
+        <p:txBody>
+          <a:bodyPr>
+            <a:normAutofit/>
+          </a:bodyPr>
+          <a:lstStyle/>
+          <a:p>
+            <a:r>
+              <a:rPr lang="en-US" altLang="zh-TW" dirty="0" err="1"/>
+              <a:t>Jieba</a:t>
+            </a:r>
+            <a:r>
+              <a:rPr lang="zh-TW" altLang="en-US" dirty="0"/>
+              <a:t>  </a:t>
+            </a:r>
+            <a:r>
+              <a:rPr lang="en-US" altLang="zh-TW" dirty="0"/>
+              <a:t>vs </a:t>
+            </a:r>
+            <a:r>
+              <a:rPr lang="en-US" altLang="zh-TW" dirty="0" err="1"/>
+              <a:t>ckiptagger</a:t>
+            </a:r>
+            <a:endParaRPr kumimoji="1" lang="zh-TW" altLang="en-US" dirty="0"/>
+          </a:p>
+        </p:txBody>
+      </p:sp>
+      <p:sp>
+        <p:nvSpPr>
+          <p:cNvPr id="4" name="日期版面配置區 3">
+            <a:extLst>
+              <a:ext uri="{FF2B5EF4-FFF2-40B4-BE49-F238E27FC236}">
+                <a16:creationId xmlns:a16="http://schemas.microsoft.com/office/drawing/2014/main" id="{190A1806-A5E7-ED48-84B7-A10F862FB7D3}"/>
+              </a:ext>
+            </a:extLst>
+          </p:cNvPr>
+          <p:cNvSpPr>
+            <a:spLocks noGrp="1"/>
+          </p:cNvSpPr>
+          <p:nvPr>
+            <p:ph type="dt" sz="half" idx="10"/>
+          </p:nvPr>
+        </p:nvSpPr>
+        <p:spPr/>
+        <p:txBody>
+          <a:bodyPr/>
+          <a:lstStyle/>
+          <a:p>
+            <a:fld id="{868F4FC5-FE50-A64D-A7E3-22233A0C6925}" type="datetime1">
+              <a:rPr kumimoji="1" lang="zh-TW" altLang="en-US" smtClean="0"/>
+              <a:t>2020/6/18</a:t>
+            </a:fld>
+            <a:endParaRPr kumimoji="1" lang="zh-TW" altLang="en-US" dirty="0"/>
+          </a:p>
+        </p:txBody>
+      </p:sp>
+      <p:sp>
+        <p:nvSpPr>
+          <p:cNvPr id="13" name="矩形 12">
+            <a:extLst>
+              <a:ext uri="{FF2B5EF4-FFF2-40B4-BE49-F238E27FC236}">
+                <a16:creationId xmlns:a16="http://schemas.microsoft.com/office/drawing/2014/main" id="{C0751D33-657F-4AE9-8EE2-4DD6D62498FD}"/>
+              </a:ext>
+            </a:extLst>
+          </p:cNvPr>
+          <p:cNvSpPr/>
+          <p:nvPr/>
+        </p:nvSpPr>
+        <p:spPr>
+          <a:xfrm>
+            <a:off x="842574" y="1519353"/>
+            <a:ext cx="7486650" cy="1323439"/>
+          </a:xfrm>
+          <a:prstGeom prst="rect">
+            <a:avLst/>
+          </a:prstGeom>
+        </p:spPr>
+        <p:txBody>
+          <a:bodyPr wrap="square">
+            <a:spAutoFit/>
+          </a:bodyPr>
+          <a:lstStyle/>
+          <a:p>
+            <a:pPr marL="342900" indent="-342900">
+              <a:buFont typeface="Arial" panose="020B0604020202020204" pitchFamily="34" charset="0"/>
+              <a:buChar char="•"/>
+            </a:pPr>
+            <a:r>
+              <a:rPr lang="en-US" altLang="zh-TW" sz="2000" b="1" dirty="0" err="1">
+                <a:latin typeface="Microsoft JhengHei" panose="020B0604030504040204" pitchFamily="34" charset="-120"/>
+                <a:ea typeface="Microsoft JhengHei" panose="020B0604030504040204" pitchFamily="34" charset="-120"/>
+              </a:rPr>
+              <a:t>Jieba</a:t>
+            </a:r>
+            <a:r>
+              <a:rPr lang="en-US" altLang="zh-TW" sz="2000" b="1" dirty="0">
+                <a:latin typeface="Microsoft JhengHei" panose="020B0604030504040204" pitchFamily="34" charset="-120"/>
+                <a:ea typeface="Microsoft JhengHei" panose="020B0604030504040204" pitchFamily="34" charset="-120"/>
+              </a:rPr>
+              <a:t> </a:t>
+            </a:r>
+            <a:r>
+              <a:rPr lang="zh-TW" altLang="en-US" sz="2000" b="1" dirty="0">
+                <a:latin typeface="Microsoft JhengHei" panose="020B0604030504040204" pitchFamily="34" charset="-120"/>
+                <a:ea typeface="Microsoft JhengHei" panose="020B0604030504040204" pitchFamily="34" charset="-120"/>
+              </a:rPr>
+              <a:t>這個中文斷詞程式是由中國開發者所開發</a:t>
+            </a:r>
+            <a:endParaRPr lang="en-US" altLang="zh-TW" sz="2000" b="1" dirty="0">
+              <a:latin typeface="Microsoft JhengHei" panose="020B0604030504040204" pitchFamily="34" charset="-120"/>
+              <a:ea typeface="Microsoft JhengHei" panose="020B0604030504040204" pitchFamily="34" charset="-120"/>
+            </a:endParaRPr>
+          </a:p>
+          <a:p>
+            <a:pPr marL="342900" indent="-342900">
+              <a:buFont typeface="Arial" panose="020B0604020202020204" pitchFamily="34" charset="0"/>
+              <a:buChar char="•"/>
+            </a:pPr>
+            <a:r>
+              <a:rPr lang="zh-TW" altLang="en-US" sz="2000" b="1" dirty="0">
+                <a:latin typeface="Microsoft JhengHei" panose="020B0604030504040204" pitchFamily="34" charset="-120"/>
+                <a:ea typeface="Microsoft JhengHei" panose="020B0604030504040204" pitchFamily="34" charset="-120"/>
+              </a:rPr>
+              <a:t>可同時支援簡體與繁體的斷詞</a:t>
+            </a:r>
+            <a:endParaRPr lang="en-US" altLang="zh-TW" sz="2000" b="1" dirty="0">
+              <a:latin typeface="Microsoft JhengHei" panose="020B0604030504040204" pitchFamily="34" charset="-120"/>
+              <a:ea typeface="Microsoft JhengHei" panose="020B0604030504040204" pitchFamily="34" charset="-120"/>
+            </a:endParaRPr>
+          </a:p>
+          <a:p>
+            <a:pPr algn="ctr"/>
+            <a:br>
+              <a:rPr lang="zh-TW" altLang="en-US" sz="2000" b="1" dirty="0">
+                <a:solidFill>
+                  <a:schemeClr val="tx1">
+                    <a:lumMod val="65000"/>
+                    <a:lumOff val="35000"/>
+                  </a:schemeClr>
+                </a:solidFill>
+              </a:rPr>
+            </a:br>
+            <a:endParaRPr lang="zh-TW" altLang="en-US" sz="2000" b="1" dirty="0">
+              <a:solidFill>
+                <a:schemeClr val="tx1">
+                  <a:lumMod val="65000"/>
+                  <a:lumOff val="35000"/>
+                </a:schemeClr>
+              </a:solidFill>
+            </a:endParaRPr>
+          </a:p>
+        </p:txBody>
+      </p:sp>
+      <p:sp>
+        <p:nvSpPr>
+          <p:cNvPr id="3" name="文字方塊 2">
+            <a:extLst>
+              <a:ext uri="{FF2B5EF4-FFF2-40B4-BE49-F238E27FC236}">
+                <a16:creationId xmlns:a16="http://schemas.microsoft.com/office/drawing/2014/main" id="{2B450A2E-D093-4B98-9DD9-2E16E269DF8B}"/>
+              </a:ext>
+            </a:extLst>
+          </p:cNvPr>
+          <p:cNvSpPr txBox="1"/>
+          <p:nvPr/>
+        </p:nvSpPr>
+        <p:spPr>
+          <a:xfrm>
+            <a:off x="744603" y="3165272"/>
+            <a:ext cx="7584621" cy="677108"/>
+          </a:xfrm>
+          <a:prstGeom prst="rect">
+            <a:avLst/>
+          </a:prstGeom>
+          <a:noFill/>
+        </p:spPr>
+        <p:txBody>
+          <a:bodyPr wrap="square" rtlCol="0">
+            <a:spAutoFit/>
+          </a:bodyPr>
+          <a:lstStyle/>
+          <a:p>
+            <a:pPr marL="342900" indent="-342900">
+              <a:buFont typeface="Arial" panose="020B0604020202020204" pitchFamily="34" charset="0"/>
+              <a:buChar char="•"/>
+            </a:pPr>
+            <a:r>
+              <a:rPr lang="zh-TW" altLang="en-US" sz="2000" b="1" dirty="0">
+                <a:latin typeface="Microsoft JhengHei" panose="020B0604030504040204" pitchFamily="34" charset="-120"/>
+                <a:ea typeface="Microsoft JhengHei" panose="020B0604030504040204" pitchFamily="34" charset="-120"/>
+              </a:rPr>
+              <a:t>中研院</a:t>
+            </a:r>
+            <a:r>
+              <a:rPr lang="en-US" altLang="zh-TW" sz="2000" b="1" dirty="0">
+                <a:latin typeface="Microsoft JhengHei" panose="020B0604030504040204" pitchFamily="34" charset="-120"/>
+                <a:ea typeface="Microsoft JhengHei" panose="020B0604030504040204" pitchFamily="34" charset="-120"/>
+              </a:rPr>
+              <a:t>CKIP Lab</a:t>
+            </a:r>
+            <a:r>
+              <a:rPr lang="zh-TW" altLang="en-US" sz="2000" b="1" dirty="0">
+                <a:latin typeface="Microsoft JhengHei" panose="020B0604030504040204" pitchFamily="34" charset="-120"/>
+                <a:ea typeface="Microsoft JhengHei" panose="020B0604030504040204" pitchFamily="34" charset="-120"/>
+              </a:rPr>
+              <a:t>中文詞知識庫小組開發之中文斷詞工具</a:t>
+            </a:r>
+            <a:endParaRPr lang="en-US" altLang="zh-TW" sz="2000" b="1" dirty="0">
+              <a:latin typeface="Microsoft JhengHei" panose="020B0604030504040204" pitchFamily="34" charset="-120"/>
+              <a:ea typeface="Microsoft JhengHei" panose="020B0604030504040204" pitchFamily="34" charset="-120"/>
+            </a:endParaRPr>
+          </a:p>
+          <a:p>
+            <a:endParaRPr lang="zh-TW" altLang="en-US" dirty="0"/>
+          </a:p>
+        </p:txBody>
+      </p:sp>
+      <p:sp>
+        <p:nvSpPr>
+          <p:cNvPr id="5" name="矩形: 圓角 4">
+            <a:extLst>
+              <a:ext uri="{FF2B5EF4-FFF2-40B4-BE49-F238E27FC236}">
+                <a16:creationId xmlns:a16="http://schemas.microsoft.com/office/drawing/2014/main" id="{6D4860D9-BB29-4443-B743-950BBF1C6AE6}"/>
+              </a:ext>
+            </a:extLst>
+          </p:cNvPr>
+          <p:cNvSpPr/>
+          <p:nvPr/>
+        </p:nvSpPr>
+        <p:spPr>
+          <a:xfrm>
+            <a:off x="3512986" y="844123"/>
+            <a:ext cx="1806565" cy="497694"/>
+          </a:xfrm>
+          <a:prstGeom prst="roundRect">
+            <a:avLst/>
+          </a:prstGeom>
+          <a:solidFill>
+            <a:srgbClr val="C8E9E5"/>
+          </a:solidFill>
+          <a:ln>
+            <a:solidFill>
+              <a:srgbClr val="C8E9E5"/>
+            </a:solidFill>
+          </a:ln>
+        </p:spPr>
+        <p:style>
+          <a:lnRef idx="2">
+            <a:schemeClr val="accent1">
+              <a:shade val="50000"/>
+            </a:schemeClr>
+          </a:lnRef>
+          <a:fillRef idx="1">
+            <a:schemeClr val="accent1"/>
+          </a:fillRef>
+          <a:effectRef idx="0">
+            <a:schemeClr val="accent1"/>
+          </a:effectRef>
+          <a:fontRef idx="minor">
+            <a:schemeClr val="lt1"/>
+          </a:fontRef>
+        </p:style>
+        <p:txBody>
+          <a:bodyPr rtlCol="0" anchor="ctr"/>
+          <a:lstStyle/>
+          <a:p>
+            <a:pPr algn="ctr"/>
+            <a:endParaRPr lang="zh-TW" altLang="en-US"/>
+          </a:p>
+        </p:txBody>
+      </p:sp>
+      <p:graphicFrame>
+        <p:nvGraphicFramePr>
+          <p:cNvPr id="17" name="表格 8">
+            <a:extLst>
+              <a:ext uri="{FF2B5EF4-FFF2-40B4-BE49-F238E27FC236}">
+                <a16:creationId xmlns:a16="http://schemas.microsoft.com/office/drawing/2014/main" id="{B18E01BD-D2A6-4842-98E4-1D2A156EBA05}"/>
+              </a:ext>
+            </a:extLst>
+          </p:cNvPr>
+          <p:cNvGraphicFramePr>
+            <a:graphicFrameLocks noGrp="1"/>
+          </p:cNvGraphicFramePr>
+          <p:nvPr>
+            <p:ph idx="1"/>
+            <p:extLst>
+              <p:ext uri="{D42A27DB-BD31-4B8C-83A1-F6EECF244321}">
+                <p14:modId xmlns:p14="http://schemas.microsoft.com/office/powerpoint/2010/main" val="1696185478"/>
+              </p:ext>
+            </p:extLst>
+          </p:nvPr>
+        </p:nvGraphicFramePr>
+        <p:xfrm>
+          <a:off x="468085" y="3868925"/>
+          <a:ext cx="8371116" cy="2340001"/>
+        </p:xfrm>
+        <a:graphic>
+          <a:graphicData uri="http://schemas.openxmlformats.org/drawingml/2006/table">
+            <a:tbl>
+              <a:tblPr firstRow="1" bandRow="1">
+                <a:tableStyleId>{5C22544A-7EE6-4342-B048-85BDC9FD1C3A}</a:tableStyleId>
+              </a:tblPr>
+              <a:tblGrid>
+                <a:gridCol w="2092779">
+                  <a:extLst>
+                    <a:ext uri="{9D8B030D-6E8A-4147-A177-3AD203B41FA5}">
+                      <a16:colId xmlns:a16="http://schemas.microsoft.com/office/drawing/2014/main" val="1140071139"/>
+                    </a:ext>
+                  </a:extLst>
+                </a:gridCol>
+                <a:gridCol w="2092779">
+                  <a:extLst>
+                    <a:ext uri="{9D8B030D-6E8A-4147-A177-3AD203B41FA5}">
+                      <a16:colId xmlns:a16="http://schemas.microsoft.com/office/drawing/2014/main" val="3753979472"/>
+                    </a:ext>
+                  </a:extLst>
+                </a:gridCol>
+                <a:gridCol w="2092779">
+                  <a:extLst>
+                    <a:ext uri="{9D8B030D-6E8A-4147-A177-3AD203B41FA5}">
+                      <a16:colId xmlns:a16="http://schemas.microsoft.com/office/drawing/2014/main" val="3066015653"/>
+                    </a:ext>
+                  </a:extLst>
+                </a:gridCol>
+                <a:gridCol w="2092779">
+                  <a:extLst>
+                    <a:ext uri="{9D8B030D-6E8A-4147-A177-3AD203B41FA5}">
+                      <a16:colId xmlns:a16="http://schemas.microsoft.com/office/drawing/2014/main" val="2845227364"/>
+                    </a:ext>
+                  </a:extLst>
+                </a:gridCol>
+              </a:tblGrid>
+              <a:tr h="670623">
+                <a:tc>
+                  <a:txBody>
+                    <a:bodyPr/>
+                    <a:lstStyle/>
+                    <a:p>
+                      <a:pPr algn="ctr"/>
+                      <a:r>
+                        <a:rPr lang="en-US" altLang="zh-TW" sz="2800" b="0" kern="1200" cap="all" dirty="0">
+                          <a:solidFill>
+                            <a:schemeClr val="bg1"/>
+                          </a:solidFill>
+                          <a:latin typeface="微軟正黑體" panose="020B0604030504040204" pitchFamily="34" charset="-120"/>
+                          <a:ea typeface="微軟正黑體" panose="020B0604030504040204" pitchFamily="34" charset="-120"/>
+                          <a:cs typeface="+mj-cs"/>
+                        </a:rPr>
+                        <a:t>Tool</a:t>
+                      </a:r>
+                      <a:endParaRPr lang="zh-TW" altLang="en-US" sz="2800" b="0" kern="1200" cap="all" dirty="0">
+                        <a:solidFill>
+                          <a:schemeClr val="bg1"/>
+                        </a:solidFill>
+                        <a:latin typeface="微軟正黑體" panose="020B0604030504040204" pitchFamily="34" charset="-120"/>
+                        <a:ea typeface="微軟正黑體" panose="020B0604030504040204" pitchFamily="34" charset="-120"/>
+                        <a:cs typeface="+mj-cs"/>
+                      </a:endParaRPr>
+                    </a:p>
+                  </a:txBody>
+                  <a:tcPr anchor="ctr">
+                    <a:solidFill>
+                      <a:srgbClr val="479793"/>
+                    </a:solidFill>
+                  </a:tcPr>
+                </a:tc>
+                <a:tc>
+                  <a:txBody>
+                    <a:bodyPr/>
+                    <a:lstStyle/>
+                    <a:p>
+                      <a:pPr algn="ctr"/>
+                      <a:r>
+                        <a:rPr lang="en-US" altLang="zh-TW" sz="2800" b="0" kern="1200" cap="all" dirty="0">
+                          <a:solidFill>
+                            <a:schemeClr val="bg1"/>
+                          </a:solidFill>
+                          <a:latin typeface="微軟正黑體" panose="020B0604030504040204" pitchFamily="34" charset="-120"/>
+                          <a:ea typeface="微軟正黑體" panose="020B0604030504040204" pitchFamily="34" charset="-120"/>
+                          <a:cs typeface="+mj-cs"/>
+                        </a:rPr>
+                        <a:t>(WS)</a:t>
+                      </a:r>
+                      <a:r>
+                        <a:rPr lang="en-US" altLang="zh-TW" sz="2800" b="0" kern="1200" cap="all" dirty="0" err="1">
+                          <a:solidFill>
+                            <a:schemeClr val="bg1"/>
+                          </a:solidFill>
+                          <a:latin typeface="微軟正黑體" panose="020B0604030504040204" pitchFamily="34" charset="-120"/>
+                          <a:ea typeface="微軟正黑體" panose="020B0604030504040204" pitchFamily="34" charset="-120"/>
+                          <a:cs typeface="+mj-cs"/>
+                        </a:rPr>
+                        <a:t>prec</a:t>
+                      </a:r>
+                      <a:endParaRPr lang="zh-TW" altLang="en-US" sz="2800" b="0" kern="1200" cap="all" dirty="0">
+                        <a:solidFill>
+                          <a:schemeClr val="bg1"/>
+                        </a:solidFill>
+                        <a:latin typeface="微軟正黑體" panose="020B0604030504040204" pitchFamily="34" charset="-120"/>
+                        <a:ea typeface="微軟正黑體" panose="020B0604030504040204" pitchFamily="34" charset="-120"/>
+                        <a:cs typeface="+mj-cs"/>
+                      </a:endParaRPr>
+                    </a:p>
+                  </a:txBody>
+                  <a:tcPr anchor="ctr">
+                    <a:solidFill>
+                      <a:srgbClr val="479793"/>
+                    </a:solidFill>
+                  </a:tcPr>
+                </a:tc>
+                <a:tc>
+                  <a:txBody>
+                    <a:bodyPr/>
+                    <a:lstStyle/>
+                    <a:p>
+                      <a:pPr marL="0" marR="0" lvl="0" indent="0" algn="ctr" defTabSz="914400" rtl="0" eaLnBrk="1" fontAlgn="auto" latinLnBrk="0" hangingPunct="1">
+                        <a:lnSpc>
+                          <a:spcPct val="100000"/>
+                        </a:lnSpc>
+                        <a:spcBef>
+                          <a:spcPts val="0"/>
+                        </a:spcBef>
+                        <a:spcAft>
+                          <a:spcPts val="0"/>
+                        </a:spcAft>
+                        <a:buClrTx/>
+                        <a:buSzTx/>
+                        <a:buFontTx/>
+                        <a:buNone/>
+                        <a:tabLst/>
+                        <a:defRPr/>
+                      </a:pPr>
+                      <a:r>
+                        <a:rPr lang="en-US" altLang="zh-TW" sz="2800" b="0" kern="1200" cap="all" dirty="0">
+                          <a:solidFill>
+                            <a:schemeClr val="bg1"/>
+                          </a:solidFill>
+                          <a:latin typeface="微軟正黑體" panose="020B0604030504040204" pitchFamily="34" charset="-120"/>
+                          <a:ea typeface="微軟正黑體" panose="020B0604030504040204" pitchFamily="34" charset="-120"/>
+                          <a:cs typeface="+mn-cs"/>
+                        </a:rPr>
+                        <a:t>(WS)rec</a:t>
+                      </a:r>
+                      <a:endParaRPr lang="zh-TW" altLang="en-US" sz="2800" b="0" kern="1200" cap="all" dirty="0">
+                        <a:solidFill>
+                          <a:schemeClr val="bg1"/>
+                        </a:solidFill>
+                        <a:latin typeface="微軟正黑體" panose="020B0604030504040204" pitchFamily="34" charset="-120"/>
+                        <a:ea typeface="微軟正黑體" panose="020B0604030504040204" pitchFamily="34" charset="-120"/>
+                        <a:cs typeface="+mn-cs"/>
+                      </a:endParaRPr>
+                    </a:p>
+                  </a:txBody>
+                  <a:tcPr anchor="ctr">
+                    <a:solidFill>
+                      <a:srgbClr val="479793"/>
+                    </a:solidFill>
+                  </a:tcPr>
+                </a:tc>
+                <a:tc>
+                  <a:txBody>
+                    <a:bodyPr/>
+                    <a:lstStyle/>
+                    <a:p>
+                      <a:pPr marL="0" marR="0" lvl="0" indent="0" algn="ctr" defTabSz="457200" rtl="0" eaLnBrk="1" fontAlgn="auto" latinLnBrk="0" hangingPunct="1">
+                        <a:lnSpc>
+                          <a:spcPct val="100000"/>
+                        </a:lnSpc>
+                        <a:spcBef>
+                          <a:spcPts val="0"/>
+                        </a:spcBef>
+                        <a:spcAft>
+                          <a:spcPts val="0"/>
+                        </a:spcAft>
+                        <a:buClrTx/>
+                        <a:buSzTx/>
+                        <a:buFontTx/>
+                        <a:buNone/>
+                        <a:tabLst/>
+                        <a:defRPr/>
+                      </a:pPr>
+                      <a:r>
+                        <a:rPr lang="en-US" altLang="zh-TW" sz="2800" b="0" kern="1200" cap="all" dirty="0">
+                          <a:solidFill>
+                            <a:schemeClr val="bg1"/>
+                          </a:solidFill>
+                          <a:latin typeface="微軟正黑體" panose="020B0604030504040204" pitchFamily="34" charset="-120"/>
+                          <a:ea typeface="微軟正黑體" panose="020B0604030504040204" pitchFamily="34" charset="-120"/>
+                          <a:cs typeface="+mj-cs"/>
+                        </a:rPr>
+                        <a:t>(WS)f1</a:t>
+                      </a:r>
+                      <a:endParaRPr lang="zh-TW" altLang="en-US" sz="2800" b="0" kern="1200" cap="all" dirty="0">
+                        <a:solidFill>
+                          <a:schemeClr val="bg1"/>
+                        </a:solidFill>
+                        <a:latin typeface="微軟正黑體" panose="020B0604030504040204" pitchFamily="34" charset="-120"/>
+                        <a:ea typeface="微軟正黑體" panose="020B0604030504040204" pitchFamily="34" charset="-120"/>
+                        <a:cs typeface="+mj-cs"/>
+                      </a:endParaRPr>
+                    </a:p>
+                  </a:txBody>
+                  <a:tcPr anchor="ctr">
+                    <a:solidFill>
+                      <a:srgbClr val="479793"/>
+                    </a:solidFill>
+                  </a:tcPr>
+                </a:tc>
+                <a:extLst>
+                  <a:ext uri="{0D108BD9-81ED-4DB2-BD59-A6C34878D82A}">
+                    <a16:rowId xmlns:a16="http://schemas.microsoft.com/office/drawing/2014/main" val="966637902"/>
+                  </a:ext>
+                </a:extLst>
+              </a:tr>
+              <a:tr h="834689">
+                <a:tc>
+                  <a:txBody>
+                    <a:bodyPr/>
+                    <a:lstStyle/>
+                    <a:p>
+                      <a:pPr algn="ctr"/>
+                      <a:r>
+                        <a:rPr lang="en-US" altLang="zh-TW" sz="2200" kern="1200" dirty="0" err="1">
+                          <a:solidFill>
+                            <a:schemeClr val="tx2"/>
+                          </a:solidFill>
+                          <a:latin typeface="微軟正黑體" panose="020B0604030504040204" pitchFamily="34" charset="-120"/>
+                          <a:ea typeface="微軟正黑體" panose="020B0604030504040204" pitchFamily="34" charset="-120"/>
+                          <a:cs typeface="+mn-cs"/>
+                        </a:rPr>
+                        <a:t>CkipTagger</a:t>
+                      </a:r>
+                      <a:endParaRPr lang="zh-TW" altLang="en-US" sz="2200" kern="1200" dirty="0">
+                        <a:solidFill>
+                          <a:schemeClr val="tx2"/>
+                        </a:solidFill>
+                        <a:latin typeface="微軟正黑體" panose="020B0604030504040204" pitchFamily="34" charset="-120"/>
+                        <a:ea typeface="微軟正黑體" panose="020B0604030504040204" pitchFamily="34" charset="-120"/>
+                        <a:cs typeface="+mn-cs"/>
+                      </a:endParaRPr>
+                    </a:p>
+                  </a:txBody>
+                  <a:tcPr anchor="ctr">
+                    <a:solidFill>
+                      <a:srgbClr val="C8E9E5"/>
+                    </a:solidFill>
+                  </a:tcPr>
+                </a:tc>
+                <a:tc>
+                  <a:txBody>
+                    <a:bodyPr/>
+                    <a:lstStyle/>
+                    <a:p>
+                      <a:pPr algn="ctr"/>
+                      <a:r>
+                        <a:rPr lang="en-US" altLang="zh-TW" sz="2200" kern="1200" dirty="0">
+                          <a:solidFill>
+                            <a:schemeClr val="tx2"/>
+                          </a:solidFill>
+                          <a:latin typeface="微軟正黑體" panose="020B0604030504040204" pitchFamily="34" charset="-120"/>
+                          <a:ea typeface="微軟正黑體" panose="020B0604030504040204" pitchFamily="34" charset="-120"/>
+                          <a:cs typeface="+mn-cs"/>
+                        </a:rPr>
+                        <a:t>97.49%</a:t>
+                      </a:r>
+                      <a:endParaRPr lang="zh-TW" altLang="en-US" sz="2200" kern="1200" dirty="0">
+                        <a:solidFill>
+                          <a:schemeClr val="tx2"/>
+                        </a:solidFill>
+                        <a:latin typeface="微軟正黑體" panose="020B0604030504040204" pitchFamily="34" charset="-120"/>
+                        <a:ea typeface="微軟正黑體" panose="020B0604030504040204" pitchFamily="34" charset="-120"/>
+                        <a:cs typeface="+mn-cs"/>
+                      </a:endParaRPr>
+                    </a:p>
+                  </a:txBody>
+                  <a:tcPr anchor="ctr">
+                    <a:solidFill>
+                      <a:srgbClr val="C8E9E5"/>
+                    </a:solidFill>
+                  </a:tcPr>
+                </a:tc>
+                <a:tc>
+                  <a:txBody>
+                    <a:bodyPr/>
+                    <a:lstStyle/>
+                    <a:p>
+                      <a:pPr algn="ctr"/>
+                      <a:r>
+                        <a:rPr lang="en-US" altLang="zh-TW" sz="2200" kern="1200" dirty="0">
+                          <a:solidFill>
+                            <a:schemeClr val="tx2"/>
+                          </a:solidFill>
+                          <a:latin typeface="微軟正黑體" panose="020B0604030504040204" pitchFamily="34" charset="-120"/>
+                          <a:ea typeface="微軟正黑體" panose="020B0604030504040204" pitchFamily="34" charset="-120"/>
+                          <a:cs typeface="+mn-cs"/>
+                        </a:rPr>
+                        <a:t>97.17%</a:t>
+                      </a:r>
+                      <a:endParaRPr lang="zh-TW" altLang="en-US" sz="2200" kern="1200" dirty="0">
+                        <a:solidFill>
+                          <a:schemeClr val="tx2"/>
+                        </a:solidFill>
+                        <a:latin typeface="微軟正黑體" panose="020B0604030504040204" pitchFamily="34" charset="-120"/>
+                        <a:ea typeface="微軟正黑體" panose="020B0604030504040204" pitchFamily="34" charset="-120"/>
+                        <a:cs typeface="+mn-cs"/>
+                      </a:endParaRPr>
+                    </a:p>
+                  </a:txBody>
+                  <a:tcPr anchor="ctr">
+                    <a:solidFill>
+                      <a:srgbClr val="C8E9E5"/>
+                    </a:solidFill>
+                  </a:tcPr>
+                </a:tc>
+                <a:tc>
+                  <a:txBody>
+                    <a:bodyPr/>
+                    <a:lstStyle/>
+                    <a:p>
+                      <a:pPr algn="ctr"/>
+                      <a:r>
+                        <a:rPr lang="en-US" altLang="zh-TW" sz="2200" kern="1200" dirty="0">
+                          <a:solidFill>
+                            <a:schemeClr val="tx2"/>
+                          </a:solidFill>
+                          <a:latin typeface="微軟正黑體" panose="020B0604030504040204" pitchFamily="34" charset="-120"/>
+                          <a:ea typeface="微軟正黑體" panose="020B0604030504040204" pitchFamily="34" charset="-120"/>
+                          <a:cs typeface="+mn-cs"/>
+                        </a:rPr>
+                        <a:t>97.33%</a:t>
+                      </a:r>
+                      <a:endParaRPr lang="zh-TW" altLang="en-US" sz="2200" kern="1200" dirty="0">
+                        <a:solidFill>
+                          <a:schemeClr val="tx2"/>
+                        </a:solidFill>
+                        <a:latin typeface="微軟正黑體" panose="020B0604030504040204" pitchFamily="34" charset="-120"/>
+                        <a:ea typeface="微軟正黑體" panose="020B0604030504040204" pitchFamily="34" charset="-120"/>
+                        <a:cs typeface="+mn-cs"/>
+                      </a:endParaRPr>
+                    </a:p>
+                  </a:txBody>
+                  <a:tcPr anchor="ctr">
+                    <a:solidFill>
+                      <a:srgbClr val="C8E9E5"/>
+                    </a:solidFill>
+                  </a:tcPr>
+                </a:tc>
+                <a:extLst>
+                  <a:ext uri="{0D108BD9-81ED-4DB2-BD59-A6C34878D82A}">
+                    <a16:rowId xmlns:a16="http://schemas.microsoft.com/office/drawing/2014/main" val="488851807"/>
+                  </a:ext>
+                </a:extLst>
+              </a:tr>
+              <a:tr h="834689">
+                <a:tc>
+                  <a:txBody>
+                    <a:bodyPr/>
+                    <a:lstStyle/>
+                    <a:p>
+                      <a:pPr algn="ctr"/>
+                      <a:r>
+                        <a:rPr lang="en-US" altLang="zh-TW" sz="2200" kern="1200" dirty="0" err="1">
+                          <a:solidFill>
+                            <a:schemeClr val="bg1"/>
+                          </a:solidFill>
+                          <a:latin typeface="微軟正黑體" panose="020B0604030504040204" pitchFamily="34" charset="-120"/>
+                          <a:ea typeface="微軟正黑體" panose="020B0604030504040204" pitchFamily="34" charset="-120"/>
+                          <a:cs typeface="+mn-cs"/>
+                        </a:rPr>
+                        <a:t>jieba</a:t>
+                      </a:r>
+                      <a:endParaRPr lang="zh-TW" altLang="en-US" sz="2200" kern="1200" dirty="0">
+                        <a:solidFill>
+                          <a:schemeClr val="bg1"/>
+                        </a:solidFill>
+                        <a:latin typeface="微軟正黑體" panose="020B0604030504040204" pitchFamily="34" charset="-120"/>
+                        <a:ea typeface="微軟正黑體" panose="020B0604030504040204" pitchFamily="34" charset="-120"/>
+                        <a:cs typeface="+mn-cs"/>
+                      </a:endParaRPr>
+                    </a:p>
+                  </a:txBody>
+                  <a:tcPr anchor="ctr">
+                    <a:solidFill>
+                      <a:srgbClr val="479793"/>
+                    </a:solidFill>
+                  </a:tcPr>
+                </a:tc>
+                <a:tc>
+                  <a:txBody>
+                    <a:bodyPr/>
+                    <a:lstStyle/>
+                    <a:p>
+                      <a:pPr algn="ctr"/>
+                      <a:r>
+                        <a:rPr lang="en-US" altLang="zh-TW" sz="2200" kern="1200" dirty="0">
+                          <a:solidFill>
+                            <a:schemeClr val="bg1"/>
+                          </a:solidFill>
+                          <a:latin typeface="微軟正黑體" panose="020B0604030504040204" pitchFamily="34" charset="-120"/>
+                          <a:ea typeface="微軟正黑體" panose="020B0604030504040204" pitchFamily="34" charset="-120"/>
+                          <a:cs typeface="+mn-cs"/>
+                        </a:rPr>
+                        <a:t>90.51%</a:t>
+                      </a:r>
+                      <a:endParaRPr lang="zh-TW" altLang="en-US" sz="2200" kern="1200" dirty="0">
+                        <a:solidFill>
+                          <a:schemeClr val="bg1"/>
+                        </a:solidFill>
+                        <a:latin typeface="微軟正黑體" panose="020B0604030504040204" pitchFamily="34" charset="-120"/>
+                        <a:ea typeface="微軟正黑體" panose="020B0604030504040204" pitchFamily="34" charset="-120"/>
+                        <a:cs typeface="+mn-cs"/>
+                      </a:endParaRPr>
+                    </a:p>
+                  </a:txBody>
+                  <a:tcPr anchor="ctr">
+                    <a:solidFill>
+                      <a:srgbClr val="479793"/>
+                    </a:solidFill>
+                  </a:tcPr>
+                </a:tc>
+                <a:tc>
+                  <a:txBody>
+                    <a:bodyPr/>
+                    <a:lstStyle/>
+                    <a:p>
+                      <a:pPr algn="ctr"/>
+                      <a:r>
+                        <a:rPr lang="en-US" altLang="zh-TW" sz="2200" kern="1200" dirty="0">
+                          <a:solidFill>
+                            <a:schemeClr val="bg1"/>
+                          </a:solidFill>
+                          <a:latin typeface="微軟正黑體" panose="020B0604030504040204" pitchFamily="34" charset="-120"/>
+                          <a:ea typeface="微軟正黑體" panose="020B0604030504040204" pitchFamily="34" charset="-120"/>
+                          <a:cs typeface="+mn-cs"/>
+                        </a:rPr>
+                        <a:t>89.10%</a:t>
+                      </a:r>
+                      <a:endParaRPr lang="zh-TW" altLang="en-US" sz="2200" kern="1200" dirty="0">
+                        <a:solidFill>
+                          <a:schemeClr val="bg1"/>
+                        </a:solidFill>
+                        <a:latin typeface="微軟正黑體" panose="020B0604030504040204" pitchFamily="34" charset="-120"/>
+                        <a:ea typeface="微軟正黑體" panose="020B0604030504040204" pitchFamily="34" charset="-120"/>
+                        <a:cs typeface="+mn-cs"/>
+                      </a:endParaRPr>
+                    </a:p>
+                  </a:txBody>
+                  <a:tcPr anchor="ctr">
+                    <a:solidFill>
+                      <a:srgbClr val="479793"/>
+                    </a:solidFill>
+                  </a:tcPr>
+                </a:tc>
+                <a:tc>
+                  <a:txBody>
+                    <a:bodyPr/>
+                    <a:lstStyle/>
+                    <a:p>
+                      <a:pPr algn="ctr"/>
+                      <a:r>
+                        <a:rPr lang="en-US" altLang="zh-TW" sz="2200" kern="1200" dirty="0">
+                          <a:solidFill>
+                            <a:schemeClr val="bg1"/>
+                          </a:solidFill>
+                          <a:latin typeface="微軟正黑體" panose="020B0604030504040204" pitchFamily="34" charset="-120"/>
+                          <a:ea typeface="微軟正黑體" panose="020B0604030504040204" pitchFamily="34" charset="-120"/>
+                          <a:cs typeface="+mn-cs"/>
+                        </a:rPr>
+                        <a:t>89.80%</a:t>
+                      </a:r>
+                      <a:endParaRPr lang="zh-TW" altLang="en-US" sz="2200" kern="1200" dirty="0">
+                        <a:solidFill>
+                          <a:schemeClr val="bg1"/>
+                        </a:solidFill>
+                        <a:latin typeface="微軟正黑體" panose="020B0604030504040204" pitchFamily="34" charset="-120"/>
+                        <a:ea typeface="微軟正黑體" panose="020B0604030504040204" pitchFamily="34" charset="-120"/>
+                        <a:cs typeface="+mn-cs"/>
+                      </a:endParaRPr>
+                    </a:p>
+                  </a:txBody>
+                  <a:tcPr anchor="ctr">
+                    <a:solidFill>
+                      <a:srgbClr val="479793"/>
+                    </a:solidFill>
+                  </a:tcPr>
+                </a:tc>
+                <a:extLst>
+                  <a:ext uri="{0D108BD9-81ED-4DB2-BD59-A6C34878D82A}">
+                    <a16:rowId xmlns:a16="http://schemas.microsoft.com/office/drawing/2014/main" val="1278670052"/>
+                  </a:ext>
+                </a:extLst>
+              </a:tr>
+            </a:tbl>
+          </a:graphicData>
+        </a:graphic>
+      </p:graphicFrame>
+      <p:sp>
+        <p:nvSpPr>
+          <p:cNvPr id="10" name="矩形 9">
+            <a:extLst>
+              <a:ext uri="{FF2B5EF4-FFF2-40B4-BE49-F238E27FC236}">
+                <a16:creationId xmlns:a16="http://schemas.microsoft.com/office/drawing/2014/main" id="{968E138F-E828-48AA-ABFB-F1E76D0B5792}"/>
+              </a:ext>
+            </a:extLst>
+          </p:cNvPr>
+          <p:cNvSpPr/>
+          <p:nvPr/>
+        </p:nvSpPr>
+        <p:spPr>
+          <a:xfrm>
+            <a:off x="208939" y="837387"/>
+            <a:ext cx="8414658" cy="523220"/>
+          </a:xfrm>
+          <a:prstGeom prst="rect">
+            <a:avLst/>
+          </a:prstGeom>
+        </p:spPr>
+        <p:txBody>
+          <a:bodyPr wrap="square">
+            <a:spAutoFit/>
+          </a:bodyPr>
+          <a:lstStyle/>
+          <a:p>
+            <a:pPr algn="ctr"/>
+            <a:r>
+              <a:rPr lang="en-US" altLang="zh-TW" sz="2800" b="1" dirty="0" err="1"/>
+              <a:t>Jieba</a:t>
+            </a:r>
+            <a:endParaRPr lang="zh-TW" altLang="en-US" sz="2800" b="1" dirty="0">
+              <a:solidFill>
+                <a:srgbClr val="1E3148"/>
+              </a:solidFill>
+            </a:endParaRPr>
+          </a:p>
+        </p:txBody>
+      </p:sp>
+      <p:sp>
+        <p:nvSpPr>
+          <p:cNvPr id="19" name="矩形: 圓角 18">
+            <a:extLst>
+              <a:ext uri="{FF2B5EF4-FFF2-40B4-BE49-F238E27FC236}">
+                <a16:creationId xmlns:a16="http://schemas.microsoft.com/office/drawing/2014/main" id="{F3BC0EC8-C81F-4A67-9366-5431A97649A0}"/>
+              </a:ext>
+            </a:extLst>
+          </p:cNvPr>
+          <p:cNvSpPr/>
+          <p:nvPr/>
+        </p:nvSpPr>
+        <p:spPr>
+          <a:xfrm>
+            <a:off x="3501578" y="2421273"/>
+            <a:ext cx="1806565" cy="497694"/>
+          </a:xfrm>
+          <a:prstGeom prst="roundRect">
+            <a:avLst/>
+          </a:prstGeom>
+          <a:solidFill>
+            <a:srgbClr val="C8E9E5"/>
+          </a:solidFill>
+          <a:ln>
+            <a:solidFill>
+              <a:srgbClr val="C8E9E5"/>
+            </a:solidFill>
+          </a:ln>
+        </p:spPr>
+        <p:style>
+          <a:lnRef idx="2">
+            <a:schemeClr val="accent1">
+              <a:shade val="50000"/>
+            </a:schemeClr>
+          </a:lnRef>
+          <a:fillRef idx="1">
+            <a:schemeClr val="accent1"/>
+          </a:fillRef>
+          <a:effectRef idx="0">
+            <a:schemeClr val="accent1"/>
+          </a:effectRef>
+          <a:fontRef idx="minor">
+            <a:schemeClr val="lt1"/>
+          </a:fontRef>
+        </p:style>
+        <p:txBody>
+          <a:bodyPr rtlCol="0" anchor="ctr"/>
+          <a:lstStyle/>
+          <a:p>
+            <a:pPr algn="ctr"/>
+            <a:endParaRPr lang="zh-TW" altLang="en-US"/>
+          </a:p>
+        </p:txBody>
+      </p:sp>
+      <p:sp>
+        <p:nvSpPr>
+          <p:cNvPr id="11" name="矩形 10">
+            <a:extLst>
+              <a:ext uri="{FF2B5EF4-FFF2-40B4-BE49-F238E27FC236}">
+                <a16:creationId xmlns:a16="http://schemas.microsoft.com/office/drawing/2014/main" id="{67622259-18EC-45A5-9F86-5CAB235DBEBC}"/>
+              </a:ext>
+            </a:extLst>
+          </p:cNvPr>
+          <p:cNvSpPr/>
+          <p:nvPr/>
+        </p:nvSpPr>
+        <p:spPr>
+          <a:xfrm>
+            <a:off x="3562432" y="2385879"/>
+            <a:ext cx="1735347" cy="523220"/>
+          </a:xfrm>
+          <a:prstGeom prst="rect">
+            <a:avLst/>
+          </a:prstGeom>
+        </p:spPr>
+        <p:txBody>
+          <a:bodyPr wrap="none">
+            <a:spAutoFit/>
+          </a:bodyPr>
+          <a:lstStyle/>
+          <a:p>
+            <a:r>
+              <a:rPr lang="en-US" altLang="zh-TW" sz="2800" b="1" dirty="0" err="1"/>
+              <a:t>ckiptagger</a:t>
+            </a:r>
+            <a:endParaRPr lang="zh-TW" altLang="en-US" sz="2800" b="1" dirty="0">
+              <a:solidFill>
+                <a:srgbClr val="1E3148"/>
+              </a:solidFill>
+            </a:endParaRPr>
+          </a:p>
+        </p:txBody>
+      </p:sp>
+      <p:pic>
+        <p:nvPicPr>
+          <p:cNvPr id="7" name="圖形 6">
+            <a:extLst>
+              <a:ext uri="{FF2B5EF4-FFF2-40B4-BE49-F238E27FC236}">
+                <a16:creationId xmlns:a16="http://schemas.microsoft.com/office/drawing/2014/main" id="{BBB637C4-9622-4658-BBAF-28ED12339619}"/>
+              </a:ext>
+            </a:extLst>
+          </p:cNvPr>
+          <p:cNvPicPr>
+            <a:picLocks noChangeAspect="1"/>
+          </p:cNvPicPr>
+          <p:nvPr/>
+        </p:nvPicPr>
+        <p:blipFill>
+          <a:blip r:embed="rId2">
+            <a:extLst>
+              <a:ext uri="{96DAC541-7B7A-43D3-8B79-37D633B846F1}">
+                <asvg:svgBlip xmlns:asvg="http://schemas.microsoft.com/office/drawing/2016/SVG/main" r:embed="rId3"/>
+              </a:ext>
+            </a:extLst>
+          </a:blip>
+          <a:stretch>
+            <a:fillRect/>
+          </a:stretch>
+        </p:blipFill>
+        <p:spPr>
+          <a:xfrm>
+            <a:off x="2928912" y="862945"/>
+            <a:ext cx="460050" cy="460050"/>
+          </a:xfrm>
+          <a:prstGeom prst="rect">
+            <a:avLst/>
+          </a:prstGeom>
+        </p:spPr>
+      </p:pic>
+      <p:pic>
+        <p:nvPicPr>
+          <p:cNvPr id="22" name="圖形 21">
+            <a:extLst>
+              <a:ext uri="{FF2B5EF4-FFF2-40B4-BE49-F238E27FC236}">
+                <a16:creationId xmlns:a16="http://schemas.microsoft.com/office/drawing/2014/main" id="{CB8A56D1-C047-487F-926A-E3CDC09EEA32}"/>
+              </a:ext>
+            </a:extLst>
+          </p:cNvPr>
+          <p:cNvPicPr>
+            <a:picLocks noChangeAspect="1"/>
+          </p:cNvPicPr>
+          <p:nvPr/>
+        </p:nvPicPr>
+        <p:blipFill>
+          <a:blip r:embed="rId4">
+            <a:extLst>
+              <a:ext uri="{96DAC541-7B7A-43D3-8B79-37D633B846F1}">
+                <asvg:svgBlip xmlns:asvg="http://schemas.microsoft.com/office/drawing/2016/SVG/main" r:embed="rId5"/>
+              </a:ext>
+            </a:extLst>
+          </a:blip>
+          <a:stretch>
+            <a:fillRect/>
+          </a:stretch>
+        </p:blipFill>
+        <p:spPr>
+          <a:xfrm>
+            <a:off x="2908565" y="2412076"/>
+            <a:ext cx="500743" cy="500743"/>
+          </a:xfrm>
+          <a:prstGeom prst="rect">
+            <a:avLst/>
+          </a:prstGeom>
+        </p:spPr>
+      </p:pic>
+    </p:spTree>
+    <p:extLst>
+      <p:ext uri="{BB962C8B-B14F-4D97-AF65-F5344CB8AC3E}">
+        <p14:creationId xmlns:p14="http://schemas.microsoft.com/office/powerpoint/2010/main" val="2473257678"/>
       </p:ext>
     </p:extLst>
   </p:cSld>

--- a/Fintech.pptx
+++ b/Fintech.pptx
@@ -5,10 +5,10 @@
     <p:sldMasterId id="2147483684" r:id="rId1"/>
   </p:sldMasterIdLst>
   <p:notesMasterIdLst>
-    <p:notesMasterId r:id="rId12"/>
+    <p:notesMasterId r:id="rId16"/>
   </p:notesMasterIdLst>
   <p:handoutMasterIdLst>
-    <p:handoutMasterId r:id="rId13"/>
+    <p:handoutMasterId r:id="rId17"/>
   </p:handoutMasterIdLst>
   <p:sldIdLst>
     <p:sldId id="257" r:id="rId2"/>
@@ -21,6 +21,10 @@
     <p:sldId id="294" r:id="rId9"/>
     <p:sldId id="295" r:id="rId10"/>
     <p:sldId id="296" r:id="rId11"/>
+    <p:sldId id="297" r:id="rId12"/>
+    <p:sldId id="298" r:id="rId13"/>
+    <p:sldId id="299" r:id="rId14"/>
+    <p:sldId id="300" r:id="rId15"/>
   </p:sldIdLst>
   <p:sldSz cx="9144000" cy="6858000" type="screen4x3"/>
   <p:notesSz cx="6858000" cy="9144000"/>
@@ -3224,6 +3228,3325 @@
     <p:extLst>
       <p:ext uri="{BB962C8B-B14F-4D97-AF65-F5344CB8AC3E}">
         <p14:creationId xmlns:p14="http://schemas.microsoft.com/office/powerpoint/2010/main" val="3417481153"/>
+      </p:ext>
+    </p:extLst>
+  </p:cSld>
+  <p:clrMapOvr>
+    <a:masterClrMapping/>
+  </p:clrMapOvr>
+</p:sld>
+</file>
+
+<file path=ppt/slides/slide11.xml><?xml version="1.0" encoding="utf-8"?>
+<p:sld xmlns:a="http://schemas.openxmlformats.org/drawingml/2006/main" xmlns:r="http://schemas.openxmlformats.org/officeDocument/2006/relationships" xmlns:p="http://schemas.openxmlformats.org/presentationml/2006/main">
+  <p:cSld>
+    <p:spTree>
+      <p:nvGrpSpPr>
+        <p:cNvPr id="1" name=""/>
+        <p:cNvGrpSpPr/>
+        <p:nvPr/>
+      </p:nvGrpSpPr>
+      <p:grpSpPr>
+        <a:xfrm>
+          <a:off x="0" y="0"/>
+          <a:ext cx="0" cy="0"/>
+          <a:chOff x="0" y="0"/>
+          <a:chExt cx="0" cy="0"/>
+        </a:xfrm>
+      </p:grpSpPr>
+      <p:sp>
+        <p:nvSpPr>
+          <p:cNvPr id="2" name="標題 1">
+            <a:extLst>
+              <a:ext uri="{FF2B5EF4-FFF2-40B4-BE49-F238E27FC236}">
+                <a16:creationId xmlns:a16="http://schemas.microsoft.com/office/drawing/2014/main" id="{21D46EF1-12EA-C94F-9F03-C7FE589E8C7A}"/>
+              </a:ext>
+            </a:extLst>
+          </p:cNvPr>
+          <p:cNvSpPr>
+            <a:spLocks noGrp="1"/>
+          </p:cNvSpPr>
+          <p:nvPr>
+            <p:ph type="title"/>
+          </p:nvPr>
+        </p:nvSpPr>
+        <p:spPr/>
+        <p:txBody>
+          <a:bodyPr>
+            <a:normAutofit/>
+          </a:bodyPr>
+          <a:lstStyle/>
+          <a:p>
+            <a:r>
+              <a:rPr lang="zh-CN" altLang="en-US" dirty="0">
+                <a:latin typeface="Microsoft JhengHei" panose="020B0604030504040204" pitchFamily="34" charset="-120"/>
+                <a:ea typeface="Microsoft JhengHei" panose="020B0604030504040204" pitchFamily="34" charset="-120"/>
+              </a:rPr>
+              <a:t>模型建立</a:t>
+            </a:r>
+            <a:endParaRPr kumimoji="1" lang="zh-TW" altLang="en-US" dirty="0"/>
+          </a:p>
+        </p:txBody>
+      </p:sp>
+      <p:sp>
+        <p:nvSpPr>
+          <p:cNvPr id="4" name="日期版面配置區 3">
+            <a:extLst>
+              <a:ext uri="{FF2B5EF4-FFF2-40B4-BE49-F238E27FC236}">
+                <a16:creationId xmlns:a16="http://schemas.microsoft.com/office/drawing/2014/main" id="{190A1806-A5E7-ED48-84B7-A10F862FB7D3}"/>
+              </a:ext>
+            </a:extLst>
+          </p:cNvPr>
+          <p:cNvSpPr>
+            <a:spLocks noGrp="1"/>
+          </p:cNvSpPr>
+          <p:nvPr>
+            <p:ph type="dt" sz="half" idx="10"/>
+          </p:nvPr>
+        </p:nvSpPr>
+        <p:spPr/>
+        <p:txBody>
+          <a:bodyPr/>
+          <a:lstStyle/>
+          <a:p>
+            <a:fld id="{868F4FC5-FE50-A64D-A7E3-22233A0C6925}" type="datetime1">
+              <a:rPr kumimoji="1" lang="zh-TW" altLang="en-US" smtClean="0"/>
+              <a:t>2020/6/18</a:t>
+            </a:fld>
+            <a:endParaRPr kumimoji="1" lang="zh-TW" altLang="en-US" dirty="0"/>
+          </a:p>
+        </p:txBody>
+      </p:sp>
+      <p:sp>
+        <p:nvSpPr>
+          <p:cNvPr id="3" name="文字方塊 2">
+            <a:extLst>
+              <a:ext uri="{FF2B5EF4-FFF2-40B4-BE49-F238E27FC236}">
+                <a16:creationId xmlns:a16="http://schemas.microsoft.com/office/drawing/2014/main" id="{083B44CC-C55E-4B2A-813D-9EE0122B6EF5}"/>
+              </a:ext>
+            </a:extLst>
+          </p:cNvPr>
+          <p:cNvSpPr txBox="1"/>
+          <p:nvPr/>
+        </p:nvSpPr>
+        <p:spPr>
+          <a:xfrm>
+            <a:off x="1657350" y="1361497"/>
+            <a:ext cx="5600699" cy="461665"/>
+          </a:xfrm>
+          <a:prstGeom prst="rect">
+            <a:avLst/>
+          </a:prstGeom>
+          <a:noFill/>
+        </p:spPr>
+        <p:txBody>
+          <a:bodyPr wrap="square" rtlCol="0">
+            <a:spAutoFit/>
+          </a:bodyPr>
+          <a:lstStyle/>
+          <a:p>
+            <a:r>
+              <a:rPr lang="zh-CN" altLang="en-US" sz="2400" dirty="0">
+                <a:latin typeface="Microsoft JhengHei" panose="020B0604030504040204" pitchFamily="34" charset="-120"/>
+                <a:ea typeface="Microsoft JhengHei" panose="020B0604030504040204" pitchFamily="34" charset="-120"/>
+              </a:rPr>
+              <a:t>利用長短期記憶模型（</a:t>
+            </a:r>
+            <a:r>
+              <a:rPr lang="en-US" altLang="zh-CN" sz="2400" dirty="0">
+                <a:latin typeface="Microsoft JhengHei" panose="020B0604030504040204" pitchFamily="34" charset="-120"/>
+                <a:ea typeface="Microsoft JhengHei" panose="020B0604030504040204" pitchFamily="34" charset="-120"/>
+              </a:rPr>
+              <a:t>LSTM</a:t>
+            </a:r>
+            <a:r>
+              <a:rPr lang="zh-CN" altLang="en-US" sz="2400" dirty="0">
+                <a:latin typeface="Microsoft JhengHei" panose="020B0604030504040204" pitchFamily="34" charset="-120"/>
+                <a:ea typeface="Microsoft JhengHei" panose="020B0604030504040204" pitchFamily="34" charset="-120"/>
+              </a:rPr>
+              <a:t>）建立：</a:t>
+            </a:r>
+            <a:endParaRPr lang="en-US" altLang="zh-TW" sz="2400" dirty="0">
+              <a:latin typeface="Microsoft JhengHei" panose="020B0604030504040204" pitchFamily="34" charset="-120"/>
+              <a:ea typeface="Microsoft JhengHei" panose="020B0604030504040204" pitchFamily="34" charset="-120"/>
+            </a:endParaRPr>
+          </a:p>
+        </p:txBody>
+      </p:sp>
+      <p:sp>
+        <p:nvSpPr>
+          <p:cNvPr id="5" name="矩形: 圓角 4">
+            <a:extLst>
+              <a:ext uri="{FF2B5EF4-FFF2-40B4-BE49-F238E27FC236}">
+                <a16:creationId xmlns:a16="http://schemas.microsoft.com/office/drawing/2014/main" id="{3601BB00-2CC9-4287-81CF-B3F11AD21E91}"/>
+              </a:ext>
+            </a:extLst>
+          </p:cNvPr>
+          <p:cNvSpPr/>
+          <p:nvPr/>
+        </p:nvSpPr>
+        <p:spPr>
+          <a:xfrm>
+            <a:off x="898071" y="2371474"/>
+            <a:ext cx="2993572" cy="1213758"/>
+          </a:xfrm>
+          <a:prstGeom prst="roundRect">
+            <a:avLst/>
+          </a:prstGeom>
+          <a:solidFill>
+            <a:srgbClr val="479793"/>
+          </a:solidFill>
+          <a:ln>
+            <a:solidFill>
+              <a:srgbClr val="479793"/>
+            </a:solidFill>
+          </a:ln>
+        </p:spPr>
+        <p:style>
+          <a:lnRef idx="2">
+            <a:schemeClr val="accent1">
+              <a:shade val="50000"/>
+            </a:schemeClr>
+          </a:lnRef>
+          <a:fillRef idx="1">
+            <a:schemeClr val="accent1"/>
+          </a:fillRef>
+          <a:effectRef idx="0">
+            <a:schemeClr val="accent1"/>
+          </a:effectRef>
+          <a:fontRef idx="minor">
+            <a:schemeClr val="lt1"/>
+          </a:fontRef>
+        </p:style>
+        <p:txBody>
+          <a:bodyPr rtlCol="0" anchor="ctr"/>
+          <a:lstStyle/>
+          <a:p>
+            <a:pPr algn="ctr"/>
+            <a:r>
+              <a:rPr lang="zh-TW" altLang="en-US" b="1" dirty="0">
+                <a:solidFill>
+                  <a:schemeClr val="tx1"/>
+                </a:solidFill>
+                <a:latin typeface="Microsoft JhengHei" panose="020B0604030504040204" pitchFamily="34" charset="-120"/>
+                <a:ea typeface="Microsoft JhengHei" panose="020B0604030504040204" pitchFamily="34" charset="-120"/>
+              </a:rPr>
+              <a:t>大事件類別分類器</a:t>
+            </a:r>
+            <a:endParaRPr lang="en-US" altLang="zh-TW" b="1" dirty="0">
+              <a:solidFill>
+                <a:schemeClr val="tx1"/>
+              </a:solidFill>
+              <a:latin typeface="Microsoft JhengHei" panose="020B0604030504040204" pitchFamily="34" charset="-120"/>
+              <a:ea typeface="Microsoft JhengHei" panose="020B0604030504040204" pitchFamily="34" charset="-120"/>
+            </a:endParaRPr>
+          </a:p>
+        </p:txBody>
+      </p:sp>
+      <p:sp>
+        <p:nvSpPr>
+          <p:cNvPr id="11" name="矩形: 圓角 10">
+            <a:extLst>
+              <a:ext uri="{FF2B5EF4-FFF2-40B4-BE49-F238E27FC236}">
+                <a16:creationId xmlns:a16="http://schemas.microsoft.com/office/drawing/2014/main" id="{9F091798-CA5B-46E3-80A3-1B46403FAFE3}"/>
+              </a:ext>
+            </a:extLst>
+          </p:cNvPr>
+          <p:cNvSpPr/>
+          <p:nvPr/>
+        </p:nvSpPr>
+        <p:spPr>
+          <a:xfrm>
+            <a:off x="4762500" y="2371474"/>
+            <a:ext cx="2993572" cy="1213758"/>
+          </a:xfrm>
+          <a:prstGeom prst="roundRect">
+            <a:avLst/>
+          </a:prstGeom>
+          <a:solidFill>
+            <a:srgbClr val="A3D5CB"/>
+          </a:solidFill>
+          <a:ln>
+            <a:solidFill>
+              <a:srgbClr val="A3D5CB"/>
+            </a:solidFill>
+          </a:ln>
+        </p:spPr>
+        <p:style>
+          <a:lnRef idx="2">
+            <a:schemeClr val="accent1">
+              <a:shade val="50000"/>
+            </a:schemeClr>
+          </a:lnRef>
+          <a:fillRef idx="1">
+            <a:schemeClr val="accent1"/>
+          </a:fillRef>
+          <a:effectRef idx="0">
+            <a:schemeClr val="accent1"/>
+          </a:effectRef>
+          <a:fontRef idx="minor">
+            <a:schemeClr val="lt1"/>
+          </a:fontRef>
+        </p:style>
+        <p:txBody>
+          <a:bodyPr rtlCol="0" anchor="ctr"/>
+          <a:lstStyle/>
+          <a:p>
+            <a:pPr algn="ctr"/>
+            <a:r>
+              <a:rPr lang="zh-CN" altLang="en-US" b="1" dirty="0">
+                <a:solidFill>
+                  <a:schemeClr val="tx1"/>
+                </a:solidFill>
+                <a:latin typeface="Microsoft JhengHei" panose="020B0604030504040204" pitchFamily="34" charset="-120"/>
+                <a:ea typeface="Microsoft JhengHei" panose="020B0604030504040204" pitchFamily="34" charset="-120"/>
+              </a:rPr>
+              <a:t>小事件類別分類器</a:t>
+            </a:r>
+            <a:endParaRPr lang="en-US" altLang="zh-CN" b="1" dirty="0">
+              <a:solidFill>
+                <a:schemeClr val="tx1"/>
+              </a:solidFill>
+              <a:latin typeface="Microsoft JhengHei" panose="020B0604030504040204" pitchFamily="34" charset="-120"/>
+              <a:ea typeface="Microsoft JhengHei" panose="020B0604030504040204" pitchFamily="34" charset="-120"/>
+            </a:endParaRPr>
+          </a:p>
+        </p:txBody>
+      </p:sp>
+      <p:sp>
+        <p:nvSpPr>
+          <p:cNvPr id="13" name="矩形: 圓角 12">
+            <a:extLst>
+              <a:ext uri="{FF2B5EF4-FFF2-40B4-BE49-F238E27FC236}">
+                <a16:creationId xmlns:a16="http://schemas.microsoft.com/office/drawing/2014/main" id="{43CD4A81-D454-4F58-84CF-A9036DE4D4F2}"/>
+              </a:ext>
+            </a:extLst>
+          </p:cNvPr>
+          <p:cNvSpPr/>
+          <p:nvPr/>
+        </p:nvSpPr>
+        <p:spPr>
+          <a:xfrm>
+            <a:off x="4762500" y="4129211"/>
+            <a:ext cx="2993572" cy="1213758"/>
+          </a:xfrm>
+          <a:prstGeom prst="roundRect">
+            <a:avLst/>
+          </a:prstGeom>
+          <a:solidFill>
+            <a:srgbClr val="479793"/>
+          </a:solidFill>
+          <a:ln>
+            <a:solidFill>
+              <a:srgbClr val="479793"/>
+            </a:solidFill>
+          </a:ln>
+        </p:spPr>
+        <p:style>
+          <a:lnRef idx="2">
+            <a:schemeClr val="accent1">
+              <a:shade val="50000"/>
+            </a:schemeClr>
+          </a:lnRef>
+          <a:fillRef idx="1">
+            <a:schemeClr val="accent1"/>
+          </a:fillRef>
+          <a:effectRef idx="0">
+            <a:schemeClr val="accent1"/>
+          </a:effectRef>
+          <a:fontRef idx="minor">
+            <a:schemeClr val="lt1"/>
+          </a:fontRef>
+        </p:style>
+        <p:txBody>
+          <a:bodyPr rtlCol="0" anchor="ctr"/>
+          <a:lstStyle/>
+          <a:p>
+            <a:pPr algn="ctr"/>
+            <a:r>
+              <a:rPr lang="zh-CN" altLang="en-US" b="1" dirty="0">
+                <a:solidFill>
+                  <a:schemeClr val="tx1"/>
+                </a:solidFill>
+                <a:latin typeface="Microsoft JhengHei" panose="020B0604030504040204" pitchFamily="34" charset="-120"/>
+                <a:ea typeface="Microsoft JhengHei" panose="020B0604030504040204" pitchFamily="34" charset="-120"/>
+              </a:rPr>
+              <a:t>股價異常報酬分類器</a:t>
+            </a:r>
+            <a:endParaRPr lang="zh-TW" altLang="en-US" b="1" dirty="0"/>
+          </a:p>
+        </p:txBody>
+      </p:sp>
+      <p:sp>
+        <p:nvSpPr>
+          <p:cNvPr id="14" name="矩形: 圓角 13">
+            <a:extLst>
+              <a:ext uri="{FF2B5EF4-FFF2-40B4-BE49-F238E27FC236}">
+                <a16:creationId xmlns:a16="http://schemas.microsoft.com/office/drawing/2014/main" id="{41584F6D-04C5-49EC-BCC0-35213A9DB8FA}"/>
+              </a:ext>
+            </a:extLst>
+          </p:cNvPr>
+          <p:cNvSpPr/>
+          <p:nvPr/>
+        </p:nvSpPr>
+        <p:spPr>
+          <a:xfrm>
+            <a:off x="898071" y="4133544"/>
+            <a:ext cx="2993572" cy="1213758"/>
+          </a:xfrm>
+          <a:prstGeom prst="roundRect">
+            <a:avLst/>
+          </a:prstGeom>
+          <a:solidFill>
+            <a:srgbClr val="A3D5CB"/>
+          </a:solidFill>
+          <a:ln>
+            <a:solidFill>
+              <a:srgbClr val="A3D5CB"/>
+            </a:solidFill>
+          </a:ln>
+        </p:spPr>
+        <p:style>
+          <a:lnRef idx="2">
+            <a:schemeClr val="accent1">
+              <a:shade val="50000"/>
+            </a:schemeClr>
+          </a:lnRef>
+          <a:fillRef idx="1">
+            <a:schemeClr val="accent1"/>
+          </a:fillRef>
+          <a:effectRef idx="0">
+            <a:schemeClr val="accent1"/>
+          </a:effectRef>
+          <a:fontRef idx="minor">
+            <a:schemeClr val="lt1"/>
+          </a:fontRef>
+        </p:style>
+        <p:txBody>
+          <a:bodyPr rtlCol="0" anchor="ctr"/>
+          <a:lstStyle/>
+          <a:p>
+            <a:pPr algn="ctr"/>
+            <a:r>
+              <a:rPr lang="zh-CN" altLang="en-US" b="1" dirty="0">
+                <a:solidFill>
+                  <a:schemeClr val="tx1"/>
+                </a:solidFill>
+                <a:latin typeface="Microsoft JhengHei" panose="020B0604030504040204" pitchFamily="34" charset="-120"/>
+                <a:ea typeface="Microsoft JhengHei" panose="020B0604030504040204" pitchFamily="34" charset="-120"/>
+              </a:rPr>
+              <a:t>事件強度分類器</a:t>
+            </a:r>
+            <a:endParaRPr lang="en-US" altLang="zh-CN" b="1" dirty="0">
+              <a:solidFill>
+                <a:schemeClr val="tx1"/>
+              </a:solidFill>
+              <a:latin typeface="Microsoft JhengHei" panose="020B0604030504040204" pitchFamily="34" charset="-120"/>
+              <a:ea typeface="Microsoft JhengHei" panose="020B0604030504040204" pitchFamily="34" charset="-120"/>
+            </a:endParaRPr>
+          </a:p>
+        </p:txBody>
+      </p:sp>
+    </p:spTree>
+    <p:extLst>
+      <p:ext uri="{BB962C8B-B14F-4D97-AF65-F5344CB8AC3E}">
+        <p14:creationId xmlns:p14="http://schemas.microsoft.com/office/powerpoint/2010/main" val="2394321214"/>
+      </p:ext>
+    </p:extLst>
+  </p:cSld>
+  <p:clrMapOvr>
+    <a:masterClrMapping/>
+  </p:clrMapOvr>
+</p:sld>
+</file>
+
+<file path=ppt/slides/slide12.xml><?xml version="1.0" encoding="utf-8"?>
+<p:sld xmlns:a="http://schemas.openxmlformats.org/drawingml/2006/main" xmlns:r="http://schemas.openxmlformats.org/officeDocument/2006/relationships" xmlns:p="http://schemas.openxmlformats.org/presentationml/2006/main">
+  <p:cSld>
+    <p:spTree>
+      <p:nvGrpSpPr>
+        <p:cNvPr id="1" name=""/>
+        <p:cNvGrpSpPr/>
+        <p:nvPr/>
+      </p:nvGrpSpPr>
+      <p:grpSpPr>
+        <a:xfrm>
+          <a:off x="0" y="0"/>
+          <a:ext cx="0" cy="0"/>
+          <a:chOff x="0" y="0"/>
+          <a:chExt cx="0" cy="0"/>
+        </a:xfrm>
+      </p:grpSpPr>
+      <p:sp>
+        <p:nvSpPr>
+          <p:cNvPr id="23" name="矩形: 圓角 22">
+            <a:extLst>
+              <a:ext uri="{FF2B5EF4-FFF2-40B4-BE49-F238E27FC236}">
+                <a16:creationId xmlns:a16="http://schemas.microsoft.com/office/drawing/2014/main" id="{35290AE0-F6CE-4E0C-982F-AF0B88911F27}"/>
+              </a:ext>
+            </a:extLst>
+          </p:cNvPr>
+          <p:cNvSpPr/>
+          <p:nvPr/>
+        </p:nvSpPr>
+        <p:spPr>
+          <a:xfrm>
+            <a:off x="6232071" y="952501"/>
+            <a:ext cx="2741244" cy="5290456"/>
+          </a:xfrm>
+          <a:prstGeom prst="roundRect">
+            <a:avLst>
+              <a:gd name="adj" fmla="val 17459"/>
+            </a:avLst>
+          </a:prstGeom>
+          <a:solidFill>
+            <a:srgbClr val="479793"/>
+          </a:solidFill>
+          <a:ln>
+            <a:noFill/>
+          </a:ln>
+        </p:spPr>
+        <p:style>
+          <a:lnRef idx="2">
+            <a:schemeClr val="accent1">
+              <a:shade val="50000"/>
+            </a:schemeClr>
+          </a:lnRef>
+          <a:fillRef idx="1">
+            <a:schemeClr val="accent1"/>
+          </a:fillRef>
+          <a:effectRef idx="0">
+            <a:schemeClr val="accent1"/>
+          </a:effectRef>
+          <a:fontRef idx="minor">
+            <a:schemeClr val="lt1"/>
+          </a:fontRef>
+        </p:style>
+        <p:txBody>
+          <a:bodyPr rtlCol="0" anchor="ctr"/>
+          <a:lstStyle/>
+          <a:p>
+            <a:pPr algn="ctr"/>
+            <a:endParaRPr lang="zh-TW" altLang="en-US"/>
+          </a:p>
+        </p:txBody>
+      </p:sp>
+      <p:sp>
+        <p:nvSpPr>
+          <p:cNvPr id="2" name="標題 1">
+            <a:extLst>
+              <a:ext uri="{FF2B5EF4-FFF2-40B4-BE49-F238E27FC236}">
+                <a16:creationId xmlns:a16="http://schemas.microsoft.com/office/drawing/2014/main" id="{21D46EF1-12EA-C94F-9F03-C7FE589E8C7A}"/>
+              </a:ext>
+            </a:extLst>
+          </p:cNvPr>
+          <p:cNvSpPr>
+            <a:spLocks noGrp="1"/>
+          </p:cNvSpPr>
+          <p:nvPr>
+            <p:ph type="title"/>
+          </p:nvPr>
+        </p:nvSpPr>
+        <p:spPr>
+          <a:xfrm>
+            <a:off x="234043" y="214109"/>
+            <a:ext cx="8281307" cy="599076"/>
+          </a:xfrm>
+        </p:spPr>
+        <p:txBody>
+          <a:bodyPr>
+            <a:normAutofit/>
+          </a:bodyPr>
+          <a:lstStyle/>
+          <a:p>
+            <a:r>
+              <a:rPr lang="zh-CN" altLang="en-US" dirty="0">
+                <a:latin typeface="Microsoft JhengHei" panose="020B0604030504040204" pitchFamily="34" charset="-120"/>
+                <a:ea typeface="Microsoft JhengHei" panose="020B0604030504040204" pitchFamily="34" charset="-120"/>
+              </a:rPr>
+              <a:t>大事件分類器：資料分割</a:t>
+            </a:r>
+            <a:r>
+              <a:rPr lang="zh-TW" altLang="en-US" dirty="0"/>
+              <a:t>與</a:t>
+            </a:r>
+            <a:r>
+              <a:rPr lang="zh-CN" altLang="en-US" dirty="0"/>
+              <a:t>不平衡資料</a:t>
+            </a:r>
+            <a:r>
+              <a:rPr lang="zh-TW" altLang="en-US" dirty="0"/>
+              <a:t>處理</a:t>
+            </a:r>
+            <a:endParaRPr kumimoji="1" lang="zh-TW" altLang="en-US" dirty="0"/>
+          </a:p>
+        </p:txBody>
+      </p:sp>
+      <p:sp>
+        <p:nvSpPr>
+          <p:cNvPr id="4" name="日期版面配置區 3">
+            <a:extLst>
+              <a:ext uri="{FF2B5EF4-FFF2-40B4-BE49-F238E27FC236}">
+                <a16:creationId xmlns:a16="http://schemas.microsoft.com/office/drawing/2014/main" id="{190A1806-A5E7-ED48-84B7-A10F862FB7D3}"/>
+              </a:ext>
+            </a:extLst>
+          </p:cNvPr>
+          <p:cNvSpPr>
+            <a:spLocks noGrp="1"/>
+          </p:cNvSpPr>
+          <p:nvPr>
+            <p:ph type="dt" sz="half" idx="10"/>
+          </p:nvPr>
+        </p:nvSpPr>
+        <p:spPr/>
+        <p:txBody>
+          <a:bodyPr/>
+          <a:lstStyle/>
+          <a:p>
+            <a:fld id="{868F4FC5-FE50-A64D-A7E3-22233A0C6925}" type="datetime1">
+              <a:rPr kumimoji="1" lang="zh-TW" altLang="en-US" smtClean="0"/>
+              <a:t>2020/6/18</a:t>
+            </a:fld>
+            <a:endParaRPr kumimoji="1" lang="zh-TW" altLang="en-US" dirty="0"/>
+          </a:p>
+        </p:txBody>
+      </p:sp>
+      <p:sp>
+        <p:nvSpPr>
+          <p:cNvPr id="9" name="矩形: 圓角 8">
+            <a:extLst>
+              <a:ext uri="{FF2B5EF4-FFF2-40B4-BE49-F238E27FC236}">
+                <a16:creationId xmlns:a16="http://schemas.microsoft.com/office/drawing/2014/main" id="{5FBDA77C-CAA0-47C4-B999-595F9A2795D0}"/>
+              </a:ext>
+            </a:extLst>
+          </p:cNvPr>
+          <p:cNvSpPr/>
+          <p:nvPr/>
+        </p:nvSpPr>
+        <p:spPr>
+          <a:xfrm>
+            <a:off x="3233052" y="952500"/>
+            <a:ext cx="2741244" cy="5290457"/>
+          </a:xfrm>
+          <a:prstGeom prst="roundRect">
+            <a:avLst>
+              <a:gd name="adj" fmla="val 17459"/>
+            </a:avLst>
+          </a:prstGeom>
+          <a:solidFill>
+            <a:srgbClr val="A3D5CB"/>
+          </a:solidFill>
+          <a:ln>
+            <a:noFill/>
+          </a:ln>
+        </p:spPr>
+        <p:style>
+          <a:lnRef idx="2">
+            <a:schemeClr val="accent1">
+              <a:shade val="50000"/>
+            </a:schemeClr>
+          </a:lnRef>
+          <a:fillRef idx="1">
+            <a:schemeClr val="accent1"/>
+          </a:fillRef>
+          <a:effectRef idx="0">
+            <a:schemeClr val="accent1"/>
+          </a:effectRef>
+          <a:fontRef idx="minor">
+            <a:schemeClr val="lt1"/>
+          </a:fontRef>
+        </p:style>
+        <p:txBody>
+          <a:bodyPr rtlCol="0" anchor="ctr"/>
+          <a:lstStyle/>
+          <a:p>
+            <a:pPr algn="ctr"/>
+            <a:endParaRPr lang="zh-TW" altLang="en-US"/>
+          </a:p>
+        </p:txBody>
+      </p:sp>
+      <p:sp>
+        <p:nvSpPr>
+          <p:cNvPr id="12" name="矩形 11">
+            <a:extLst>
+              <a:ext uri="{FF2B5EF4-FFF2-40B4-BE49-F238E27FC236}">
+                <a16:creationId xmlns:a16="http://schemas.microsoft.com/office/drawing/2014/main" id="{08FC025C-F893-44DC-B65F-8C2D95396F24}"/>
+              </a:ext>
+            </a:extLst>
+          </p:cNvPr>
+          <p:cNvSpPr/>
+          <p:nvPr/>
+        </p:nvSpPr>
+        <p:spPr>
+          <a:xfrm>
+            <a:off x="3812089" y="1062013"/>
+            <a:ext cx="1620957" cy="523220"/>
+          </a:xfrm>
+          <a:prstGeom prst="rect">
+            <a:avLst/>
+          </a:prstGeom>
+        </p:spPr>
+        <p:txBody>
+          <a:bodyPr wrap="none">
+            <a:spAutoFit/>
+          </a:bodyPr>
+          <a:lstStyle/>
+          <a:p>
+            <a:r>
+              <a:rPr lang="zh-CN" altLang="en-US" sz="2800" b="1" dirty="0">
+                <a:latin typeface="Microsoft JhengHei" panose="020B0604030504040204" pitchFamily="34" charset="-120"/>
+                <a:ea typeface="Microsoft JhengHei" panose="020B0604030504040204" pitchFamily="34" charset="-120"/>
+              </a:rPr>
+              <a:t>資料分割</a:t>
+            </a:r>
+            <a:endParaRPr lang="zh-TW" altLang="en-US" sz="2800" b="1" dirty="0">
+              <a:solidFill>
+                <a:schemeClr val="bg1"/>
+              </a:solidFill>
+            </a:endParaRPr>
+          </a:p>
+        </p:txBody>
+      </p:sp>
+      <p:sp>
+        <p:nvSpPr>
+          <p:cNvPr id="15" name="矩形 14">
+            <a:extLst>
+              <a:ext uri="{FF2B5EF4-FFF2-40B4-BE49-F238E27FC236}">
+                <a16:creationId xmlns:a16="http://schemas.microsoft.com/office/drawing/2014/main" id="{A6702843-60E8-4C64-BE62-93D9D2850984}"/>
+              </a:ext>
+            </a:extLst>
+          </p:cNvPr>
+          <p:cNvSpPr/>
+          <p:nvPr/>
+        </p:nvSpPr>
+        <p:spPr>
+          <a:xfrm>
+            <a:off x="6293357" y="1048406"/>
+            <a:ext cx="2698175" cy="523220"/>
+          </a:xfrm>
+          <a:prstGeom prst="rect">
+            <a:avLst/>
+          </a:prstGeom>
+        </p:spPr>
+        <p:txBody>
+          <a:bodyPr wrap="none">
+            <a:spAutoFit/>
+          </a:bodyPr>
+          <a:lstStyle/>
+          <a:p>
+            <a:r>
+              <a:rPr lang="zh-CN" altLang="en-US" sz="2800" b="1" dirty="0">
+                <a:latin typeface="Microsoft JhengHei" panose="020B0604030504040204" pitchFamily="34" charset="-120"/>
+                <a:ea typeface="Microsoft JhengHei" panose="020B0604030504040204" pitchFamily="34" charset="-120"/>
+              </a:rPr>
+              <a:t>不平衡資料</a:t>
+            </a:r>
+            <a:r>
+              <a:rPr lang="zh-TW" altLang="en-US" sz="2800" b="1" dirty="0">
+                <a:latin typeface="Microsoft JhengHei" panose="020B0604030504040204" pitchFamily="34" charset="-120"/>
+                <a:ea typeface="Microsoft JhengHei" panose="020B0604030504040204" pitchFamily="34" charset="-120"/>
+              </a:rPr>
+              <a:t>處理</a:t>
+            </a:r>
+          </a:p>
+        </p:txBody>
+      </p:sp>
+      <p:cxnSp>
+        <p:nvCxnSpPr>
+          <p:cNvPr id="18" name="直線接點 17">
+            <a:extLst>
+              <a:ext uri="{FF2B5EF4-FFF2-40B4-BE49-F238E27FC236}">
+                <a16:creationId xmlns:a16="http://schemas.microsoft.com/office/drawing/2014/main" id="{0FCA609D-5EE1-49A8-AE96-8BB3CE31FF68}"/>
+              </a:ext>
+            </a:extLst>
+          </p:cNvPr>
+          <p:cNvCxnSpPr/>
+          <p:nvPr/>
+        </p:nvCxnSpPr>
+        <p:spPr>
+          <a:xfrm>
+            <a:off x="3578893" y="3020711"/>
+            <a:ext cx="2103120" cy="0"/>
+          </a:xfrm>
+          <a:prstGeom prst="line">
+            <a:avLst/>
+          </a:prstGeom>
+          <a:ln>
+            <a:solidFill>
+              <a:schemeClr val="tx1"/>
+            </a:solidFill>
+          </a:ln>
+        </p:spPr>
+        <p:style>
+          <a:lnRef idx="1">
+            <a:schemeClr val="accent1"/>
+          </a:lnRef>
+          <a:fillRef idx="0">
+            <a:schemeClr val="accent1"/>
+          </a:fillRef>
+          <a:effectRef idx="0">
+            <a:schemeClr val="accent1"/>
+          </a:effectRef>
+          <a:fontRef idx="minor">
+            <a:schemeClr val="tx1"/>
+          </a:fontRef>
+        </p:style>
+      </p:cxnSp>
+      <p:cxnSp>
+        <p:nvCxnSpPr>
+          <p:cNvPr id="19" name="直線接點 18">
+            <a:extLst>
+              <a:ext uri="{FF2B5EF4-FFF2-40B4-BE49-F238E27FC236}">
+                <a16:creationId xmlns:a16="http://schemas.microsoft.com/office/drawing/2014/main" id="{B2012D1D-4E39-481F-A70E-F32ECE5F222D}"/>
+              </a:ext>
+            </a:extLst>
+          </p:cNvPr>
+          <p:cNvCxnSpPr/>
+          <p:nvPr/>
+        </p:nvCxnSpPr>
+        <p:spPr>
+          <a:xfrm>
+            <a:off x="6600792" y="3020711"/>
+            <a:ext cx="2103120" cy="0"/>
+          </a:xfrm>
+          <a:prstGeom prst="line">
+            <a:avLst/>
+          </a:prstGeom>
+          <a:ln>
+            <a:solidFill>
+              <a:srgbClr val="1E3148"/>
+            </a:solidFill>
+          </a:ln>
+        </p:spPr>
+        <p:style>
+          <a:lnRef idx="1">
+            <a:schemeClr val="accent1"/>
+          </a:lnRef>
+          <a:fillRef idx="0">
+            <a:schemeClr val="accent1"/>
+          </a:fillRef>
+          <a:effectRef idx="0">
+            <a:schemeClr val="accent1"/>
+          </a:effectRef>
+          <a:fontRef idx="minor">
+            <a:schemeClr val="tx1"/>
+          </a:fontRef>
+        </p:style>
+      </p:cxnSp>
+      <p:pic>
+        <p:nvPicPr>
+          <p:cNvPr id="7" name="圖片 6">
+            <a:extLst>
+              <a:ext uri="{FF2B5EF4-FFF2-40B4-BE49-F238E27FC236}">
+                <a16:creationId xmlns:a16="http://schemas.microsoft.com/office/drawing/2014/main" id="{B4189500-41AE-4D96-8307-ECB67C5A3C80}"/>
+              </a:ext>
+            </a:extLst>
+          </p:cNvPr>
+          <p:cNvPicPr>
+            <a:picLocks noChangeAspect="1"/>
+          </p:cNvPicPr>
+          <p:nvPr/>
+        </p:nvPicPr>
+        <p:blipFill>
+          <a:blip r:embed="rId2"/>
+          <a:stretch>
+            <a:fillRect/>
+          </a:stretch>
+        </p:blipFill>
+        <p:spPr>
+          <a:xfrm>
+            <a:off x="4096162" y="1694746"/>
+            <a:ext cx="1068582" cy="1068582"/>
+          </a:xfrm>
+          <a:prstGeom prst="rect">
+            <a:avLst/>
+          </a:prstGeom>
+        </p:spPr>
+      </p:pic>
+      <p:pic>
+        <p:nvPicPr>
+          <p:cNvPr id="22" name="圖片 21">
+            <a:extLst>
+              <a:ext uri="{FF2B5EF4-FFF2-40B4-BE49-F238E27FC236}">
+                <a16:creationId xmlns:a16="http://schemas.microsoft.com/office/drawing/2014/main" id="{DF341343-B914-4ED8-B358-4195ED9B63EA}"/>
+              </a:ext>
+            </a:extLst>
+          </p:cNvPr>
+          <p:cNvPicPr>
+            <a:picLocks noChangeAspect="1"/>
+          </p:cNvPicPr>
+          <p:nvPr/>
+        </p:nvPicPr>
+        <p:blipFill>
+          <a:blip r:embed="rId3"/>
+          <a:stretch>
+            <a:fillRect/>
+          </a:stretch>
+        </p:blipFill>
+        <p:spPr>
+          <a:xfrm>
+            <a:off x="6983567" y="1585233"/>
+            <a:ext cx="1238250" cy="1238250"/>
+          </a:xfrm>
+          <a:prstGeom prst="rect">
+            <a:avLst/>
+          </a:prstGeom>
+        </p:spPr>
+      </p:pic>
+      <p:sp>
+        <p:nvSpPr>
+          <p:cNvPr id="24" name="矩形: 圓角 23">
+            <a:extLst>
+              <a:ext uri="{FF2B5EF4-FFF2-40B4-BE49-F238E27FC236}">
+                <a16:creationId xmlns:a16="http://schemas.microsoft.com/office/drawing/2014/main" id="{105DE2BE-12CE-4556-B7E4-0D71A8C80543}"/>
+              </a:ext>
+            </a:extLst>
+          </p:cNvPr>
+          <p:cNvSpPr/>
+          <p:nvPr/>
+        </p:nvSpPr>
+        <p:spPr>
+          <a:xfrm>
+            <a:off x="231971" y="952500"/>
+            <a:ext cx="2741244" cy="5290457"/>
+          </a:xfrm>
+          <a:prstGeom prst="roundRect">
+            <a:avLst>
+              <a:gd name="adj" fmla="val 17459"/>
+            </a:avLst>
+          </a:prstGeom>
+          <a:solidFill>
+            <a:srgbClr val="479793"/>
+          </a:solidFill>
+          <a:ln>
+            <a:noFill/>
+          </a:ln>
+        </p:spPr>
+        <p:style>
+          <a:lnRef idx="2">
+            <a:schemeClr val="accent1">
+              <a:shade val="50000"/>
+            </a:schemeClr>
+          </a:lnRef>
+          <a:fillRef idx="1">
+            <a:schemeClr val="accent1"/>
+          </a:fillRef>
+          <a:effectRef idx="0">
+            <a:schemeClr val="accent1"/>
+          </a:effectRef>
+          <a:fontRef idx="minor">
+            <a:schemeClr val="lt1"/>
+          </a:fontRef>
+        </p:style>
+        <p:txBody>
+          <a:bodyPr rtlCol="0" anchor="ctr"/>
+          <a:lstStyle/>
+          <a:p>
+            <a:pPr algn="ctr"/>
+            <a:endParaRPr lang="zh-TW" altLang="en-US"/>
+          </a:p>
+        </p:txBody>
+      </p:sp>
+      <p:sp>
+        <p:nvSpPr>
+          <p:cNvPr id="25" name="矩形 24">
+            <a:extLst>
+              <a:ext uri="{FF2B5EF4-FFF2-40B4-BE49-F238E27FC236}">
+                <a16:creationId xmlns:a16="http://schemas.microsoft.com/office/drawing/2014/main" id="{1338A67D-284A-439F-BD6E-1A5ED7295320}"/>
+              </a:ext>
+            </a:extLst>
+          </p:cNvPr>
+          <p:cNvSpPr/>
+          <p:nvPr/>
+        </p:nvSpPr>
+        <p:spPr>
+          <a:xfrm>
+            <a:off x="474855" y="1062013"/>
+            <a:ext cx="2339102" cy="523220"/>
+          </a:xfrm>
+          <a:prstGeom prst="rect">
+            <a:avLst/>
+          </a:prstGeom>
+        </p:spPr>
+        <p:txBody>
+          <a:bodyPr wrap="none">
+            <a:spAutoFit/>
+          </a:bodyPr>
+          <a:lstStyle/>
+          <a:p>
+            <a:r>
+              <a:rPr lang="zh-CN" altLang="en-US" sz="2800" b="1" dirty="0">
+                <a:latin typeface="Microsoft JhengHei" panose="020B0604030504040204" pitchFamily="34" charset="-120"/>
+                <a:ea typeface="Microsoft JhengHei" panose="020B0604030504040204" pitchFamily="34" charset="-120"/>
+              </a:rPr>
+              <a:t>大事件分類器</a:t>
+            </a:r>
+            <a:endParaRPr lang="zh-TW" altLang="en-US" sz="2800" b="1" dirty="0">
+              <a:latin typeface="Microsoft JhengHei" panose="020B0604030504040204" pitchFamily="34" charset="-120"/>
+              <a:ea typeface="Microsoft JhengHei" panose="020B0604030504040204" pitchFamily="34" charset="-120"/>
+            </a:endParaRPr>
+          </a:p>
+        </p:txBody>
+      </p:sp>
+      <p:cxnSp>
+        <p:nvCxnSpPr>
+          <p:cNvPr id="26" name="直線接點 25">
+            <a:extLst>
+              <a:ext uri="{FF2B5EF4-FFF2-40B4-BE49-F238E27FC236}">
+                <a16:creationId xmlns:a16="http://schemas.microsoft.com/office/drawing/2014/main" id="{8E2AD147-2599-4402-B403-CFD9ABA7BAD5}"/>
+              </a:ext>
+            </a:extLst>
+          </p:cNvPr>
+          <p:cNvCxnSpPr/>
+          <p:nvPr/>
+        </p:nvCxnSpPr>
+        <p:spPr>
+          <a:xfrm>
+            <a:off x="582930" y="3020711"/>
+            <a:ext cx="2103120" cy="0"/>
+          </a:xfrm>
+          <a:prstGeom prst="line">
+            <a:avLst/>
+          </a:prstGeom>
+          <a:ln>
+            <a:solidFill>
+              <a:schemeClr val="tx1"/>
+            </a:solidFill>
+          </a:ln>
+        </p:spPr>
+        <p:style>
+          <a:lnRef idx="1">
+            <a:schemeClr val="accent1"/>
+          </a:lnRef>
+          <a:fillRef idx="0">
+            <a:schemeClr val="accent1"/>
+          </a:fillRef>
+          <a:effectRef idx="0">
+            <a:schemeClr val="accent1"/>
+          </a:effectRef>
+          <a:fontRef idx="minor">
+            <a:schemeClr val="tx1"/>
+          </a:fontRef>
+        </p:style>
+      </p:cxnSp>
+      <p:pic>
+        <p:nvPicPr>
+          <p:cNvPr id="29" name="圖形 28">
+            <a:extLst>
+              <a:ext uri="{FF2B5EF4-FFF2-40B4-BE49-F238E27FC236}">
+                <a16:creationId xmlns:a16="http://schemas.microsoft.com/office/drawing/2014/main" id="{85496D95-866A-4EAA-8EE7-9D3FE032810E}"/>
+              </a:ext>
+            </a:extLst>
+          </p:cNvPr>
+          <p:cNvPicPr>
+            <a:picLocks noChangeAspect="1"/>
+          </p:cNvPicPr>
+          <p:nvPr/>
+        </p:nvPicPr>
+        <p:blipFill>
+          <a:blip r:embed="rId4">
+            <a:extLst>
+              <a:ext uri="{96DAC541-7B7A-43D3-8B79-37D633B846F1}">
+                <asvg:svgBlip xmlns:asvg="http://schemas.microsoft.com/office/drawing/2016/SVG/main" r:embed="rId5"/>
+              </a:ext>
+            </a:extLst>
+          </a:blip>
+          <a:stretch>
+            <a:fillRect/>
+          </a:stretch>
+        </p:blipFill>
+        <p:spPr>
+          <a:xfrm>
+            <a:off x="922183" y="1558381"/>
+            <a:ext cx="1181090" cy="1204947"/>
+          </a:xfrm>
+          <a:prstGeom prst="rect">
+            <a:avLst/>
+          </a:prstGeom>
+        </p:spPr>
+      </p:pic>
+      <p:sp>
+        <p:nvSpPr>
+          <p:cNvPr id="30" name="文字方塊 29">
+            <a:extLst>
+              <a:ext uri="{FF2B5EF4-FFF2-40B4-BE49-F238E27FC236}">
+                <a16:creationId xmlns:a16="http://schemas.microsoft.com/office/drawing/2014/main" id="{E72CD3CA-97AD-4840-9446-5D4BA6A826AC}"/>
+              </a:ext>
+            </a:extLst>
+          </p:cNvPr>
+          <p:cNvSpPr txBox="1"/>
+          <p:nvPr/>
+        </p:nvSpPr>
+        <p:spPr>
+          <a:xfrm>
+            <a:off x="365266" y="3364185"/>
+            <a:ext cx="2454728" cy="1815882"/>
+          </a:xfrm>
+          <a:prstGeom prst="rect">
+            <a:avLst/>
+          </a:prstGeom>
+          <a:noFill/>
+        </p:spPr>
+        <p:txBody>
+          <a:bodyPr wrap="square" rtlCol="0">
+            <a:spAutoFit/>
+          </a:bodyPr>
+          <a:lstStyle/>
+          <a:p>
+            <a:r>
+              <a:rPr lang="zh-CN" altLang="en-US" sz="1600" b="1" dirty="0">
+                <a:latin typeface="微軟正黑體" panose="020B0604030504040204" pitchFamily="34" charset="-120"/>
+                <a:ea typeface="微軟正黑體" panose="020B0604030504040204" pitchFamily="34" charset="-120"/>
+              </a:rPr>
+              <a:t>將新聞分類為以下五個大事件類別：</a:t>
+            </a:r>
+            <a:endParaRPr lang="en-US" altLang="zh-CN" sz="1600" b="1" dirty="0">
+              <a:latin typeface="微軟正黑體" panose="020B0604030504040204" pitchFamily="34" charset="-120"/>
+              <a:ea typeface="微軟正黑體" panose="020B0604030504040204" pitchFamily="34" charset="-120"/>
+            </a:endParaRPr>
+          </a:p>
+          <a:p>
+            <a:pPr marL="285750" indent="-285750">
+              <a:buFont typeface="Arial" panose="020B0604020202020204" pitchFamily="34" charset="0"/>
+              <a:buChar char="•"/>
+            </a:pPr>
+            <a:r>
+              <a:rPr lang="en-US" altLang="zh-TW" sz="1600" b="1" dirty="0">
+                <a:latin typeface="微軟正黑體" panose="020B0604030504040204" pitchFamily="34" charset="-120"/>
+                <a:ea typeface="微軟正黑體" panose="020B0604030504040204" pitchFamily="34" charset="-120"/>
+              </a:rPr>
+              <a:t>'A_</a:t>
+            </a:r>
+            <a:r>
+              <a:rPr lang="zh-CN" altLang="en-US" sz="1600" b="1" dirty="0">
+                <a:latin typeface="微軟正黑體" panose="020B0604030504040204" pitchFamily="34" charset="-120"/>
+                <a:ea typeface="微軟正黑體" panose="020B0604030504040204" pitchFamily="34" charset="-120"/>
+              </a:rPr>
+              <a:t>會計</a:t>
+            </a:r>
+            <a:r>
+              <a:rPr lang="en-US" altLang="zh-CN" sz="1600" b="1" dirty="0">
+                <a:latin typeface="微軟正黑體" panose="020B0604030504040204" pitchFamily="34" charset="-120"/>
+                <a:ea typeface="微軟正黑體" panose="020B0604030504040204" pitchFamily="34" charset="-120"/>
+              </a:rPr>
+              <a:t>/</a:t>
+            </a:r>
+            <a:r>
+              <a:rPr lang="zh-CN" altLang="en-US" sz="1600" b="1" dirty="0">
+                <a:latin typeface="微軟正黑體" panose="020B0604030504040204" pitchFamily="34" charset="-120"/>
+                <a:ea typeface="微軟正黑體" panose="020B0604030504040204" pitchFamily="34" charset="-120"/>
+              </a:rPr>
+              <a:t>財報分析</a:t>
+            </a:r>
+            <a:r>
+              <a:rPr lang="en-US" altLang="zh-CN" sz="1600" b="1" dirty="0">
+                <a:latin typeface="微軟正黑體" panose="020B0604030504040204" pitchFamily="34" charset="-120"/>
+                <a:ea typeface="微軟正黑體" panose="020B0604030504040204" pitchFamily="34" charset="-120"/>
+              </a:rPr>
+              <a:t>’</a:t>
+            </a:r>
+          </a:p>
+          <a:p>
+            <a:pPr marL="285750" indent="-285750">
+              <a:buFont typeface="Arial" panose="020B0604020202020204" pitchFamily="34" charset="0"/>
+              <a:buChar char="•"/>
+            </a:pPr>
+            <a:r>
+              <a:rPr lang="en-US" altLang="zh-CN" sz="1600" b="1" dirty="0">
+                <a:latin typeface="微軟正黑體" panose="020B0604030504040204" pitchFamily="34" charset="-120"/>
+                <a:ea typeface="微軟正黑體" panose="020B0604030504040204" pitchFamily="34" charset="-120"/>
+              </a:rPr>
+              <a:t>'</a:t>
+            </a:r>
+            <a:r>
+              <a:rPr lang="en-US" altLang="zh-TW" sz="1600" b="1" dirty="0">
+                <a:latin typeface="微軟正黑體" panose="020B0604030504040204" pitchFamily="34" charset="-120"/>
+                <a:ea typeface="微軟正黑體" panose="020B0604030504040204" pitchFamily="34" charset="-120"/>
+              </a:rPr>
+              <a:t>F_</a:t>
+            </a:r>
+            <a:r>
+              <a:rPr lang="zh-CN" altLang="en-US" sz="1600" b="1" dirty="0">
+                <a:latin typeface="微軟正黑體" panose="020B0604030504040204" pitchFamily="34" charset="-120"/>
+                <a:ea typeface="微軟正黑體" panose="020B0604030504040204" pitchFamily="34" charset="-120"/>
+              </a:rPr>
+              <a:t>市場交易</a:t>
+            </a:r>
+            <a:r>
+              <a:rPr lang="en-US" altLang="zh-CN" sz="1600" b="1" dirty="0">
+                <a:latin typeface="微軟正黑體" panose="020B0604030504040204" pitchFamily="34" charset="-120"/>
+                <a:ea typeface="微軟正黑體" panose="020B0604030504040204" pitchFamily="34" charset="-120"/>
+              </a:rPr>
+              <a:t>’</a:t>
+            </a:r>
+          </a:p>
+          <a:p>
+            <a:pPr marL="285750" indent="-285750">
+              <a:buFont typeface="Arial" panose="020B0604020202020204" pitchFamily="34" charset="0"/>
+              <a:buChar char="•"/>
+            </a:pPr>
+            <a:r>
+              <a:rPr lang="en-US" altLang="zh-CN" sz="1600" b="1" dirty="0">
+                <a:latin typeface="微軟正黑體" panose="020B0604030504040204" pitchFamily="34" charset="-120"/>
+                <a:ea typeface="微軟正黑體" panose="020B0604030504040204" pitchFamily="34" charset="-120"/>
+              </a:rPr>
+              <a:t>'</a:t>
+            </a:r>
+            <a:r>
+              <a:rPr lang="en-US" altLang="zh-TW" sz="1600" b="1" dirty="0">
+                <a:latin typeface="微軟正黑體" panose="020B0604030504040204" pitchFamily="34" charset="-120"/>
+                <a:ea typeface="微軟正黑體" panose="020B0604030504040204" pitchFamily="34" charset="-120"/>
+              </a:rPr>
+              <a:t>I_</a:t>
+            </a:r>
+            <a:r>
+              <a:rPr lang="zh-CN" altLang="en-US" sz="1600" b="1" dirty="0">
+                <a:latin typeface="微軟正黑體" panose="020B0604030504040204" pitchFamily="34" charset="-120"/>
+                <a:ea typeface="微軟正黑體" panose="020B0604030504040204" pitchFamily="34" charset="-120"/>
+              </a:rPr>
+              <a:t>產業前景</a:t>
+            </a:r>
+            <a:r>
+              <a:rPr lang="en-US" altLang="zh-CN" sz="1600" b="1" dirty="0">
+                <a:latin typeface="微軟正黑體" panose="020B0604030504040204" pitchFamily="34" charset="-120"/>
+                <a:ea typeface="微軟正黑體" panose="020B0604030504040204" pitchFamily="34" charset="-120"/>
+              </a:rPr>
+              <a:t>’</a:t>
+            </a:r>
+          </a:p>
+          <a:p>
+            <a:pPr marL="285750" indent="-285750">
+              <a:buFont typeface="Arial" panose="020B0604020202020204" pitchFamily="34" charset="0"/>
+              <a:buChar char="•"/>
+            </a:pPr>
+            <a:r>
+              <a:rPr lang="en-US" altLang="zh-CN" sz="1600" b="1" dirty="0">
+                <a:latin typeface="微軟正黑體" panose="020B0604030504040204" pitchFamily="34" charset="-120"/>
+                <a:ea typeface="微軟正黑體" panose="020B0604030504040204" pitchFamily="34" charset="-120"/>
+              </a:rPr>
+              <a:t>'</a:t>
+            </a:r>
+            <a:r>
+              <a:rPr lang="en-US" altLang="zh-TW" sz="1600" b="1" dirty="0">
+                <a:latin typeface="微軟正黑體" panose="020B0604030504040204" pitchFamily="34" charset="-120"/>
+                <a:ea typeface="微軟正黑體" panose="020B0604030504040204" pitchFamily="34" charset="-120"/>
+              </a:rPr>
+              <a:t>M_</a:t>
+            </a:r>
+            <a:r>
+              <a:rPr lang="zh-CN" altLang="en-US" sz="1600" b="1" dirty="0">
+                <a:latin typeface="微軟正黑體" panose="020B0604030504040204" pitchFamily="34" charset="-120"/>
+                <a:ea typeface="微軟正黑體" panose="020B0604030504040204" pitchFamily="34" charset="-120"/>
+              </a:rPr>
+              <a:t>經營層</a:t>
+            </a:r>
+            <a:r>
+              <a:rPr lang="en-US" altLang="zh-CN" sz="1600" b="1" dirty="0">
+                <a:latin typeface="微軟正黑體" panose="020B0604030504040204" pitchFamily="34" charset="-120"/>
+                <a:ea typeface="微軟正黑體" panose="020B0604030504040204" pitchFamily="34" charset="-120"/>
+              </a:rPr>
+              <a:t>’</a:t>
+            </a:r>
+          </a:p>
+          <a:p>
+            <a:pPr marL="285750" indent="-285750">
+              <a:buFont typeface="Arial" panose="020B0604020202020204" pitchFamily="34" charset="0"/>
+              <a:buChar char="•"/>
+            </a:pPr>
+            <a:r>
+              <a:rPr lang="en-US" altLang="zh-CN" sz="1600" b="1" dirty="0">
+                <a:latin typeface="微軟正黑體" panose="020B0604030504040204" pitchFamily="34" charset="-120"/>
+                <a:ea typeface="微軟正黑體" panose="020B0604030504040204" pitchFamily="34" charset="-120"/>
+              </a:rPr>
+              <a:t>'</a:t>
+            </a:r>
+            <a:r>
+              <a:rPr lang="en-US" altLang="zh-TW" sz="1600" b="1" dirty="0">
+                <a:latin typeface="微軟正黑體" panose="020B0604030504040204" pitchFamily="34" charset="-120"/>
+                <a:ea typeface="微軟正黑體" panose="020B0604030504040204" pitchFamily="34" charset="-120"/>
+              </a:rPr>
+              <a:t>R_</a:t>
+            </a:r>
+            <a:r>
+              <a:rPr lang="zh-CN" altLang="en-US" sz="1600" b="1" dirty="0">
+                <a:latin typeface="微軟正黑體" panose="020B0604030504040204" pitchFamily="34" charset="-120"/>
+                <a:ea typeface="微軟正黑體" panose="020B0604030504040204" pitchFamily="34" charset="-120"/>
+              </a:rPr>
+              <a:t>危機</a:t>
+            </a:r>
+            <a:r>
+              <a:rPr lang="en-US" altLang="zh-CN" sz="1600" b="1" dirty="0">
+                <a:latin typeface="微軟正黑體" panose="020B0604030504040204" pitchFamily="34" charset="-120"/>
+                <a:ea typeface="微軟正黑體" panose="020B0604030504040204" pitchFamily="34" charset="-120"/>
+              </a:rPr>
+              <a:t>'</a:t>
+            </a:r>
+          </a:p>
+        </p:txBody>
+      </p:sp>
+      <p:sp>
+        <p:nvSpPr>
+          <p:cNvPr id="31" name="文字方塊 30">
+            <a:extLst>
+              <a:ext uri="{FF2B5EF4-FFF2-40B4-BE49-F238E27FC236}">
+                <a16:creationId xmlns:a16="http://schemas.microsoft.com/office/drawing/2014/main" id="{B735336D-B490-41A5-85ED-AF0DFED0E2B8}"/>
+              </a:ext>
+            </a:extLst>
+          </p:cNvPr>
+          <p:cNvSpPr txBox="1"/>
+          <p:nvPr/>
+        </p:nvSpPr>
+        <p:spPr>
+          <a:xfrm>
+            <a:off x="3188094" y="3353299"/>
+            <a:ext cx="2884719" cy="1569660"/>
+          </a:xfrm>
+          <a:prstGeom prst="rect">
+            <a:avLst/>
+          </a:prstGeom>
+          <a:noFill/>
+        </p:spPr>
+        <p:txBody>
+          <a:bodyPr wrap="square" rtlCol="0">
+            <a:spAutoFit/>
+          </a:bodyPr>
+          <a:lstStyle/>
+          <a:p>
+            <a:pPr marL="285750" indent="-285750">
+              <a:buFont typeface="Arial" panose="020B0604020202020204" pitchFamily="34" charset="0"/>
+              <a:buChar char="•"/>
+            </a:pPr>
+            <a:r>
+              <a:rPr lang="zh-CN" altLang="en-US" sz="1600" b="1" dirty="0">
+                <a:latin typeface="微軟正黑體" panose="020B0604030504040204" pitchFamily="34" charset="-120"/>
+                <a:ea typeface="微軟正黑體" panose="020B0604030504040204" pitchFamily="34" charset="-120"/>
+              </a:rPr>
+              <a:t>所有資料的</a:t>
+            </a:r>
+            <a:r>
+              <a:rPr lang="en-US" altLang="zh-TW" sz="1600" b="1" dirty="0">
+                <a:latin typeface="微軟正黑體" panose="020B0604030504040204" pitchFamily="34" charset="-120"/>
+                <a:ea typeface="微軟正黑體" panose="020B0604030504040204" pitchFamily="34" charset="-120"/>
+              </a:rPr>
+              <a:t>64%</a:t>
+            </a:r>
+            <a:r>
+              <a:rPr lang="zh-CN" altLang="en-US" sz="1600" b="1" dirty="0">
+                <a:latin typeface="微軟正黑體" panose="020B0604030504040204" pitchFamily="34" charset="-120"/>
+                <a:ea typeface="微軟正黑體" panose="020B0604030504040204" pitchFamily="34" charset="-120"/>
+              </a:rPr>
+              <a:t>作為訓練資料</a:t>
+            </a:r>
+            <a:endParaRPr lang="en-US" altLang="zh-CN" sz="1600" b="1" dirty="0">
+              <a:latin typeface="微軟正黑體" panose="020B0604030504040204" pitchFamily="34" charset="-120"/>
+              <a:ea typeface="微軟正黑體" panose="020B0604030504040204" pitchFamily="34" charset="-120"/>
+            </a:endParaRPr>
+          </a:p>
+          <a:p>
+            <a:pPr marL="285750" indent="-285750">
+              <a:buFont typeface="Arial" panose="020B0604020202020204" pitchFamily="34" charset="0"/>
+              <a:buChar char="•"/>
+            </a:pPr>
+            <a:r>
+              <a:rPr lang="zh-CN" altLang="en-US" sz="1600" b="1" dirty="0">
+                <a:latin typeface="微軟正黑體" panose="020B0604030504040204" pitchFamily="34" charset="-120"/>
+                <a:ea typeface="微軟正黑體" panose="020B0604030504040204" pitchFamily="34" charset="-120"/>
+              </a:rPr>
+              <a:t>所有資料的</a:t>
+            </a:r>
+            <a:r>
+              <a:rPr lang="en-US" altLang="zh-TW" sz="1600" b="1" dirty="0">
+                <a:latin typeface="微軟正黑體" panose="020B0604030504040204" pitchFamily="34" charset="-120"/>
+                <a:ea typeface="微軟正黑體" panose="020B0604030504040204" pitchFamily="34" charset="-120"/>
+              </a:rPr>
+              <a:t>16%</a:t>
+            </a:r>
+            <a:r>
+              <a:rPr lang="zh-CN" altLang="en-US" sz="1600" b="1" dirty="0">
+                <a:latin typeface="微軟正黑體" panose="020B0604030504040204" pitchFamily="34" charset="-120"/>
+                <a:ea typeface="微軟正黑體" panose="020B0604030504040204" pitchFamily="34" charset="-120"/>
+              </a:rPr>
+              <a:t>作為驗證集</a:t>
+            </a:r>
+            <a:endParaRPr lang="en-US" altLang="zh-CN" sz="1600" b="1" dirty="0">
+              <a:latin typeface="微軟正黑體" panose="020B0604030504040204" pitchFamily="34" charset="-120"/>
+              <a:ea typeface="微軟正黑體" panose="020B0604030504040204" pitchFamily="34" charset="-120"/>
+            </a:endParaRPr>
+          </a:p>
+          <a:p>
+            <a:pPr marL="285750" indent="-285750">
+              <a:buFont typeface="Arial" panose="020B0604020202020204" pitchFamily="34" charset="0"/>
+              <a:buChar char="•"/>
+            </a:pPr>
+            <a:r>
+              <a:rPr lang="zh-CN" altLang="en-US" sz="1600" b="1" dirty="0">
+                <a:latin typeface="微軟正黑體" panose="020B0604030504040204" pitchFamily="34" charset="-120"/>
+                <a:ea typeface="微軟正黑體" panose="020B0604030504040204" pitchFamily="34" charset="-120"/>
+              </a:rPr>
+              <a:t>所有資料的</a:t>
+            </a:r>
+            <a:r>
+              <a:rPr lang="en-US" altLang="zh-TW" sz="1600" b="1" dirty="0">
+                <a:latin typeface="微軟正黑體" panose="020B0604030504040204" pitchFamily="34" charset="-120"/>
+                <a:ea typeface="微軟正黑體" panose="020B0604030504040204" pitchFamily="34" charset="-120"/>
+              </a:rPr>
+              <a:t>20%</a:t>
+            </a:r>
+            <a:r>
+              <a:rPr lang="zh-CN" altLang="en-US" sz="1600" b="1" dirty="0">
+                <a:latin typeface="微軟正黑體" panose="020B0604030504040204" pitchFamily="34" charset="-120"/>
+                <a:ea typeface="微軟正黑體" panose="020B0604030504040204" pitchFamily="34" charset="-120"/>
+              </a:rPr>
+              <a:t>作為測試集</a:t>
+            </a:r>
+            <a:endParaRPr lang="zh-TW" altLang="en-US" dirty="0"/>
+          </a:p>
+        </p:txBody>
+      </p:sp>
+      <p:sp>
+        <p:nvSpPr>
+          <p:cNvPr id="32" name="文字方塊 31">
+            <a:extLst>
+              <a:ext uri="{FF2B5EF4-FFF2-40B4-BE49-F238E27FC236}">
+                <a16:creationId xmlns:a16="http://schemas.microsoft.com/office/drawing/2014/main" id="{77280B50-6D01-49CB-8B18-D919F903FB83}"/>
+              </a:ext>
+            </a:extLst>
+          </p:cNvPr>
+          <p:cNvSpPr txBox="1"/>
+          <p:nvPr/>
+        </p:nvSpPr>
+        <p:spPr>
+          <a:xfrm>
+            <a:off x="6415350" y="3242358"/>
+            <a:ext cx="2454187" cy="2862322"/>
+          </a:xfrm>
+          <a:prstGeom prst="rect">
+            <a:avLst/>
+          </a:prstGeom>
+          <a:noFill/>
+        </p:spPr>
+        <p:txBody>
+          <a:bodyPr wrap="square" rtlCol="0">
+            <a:spAutoFit/>
+          </a:bodyPr>
+          <a:lstStyle/>
+          <a:p>
+            <a:r>
+              <a:rPr lang="zh-CN" altLang="en-US" b="1" dirty="0">
+                <a:latin typeface="微軟正黑體" panose="020B0604030504040204" pitchFamily="34" charset="-120"/>
+                <a:ea typeface="微軟正黑體" panose="020B0604030504040204" pitchFamily="34" charset="-120"/>
+              </a:rPr>
+              <a:t>由於大事件類別的分布相當不平衡，所以我們使用了以下兩種方法來處理資料不平衡的問題</a:t>
+            </a:r>
+            <a:endParaRPr lang="en-US" altLang="zh-TW" b="1" dirty="0">
+              <a:latin typeface="微軟正黑體" panose="020B0604030504040204" pitchFamily="34" charset="-120"/>
+              <a:ea typeface="微軟正黑體" panose="020B0604030504040204" pitchFamily="34" charset="-120"/>
+            </a:endParaRPr>
+          </a:p>
+          <a:p>
+            <a:r>
+              <a:rPr lang="en-US" altLang="zh-TW" b="1" dirty="0">
+                <a:latin typeface="微軟正黑體" panose="020B0604030504040204" pitchFamily="34" charset="-120"/>
+                <a:ea typeface="微軟正黑體" panose="020B0604030504040204" pitchFamily="34" charset="-120"/>
+              </a:rPr>
+              <a:t>1.</a:t>
+            </a:r>
+            <a:r>
+              <a:rPr lang="zh-TW" altLang="en-US" b="1" dirty="0">
+                <a:latin typeface="微軟正黑體" panose="020B0604030504040204" pitchFamily="34" charset="-120"/>
+                <a:ea typeface="微軟正黑體" panose="020B0604030504040204" pitchFamily="34" charset="-120"/>
+              </a:rPr>
+              <a:t> 使用</a:t>
+            </a:r>
+            <a:r>
+              <a:rPr lang="en-US" altLang="zh-TW" b="1" dirty="0">
+                <a:latin typeface="微軟正黑體" panose="020B0604030504040204" pitchFamily="34" charset="-120"/>
+                <a:ea typeface="微軟正黑體" panose="020B0604030504040204" pitchFamily="34" charset="-120"/>
+              </a:rPr>
+              <a:t>Oversampling</a:t>
+            </a:r>
+          </a:p>
+          <a:p>
+            <a:r>
+              <a:rPr lang="en-US" altLang="zh-TW" b="1" dirty="0">
+                <a:latin typeface="微軟正黑體" panose="020B0604030504040204" pitchFamily="34" charset="-120"/>
+                <a:ea typeface="微軟正黑體" panose="020B0604030504040204" pitchFamily="34" charset="-120"/>
+              </a:rPr>
+              <a:t>2. </a:t>
+            </a:r>
+            <a:r>
+              <a:rPr lang="zh-CN" altLang="en-US" b="1" dirty="0">
+                <a:latin typeface="微軟正黑體" panose="020B0604030504040204" pitchFamily="34" charset="-120"/>
+                <a:ea typeface="微軟正黑體" panose="020B0604030504040204" pitchFamily="34" charset="-120"/>
+              </a:rPr>
+              <a:t>調整損失函數（</a:t>
+            </a:r>
+            <a:r>
+              <a:rPr lang="en-US" altLang="zh-CN" b="1" dirty="0">
+                <a:latin typeface="微軟正黑體" panose="020B0604030504040204" pitchFamily="34" charset="-120"/>
+                <a:ea typeface="微軟正黑體" panose="020B0604030504040204" pitchFamily="34" charset="-120"/>
+              </a:rPr>
+              <a:t>loss function</a:t>
+            </a:r>
+            <a:r>
+              <a:rPr lang="zh-CN" altLang="en-US" b="1" dirty="0">
+                <a:latin typeface="微軟正黑體" panose="020B0604030504040204" pitchFamily="34" charset="-120"/>
+                <a:ea typeface="微軟正黑體" panose="020B0604030504040204" pitchFamily="34" charset="-120"/>
+              </a:rPr>
+              <a:t>）的權重</a:t>
+            </a:r>
+            <a:endParaRPr lang="en-US" altLang="zh-TW" b="1" dirty="0">
+              <a:latin typeface="微軟正黑體" panose="020B0604030504040204" pitchFamily="34" charset="-120"/>
+              <a:ea typeface="微軟正黑體" panose="020B0604030504040204" pitchFamily="34" charset="-120"/>
+            </a:endParaRPr>
+          </a:p>
+          <a:p>
+            <a:endParaRPr lang="zh-TW" altLang="en-US" dirty="0"/>
+          </a:p>
+        </p:txBody>
+      </p:sp>
+    </p:spTree>
+    <p:extLst>
+      <p:ext uri="{BB962C8B-B14F-4D97-AF65-F5344CB8AC3E}">
+        <p14:creationId xmlns:p14="http://schemas.microsoft.com/office/powerpoint/2010/main" val="2454878627"/>
+      </p:ext>
+    </p:extLst>
+  </p:cSld>
+  <p:clrMapOvr>
+    <a:masterClrMapping/>
+  </p:clrMapOvr>
+</p:sld>
+</file>
+
+<file path=ppt/slides/slide13.xml><?xml version="1.0" encoding="utf-8"?>
+<p:sld xmlns:a="http://schemas.openxmlformats.org/drawingml/2006/main" xmlns:r="http://schemas.openxmlformats.org/officeDocument/2006/relationships" xmlns:p="http://schemas.openxmlformats.org/presentationml/2006/main">
+  <p:cSld>
+    <p:spTree>
+      <p:nvGrpSpPr>
+        <p:cNvPr id="1" name=""/>
+        <p:cNvGrpSpPr/>
+        <p:nvPr/>
+      </p:nvGrpSpPr>
+      <p:grpSpPr>
+        <a:xfrm>
+          <a:off x="0" y="0"/>
+          <a:ext cx="0" cy="0"/>
+          <a:chOff x="0" y="0"/>
+          <a:chExt cx="0" cy="0"/>
+        </a:xfrm>
+      </p:grpSpPr>
+      <p:sp>
+        <p:nvSpPr>
+          <p:cNvPr id="2" name="標題 1">
+            <a:extLst>
+              <a:ext uri="{FF2B5EF4-FFF2-40B4-BE49-F238E27FC236}">
+                <a16:creationId xmlns:a16="http://schemas.microsoft.com/office/drawing/2014/main" id="{21D46EF1-12EA-C94F-9F03-C7FE589E8C7A}"/>
+              </a:ext>
+            </a:extLst>
+          </p:cNvPr>
+          <p:cNvSpPr>
+            <a:spLocks noGrp="1"/>
+          </p:cNvSpPr>
+          <p:nvPr>
+            <p:ph type="title"/>
+          </p:nvPr>
+        </p:nvSpPr>
+        <p:spPr>
+          <a:xfrm>
+            <a:off x="122679" y="279807"/>
+            <a:ext cx="6912428" cy="599076"/>
+          </a:xfrm>
+        </p:spPr>
+        <p:txBody>
+          <a:bodyPr>
+            <a:normAutofit/>
+          </a:bodyPr>
+          <a:lstStyle/>
+          <a:p>
+            <a:r>
+              <a:rPr lang="zh-CN" altLang="en-US" dirty="0">
+                <a:latin typeface="Microsoft JhengHei" panose="020B0604030504040204" pitchFamily="34" charset="-120"/>
+                <a:ea typeface="Microsoft JhengHei" panose="020B0604030504040204" pitchFamily="34" charset="-120"/>
+              </a:rPr>
+              <a:t>大事件分類器：</a:t>
+            </a:r>
+            <a:r>
+              <a:rPr lang="zh-CN" altLang="en-US" dirty="0"/>
+              <a:t>模型架構</a:t>
+            </a:r>
+            <a:endParaRPr kumimoji="1" lang="zh-TW" altLang="en-US" dirty="0"/>
+          </a:p>
+        </p:txBody>
+      </p:sp>
+      <p:sp>
+        <p:nvSpPr>
+          <p:cNvPr id="4" name="日期版面配置區 3">
+            <a:extLst>
+              <a:ext uri="{FF2B5EF4-FFF2-40B4-BE49-F238E27FC236}">
+                <a16:creationId xmlns:a16="http://schemas.microsoft.com/office/drawing/2014/main" id="{190A1806-A5E7-ED48-84B7-A10F862FB7D3}"/>
+              </a:ext>
+            </a:extLst>
+          </p:cNvPr>
+          <p:cNvSpPr>
+            <a:spLocks noGrp="1"/>
+          </p:cNvSpPr>
+          <p:nvPr>
+            <p:ph type="dt" sz="half" idx="10"/>
+          </p:nvPr>
+        </p:nvSpPr>
+        <p:spPr/>
+        <p:txBody>
+          <a:bodyPr/>
+          <a:lstStyle/>
+          <a:p>
+            <a:fld id="{868F4FC5-FE50-A64D-A7E3-22233A0C6925}" type="datetime1">
+              <a:rPr kumimoji="1" lang="zh-TW" altLang="en-US" smtClean="0"/>
+              <a:t>2020/6/18</a:t>
+            </a:fld>
+            <a:endParaRPr kumimoji="1" lang="zh-TW" altLang="en-US" dirty="0"/>
+          </a:p>
+        </p:txBody>
+      </p:sp>
+      <p:pic>
+        <p:nvPicPr>
+          <p:cNvPr id="20" name="Content Placeholder 4">
+            <a:extLst>
+              <a:ext uri="{FF2B5EF4-FFF2-40B4-BE49-F238E27FC236}">
+                <a16:creationId xmlns:a16="http://schemas.microsoft.com/office/drawing/2014/main" id="{C1809937-E0E1-4C0D-9796-C0827F5FAFD4}"/>
+              </a:ext>
+            </a:extLst>
+          </p:cNvPr>
+          <p:cNvPicPr>
+            <a:picLocks noGrp="1" noChangeAspect="1"/>
+          </p:cNvPicPr>
+          <p:nvPr>
+            <p:ph idx="1"/>
+          </p:nvPr>
+        </p:nvPicPr>
+        <p:blipFill>
+          <a:blip r:embed="rId2"/>
+          <a:stretch>
+            <a:fillRect/>
+          </a:stretch>
+        </p:blipFill>
+        <p:spPr>
+          <a:xfrm>
+            <a:off x="261257" y="1220281"/>
+            <a:ext cx="4272643" cy="4769660"/>
+          </a:xfrm>
+        </p:spPr>
+      </p:pic>
+      <p:graphicFrame>
+        <p:nvGraphicFramePr>
+          <p:cNvPr id="6" name="表格 7">
+            <a:extLst>
+              <a:ext uri="{FF2B5EF4-FFF2-40B4-BE49-F238E27FC236}">
+                <a16:creationId xmlns:a16="http://schemas.microsoft.com/office/drawing/2014/main" id="{CE90F3BB-4059-4699-8D9C-645086DE4494}"/>
+              </a:ext>
+            </a:extLst>
+          </p:cNvPr>
+          <p:cNvGraphicFramePr>
+            <a:graphicFrameLocks noGrp="1"/>
+          </p:cNvGraphicFramePr>
+          <p:nvPr>
+            <p:extLst>
+              <p:ext uri="{D42A27DB-BD31-4B8C-83A1-F6EECF244321}">
+                <p14:modId xmlns:p14="http://schemas.microsoft.com/office/powerpoint/2010/main" val="4264184900"/>
+              </p:ext>
+            </p:extLst>
+          </p:nvPr>
+        </p:nvGraphicFramePr>
+        <p:xfrm>
+          <a:off x="4746170" y="1220281"/>
+          <a:ext cx="4272643" cy="4786770"/>
+        </p:xfrm>
+        <a:graphic>
+          <a:graphicData uri="http://schemas.openxmlformats.org/drawingml/2006/table">
+            <a:tbl>
+              <a:tblPr firstRow="1" bandRow="1">
+                <a:tableStyleId>{8EC20E35-A176-4012-BC5E-935CFFF8708E}</a:tableStyleId>
+              </a:tblPr>
+              <a:tblGrid>
+                <a:gridCol w="1533378">
+                  <a:extLst>
+                    <a:ext uri="{9D8B030D-6E8A-4147-A177-3AD203B41FA5}">
+                      <a16:colId xmlns:a16="http://schemas.microsoft.com/office/drawing/2014/main" val="1169201645"/>
+                    </a:ext>
+                  </a:extLst>
+                </a:gridCol>
+                <a:gridCol w="2739265">
+                  <a:extLst>
+                    <a:ext uri="{9D8B030D-6E8A-4147-A177-3AD203B41FA5}">
+                      <a16:colId xmlns:a16="http://schemas.microsoft.com/office/drawing/2014/main" val="981368104"/>
+                    </a:ext>
+                  </a:extLst>
+                </a:gridCol>
+              </a:tblGrid>
+              <a:tr h="1595590">
+                <a:tc>
+                  <a:txBody>
+                    <a:bodyPr/>
+                    <a:lstStyle/>
+                    <a:p>
+                      <a:r>
+                        <a:rPr lang="en-US" altLang="zh-TW" sz="1800" kern="1200" dirty="0">
+                          <a:solidFill>
+                            <a:schemeClr val="dk1"/>
+                          </a:solidFill>
+                          <a:latin typeface="Microsoft JhengHei" panose="020B0604030504040204" pitchFamily="34" charset="-120"/>
+                          <a:ea typeface="Microsoft JhengHei" panose="020B0604030504040204" pitchFamily="34" charset="-120"/>
+                          <a:cs typeface="+mn-cs"/>
+                        </a:rPr>
+                        <a:t>Embedding layer</a:t>
+                      </a:r>
+                      <a:endParaRPr lang="zh-TW" altLang="en-US" sz="1800" kern="1200" dirty="0">
+                        <a:solidFill>
+                          <a:schemeClr val="dk1"/>
+                        </a:solidFill>
+                        <a:latin typeface="Microsoft JhengHei" panose="020B0604030504040204" pitchFamily="34" charset="-120"/>
+                        <a:ea typeface="Microsoft JhengHei" panose="020B0604030504040204" pitchFamily="34" charset="-120"/>
+                        <a:cs typeface="+mn-cs"/>
+                      </a:endParaRPr>
+                    </a:p>
+                  </a:txBody>
+                  <a:tcPr anchor="ctr">
+                    <a:solidFill>
+                      <a:srgbClr val="A3D5CB"/>
+                    </a:solidFill>
+                  </a:tcPr>
+                </a:tc>
+                <a:tc>
+                  <a:txBody>
+                    <a:bodyPr/>
+                    <a:lstStyle/>
+                    <a:p>
+                      <a:pPr marL="0" marR="0" lvl="0" indent="0" algn="l" defTabSz="914400" rtl="0" eaLnBrk="1" fontAlgn="auto" latinLnBrk="0" hangingPunct="1">
+                        <a:lnSpc>
+                          <a:spcPct val="100000"/>
+                        </a:lnSpc>
+                        <a:spcBef>
+                          <a:spcPts val="0"/>
+                        </a:spcBef>
+                        <a:spcAft>
+                          <a:spcPts val="0"/>
+                        </a:spcAft>
+                        <a:buClrTx/>
+                        <a:buSzTx/>
+                        <a:buFontTx/>
+                        <a:buNone/>
+                        <a:tabLst/>
+                        <a:defRPr/>
+                      </a:pPr>
+                      <a:r>
+                        <a:rPr lang="zh-CN" altLang="en-US" sz="1800" kern="1200" dirty="0">
+                          <a:solidFill>
+                            <a:schemeClr val="dk1"/>
+                          </a:solidFill>
+                          <a:latin typeface="Microsoft JhengHei" panose="020B0604030504040204" pitchFamily="34" charset="-120"/>
+                          <a:ea typeface="Microsoft JhengHei" panose="020B0604030504040204" pitchFamily="34" charset="-120"/>
+                          <a:cs typeface="+mn-cs"/>
+                        </a:rPr>
+                        <a:t>用來進行詞嵌入</a:t>
+                      </a:r>
+                      <a:endParaRPr lang="en-US" altLang="zh-TW" sz="1800" kern="1200" dirty="0">
+                        <a:solidFill>
+                          <a:schemeClr val="dk1"/>
+                        </a:solidFill>
+                        <a:latin typeface="Microsoft JhengHei" panose="020B0604030504040204" pitchFamily="34" charset="-120"/>
+                        <a:ea typeface="Microsoft JhengHei" panose="020B0604030504040204" pitchFamily="34" charset="-120"/>
+                        <a:cs typeface="+mn-cs"/>
+                      </a:endParaRPr>
+                    </a:p>
+                    <a:p>
+                      <a:endParaRPr lang="zh-TW" altLang="en-US" sz="1800" kern="1200" dirty="0">
+                        <a:solidFill>
+                          <a:schemeClr val="dk1"/>
+                        </a:solidFill>
+                        <a:latin typeface="Microsoft JhengHei" panose="020B0604030504040204" pitchFamily="34" charset="-120"/>
+                        <a:ea typeface="Microsoft JhengHei" panose="020B0604030504040204" pitchFamily="34" charset="-120"/>
+                        <a:cs typeface="+mn-cs"/>
+                      </a:endParaRPr>
+                    </a:p>
+                  </a:txBody>
+                  <a:tcPr anchor="ctr">
+                    <a:solidFill>
+                      <a:srgbClr val="A3D5CB"/>
+                    </a:solidFill>
+                  </a:tcPr>
+                </a:tc>
+                <a:extLst>
+                  <a:ext uri="{0D108BD9-81ED-4DB2-BD59-A6C34878D82A}">
+                    <a16:rowId xmlns:a16="http://schemas.microsoft.com/office/drawing/2014/main" val="1556906360"/>
+                  </a:ext>
+                </a:extLst>
+              </a:tr>
+              <a:tr h="1595590">
+                <a:tc>
+                  <a:txBody>
+                    <a:bodyPr/>
+                    <a:lstStyle/>
+                    <a:p>
+                      <a:r>
+                        <a:rPr lang="en-US" altLang="zh-TW" dirty="0">
+                          <a:latin typeface="Microsoft JhengHei" panose="020B0604030504040204" pitchFamily="34" charset="-120"/>
+                          <a:ea typeface="Microsoft JhengHei" panose="020B0604030504040204" pitchFamily="34" charset="-120"/>
+                        </a:rPr>
+                        <a:t>LSTM layer</a:t>
+                      </a:r>
+                      <a:endParaRPr lang="zh-TW" altLang="en-US" dirty="0"/>
+                    </a:p>
+                  </a:txBody>
+                  <a:tcPr anchor="ctr">
+                    <a:lnB w="28575" cap="flat" cmpd="sng" algn="ctr">
+                      <a:solidFill>
+                        <a:schemeClr val="tx1"/>
+                      </a:solidFill>
+                      <a:prstDash val="solid"/>
+                      <a:round/>
+                      <a:headEnd type="none" w="med" len="med"/>
+                      <a:tailEnd type="none" w="med" len="med"/>
+                    </a:lnB>
+                  </a:tcPr>
+                </a:tc>
+                <a:tc>
+                  <a:txBody>
+                    <a:bodyPr/>
+                    <a:lstStyle/>
+                    <a:p>
+                      <a:r>
+                        <a:rPr lang="zh-CN" altLang="en-US" dirty="0">
+                          <a:latin typeface="Microsoft JhengHei" panose="020B0604030504040204" pitchFamily="34" charset="-120"/>
+                          <a:ea typeface="Microsoft JhengHei" panose="020B0604030504040204" pitchFamily="34" charset="-120"/>
+                        </a:rPr>
+                        <a:t>長短期記憶模型</a:t>
+                      </a:r>
+                      <a:endParaRPr lang="zh-TW" altLang="en-US" dirty="0"/>
+                    </a:p>
+                  </a:txBody>
+                  <a:tcPr anchor="ctr">
+                    <a:lnB w="28575" cap="flat" cmpd="sng" algn="ctr">
+                      <a:solidFill>
+                        <a:schemeClr val="tx1"/>
+                      </a:solidFill>
+                      <a:prstDash val="solid"/>
+                      <a:round/>
+                      <a:headEnd type="none" w="med" len="med"/>
+                      <a:tailEnd type="none" w="med" len="med"/>
+                    </a:lnB>
+                  </a:tcPr>
+                </a:tc>
+                <a:extLst>
+                  <a:ext uri="{0D108BD9-81ED-4DB2-BD59-A6C34878D82A}">
+                    <a16:rowId xmlns:a16="http://schemas.microsoft.com/office/drawing/2014/main" val="3706517141"/>
+                  </a:ext>
+                </a:extLst>
+              </a:tr>
+              <a:tr h="1595590">
+                <a:tc>
+                  <a:txBody>
+                    <a:bodyPr/>
+                    <a:lstStyle/>
+                    <a:p>
+                      <a:r>
+                        <a:rPr lang="en-US" altLang="zh-CN" dirty="0">
+                          <a:latin typeface="Microsoft JhengHei" panose="020B0604030504040204" pitchFamily="34" charset="-120"/>
+                          <a:ea typeface="Microsoft JhengHei" panose="020B0604030504040204" pitchFamily="34" charset="-120"/>
+                        </a:rPr>
+                        <a:t>Dense layer</a:t>
+                      </a:r>
+                      <a:endParaRPr lang="zh-TW" altLang="en-US" dirty="0"/>
+                    </a:p>
+                  </a:txBody>
+                  <a:tcPr anchor="ctr">
+                    <a:lnT w="28575" cap="flat" cmpd="sng" algn="ctr">
+                      <a:solidFill>
+                        <a:schemeClr val="tx1"/>
+                      </a:solidFill>
+                      <a:prstDash val="solid"/>
+                      <a:round/>
+                      <a:headEnd type="none" w="med" len="med"/>
+                      <a:tailEnd type="none" w="med" len="med"/>
+                    </a:lnT>
+                  </a:tcPr>
+                </a:tc>
+                <a:tc>
+                  <a:txBody>
+                    <a:bodyPr/>
+                    <a:lstStyle/>
+                    <a:p>
+                      <a:r>
+                        <a:rPr lang="zh-CN" altLang="en-US" dirty="0">
+                          <a:latin typeface="Microsoft JhengHei" panose="020B0604030504040204" pitchFamily="34" charset="-120"/>
+                          <a:ea typeface="Microsoft JhengHei" panose="020B0604030504040204" pitchFamily="34" charset="-120"/>
+                        </a:rPr>
+                        <a:t>作為此模型的</a:t>
+                      </a:r>
+                      <a:r>
+                        <a:rPr lang="en-US" altLang="zh-TW" dirty="0">
+                          <a:latin typeface="Microsoft JhengHei" panose="020B0604030504040204" pitchFamily="34" charset="-120"/>
+                          <a:ea typeface="Microsoft JhengHei" panose="020B0604030504040204" pitchFamily="34" charset="-120"/>
+                        </a:rPr>
+                        <a:t>output</a:t>
+                      </a:r>
+                      <a:r>
+                        <a:rPr lang="zh-TW" altLang="en-US" dirty="0">
+                          <a:latin typeface="Microsoft JhengHei" panose="020B0604030504040204" pitchFamily="34" charset="-120"/>
+                          <a:ea typeface="Microsoft JhengHei" panose="020B0604030504040204" pitchFamily="34" charset="-120"/>
+                        </a:rPr>
+                        <a:t> </a:t>
+                      </a:r>
+                      <a:r>
+                        <a:rPr lang="en-US" altLang="zh-TW" dirty="0">
+                          <a:latin typeface="Microsoft JhengHei" panose="020B0604030504040204" pitchFamily="34" charset="-120"/>
+                          <a:ea typeface="Microsoft JhengHei" panose="020B0604030504040204" pitchFamily="34" charset="-120"/>
+                        </a:rPr>
+                        <a:t>layer</a:t>
+                      </a:r>
+                      <a:endParaRPr lang="zh-TW" altLang="en-US" dirty="0"/>
+                    </a:p>
+                  </a:txBody>
+                  <a:tcPr anchor="ctr">
+                    <a:lnT w="28575" cap="flat" cmpd="sng" algn="ctr">
+                      <a:solidFill>
+                        <a:schemeClr val="tx1"/>
+                      </a:solidFill>
+                      <a:prstDash val="solid"/>
+                      <a:round/>
+                      <a:headEnd type="none" w="med" len="med"/>
+                      <a:tailEnd type="none" w="med" len="med"/>
+                    </a:lnT>
+                  </a:tcPr>
+                </a:tc>
+                <a:extLst>
+                  <a:ext uri="{0D108BD9-81ED-4DB2-BD59-A6C34878D82A}">
+                    <a16:rowId xmlns:a16="http://schemas.microsoft.com/office/drawing/2014/main" val="1618717231"/>
+                  </a:ext>
+                </a:extLst>
+              </a:tr>
+            </a:tbl>
+          </a:graphicData>
+        </a:graphic>
+      </p:graphicFrame>
+    </p:spTree>
+    <p:extLst>
+      <p:ext uri="{BB962C8B-B14F-4D97-AF65-F5344CB8AC3E}">
+        <p14:creationId xmlns:p14="http://schemas.microsoft.com/office/powerpoint/2010/main" val="2361819509"/>
+      </p:ext>
+    </p:extLst>
+  </p:cSld>
+  <p:clrMapOvr>
+    <a:masterClrMapping/>
+  </p:clrMapOvr>
+</p:sld>
+</file>
+
+<file path=ppt/slides/slide14.xml><?xml version="1.0" encoding="utf-8"?>
+<p:sld xmlns:a="http://schemas.openxmlformats.org/drawingml/2006/main" xmlns:r="http://schemas.openxmlformats.org/officeDocument/2006/relationships" xmlns:p="http://schemas.openxmlformats.org/presentationml/2006/main">
+  <p:cSld>
+    <p:spTree>
+      <p:nvGrpSpPr>
+        <p:cNvPr id="1" name=""/>
+        <p:cNvGrpSpPr/>
+        <p:nvPr/>
+      </p:nvGrpSpPr>
+      <p:grpSpPr>
+        <a:xfrm>
+          <a:off x="0" y="0"/>
+          <a:ext cx="0" cy="0"/>
+          <a:chOff x="0" y="0"/>
+          <a:chExt cx="0" cy="0"/>
+        </a:xfrm>
+      </p:grpSpPr>
+      <p:sp>
+        <p:nvSpPr>
+          <p:cNvPr id="2" name="標題 1">
+            <a:extLst>
+              <a:ext uri="{FF2B5EF4-FFF2-40B4-BE49-F238E27FC236}">
+                <a16:creationId xmlns:a16="http://schemas.microsoft.com/office/drawing/2014/main" id="{21D46EF1-12EA-C94F-9F03-C7FE589E8C7A}"/>
+              </a:ext>
+            </a:extLst>
+          </p:cNvPr>
+          <p:cNvSpPr>
+            <a:spLocks noGrp="1"/>
+          </p:cNvSpPr>
+          <p:nvPr>
+            <p:ph type="title"/>
+          </p:nvPr>
+        </p:nvSpPr>
+        <p:spPr>
+          <a:xfrm>
+            <a:off x="122679" y="279807"/>
+            <a:ext cx="6912428" cy="599076"/>
+          </a:xfrm>
+        </p:spPr>
+        <p:txBody>
+          <a:bodyPr>
+            <a:normAutofit/>
+          </a:bodyPr>
+          <a:lstStyle/>
+          <a:p>
+            <a:r>
+              <a:rPr lang="zh-CN" altLang="en-US" dirty="0">
+                <a:latin typeface="Microsoft JhengHei" panose="020B0604030504040204" pitchFamily="34" charset="-120"/>
+                <a:ea typeface="Microsoft JhengHei" panose="020B0604030504040204" pitchFamily="34" charset="-120"/>
+              </a:rPr>
+              <a:t>大事件分類器：模型表現（在驗證集上）</a:t>
+            </a:r>
+            <a:endParaRPr kumimoji="1" lang="zh-TW" altLang="en-US" dirty="0"/>
+          </a:p>
+        </p:txBody>
+      </p:sp>
+      <p:sp>
+        <p:nvSpPr>
+          <p:cNvPr id="4" name="日期版面配置區 3">
+            <a:extLst>
+              <a:ext uri="{FF2B5EF4-FFF2-40B4-BE49-F238E27FC236}">
+                <a16:creationId xmlns:a16="http://schemas.microsoft.com/office/drawing/2014/main" id="{190A1806-A5E7-ED48-84B7-A10F862FB7D3}"/>
+              </a:ext>
+            </a:extLst>
+          </p:cNvPr>
+          <p:cNvSpPr>
+            <a:spLocks noGrp="1"/>
+          </p:cNvSpPr>
+          <p:nvPr>
+            <p:ph type="dt" sz="half" idx="10"/>
+          </p:nvPr>
+        </p:nvSpPr>
+        <p:spPr/>
+        <p:txBody>
+          <a:bodyPr/>
+          <a:lstStyle/>
+          <a:p>
+            <a:fld id="{868F4FC5-FE50-A64D-A7E3-22233A0C6925}" type="datetime1">
+              <a:rPr kumimoji="1" lang="zh-TW" altLang="en-US" smtClean="0"/>
+              <a:t>2020/6/18</a:t>
+            </a:fld>
+            <a:endParaRPr kumimoji="1" lang="zh-TW" altLang="en-US" dirty="0"/>
+          </a:p>
+        </p:txBody>
+      </p:sp>
+      <p:graphicFrame>
+        <p:nvGraphicFramePr>
+          <p:cNvPr id="10" name="表格 10">
+            <a:extLst>
+              <a:ext uri="{FF2B5EF4-FFF2-40B4-BE49-F238E27FC236}">
+                <a16:creationId xmlns:a16="http://schemas.microsoft.com/office/drawing/2014/main" id="{B817FE57-B960-46EB-AD55-8406A498C304}"/>
+              </a:ext>
+            </a:extLst>
+          </p:cNvPr>
+          <p:cNvGraphicFramePr>
+            <a:graphicFrameLocks noGrp="1"/>
+          </p:cNvGraphicFramePr>
+          <p:nvPr>
+            <p:ph idx="1"/>
+            <p:extLst>
+              <p:ext uri="{D42A27DB-BD31-4B8C-83A1-F6EECF244321}">
+                <p14:modId xmlns:p14="http://schemas.microsoft.com/office/powerpoint/2010/main" val="2606703877"/>
+              </p:ext>
+            </p:extLst>
+          </p:nvPr>
+        </p:nvGraphicFramePr>
+        <p:xfrm>
+          <a:off x="122679" y="1534885"/>
+          <a:ext cx="8912466" cy="4648199"/>
+        </p:xfrm>
+        <a:graphic>
+          <a:graphicData uri="http://schemas.openxmlformats.org/drawingml/2006/table">
+            <a:tbl>
+              <a:tblPr firstRow="1" bandRow="1">
+                <a:tableStyleId>{8EC20E35-A176-4012-BC5E-935CFFF8708E}</a:tableStyleId>
+              </a:tblPr>
+              <a:tblGrid>
+                <a:gridCol w="1485411">
+                  <a:extLst>
+                    <a:ext uri="{9D8B030D-6E8A-4147-A177-3AD203B41FA5}">
+                      <a16:colId xmlns:a16="http://schemas.microsoft.com/office/drawing/2014/main" val="2457621786"/>
+                    </a:ext>
+                  </a:extLst>
+                </a:gridCol>
+                <a:gridCol w="1485411">
+                  <a:extLst>
+                    <a:ext uri="{9D8B030D-6E8A-4147-A177-3AD203B41FA5}">
+                      <a16:colId xmlns:a16="http://schemas.microsoft.com/office/drawing/2014/main" val="3358545346"/>
+                    </a:ext>
+                  </a:extLst>
+                </a:gridCol>
+                <a:gridCol w="1485411">
+                  <a:extLst>
+                    <a:ext uri="{9D8B030D-6E8A-4147-A177-3AD203B41FA5}">
+                      <a16:colId xmlns:a16="http://schemas.microsoft.com/office/drawing/2014/main" val="2283937809"/>
+                    </a:ext>
+                  </a:extLst>
+                </a:gridCol>
+                <a:gridCol w="1485411">
+                  <a:extLst>
+                    <a:ext uri="{9D8B030D-6E8A-4147-A177-3AD203B41FA5}">
+                      <a16:colId xmlns:a16="http://schemas.microsoft.com/office/drawing/2014/main" val="3596225516"/>
+                    </a:ext>
+                  </a:extLst>
+                </a:gridCol>
+                <a:gridCol w="1485411">
+                  <a:extLst>
+                    <a:ext uri="{9D8B030D-6E8A-4147-A177-3AD203B41FA5}">
+                      <a16:colId xmlns:a16="http://schemas.microsoft.com/office/drawing/2014/main" val="1730954313"/>
+                    </a:ext>
+                  </a:extLst>
+                </a:gridCol>
+                <a:gridCol w="1485411">
+                  <a:extLst>
+                    <a:ext uri="{9D8B030D-6E8A-4147-A177-3AD203B41FA5}">
+                      <a16:colId xmlns:a16="http://schemas.microsoft.com/office/drawing/2014/main" val="4111329078"/>
+                    </a:ext>
+                  </a:extLst>
+                </a:gridCol>
+              </a:tblGrid>
+              <a:tr h="1150070">
+                <a:tc>
+                  <a:txBody>
+                    <a:bodyPr/>
+                    <a:lstStyle/>
+                    <a:p>
+                      <a:pPr algn="ctr"/>
+                      <a:endParaRPr lang="zh-TW" altLang="en-US" dirty="0">
+                        <a:latin typeface="微軟正黑體" panose="020B0604030504040204" pitchFamily="34" charset="-120"/>
+                        <a:ea typeface="微軟正黑體" panose="020B0604030504040204" pitchFamily="34" charset="-120"/>
+                      </a:endParaRPr>
+                    </a:p>
+                  </a:txBody>
+                  <a:tcPr anchor="ctr">
+                    <a:lnT w="28575" cap="flat" cmpd="sng" algn="ctr">
+                      <a:solidFill>
+                        <a:schemeClr val="tx1"/>
+                      </a:solidFill>
+                      <a:prstDash val="solid"/>
+                      <a:round/>
+                      <a:headEnd type="none" w="med" len="med"/>
+                      <a:tailEnd type="none" w="med" len="med"/>
+                    </a:lnT>
+                    <a:lnB w="28575" cap="flat" cmpd="sng" algn="ctr">
+                      <a:solidFill>
+                        <a:schemeClr val="tx1"/>
+                      </a:solidFill>
+                      <a:prstDash val="solid"/>
+                      <a:round/>
+                      <a:headEnd type="none" w="med" len="med"/>
+                      <a:tailEnd type="none" w="med" len="med"/>
+                    </a:lnB>
+                    <a:solidFill>
+                      <a:srgbClr val="A3D5CB"/>
+                    </a:solidFill>
+                  </a:tcPr>
+                </a:tc>
+                <a:tc>
+                  <a:txBody>
+                    <a:bodyPr/>
+                    <a:lstStyle/>
+                    <a:p>
+                      <a:pPr algn="ctr"/>
+                      <a:r>
+                        <a:rPr lang="en-US" altLang="zh-TW" dirty="0">
+                          <a:solidFill>
+                            <a:schemeClr val="tx1"/>
+                          </a:solidFill>
+                          <a:latin typeface="微軟正黑體" panose="020B0604030504040204" pitchFamily="34" charset="-120"/>
+                          <a:ea typeface="微軟正黑體" panose="020B0604030504040204" pitchFamily="34" charset="-120"/>
+                        </a:rPr>
+                        <a:t>A_</a:t>
+                      </a:r>
+                      <a:r>
+                        <a:rPr lang="zh-CN" altLang="en-US" dirty="0">
+                          <a:solidFill>
+                            <a:schemeClr val="tx1"/>
+                          </a:solidFill>
+                          <a:latin typeface="微軟正黑體" panose="020B0604030504040204" pitchFamily="34" charset="-120"/>
+                          <a:ea typeface="微軟正黑體" panose="020B0604030504040204" pitchFamily="34" charset="-120"/>
+                        </a:rPr>
+                        <a:t>會計</a:t>
+                      </a:r>
+                      <a:r>
+                        <a:rPr lang="en-US" altLang="zh-CN" dirty="0">
+                          <a:solidFill>
+                            <a:schemeClr val="tx1"/>
+                          </a:solidFill>
+                          <a:latin typeface="微軟正黑體" panose="020B0604030504040204" pitchFamily="34" charset="-120"/>
+                          <a:ea typeface="微軟正黑體" panose="020B0604030504040204" pitchFamily="34" charset="-120"/>
+                        </a:rPr>
+                        <a:t>/</a:t>
+                      </a:r>
+                      <a:r>
+                        <a:rPr lang="zh-CN" altLang="en-US" dirty="0">
+                          <a:solidFill>
+                            <a:schemeClr val="tx1"/>
+                          </a:solidFill>
+                          <a:latin typeface="微軟正黑體" panose="020B0604030504040204" pitchFamily="34" charset="-120"/>
+                          <a:ea typeface="微軟正黑體" panose="020B0604030504040204" pitchFamily="34" charset="-120"/>
+                        </a:rPr>
+                        <a:t>財報分析</a:t>
+                      </a:r>
+                      <a:endParaRPr lang="zh-TW" altLang="en-US" dirty="0">
+                        <a:latin typeface="微軟正黑體" panose="020B0604030504040204" pitchFamily="34" charset="-120"/>
+                        <a:ea typeface="微軟正黑體" panose="020B0604030504040204" pitchFamily="34" charset="-120"/>
+                      </a:endParaRPr>
+                    </a:p>
+                  </a:txBody>
+                  <a:tcPr anchor="ctr">
+                    <a:lnT w="28575" cap="flat" cmpd="sng" algn="ctr">
+                      <a:solidFill>
+                        <a:schemeClr val="tx1"/>
+                      </a:solidFill>
+                      <a:prstDash val="solid"/>
+                      <a:round/>
+                      <a:headEnd type="none" w="med" len="med"/>
+                      <a:tailEnd type="none" w="med" len="med"/>
+                    </a:lnT>
+                    <a:lnB w="28575" cap="flat" cmpd="sng" algn="ctr">
+                      <a:solidFill>
+                        <a:schemeClr val="tx1"/>
+                      </a:solidFill>
+                      <a:prstDash val="solid"/>
+                      <a:round/>
+                      <a:headEnd type="none" w="med" len="med"/>
+                      <a:tailEnd type="none" w="med" len="med"/>
+                    </a:lnB>
+                    <a:solidFill>
+                      <a:srgbClr val="A3D5CB"/>
+                    </a:solidFill>
+                  </a:tcPr>
+                </a:tc>
+                <a:tc>
+                  <a:txBody>
+                    <a:bodyPr/>
+                    <a:lstStyle/>
+                    <a:p>
+                      <a:pPr algn="ctr"/>
+                      <a:r>
+                        <a:rPr lang="en-US" altLang="zh-TW" dirty="0">
+                          <a:solidFill>
+                            <a:schemeClr val="tx1"/>
+                          </a:solidFill>
+                          <a:latin typeface="微軟正黑體" panose="020B0604030504040204" pitchFamily="34" charset="-120"/>
+                          <a:ea typeface="微軟正黑體" panose="020B0604030504040204" pitchFamily="34" charset="-120"/>
+                        </a:rPr>
+                        <a:t>F_</a:t>
+                      </a:r>
+                      <a:r>
+                        <a:rPr lang="zh-CN" altLang="en-US" dirty="0">
+                          <a:solidFill>
+                            <a:schemeClr val="tx1"/>
+                          </a:solidFill>
+                          <a:latin typeface="微軟正黑體" panose="020B0604030504040204" pitchFamily="34" charset="-120"/>
+                          <a:ea typeface="微軟正黑體" panose="020B0604030504040204" pitchFamily="34" charset="-120"/>
+                        </a:rPr>
+                        <a:t>市場交易</a:t>
+                      </a:r>
+                      <a:endParaRPr lang="zh-TW" altLang="en-US" dirty="0">
+                        <a:latin typeface="微軟正黑體" panose="020B0604030504040204" pitchFamily="34" charset="-120"/>
+                        <a:ea typeface="微軟正黑體" panose="020B0604030504040204" pitchFamily="34" charset="-120"/>
+                      </a:endParaRPr>
+                    </a:p>
+                  </a:txBody>
+                  <a:tcPr anchor="ctr">
+                    <a:lnT w="28575" cap="flat" cmpd="sng" algn="ctr">
+                      <a:solidFill>
+                        <a:schemeClr val="tx1"/>
+                      </a:solidFill>
+                      <a:prstDash val="solid"/>
+                      <a:round/>
+                      <a:headEnd type="none" w="med" len="med"/>
+                      <a:tailEnd type="none" w="med" len="med"/>
+                    </a:lnT>
+                    <a:lnB w="28575" cap="flat" cmpd="sng" algn="ctr">
+                      <a:solidFill>
+                        <a:schemeClr val="tx1"/>
+                      </a:solidFill>
+                      <a:prstDash val="solid"/>
+                      <a:round/>
+                      <a:headEnd type="none" w="med" len="med"/>
+                      <a:tailEnd type="none" w="med" len="med"/>
+                    </a:lnB>
+                    <a:solidFill>
+                      <a:srgbClr val="A3D5CB"/>
+                    </a:solidFill>
+                  </a:tcPr>
+                </a:tc>
+                <a:tc>
+                  <a:txBody>
+                    <a:bodyPr/>
+                    <a:lstStyle/>
+                    <a:p>
+                      <a:pPr algn="ctr"/>
+                      <a:r>
+                        <a:rPr lang="en-US" altLang="zh-TW" dirty="0">
+                          <a:solidFill>
+                            <a:schemeClr val="tx1"/>
+                          </a:solidFill>
+                          <a:latin typeface="微軟正黑體" panose="020B0604030504040204" pitchFamily="34" charset="-120"/>
+                          <a:ea typeface="微軟正黑體" panose="020B0604030504040204" pitchFamily="34" charset="-120"/>
+                        </a:rPr>
+                        <a:t>I_</a:t>
+                      </a:r>
+                      <a:r>
+                        <a:rPr lang="zh-CN" altLang="en-US" dirty="0">
+                          <a:solidFill>
+                            <a:schemeClr val="tx1"/>
+                          </a:solidFill>
+                          <a:latin typeface="微軟正黑體" panose="020B0604030504040204" pitchFamily="34" charset="-120"/>
+                          <a:ea typeface="微軟正黑體" panose="020B0604030504040204" pitchFamily="34" charset="-120"/>
+                        </a:rPr>
+                        <a:t>產業前景</a:t>
+                      </a:r>
+                      <a:endParaRPr lang="zh-TW" altLang="en-US" dirty="0">
+                        <a:latin typeface="微軟正黑體" panose="020B0604030504040204" pitchFamily="34" charset="-120"/>
+                        <a:ea typeface="微軟正黑體" panose="020B0604030504040204" pitchFamily="34" charset="-120"/>
+                      </a:endParaRPr>
+                    </a:p>
+                  </a:txBody>
+                  <a:tcPr anchor="ctr">
+                    <a:lnT w="28575" cap="flat" cmpd="sng" algn="ctr">
+                      <a:solidFill>
+                        <a:schemeClr val="tx1"/>
+                      </a:solidFill>
+                      <a:prstDash val="solid"/>
+                      <a:round/>
+                      <a:headEnd type="none" w="med" len="med"/>
+                      <a:tailEnd type="none" w="med" len="med"/>
+                    </a:lnT>
+                    <a:lnB w="28575" cap="flat" cmpd="sng" algn="ctr">
+                      <a:solidFill>
+                        <a:schemeClr val="tx1"/>
+                      </a:solidFill>
+                      <a:prstDash val="solid"/>
+                      <a:round/>
+                      <a:headEnd type="none" w="med" len="med"/>
+                      <a:tailEnd type="none" w="med" len="med"/>
+                    </a:lnB>
+                    <a:solidFill>
+                      <a:srgbClr val="A3D5CB"/>
+                    </a:solidFill>
+                  </a:tcPr>
+                </a:tc>
+                <a:tc>
+                  <a:txBody>
+                    <a:bodyPr/>
+                    <a:lstStyle/>
+                    <a:p>
+                      <a:pPr algn="ctr"/>
+                      <a:r>
+                        <a:rPr lang="en-US" altLang="zh-TW" dirty="0">
+                          <a:solidFill>
+                            <a:schemeClr val="tx1"/>
+                          </a:solidFill>
+                          <a:latin typeface="微軟正黑體" panose="020B0604030504040204" pitchFamily="34" charset="-120"/>
+                          <a:ea typeface="微軟正黑體" panose="020B0604030504040204" pitchFamily="34" charset="-120"/>
+                        </a:rPr>
+                        <a:t>M_</a:t>
+                      </a:r>
+                      <a:r>
+                        <a:rPr lang="zh-CN" altLang="en-US" dirty="0">
+                          <a:solidFill>
+                            <a:schemeClr val="tx1"/>
+                          </a:solidFill>
+                          <a:latin typeface="微軟正黑體" panose="020B0604030504040204" pitchFamily="34" charset="-120"/>
+                          <a:ea typeface="微軟正黑體" panose="020B0604030504040204" pitchFamily="34" charset="-120"/>
+                        </a:rPr>
+                        <a:t>經營層</a:t>
+                      </a:r>
+                      <a:endParaRPr lang="zh-TW" altLang="en-US" dirty="0">
+                        <a:latin typeface="微軟正黑體" panose="020B0604030504040204" pitchFamily="34" charset="-120"/>
+                        <a:ea typeface="微軟正黑體" panose="020B0604030504040204" pitchFamily="34" charset="-120"/>
+                      </a:endParaRPr>
+                    </a:p>
+                  </a:txBody>
+                  <a:tcPr anchor="ctr">
+                    <a:lnT w="28575" cap="flat" cmpd="sng" algn="ctr">
+                      <a:solidFill>
+                        <a:schemeClr val="tx1"/>
+                      </a:solidFill>
+                      <a:prstDash val="solid"/>
+                      <a:round/>
+                      <a:headEnd type="none" w="med" len="med"/>
+                      <a:tailEnd type="none" w="med" len="med"/>
+                    </a:lnT>
+                    <a:lnB w="28575" cap="flat" cmpd="sng" algn="ctr">
+                      <a:solidFill>
+                        <a:schemeClr val="tx1"/>
+                      </a:solidFill>
+                      <a:prstDash val="solid"/>
+                      <a:round/>
+                      <a:headEnd type="none" w="med" len="med"/>
+                      <a:tailEnd type="none" w="med" len="med"/>
+                    </a:lnB>
+                    <a:solidFill>
+                      <a:srgbClr val="A3D5CB"/>
+                    </a:solidFill>
+                  </a:tcPr>
+                </a:tc>
+                <a:tc>
+                  <a:txBody>
+                    <a:bodyPr/>
+                    <a:lstStyle/>
+                    <a:p>
+                      <a:pPr algn="ctr"/>
+                      <a:r>
+                        <a:rPr lang="en-US" altLang="zh-TW" b="1" u="none" dirty="0">
+                          <a:solidFill>
+                            <a:schemeClr val="tx1"/>
+                          </a:solidFill>
+                          <a:latin typeface="微軟正黑體" panose="020B0604030504040204" pitchFamily="34" charset="-120"/>
+                          <a:ea typeface="微軟正黑體" panose="020B0604030504040204" pitchFamily="34" charset="-120"/>
+                        </a:rPr>
+                        <a:t>R_</a:t>
+                      </a:r>
+                      <a:r>
+                        <a:rPr lang="zh-CN" altLang="en-US" b="1" u="none" dirty="0">
+                          <a:solidFill>
+                            <a:schemeClr val="tx1"/>
+                          </a:solidFill>
+                          <a:latin typeface="微軟正黑體" panose="020B0604030504040204" pitchFamily="34" charset="-120"/>
+                          <a:ea typeface="微軟正黑體" panose="020B0604030504040204" pitchFamily="34" charset="-120"/>
+                        </a:rPr>
+                        <a:t>危機</a:t>
+                      </a:r>
+                      <a:endParaRPr lang="zh-TW" altLang="en-US" u="none" dirty="0">
+                        <a:latin typeface="微軟正黑體" panose="020B0604030504040204" pitchFamily="34" charset="-120"/>
+                        <a:ea typeface="微軟正黑體" panose="020B0604030504040204" pitchFamily="34" charset="-120"/>
+                      </a:endParaRPr>
+                    </a:p>
+                  </a:txBody>
+                  <a:tcPr anchor="ctr">
+                    <a:lnT w="28575" cap="flat" cmpd="sng" algn="ctr">
+                      <a:solidFill>
+                        <a:schemeClr val="tx1"/>
+                      </a:solidFill>
+                      <a:prstDash val="solid"/>
+                      <a:round/>
+                      <a:headEnd type="none" w="med" len="med"/>
+                      <a:tailEnd type="none" w="med" len="med"/>
+                    </a:lnT>
+                    <a:lnB w="28575" cap="flat" cmpd="sng" algn="ctr">
+                      <a:solidFill>
+                        <a:schemeClr val="tx1"/>
+                      </a:solidFill>
+                      <a:prstDash val="solid"/>
+                      <a:round/>
+                      <a:headEnd type="none" w="med" len="med"/>
+                      <a:tailEnd type="none" w="med" len="med"/>
+                    </a:lnB>
+                    <a:solidFill>
+                      <a:srgbClr val="A3D5CB"/>
+                    </a:solidFill>
+                  </a:tcPr>
+                </a:tc>
+                <a:extLst>
+                  <a:ext uri="{0D108BD9-81ED-4DB2-BD59-A6C34878D82A}">
+                    <a16:rowId xmlns:a16="http://schemas.microsoft.com/office/drawing/2014/main" val="73455374"/>
+                  </a:ext>
+                </a:extLst>
+              </a:tr>
+              <a:tr h="1166043">
+                <a:tc>
+                  <a:txBody>
+                    <a:bodyPr/>
+                    <a:lstStyle/>
+                    <a:p>
+                      <a:r>
+                        <a:rPr lang="en-US" altLang="zh-TW" dirty="0">
+                          <a:solidFill>
+                            <a:schemeClr val="tx1"/>
+                          </a:solidFill>
+                          <a:latin typeface="微軟正黑體" panose="020B0604030504040204" pitchFamily="34" charset="-120"/>
+                          <a:ea typeface="微軟正黑體" panose="020B0604030504040204" pitchFamily="34" charset="-120"/>
+                          <a:cs typeface="Microsoft Himalaya" pitchFamily="2" charset="0"/>
+                        </a:rPr>
+                        <a:t>precision</a:t>
+                      </a:r>
+                      <a:endParaRPr lang="zh-TW" altLang="en-US" dirty="0">
+                        <a:latin typeface="微軟正黑體" panose="020B0604030504040204" pitchFamily="34" charset="-120"/>
+                        <a:ea typeface="微軟正黑體" panose="020B0604030504040204" pitchFamily="34" charset="-120"/>
+                      </a:endParaRPr>
+                    </a:p>
+                  </a:txBody>
+                  <a:tcPr anchor="ctr">
+                    <a:lnT w="28575" cap="flat" cmpd="sng" algn="ctr">
+                      <a:solidFill>
+                        <a:schemeClr val="tx1"/>
+                      </a:solidFill>
+                      <a:prstDash val="solid"/>
+                      <a:round/>
+                      <a:headEnd type="none" w="med" len="med"/>
+                      <a:tailEnd type="none" w="med" len="med"/>
+                    </a:lnT>
+                    <a:lnB w="28575" cap="flat" cmpd="sng" algn="ctr">
+                      <a:solidFill>
+                        <a:schemeClr val="tx1"/>
+                      </a:solidFill>
+                      <a:prstDash val="solid"/>
+                      <a:round/>
+                      <a:headEnd type="none" w="med" len="med"/>
+                      <a:tailEnd type="none" w="med" len="med"/>
+                    </a:lnB>
+                    <a:solidFill>
+                      <a:srgbClr val="A3D5CB"/>
+                    </a:solidFill>
+                  </a:tcPr>
+                </a:tc>
+                <a:tc>
+                  <a:txBody>
+                    <a:bodyPr/>
+                    <a:lstStyle/>
+                    <a:p>
+                      <a:pPr algn="ctr"/>
+                      <a:r>
+                        <a:rPr lang="en-US" altLang="zh-TW" dirty="0">
+                          <a:solidFill>
+                            <a:schemeClr val="tx1"/>
+                          </a:solidFill>
+                          <a:latin typeface="微軟正黑體" panose="020B0604030504040204" pitchFamily="34" charset="-120"/>
+                          <a:ea typeface="微軟正黑體" panose="020B0604030504040204" pitchFamily="34" charset="-120"/>
+                          <a:cs typeface="Microsoft Himalaya" pitchFamily="2" charset="0"/>
+                        </a:rPr>
+                        <a:t>0.672 </a:t>
+                      </a:r>
+                      <a:endParaRPr lang="zh-TW" altLang="en-US" dirty="0">
+                        <a:latin typeface="微軟正黑體" panose="020B0604030504040204" pitchFamily="34" charset="-120"/>
+                        <a:ea typeface="微軟正黑體" panose="020B0604030504040204" pitchFamily="34" charset="-120"/>
+                      </a:endParaRPr>
+                    </a:p>
+                  </a:txBody>
+                  <a:tcPr anchor="ctr">
+                    <a:lnT w="28575" cap="flat" cmpd="sng" algn="ctr">
+                      <a:solidFill>
+                        <a:schemeClr val="tx1"/>
+                      </a:solidFill>
+                      <a:prstDash val="solid"/>
+                      <a:round/>
+                      <a:headEnd type="none" w="med" len="med"/>
+                      <a:tailEnd type="none" w="med" len="med"/>
+                    </a:lnT>
+                    <a:lnB w="28575" cap="flat" cmpd="sng" algn="ctr">
+                      <a:solidFill>
+                        <a:schemeClr val="tx1"/>
+                      </a:solidFill>
+                      <a:prstDash val="solid"/>
+                      <a:round/>
+                      <a:headEnd type="none" w="med" len="med"/>
+                      <a:tailEnd type="none" w="med" len="med"/>
+                    </a:lnB>
+                    <a:solidFill>
+                      <a:srgbClr val="A3D5CB"/>
+                    </a:solidFill>
+                  </a:tcPr>
+                </a:tc>
+                <a:tc>
+                  <a:txBody>
+                    <a:bodyPr/>
+                    <a:lstStyle/>
+                    <a:p>
+                      <a:pPr algn="ctr"/>
+                      <a:r>
+                        <a:rPr lang="en-US" altLang="zh-TW" dirty="0">
+                          <a:solidFill>
+                            <a:schemeClr val="tx1"/>
+                          </a:solidFill>
+                          <a:latin typeface="微軟正黑體" panose="020B0604030504040204" pitchFamily="34" charset="-120"/>
+                          <a:ea typeface="微軟正黑體" panose="020B0604030504040204" pitchFamily="34" charset="-120"/>
+                          <a:cs typeface="Microsoft Himalaya" pitchFamily="2" charset="0"/>
+                        </a:rPr>
+                        <a:t>0.995 </a:t>
+                      </a:r>
+                      <a:endParaRPr lang="zh-TW" altLang="en-US" dirty="0">
+                        <a:latin typeface="微軟正黑體" panose="020B0604030504040204" pitchFamily="34" charset="-120"/>
+                        <a:ea typeface="微軟正黑體" panose="020B0604030504040204" pitchFamily="34" charset="-120"/>
+                      </a:endParaRPr>
+                    </a:p>
+                  </a:txBody>
+                  <a:tcPr anchor="ctr">
+                    <a:lnT w="28575" cap="flat" cmpd="sng" algn="ctr">
+                      <a:solidFill>
+                        <a:schemeClr val="tx1"/>
+                      </a:solidFill>
+                      <a:prstDash val="solid"/>
+                      <a:round/>
+                      <a:headEnd type="none" w="med" len="med"/>
+                      <a:tailEnd type="none" w="med" len="med"/>
+                    </a:lnT>
+                    <a:lnB w="28575" cap="flat" cmpd="sng" algn="ctr">
+                      <a:solidFill>
+                        <a:schemeClr val="tx1"/>
+                      </a:solidFill>
+                      <a:prstDash val="solid"/>
+                      <a:round/>
+                      <a:headEnd type="none" w="med" len="med"/>
+                      <a:tailEnd type="none" w="med" len="med"/>
+                    </a:lnB>
+                    <a:solidFill>
+                      <a:srgbClr val="A3D5CB"/>
+                    </a:solidFill>
+                  </a:tcPr>
+                </a:tc>
+                <a:tc>
+                  <a:txBody>
+                    <a:bodyPr/>
+                    <a:lstStyle/>
+                    <a:p>
+                      <a:pPr algn="ctr"/>
+                      <a:r>
+                        <a:rPr lang="en-US" altLang="zh-TW" dirty="0">
+                          <a:solidFill>
+                            <a:schemeClr val="tx1"/>
+                          </a:solidFill>
+                          <a:latin typeface="微軟正黑體" panose="020B0604030504040204" pitchFamily="34" charset="-120"/>
+                          <a:ea typeface="微軟正黑體" panose="020B0604030504040204" pitchFamily="34" charset="-120"/>
+                          <a:cs typeface="Microsoft Himalaya" pitchFamily="2" charset="0"/>
+                        </a:rPr>
+                        <a:t>0.979</a:t>
+                      </a:r>
+                      <a:endParaRPr lang="zh-TW" altLang="en-US" dirty="0">
+                        <a:latin typeface="微軟正黑體" panose="020B0604030504040204" pitchFamily="34" charset="-120"/>
+                        <a:ea typeface="微軟正黑體" panose="020B0604030504040204" pitchFamily="34" charset="-120"/>
+                      </a:endParaRPr>
+                    </a:p>
+                  </a:txBody>
+                  <a:tcPr anchor="ctr">
+                    <a:lnT w="28575" cap="flat" cmpd="sng" algn="ctr">
+                      <a:solidFill>
+                        <a:schemeClr val="tx1"/>
+                      </a:solidFill>
+                      <a:prstDash val="solid"/>
+                      <a:round/>
+                      <a:headEnd type="none" w="med" len="med"/>
+                      <a:tailEnd type="none" w="med" len="med"/>
+                    </a:lnT>
+                    <a:lnB w="28575" cap="flat" cmpd="sng" algn="ctr">
+                      <a:solidFill>
+                        <a:schemeClr val="tx1"/>
+                      </a:solidFill>
+                      <a:prstDash val="solid"/>
+                      <a:round/>
+                      <a:headEnd type="none" w="med" len="med"/>
+                      <a:tailEnd type="none" w="med" len="med"/>
+                    </a:lnB>
+                    <a:solidFill>
+                      <a:srgbClr val="A3D5CB"/>
+                    </a:solidFill>
+                  </a:tcPr>
+                </a:tc>
+                <a:tc>
+                  <a:txBody>
+                    <a:bodyPr/>
+                    <a:lstStyle/>
+                    <a:p>
+                      <a:pPr algn="ctr"/>
+                      <a:r>
+                        <a:rPr lang="en-US" altLang="zh-TW" dirty="0">
+                          <a:solidFill>
+                            <a:schemeClr val="tx1"/>
+                          </a:solidFill>
+                          <a:latin typeface="微軟正黑體" panose="020B0604030504040204" pitchFamily="34" charset="-120"/>
+                          <a:ea typeface="微軟正黑體" panose="020B0604030504040204" pitchFamily="34" charset="-120"/>
+                          <a:cs typeface="Microsoft Himalaya" pitchFamily="2" charset="0"/>
+                        </a:rPr>
+                        <a:t>0.959 </a:t>
+                      </a:r>
+                      <a:endParaRPr lang="zh-TW" altLang="en-US" dirty="0">
+                        <a:latin typeface="微軟正黑體" panose="020B0604030504040204" pitchFamily="34" charset="-120"/>
+                        <a:ea typeface="微軟正黑體" panose="020B0604030504040204" pitchFamily="34" charset="-120"/>
+                      </a:endParaRPr>
+                    </a:p>
+                  </a:txBody>
+                  <a:tcPr anchor="ctr">
+                    <a:lnT w="28575" cap="flat" cmpd="sng" algn="ctr">
+                      <a:solidFill>
+                        <a:schemeClr val="tx1"/>
+                      </a:solidFill>
+                      <a:prstDash val="solid"/>
+                      <a:round/>
+                      <a:headEnd type="none" w="med" len="med"/>
+                      <a:tailEnd type="none" w="med" len="med"/>
+                    </a:lnT>
+                    <a:lnB w="28575" cap="flat" cmpd="sng" algn="ctr">
+                      <a:solidFill>
+                        <a:schemeClr val="tx1"/>
+                      </a:solidFill>
+                      <a:prstDash val="solid"/>
+                      <a:round/>
+                      <a:headEnd type="none" w="med" len="med"/>
+                      <a:tailEnd type="none" w="med" len="med"/>
+                    </a:lnB>
+                    <a:solidFill>
+                      <a:srgbClr val="A3D5CB"/>
+                    </a:solidFill>
+                  </a:tcPr>
+                </a:tc>
+                <a:tc>
+                  <a:txBody>
+                    <a:bodyPr/>
+                    <a:lstStyle/>
+                    <a:p>
+                      <a:pPr algn="ctr"/>
+                      <a:r>
+                        <a:rPr lang="en-US" altLang="zh-TW" dirty="0">
+                          <a:solidFill>
+                            <a:schemeClr val="tx1"/>
+                          </a:solidFill>
+                          <a:latin typeface="微軟正黑體" panose="020B0604030504040204" pitchFamily="34" charset="-120"/>
+                          <a:ea typeface="微軟正黑體" panose="020B0604030504040204" pitchFamily="34" charset="-120"/>
+                          <a:cs typeface="Microsoft Himalaya" pitchFamily="2" charset="0"/>
+                        </a:rPr>
+                        <a:t>0.888</a:t>
+                      </a:r>
+                      <a:endParaRPr lang="zh-TW" altLang="en-US" dirty="0">
+                        <a:latin typeface="微軟正黑體" panose="020B0604030504040204" pitchFamily="34" charset="-120"/>
+                        <a:ea typeface="微軟正黑體" panose="020B0604030504040204" pitchFamily="34" charset="-120"/>
+                      </a:endParaRPr>
+                    </a:p>
+                  </a:txBody>
+                  <a:tcPr anchor="ctr">
+                    <a:lnT w="28575" cap="flat" cmpd="sng" algn="ctr">
+                      <a:solidFill>
+                        <a:schemeClr val="tx1"/>
+                      </a:solidFill>
+                      <a:prstDash val="solid"/>
+                      <a:round/>
+                      <a:headEnd type="none" w="med" len="med"/>
+                      <a:tailEnd type="none" w="med" len="med"/>
+                    </a:lnT>
+                    <a:lnB w="28575" cap="flat" cmpd="sng" algn="ctr">
+                      <a:solidFill>
+                        <a:schemeClr val="tx1"/>
+                      </a:solidFill>
+                      <a:prstDash val="solid"/>
+                      <a:round/>
+                      <a:headEnd type="none" w="med" len="med"/>
+                      <a:tailEnd type="none" w="med" len="med"/>
+                    </a:lnB>
+                    <a:solidFill>
+                      <a:srgbClr val="A3D5CB"/>
+                    </a:solidFill>
+                  </a:tcPr>
+                </a:tc>
+                <a:extLst>
+                  <a:ext uri="{0D108BD9-81ED-4DB2-BD59-A6C34878D82A}">
+                    <a16:rowId xmlns:a16="http://schemas.microsoft.com/office/drawing/2014/main" val="1680509122"/>
+                  </a:ext>
+                </a:extLst>
+              </a:tr>
+              <a:tr h="1166043">
+                <a:tc>
+                  <a:txBody>
+                    <a:bodyPr/>
+                    <a:lstStyle/>
+                    <a:p>
+                      <a:r>
+                        <a:rPr lang="en-US" altLang="zh-TW" dirty="0">
+                          <a:solidFill>
+                            <a:schemeClr val="tx1"/>
+                          </a:solidFill>
+                          <a:latin typeface="微軟正黑體" panose="020B0604030504040204" pitchFamily="34" charset="-120"/>
+                          <a:ea typeface="微軟正黑體" panose="020B0604030504040204" pitchFamily="34" charset="-120"/>
+                          <a:cs typeface="Microsoft Himalaya" pitchFamily="2" charset="0"/>
+                        </a:rPr>
+                        <a:t>recall:</a:t>
+                      </a:r>
+                      <a:endParaRPr lang="zh-TW" altLang="en-US" dirty="0">
+                        <a:latin typeface="微軟正黑體" panose="020B0604030504040204" pitchFamily="34" charset="-120"/>
+                        <a:ea typeface="微軟正黑體" panose="020B0604030504040204" pitchFamily="34" charset="-120"/>
+                      </a:endParaRPr>
+                    </a:p>
+                  </a:txBody>
+                  <a:tcPr anchor="ctr">
+                    <a:lnT w="28575" cap="flat" cmpd="sng" algn="ctr">
+                      <a:solidFill>
+                        <a:schemeClr val="tx1"/>
+                      </a:solidFill>
+                      <a:prstDash val="solid"/>
+                      <a:round/>
+                      <a:headEnd type="none" w="med" len="med"/>
+                      <a:tailEnd type="none" w="med" len="med"/>
+                    </a:lnT>
+                    <a:lnB w="28575" cap="flat" cmpd="sng" algn="ctr">
+                      <a:solidFill>
+                        <a:schemeClr val="tx1"/>
+                      </a:solidFill>
+                      <a:prstDash val="solid"/>
+                      <a:round/>
+                      <a:headEnd type="none" w="med" len="med"/>
+                      <a:tailEnd type="none" w="med" len="med"/>
+                    </a:lnB>
+                  </a:tcPr>
+                </a:tc>
+                <a:tc>
+                  <a:txBody>
+                    <a:bodyPr/>
+                    <a:lstStyle/>
+                    <a:p>
+                      <a:pPr algn="ctr"/>
+                      <a:r>
+                        <a:rPr lang="en-US" altLang="zh-TW" dirty="0">
+                          <a:solidFill>
+                            <a:schemeClr val="tx1"/>
+                          </a:solidFill>
+                          <a:latin typeface="微軟正黑體" panose="020B0604030504040204" pitchFamily="34" charset="-120"/>
+                          <a:ea typeface="微軟正黑體" panose="020B0604030504040204" pitchFamily="34" charset="-120"/>
+                          <a:cs typeface="Microsoft Himalaya" pitchFamily="2" charset="0"/>
+                        </a:rPr>
+                        <a:t>[0.741 </a:t>
+                      </a:r>
+                      <a:endParaRPr lang="zh-TW" altLang="en-US" dirty="0">
+                        <a:latin typeface="微軟正黑體" panose="020B0604030504040204" pitchFamily="34" charset="-120"/>
+                        <a:ea typeface="微軟正黑體" panose="020B0604030504040204" pitchFamily="34" charset="-120"/>
+                      </a:endParaRPr>
+                    </a:p>
+                  </a:txBody>
+                  <a:tcPr anchor="ctr">
+                    <a:lnT w="28575" cap="flat" cmpd="sng" algn="ctr">
+                      <a:solidFill>
+                        <a:schemeClr val="tx1"/>
+                      </a:solidFill>
+                      <a:prstDash val="solid"/>
+                      <a:round/>
+                      <a:headEnd type="none" w="med" len="med"/>
+                      <a:tailEnd type="none" w="med" len="med"/>
+                    </a:lnT>
+                    <a:lnB w="28575" cap="flat" cmpd="sng" algn="ctr">
+                      <a:solidFill>
+                        <a:schemeClr val="tx1"/>
+                      </a:solidFill>
+                      <a:prstDash val="solid"/>
+                      <a:round/>
+                      <a:headEnd type="none" w="med" len="med"/>
+                      <a:tailEnd type="none" w="med" len="med"/>
+                    </a:lnB>
+                  </a:tcPr>
+                </a:tc>
+                <a:tc>
+                  <a:txBody>
+                    <a:bodyPr/>
+                    <a:lstStyle/>
+                    <a:p>
+                      <a:pPr algn="ctr"/>
+                      <a:r>
+                        <a:rPr lang="en-US" altLang="zh-TW" dirty="0">
+                          <a:solidFill>
+                            <a:schemeClr val="tx1"/>
+                          </a:solidFill>
+                          <a:latin typeface="微軟正黑體" panose="020B0604030504040204" pitchFamily="34" charset="-120"/>
+                          <a:ea typeface="微軟正黑體" panose="020B0604030504040204" pitchFamily="34" charset="-120"/>
+                          <a:cs typeface="Microsoft Himalaya" pitchFamily="2" charset="0"/>
+                        </a:rPr>
+                        <a:t>0.974</a:t>
+                      </a:r>
+                      <a:endParaRPr lang="zh-TW" altLang="en-US" dirty="0">
+                        <a:latin typeface="微軟正黑體" panose="020B0604030504040204" pitchFamily="34" charset="-120"/>
+                        <a:ea typeface="微軟正黑體" panose="020B0604030504040204" pitchFamily="34" charset="-120"/>
+                      </a:endParaRPr>
+                    </a:p>
+                  </a:txBody>
+                  <a:tcPr anchor="ctr">
+                    <a:lnT w="28575" cap="flat" cmpd="sng" algn="ctr">
+                      <a:solidFill>
+                        <a:schemeClr val="tx1"/>
+                      </a:solidFill>
+                      <a:prstDash val="solid"/>
+                      <a:round/>
+                      <a:headEnd type="none" w="med" len="med"/>
+                      <a:tailEnd type="none" w="med" len="med"/>
+                    </a:lnT>
+                    <a:lnB w="28575" cap="flat" cmpd="sng" algn="ctr">
+                      <a:solidFill>
+                        <a:schemeClr val="tx1"/>
+                      </a:solidFill>
+                      <a:prstDash val="solid"/>
+                      <a:round/>
+                      <a:headEnd type="none" w="med" len="med"/>
+                      <a:tailEnd type="none" w="med" len="med"/>
+                    </a:lnB>
+                  </a:tcPr>
+                </a:tc>
+                <a:tc>
+                  <a:txBody>
+                    <a:bodyPr/>
+                    <a:lstStyle/>
+                    <a:p>
+                      <a:pPr algn="ctr"/>
+                      <a:r>
+                        <a:rPr lang="en-US" altLang="zh-TW" dirty="0">
+                          <a:solidFill>
+                            <a:schemeClr val="tx1"/>
+                          </a:solidFill>
+                          <a:latin typeface="微軟正黑體" panose="020B0604030504040204" pitchFamily="34" charset="-120"/>
+                          <a:ea typeface="微軟正黑體" panose="020B0604030504040204" pitchFamily="34" charset="-120"/>
+                          <a:cs typeface="Microsoft Himalaya" pitchFamily="2" charset="0"/>
+                        </a:rPr>
+                        <a:t>0.982 </a:t>
+                      </a:r>
+                      <a:endParaRPr lang="zh-TW" altLang="en-US" dirty="0">
+                        <a:latin typeface="微軟正黑體" panose="020B0604030504040204" pitchFamily="34" charset="-120"/>
+                        <a:ea typeface="微軟正黑體" panose="020B0604030504040204" pitchFamily="34" charset="-120"/>
+                      </a:endParaRPr>
+                    </a:p>
+                  </a:txBody>
+                  <a:tcPr anchor="ctr">
+                    <a:lnT w="28575" cap="flat" cmpd="sng" algn="ctr">
+                      <a:solidFill>
+                        <a:schemeClr val="tx1"/>
+                      </a:solidFill>
+                      <a:prstDash val="solid"/>
+                      <a:round/>
+                      <a:headEnd type="none" w="med" len="med"/>
+                      <a:tailEnd type="none" w="med" len="med"/>
+                    </a:lnT>
+                    <a:lnB w="28575" cap="flat" cmpd="sng" algn="ctr">
+                      <a:solidFill>
+                        <a:schemeClr val="tx1"/>
+                      </a:solidFill>
+                      <a:prstDash val="solid"/>
+                      <a:round/>
+                      <a:headEnd type="none" w="med" len="med"/>
+                      <a:tailEnd type="none" w="med" len="med"/>
+                    </a:lnB>
+                  </a:tcPr>
+                </a:tc>
+                <a:tc>
+                  <a:txBody>
+                    <a:bodyPr/>
+                    <a:lstStyle/>
+                    <a:p>
+                      <a:pPr algn="ctr"/>
+                      <a:r>
+                        <a:rPr lang="en-US" altLang="zh-TW" dirty="0">
+                          <a:solidFill>
+                            <a:schemeClr val="tx1"/>
+                          </a:solidFill>
+                          <a:latin typeface="微軟正黑體" panose="020B0604030504040204" pitchFamily="34" charset="-120"/>
+                          <a:ea typeface="微軟正黑體" panose="020B0604030504040204" pitchFamily="34" charset="-120"/>
+                          <a:cs typeface="Microsoft Himalaya" pitchFamily="2" charset="0"/>
+                        </a:rPr>
+                        <a:t>0.960</a:t>
+                      </a:r>
+                      <a:endParaRPr lang="zh-TW" altLang="en-US" dirty="0">
+                        <a:latin typeface="微軟正黑體" panose="020B0604030504040204" pitchFamily="34" charset="-120"/>
+                        <a:ea typeface="微軟正黑體" panose="020B0604030504040204" pitchFamily="34" charset="-120"/>
+                      </a:endParaRPr>
+                    </a:p>
+                  </a:txBody>
+                  <a:tcPr anchor="ctr">
+                    <a:lnT w="28575" cap="flat" cmpd="sng" algn="ctr">
+                      <a:solidFill>
+                        <a:schemeClr val="tx1"/>
+                      </a:solidFill>
+                      <a:prstDash val="solid"/>
+                      <a:round/>
+                      <a:headEnd type="none" w="med" len="med"/>
+                      <a:tailEnd type="none" w="med" len="med"/>
+                    </a:lnT>
+                    <a:lnB w="28575" cap="flat" cmpd="sng" algn="ctr">
+                      <a:solidFill>
+                        <a:schemeClr val="tx1"/>
+                      </a:solidFill>
+                      <a:prstDash val="solid"/>
+                      <a:round/>
+                      <a:headEnd type="none" w="med" len="med"/>
+                      <a:tailEnd type="none" w="med" len="med"/>
+                    </a:lnB>
+                  </a:tcPr>
+                </a:tc>
+                <a:tc>
+                  <a:txBody>
+                    <a:bodyPr/>
+                    <a:lstStyle/>
+                    <a:p>
+                      <a:pPr algn="ctr"/>
+                      <a:r>
+                        <a:rPr lang="en-US" altLang="zh-TW" b="1" u="none" dirty="0">
+                          <a:solidFill>
+                            <a:schemeClr val="tx1"/>
+                          </a:solidFill>
+                          <a:latin typeface="微軟正黑體" panose="020B0604030504040204" pitchFamily="34" charset="-120"/>
+                          <a:ea typeface="微軟正黑體" panose="020B0604030504040204" pitchFamily="34" charset="-120"/>
+                          <a:cs typeface="Microsoft Himalaya" pitchFamily="2" charset="0"/>
+                        </a:rPr>
+                        <a:t>0.879</a:t>
+                      </a:r>
+                      <a:endParaRPr lang="zh-TW" altLang="en-US" u="none" dirty="0">
+                        <a:latin typeface="微軟正黑體" panose="020B0604030504040204" pitchFamily="34" charset="-120"/>
+                        <a:ea typeface="微軟正黑體" panose="020B0604030504040204" pitchFamily="34" charset="-120"/>
+                      </a:endParaRPr>
+                    </a:p>
+                  </a:txBody>
+                  <a:tcPr anchor="ctr">
+                    <a:lnT w="28575" cap="flat" cmpd="sng" algn="ctr">
+                      <a:solidFill>
+                        <a:schemeClr val="tx1"/>
+                      </a:solidFill>
+                      <a:prstDash val="solid"/>
+                      <a:round/>
+                      <a:headEnd type="none" w="med" len="med"/>
+                      <a:tailEnd type="none" w="med" len="med"/>
+                    </a:lnT>
+                    <a:lnB w="28575" cap="flat" cmpd="sng" algn="ctr">
+                      <a:solidFill>
+                        <a:schemeClr val="tx1"/>
+                      </a:solidFill>
+                      <a:prstDash val="solid"/>
+                      <a:round/>
+                      <a:headEnd type="none" w="med" len="med"/>
+                      <a:tailEnd type="none" w="med" len="med"/>
+                    </a:lnB>
+                  </a:tcPr>
+                </a:tc>
+                <a:extLst>
+                  <a:ext uri="{0D108BD9-81ED-4DB2-BD59-A6C34878D82A}">
+                    <a16:rowId xmlns:a16="http://schemas.microsoft.com/office/drawing/2014/main" val="1200092439"/>
+                  </a:ext>
+                </a:extLst>
+              </a:tr>
+              <a:tr h="1166043">
+                <a:tc>
+                  <a:txBody>
+                    <a:bodyPr/>
+                    <a:lstStyle/>
+                    <a:p>
+                      <a:r>
+                        <a:rPr lang="en-US" altLang="zh-TW" dirty="0">
+                          <a:solidFill>
+                            <a:schemeClr val="tx1"/>
+                          </a:solidFill>
+                          <a:latin typeface="微軟正黑體" panose="020B0604030504040204" pitchFamily="34" charset="-120"/>
+                          <a:ea typeface="微軟正黑體" panose="020B0604030504040204" pitchFamily="34" charset="-120"/>
+                          <a:cs typeface="Microsoft Himalaya" pitchFamily="2" charset="0"/>
+                        </a:rPr>
+                        <a:t>F1 score: </a:t>
+                      </a:r>
+                      <a:endParaRPr lang="zh-TW" altLang="en-US" dirty="0">
+                        <a:latin typeface="微軟正黑體" panose="020B0604030504040204" pitchFamily="34" charset="-120"/>
+                        <a:ea typeface="微軟正黑體" panose="020B0604030504040204" pitchFamily="34" charset="-120"/>
+                      </a:endParaRPr>
+                    </a:p>
+                  </a:txBody>
+                  <a:tcPr anchor="ctr">
+                    <a:lnT w="28575" cap="flat" cmpd="sng" algn="ctr">
+                      <a:solidFill>
+                        <a:schemeClr val="tx1"/>
+                      </a:solidFill>
+                      <a:prstDash val="solid"/>
+                      <a:round/>
+                      <a:headEnd type="none" w="med" len="med"/>
+                      <a:tailEnd type="none" w="med" len="med"/>
+                    </a:lnT>
+                    <a:lnB w="28575" cap="flat" cmpd="sng" algn="ctr">
+                      <a:solidFill>
+                        <a:schemeClr val="tx1"/>
+                      </a:solidFill>
+                      <a:prstDash val="solid"/>
+                      <a:round/>
+                      <a:headEnd type="none" w="med" len="med"/>
+                      <a:tailEnd type="none" w="med" len="med"/>
+                    </a:lnB>
+                  </a:tcPr>
+                </a:tc>
+                <a:tc>
+                  <a:txBody>
+                    <a:bodyPr/>
+                    <a:lstStyle/>
+                    <a:p>
+                      <a:pPr algn="ctr"/>
+                      <a:r>
+                        <a:rPr lang="en-US" altLang="zh-TW" dirty="0">
+                          <a:solidFill>
+                            <a:schemeClr val="tx1"/>
+                          </a:solidFill>
+                          <a:latin typeface="微軟正黑體" panose="020B0604030504040204" pitchFamily="34" charset="-120"/>
+                          <a:ea typeface="微軟正黑體" panose="020B0604030504040204" pitchFamily="34" charset="-120"/>
+                          <a:cs typeface="Microsoft Himalaya" pitchFamily="2" charset="0"/>
+                        </a:rPr>
+                        <a:t>[0.705 </a:t>
+                      </a:r>
+                      <a:endParaRPr lang="zh-TW" altLang="en-US" dirty="0">
+                        <a:latin typeface="微軟正黑體" panose="020B0604030504040204" pitchFamily="34" charset="-120"/>
+                        <a:ea typeface="微軟正黑體" panose="020B0604030504040204" pitchFamily="34" charset="-120"/>
+                      </a:endParaRPr>
+                    </a:p>
+                  </a:txBody>
+                  <a:tcPr anchor="ctr">
+                    <a:lnT w="28575" cap="flat" cmpd="sng" algn="ctr">
+                      <a:solidFill>
+                        <a:schemeClr val="tx1"/>
+                      </a:solidFill>
+                      <a:prstDash val="solid"/>
+                      <a:round/>
+                      <a:headEnd type="none" w="med" len="med"/>
+                      <a:tailEnd type="none" w="med" len="med"/>
+                    </a:lnT>
+                    <a:lnB w="28575" cap="flat" cmpd="sng" algn="ctr">
+                      <a:solidFill>
+                        <a:schemeClr val="tx1"/>
+                      </a:solidFill>
+                      <a:prstDash val="solid"/>
+                      <a:round/>
+                      <a:headEnd type="none" w="med" len="med"/>
+                      <a:tailEnd type="none" w="med" len="med"/>
+                    </a:lnB>
+                  </a:tcPr>
+                </a:tc>
+                <a:tc>
+                  <a:txBody>
+                    <a:bodyPr/>
+                    <a:lstStyle/>
+                    <a:p>
+                      <a:pPr algn="ctr"/>
+                      <a:r>
+                        <a:rPr lang="en-US" altLang="zh-TW" dirty="0">
+                          <a:solidFill>
+                            <a:schemeClr val="tx1"/>
+                          </a:solidFill>
+                          <a:latin typeface="微軟正黑體" panose="020B0604030504040204" pitchFamily="34" charset="-120"/>
+                          <a:ea typeface="微軟正黑體" panose="020B0604030504040204" pitchFamily="34" charset="-120"/>
+                          <a:cs typeface="Microsoft Himalaya" pitchFamily="2" charset="0"/>
+                        </a:rPr>
+                        <a:t>0.984</a:t>
+                      </a:r>
+                      <a:endParaRPr lang="zh-TW" altLang="en-US" dirty="0">
+                        <a:latin typeface="微軟正黑體" panose="020B0604030504040204" pitchFamily="34" charset="-120"/>
+                        <a:ea typeface="微軟正黑體" panose="020B0604030504040204" pitchFamily="34" charset="-120"/>
+                      </a:endParaRPr>
+                    </a:p>
+                  </a:txBody>
+                  <a:tcPr anchor="ctr">
+                    <a:lnT w="28575" cap="flat" cmpd="sng" algn="ctr">
+                      <a:solidFill>
+                        <a:schemeClr val="tx1"/>
+                      </a:solidFill>
+                      <a:prstDash val="solid"/>
+                      <a:round/>
+                      <a:headEnd type="none" w="med" len="med"/>
+                      <a:tailEnd type="none" w="med" len="med"/>
+                    </a:lnT>
+                    <a:lnB w="28575" cap="flat" cmpd="sng" algn="ctr">
+                      <a:solidFill>
+                        <a:schemeClr val="tx1"/>
+                      </a:solidFill>
+                      <a:prstDash val="solid"/>
+                      <a:round/>
+                      <a:headEnd type="none" w="med" len="med"/>
+                      <a:tailEnd type="none" w="med" len="med"/>
+                    </a:lnB>
+                  </a:tcPr>
+                </a:tc>
+                <a:tc>
+                  <a:txBody>
+                    <a:bodyPr/>
+                    <a:lstStyle/>
+                    <a:p>
+                      <a:pPr algn="ctr"/>
+                      <a:r>
+                        <a:rPr lang="en-US" altLang="zh-TW" dirty="0">
+                          <a:solidFill>
+                            <a:schemeClr val="tx1"/>
+                          </a:solidFill>
+                          <a:latin typeface="微軟正黑體" panose="020B0604030504040204" pitchFamily="34" charset="-120"/>
+                          <a:ea typeface="微軟正黑體" panose="020B0604030504040204" pitchFamily="34" charset="-120"/>
+                          <a:cs typeface="Microsoft Himalaya" pitchFamily="2" charset="0"/>
+                        </a:rPr>
+                        <a:t>0.980 </a:t>
+                      </a:r>
+                      <a:r>
+                        <a:rPr lang="zh-TW" altLang="en-US" dirty="0">
+                          <a:solidFill>
+                            <a:schemeClr val="tx1"/>
+                          </a:solidFill>
+                          <a:latin typeface="微軟正黑體" panose="020B0604030504040204" pitchFamily="34" charset="-120"/>
+                          <a:ea typeface="微軟正黑體" panose="020B0604030504040204" pitchFamily="34" charset="-120"/>
+                          <a:cs typeface="Microsoft Himalaya" pitchFamily="2" charset="0"/>
+                        </a:rPr>
+                        <a:t> </a:t>
+                      </a:r>
+                      <a:r>
+                        <a:rPr lang="en-US" altLang="zh-TW" dirty="0">
+                          <a:solidFill>
+                            <a:schemeClr val="tx1"/>
+                          </a:solidFill>
+                          <a:latin typeface="微軟正黑體" panose="020B0604030504040204" pitchFamily="34" charset="-120"/>
+                          <a:ea typeface="微軟正黑體" panose="020B0604030504040204" pitchFamily="34" charset="-120"/>
+                          <a:cs typeface="Microsoft Himalaya" pitchFamily="2" charset="0"/>
+                        </a:rPr>
+                        <a:t>	</a:t>
+                      </a:r>
+                      <a:endParaRPr lang="zh-TW" altLang="en-US" dirty="0">
+                        <a:latin typeface="微軟正黑體" panose="020B0604030504040204" pitchFamily="34" charset="-120"/>
+                        <a:ea typeface="微軟正黑體" panose="020B0604030504040204" pitchFamily="34" charset="-120"/>
+                      </a:endParaRPr>
+                    </a:p>
+                  </a:txBody>
+                  <a:tcPr anchor="ctr">
+                    <a:lnT w="28575" cap="flat" cmpd="sng" algn="ctr">
+                      <a:solidFill>
+                        <a:schemeClr val="tx1"/>
+                      </a:solidFill>
+                      <a:prstDash val="solid"/>
+                      <a:round/>
+                      <a:headEnd type="none" w="med" len="med"/>
+                      <a:tailEnd type="none" w="med" len="med"/>
+                    </a:lnT>
+                    <a:lnB w="28575" cap="flat" cmpd="sng" algn="ctr">
+                      <a:solidFill>
+                        <a:schemeClr val="tx1"/>
+                      </a:solidFill>
+                      <a:prstDash val="solid"/>
+                      <a:round/>
+                      <a:headEnd type="none" w="med" len="med"/>
+                      <a:tailEnd type="none" w="med" len="med"/>
+                    </a:lnB>
+                  </a:tcPr>
+                </a:tc>
+                <a:tc>
+                  <a:txBody>
+                    <a:bodyPr/>
+                    <a:lstStyle/>
+                    <a:p>
+                      <a:pPr algn="ctr"/>
+                      <a:r>
+                        <a:rPr lang="en-US" altLang="zh-TW" dirty="0">
+                          <a:solidFill>
+                            <a:schemeClr val="tx1"/>
+                          </a:solidFill>
+                          <a:latin typeface="微軟正黑體" panose="020B0604030504040204" pitchFamily="34" charset="-120"/>
+                          <a:ea typeface="微軟正黑體" panose="020B0604030504040204" pitchFamily="34" charset="-120"/>
+                          <a:cs typeface="Microsoft Himalaya" pitchFamily="2" charset="0"/>
+                        </a:rPr>
+                        <a:t>0.960</a:t>
+                      </a:r>
+                      <a:endParaRPr lang="zh-TW" altLang="en-US" dirty="0">
+                        <a:latin typeface="微軟正黑體" panose="020B0604030504040204" pitchFamily="34" charset="-120"/>
+                        <a:ea typeface="微軟正黑體" panose="020B0604030504040204" pitchFamily="34" charset="-120"/>
+                      </a:endParaRPr>
+                    </a:p>
+                  </a:txBody>
+                  <a:tcPr anchor="ctr">
+                    <a:lnT w="28575" cap="flat" cmpd="sng" algn="ctr">
+                      <a:solidFill>
+                        <a:schemeClr val="tx1"/>
+                      </a:solidFill>
+                      <a:prstDash val="solid"/>
+                      <a:round/>
+                      <a:headEnd type="none" w="med" len="med"/>
+                      <a:tailEnd type="none" w="med" len="med"/>
+                    </a:lnT>
+                    <a:lnB w="28575" cap="flat" cmpd="sng" algn="ctr">
+                      <a:solidFill>
+                        <a:schemeClr val="tx1"/>
+                      </a:solidFill>
+                      <a:prstDash val="solid"/>
+                      <a:round/>
+                      <a:headEnd type="none" w="med" len="med"/>
+                      <a:tailEnd type="none" w="med" len="med"/>
+                    </a:lnB>
+                  </a:tcPr>
+                </a:tc>
+                <a:tc>
+                  <a:txBody>
+                    <a:bodyPr/>
+                    <a:lstStyle/>
+                    <a:p>
+                      <a:pPr algn="ctr"/>
+                      <a:r>
+                        <a:rPr lang="en-US" altLang="zh-TW" dirty="0">
+                          <a:solidFill>
+                            <a:schemeClr val="tx1"/>
+                          </a:solidFill>
+                          <a:latin typeface="微軟正黑體" panose="020B0604030504040204" pitchFamily="34" charset="-120"/>
+                          <a:ea typeface="微軟正黑體" panose="020B0604030504040204" pitchFamily="34" charset="-120"/>
+                          <a:cs typeface="Microsoft Himalaya" pitchFamily="2" charset="0"/>
+                        </a:rPr>
+                        <a:t>0.883</a:t>
+                      </a:r>
+                      <a:endParaRPr lang="zh-TW" altLang="en-US" dirty="0">
+                        <a:latin typeface="微軟正黑體" panose="020B0604030504040204" pitchFamily="34" charset="-120"/>
+                        <a:ea typeface="微軟正黑體" panose="020B0604030504040204" pitchFamily="34" charset="-120"/>
+                      </a:endParaRPr>
+                    </a:p>
+                  </a:txBody>
+                  <a:tcPr anchor="ctr">
+                    <a:lnT w="28575" cap="flat" cmpd="sng" algn="ctr">
+                      <a:solidFill>
+                        <a:schemeClr val="tx1"/>
+                      </a:solidFill>
+                      <a:prstDash val="solid"/>
+                      <a:round/>
+                      <a:headEnd type="none" w="med" len="med"/>
+                      <a:tailEnd type="none" w="med" len="med"/>
+                    </a:lnT>
+                    <a:lnB w="28575" cap="flat" cmpd="sng" algn="ctr">
+                      <a:solidFill>
+                        <a:schemeClr val="tx1"/>
+                      </a:solidFill>
+                      <a:prstDash val="solid"/>
+                      <a:round/>
+                      <a:headEnd type="none" w="med" len="med"/>
+                      <a:tailEnd type="none" w="med" len="med"/>
+                    </a:lnB>
+                  </a:tcPr>
+                </a:tc>
+                <a:extLst>
+                  <a:ext uri="{0D108BD9-81ED-4DB2-BD59-A6C34878D82A}">
+                    <a16:rowId xmlns:a16="http://schemas.microsoft.com/office/drawing/2014/main" val="731178924"/>
+                  </a:ext>
+                </a:extLst>
+              </a:tr>
+            </a:tbl>
+          </a:graphicData>
+        </a:graphic>
+      </p:graphicFrame>
+      <p:sp>
+        <p:nvSpPr>
+          <p:cNvPr id="12" name="文字方塊 11">
+            <a:extLst>
+              <a:ext uri="{FF2B5EF4-FFF2-40B4-BE49-F238E27FC236}">
+                <a16:creationId xmlns:a16="http://schemas.microsoft.com/office/drawing/2014/main" id="{F9690678-153C-43FD-84B9-28BFC6812104}"/>
+              </a:ext>
+            </a:extLst>
+          </p:cNvPr>
+          <p:cNvSpPr txBox="1"/>
+          <p:nvPr/>
+        </p:nvSpPr>
+        <p:spPr>
+          <a:xfrm>
+            <a:off x="122679" y="832757"/>
+            <a:ext cx="3276600" cy="861774"/>
+          </a:xfrm>
+          <a:prstGeom prst="rect">
+            <a:avLst/>
+          </a:prstGeom>
+          <a:noFill/>
+        </p:spPr>
+        <p:txBody>
+          <a:bodyPr wrap="square" rtlCol="0">
+            <a:spAutoFit/>
+          </a:bodyPr>
+          <a:lstStyle/>
+          <a:p>
+            <a:r>
+              <a:rPr lang="en-US" altLang="zh-TW" sz="3200" dirty="0">
+                <a:latin typeface="微軟正黑體" panose="020B0604030504040204" pitchFamily="34" charset="-120"/>
+                <a:ea typeface="微軟正黑體" panose="020B0604030504040204" pitchFamily="34" charset="-120"/>
+                <a:cs typeface="Microsoft Himalaya" pitchFamily="2" charset="0"/>
+              </a:rPr>
+              <a:t>accuracy: 0.971</a:t>
+            </a:r>
+            <a:endParaRPr lang="en-US" altLang="zh-TW" sz="3200" dirty="0">
+              <a:latin typeface="微軟正黑體" panose="020B0604030504040204" pitchFamily="34" charset="-120"/>
+              <a:ea typeface="微軟正黑體" panose="020B0604030504040204" pitchFamily="34" charset="-120"/>
+            </a:endParaRPr>
+          </a:p>
+          <a:p>
+            <a:endParaRPr lang="zh-TW" altLang="en-US" dirty="0"/>
+          </a:p>
+        </p:txBody>
+      </p:sp>
+    </p:spTree>
+    <p:extLst>
+      <p:ext uri="{BB962C8B-B14F-4D97-AF65-F5344CB8AC3E}">
+        <p14:creationId xmlns:p14="http://schemas.microsoft.com/office/powerpoint/2010/main" val="2830138841"/>
       </p:ext>
     </p:extLst>
   </p:cSld>

--- a/Fintech.pptx
+++ b/Fintech.pptx
@@ -5,10 +5,10 @@
     <p:sldMasterId id="2147483684" r:id="rId1"/>
   </p:sldMasterIdLst>
   <p:notesMasterIdLst>
-    <p:notesMasterId r:id="rId16"/>
+    <p:notesMasterId r:id="rId20"/>
   </p:notesMasterIdLst>
   <p:handoutMasterIdLst>
-    <p:handoutMasterId r:id="rId17"/>
+    <p:handoutMasterId r:id="rId21"/>
   </p:handoutMasterIdLst>
   <p:sldIdLst>
     <p:sldId id="257" r:id="rId2"/>
@@ -25,6 +25,10 @@
     <p:sldId id="298" r:id="rId13"/>
     <p:sldId id="299" r:id="rId14"/>
     <p:sldId id="300" r:id="rId15"/>
+    <p:sldId id="301" r:id="rId16"/>
+    <p:sldId id="302" r:id="rId17"/>
+    <p:sldId id="303" r:id="rId18"/>
+    <p:sldId id="304" r:id="rId19"/>
   </p:sldIdLst>
   <p:sldSz cx="9144000" cy="6858000" type="screen4x3"/>
   <p:notesSz cx="6858000" cy="9144000"/>
@@ -6556,6 +6560,3596 @@
 </p:sld>
 </file>
 
+<file path=ppt/slides/slide15.xml><?xml version="1.0" encoding="utf-8"?>
+<p:sld xmlns:a="http://schemas.openxmlformats.org/drawingml/2006/main" xmlns:r="http://schemas.openxmlformats.org/officeDocument/2006/relationships" xmlns:p="http://schemas.openxmlformats.org/presentationml/2006/main">
+  <p:cSld>
+    <p:spTree>
+      <p:nvGrpSpPr>
+        <p:cNvPr id="1" name=""/>
+        <p:cNvGrpSpPr/>
+        <p:nvPr/>
+      </p:nvGrpSpPr>
+      <p:grpSpPr>
+        <a:xfrm>
+          <a:off x="0" y="0"/>
+          <a:ext cx="0" cy="0"/>
+          <a:chOff x="0" y="0"/>
+          <a:chExt cx="0" cy="0"/>
+        </a:xfrm>
+      </p:grpSpPr>
+      <p:sp>
+        <p:nvSpPr>
+          <p:cNvPr id="2" name="標題 1">
+            <a:extLst>
+              <a:ext uri="{FF2B5EF4-FFF2-40B4-BE49-F238E27FC236}">
+                <a16:creationId xmlns:a16="http://schemas.microsoft.com/office/drawing/2014/main" id="{21D46EF1-12EA-C94F-9F03-C7FE589E8C7A}"/>
+              </a:ext>
+            </a:extLst>
+          </p:cNvPr>
+          <p:cNvSpPr>
+            <a:spLocks noGrp="1"/>
+          </p:cNvSpPr>
+          <p:nvPr>
+            <p:ph type="title"/>
+          </p:nvPr>
+        </p:nvSpPr>
+        <p:spPr>
+          <a:xfrm>
+            <a:off x="234043" y="214109"/>
+            <a:ext cx="8281307" cy="599076"/>
+          </a:xfrm>
+        </p:spPr>
+        <p:txBody>
+          <a:bodyPr>
+            <a:normAutofit/>
+          </a:bodyPr>
+          <a:lstStyle/>
+          <a:p>
+            <a:r>
+              <a:rPr lang="zh-CN" altLang="en-US" dirty="0">
+                <a:latin typeface="Microsoft JhengHei" panose="020B0604030504040204" pitchFamily="34" charset="-120"/>
+                <a:ea typeface="Microsoft JhengHei" panose="020B0604030504040204" pitchFamily="34" charset="-120"/>
+              </a:rPr>
+              <a:t>小事件分類器</a:t>
+            </a:r>
+            <a:endParaRPr kumimoji="1" lang="zh-TW" altLang="en-US" dirty="0"/>
+          </a:p>
+        </p:txBody>
+      </p:sp>
+      <p:sp>
+        <p:nvSpPr>
+          <p:cNvPr id="4" name="日期版面配置區 3">
+            <a:extLst>
+              <a:ext uri="{FF2B5EF4-FFF2-40B4-BE49-F238E27FC236}">
+                <a16:creationId xmlns:a16="http://schemas.microsoft.com/office/drawing/2014/main" id="{190A1806-A5E7-ED48-84B7-A10F862FB7D3}"/>
+              </a:ext>
+            </a:extLst>
+          </p:cNvPr>
+          <p:cNvSpPr>
+            <a:spLocks noGrp="1"/>
+          </p:cNvSpPr>
+          <p:nvPr>
+            <p:ph type="dt" sz="half" idx="10"/>
+          </p:nvPr>
+        </p:nvSpPr>
+        <p:spPr/>
+        <p:txBody>
+          <a:bodyPr/>
+          <a:lstStyle/>
+          <a:p>
+            <a:fld id="{868F4FC5-FE50-A64D-A7E3-22233A0C6925}" type="datetime1">
+              <a:rPr kumimoji="1" lang="zh-TW" altLang="en-US" smtClean="0"/>
+              <a:t>2020/6/18</a:t>
+            </a:fld>
+            <a:endParaRPr kumimoji="1" lang="zh-TW" altLang="en-US" dirty="0"/>
+          </a:p>
+        </p:txBody>
+      </p:sp>
+      <p:sp>
+        <p:nvSpPr>
+          <p:cNvPr id="24" name="矩形: 圓角 23">
+            <a:extLst>
+              <a:ext uri="{FF2B5EF4-FFF2-40B4-BE49-F238E27FC236}">
+                <a16:creationId xmlns:a16="http://schemas.microsoft.com/office/drawing/2014/main" id="{105DE2BE-12CE-4556-B7E4-0D71A8C80543}"/>
+              </a:ext>
+            </a:extLst>
+          </p:cNvPr>
+          <p:cNvSpPr/>
+          <p:nvPr/>
+        </p:nvSpPr>
+        <p:spPr>
+          <a:xfrm>
+            <a:off x="59871" y="813185"/>
+            <a:ext cx="9084129" cy="5448911"/>
+          </a:xfrm>
+          <a:prstGeom prst="roundRect">
+            <a:avLst>
+              <a:gd name="adj" fmla="val 17459"/>
+            </a:avLst>
+          </a:prstGeom>
+          <a:solidFill>
+            <a:srgbClr val="479793"/>
+          </a:solidFill>
+          <a:ln>
+            <a:noFill/>
+          </a:ln>
+        </p:spPr>
+        <p:style>
+          <a:lnRef idx="2">
+            <a:schemeClr val="accent1">
+              <a:shade val="50000"/>
+            </a:schemeClr>
+          </a:lnRef>
+          <a:fillRef idx="1">
+            <a:schemeClr val="accent1"/>
+          </a:fillRef>
+          <a:effectRef idx="0">
+            <a:schemeClr val="accent1"/>
+          </a:effectRef>
+          <a:fontRef idx="minor">
+            <a:schemeClr val="lt1"/>
+          </a:fontRef>
+        </p:style>
+        <p:txBody>
+          <a:bodyPr rtlCol="0" anchor="ctr"/>
+          <a:lstStyle/>
+          <a:p>
+            <a:pPr algn="ctr"/>
+            <a:endParaRPr lang="zh-TW" altLang="en-US"/>
+          </a:p>
+        </p:txBody>
+      </p:sp>
+      <p:sp>
+        <p:nvSpPr>
+          <p:cNvPr id="25" name="矩形 24">
+            <a:extLst>
+              <a:ext uri="{FF2B5EF4-FFF2-40B4-BE49-F238E27FC236}">
+                <a16:creationId xmlns:a16="http://schemas.microsoft.com/office/drawing/2014/main" id="{1338A67D-284A-439F-BD6E-1A5ED7295320}"/>
+              </a:ext>
+            </a:extLst>
+          </p:cNvPr>
+          <p:cNvSpPr/>
+          <p:nvPr/>
+        </p:nvSpPr>
+        <p:spPr>
+          <a:xfrm>
+            <a:off x="3582726" y="851633"/>
+            <a:ext cx="2339102" cy="523220"/>
+          </a:xfrm>
+          <a:prstGeom prst="rect">
+            <a:avLst/>
+          </a:prstGeom>
+        </p:spPr>
+        <p:txBody>
+          <a:bodyPr wrap="none">
+            <a:spAutoFit/>
+          </a:bodyPr>
+          <a:lstStyle/>
+          <a:p>
+            <a:r>
+              <a:rPr lang="zh-TW" altLang="en-US" sz="2800" b="1" dirty="0">
+                <a:latin typeface="Microsoft JhengHei" panose="020B0604030504040204" pitchFamily="34" charset="-120"/>
+                <a:ea typeface="Microsoft JhengHei" panose="020B0604030504040204" pitchFamily="34" charset="-120"/>
+              </a:rPr>
+              <a:t>小</a:t>
+            </a:r>
+            <a:r>
+              <a:rPr lang="zh-CN" altLang="en-US" sz="2800" b="1" dirty="0">
+                <a:latin typeface="Microsoft JhengHei" panose="020B0604030504040204" pitchFamily="34" charset="-120"/>
+                <a:ea typeface="Microsoft JhengHei" panose="020B0604030504040204" pitchFamily="34" charset="-120"/>
+              </a:rPr>
+              <a:t>事件分類器</a:t>
+            </a:r>
+            <a:endParaRPr lang="zh-TW" altLang="en-US" sz="2800" b="1" dirty="0">
+              <a:latin typeface="Microsoft JhengHei" panose="020B0604030504040204" pitchFamily="34" charset="-120"/>
+              <a:ea typeface="Microsoft JhengHei" panose="020B0604030504040204" pitchFamily="34" charset="-120"/>
+            </a:endParaRPr>
+          </a:p>
+        </p:txBody>
+      </p:sp>
+      <p:cxnSp>
+        <p:nvCxnSpPr>
+          <p:cNvPr id="26" name="直線接點 25">
+            <a:extLst>
+              <a:ext uri="{FF2B5EF4-FFF2-40B4-BE49-F238E27FC236}">
+                <a16:creationId xmlns:a16="http://schemas.microsoft.com/office/drawing/2014/main" id="{8E2AD147-2599-4402-B403-CFD9ABA7BAD5}"/>
+              </a:ext>
+            </a:extLst>
+          </p:cNvPr>
+          <p:cNvCxnSpPr>
+            <a:cxnSpLocks/>
+          </p:cNvCxnSpPr>
+          <p:nvPr/>
+        </p:nvCxnSpPr>
+        <p:spPr>
+          <a:xfrm>
+            <a:off x="569050" y="2694139"/>
+            <a:ext cx="8005899" cy="0"/>
+          </a:xfrm>
+          <a:prstGeom prst="line">
+            <a:avLst/>
+          </a:prstGeom>
+          <a:ln>
+            <a:solidFill>
+              <a:schemeClr val="tx1"/>
+            </a:solidFill>
+          </a:ln>
+        </p:spPr>
+        <p:style>
+          <a:lnRef idx="1">
+            <a:schemeClr val="accent1"/>
+          </a:lnRef>
+          <a:fillRef idx="0">
+            <a:schemeClr val="accent1"/>
+          </a:fillRef>
+          <a:effectRef idx="0">
+            <a:schemeClr val="accent1"/>
+          </a:effectRef>
+          <a:fontRef idx="minor">
+            <a:schemeClr val="tx1"/>
+          </a:fontRef>
+        </p:style>
+      </p:cxnSp>
+      <p:pic>
+        <p:nvPicPr>
+          <p:cNvPr id="29" name="圖形 28">
+            <a:extLst>
+              <a:ext uri="{FF2B5EF4-FFF2-40B4-BE49-F238E27FC236}">
+                <a16:creationId xmlns:a16="http://schemas.microsoft.com/office/drawing/2014/main" id="{85496D95-866A-4EAA-8EE7-9D3FE032810E}"/>
+              </a:ext>
+            </a:extLst>
+          </p:cNvPr>
+          <p:cNvPicPr>
+            <a:picLocks noChangeAspect="1"/>
+          </p:cNvPicPr>
+          <p:nvPr/>
+        </p:nvPicPr>
+        <p:blipFill>
+          <a:blip r:embed="rId2">
+            <a:extLst>
+              <a:ext uri="{96DAC541-7B7A-43D3-8B79-37D633B846F1}">
+                <asvg:svgBlip xmlns:asvg="http://schemas.microsoft.com/office/drawing/2016/SVG/main" r:embed="rId3"/>
+              </a:ext>
+            </a:extLst>
+          </a:blip>
+          <a:stretch>
+            <a:fillRect/>
+          </a:stretch>
+        </p:blipFill>
+        <p:spPr>
+          <a:xfrm>
+            <a:off x="4084483" y="1335657"/>
+            <a:ext cx="1181090" cy="1204947"/>
+          </a:xfrm>
+          <a:prstGeom prst="rect">
+            <a:avLst/>
+          </a:prstGeom>
+        </p:spPr>
+      </p:pic>
+      <p:sp>
+        <p:nvSpPr>
+          <p:cNvPr id="5" name="文字方塊 4">
+            <a:extLst>
+              <a:ext uri="{FF2B5EF4-FFF2-40B4-BE49-F238E27FC236}">
+                <a16:creationId xmlns:a16="http://schemas.microsoft.com/office/drawing/2014/main" id="{3A6747EB-FAA8-41FB-BB7B-F740201EFB42}"/>
+              </a:ext>
+            </a:extLst>
+          </p:cNvPr>
+          <p:cNvSpPr txBox="1"/>
+          <p:nvPr/>
+        </p:nvSpPr>
+        <p:spPr>
+          <a:xfrm>
+            <a:off x="1453242" y="2780371"/>
+            <a:ext cx="6237514" cy="369332"/>
+          </a:xfrm>
+          <a:prstGeom prst="rect">
+            <a:avLst/>
+          </a:prstGeom>
+          <a:noFill/>
+        </p:spPr>
+        <p:txBody>
+          <a:bodyPr wrap="square" rtlCol="0">
+            <a:spAutoFit/>
+          </a:bodyPr>
+          <a:lstStyle/>
+          <a:p>
+            <a:r>
+              <a:rPr lang="zh-CN" altLang="en-US" dirty="0">
+                <a:latin typeface="Microsoft JhengHei" panose="020B0604030504040204" pitchFamily="34" charset="-120"/>
+                <a:ea typeface="Microsoft JhengHei" panose="020B0604030504040204" pitchFamily="34" charset="-120"/>
+              </a:rPr>
+              <a:t>利用新聞中的文字資料，將新聞分類為以下</a:t>
+            </a:r>
+            <a:r>
+              <a:rPr lang="en-US" altLang="zh-TW" dirty="0">
+                <a:latin typeface="Microsoft JhengHei" panose="020B0604030504040204" pitchFamily="34" charset="-120"/>
+                <a:ea typeface="Microsoft JhengHei" panose="020B0604030504040204" pitchFamily="34" charset="-120"/>
+              </a:rPr>
+              <a:t>15</a:t>
+            </a:r>
+            <a:r>
+              <a:rPr lang="zh-CN" altLang="en-US" dirty="0">
+                <a:latin typeface="Microsoft JhengHei" panose="020B0604030504040204" pitchFamily="34" charset="-120"/>
+                <a:ea typeface="Microsoft JhengHei" panose="020B0604030504040204" pitchFamily="34" charset="-120"/>
+              </a:rPr>
+              <a:t>小事件類別：</a:t>
+            </a:r>
+            <a:endParaRPr lang="en-US" altLang="zh-CN" dirty="0">
+              <a:latin typeface="Microsoft JhengHei" panose="020B0604030504040204" pitchFamily="34" charset="-120"/>
+              <a:ea typeface="Microsoft JhengHei" panose="020B0604030504040204" pitchFamily="34" charset="-120"/>
+            </a:endParaRPr>
+          </a:p>
+        </p:txBody>
+      </p:sp>
+      <p:sp>
+        <p:nvSpPr>
+          <p:cNvPr id="6" name="矩形: 圓角 5">
+            <a:extLst>
+              <a:ext uri="{FF2B5EF4-FFF2-40B4-BE49-F238E27FC236}">
+                <a16:creationId xmlns:a16="http://schemas.microsoft.com/office/drawing/2014/main" id="{308FDCA9-68B7-4AE6-A7CE-B4BC16667D19}"/>
+              </a:ext>
+            </a:extLst>
+          </p:cNvPr>
+          <p:cNvSpPr/>
+          <p:nvPr/>
+        </p:nvSpPr>
+        <p:spPr>
+          <a:xfrm>
+            <a:off x="234043" y="3149703"/>
+            <a:ext cx="1548000" cy="2772000"/>
+          </a:xfrm>
+          <a:prstGeom prst="roundRect">
+            <a:avLst/>
+          </a:prstGeom>
+          <a:solidFill>
+            <a:srgbClr val="A3D5CB"/>
+          </a:solidFill>
+          <a:ln>
+            <a:solidFill>
+              <a:srgbClr val="A3D5CB"/>
+            </a:solidFill>
+          </a:ln>
+        </p:spPr>
+        <p:style>
+          <a:lnRef idx="2">
+            <a:schemeClr val="accent1">
+              <a:shade val="50000"/>
+            </a:schemeClr>
+          </a:lnRef>
+          <a:fillRef idx="1">
+            <a:schemeClr val="accent1"/>
+          </a:fillRef>
+          <a:effectRef idx="0">
+            <a:schemeClr val="accent1"/>
+          </a:effectRef>
+          <a:fontRef idx="minor">
+            <a:schemeClr val="lt1"/>
+          </a:fontRef>
+        </p:style>
+        <p:txBody>
+          <a:bodyPr rtlCol="0" anchor="ctr"/>
+          <a:lstStyle/>
+          <a:p>
+            <a:pPr marL="285750" indent="-285750">
+              <a:buFont typeface="Arial" panose="020B0604020202020204" pitchFamily="34" charset="0"/>
+              <a:buChar char="•"/>
+            </a:pPr>
+            <a:r>
+              <a:rPr lang="en-US" altLang="zh-TW" sz="1600" dirty="0">
+                <a:latin typeface="Microsoft JhengHei" panose="020B0604030504040204" pitchFamily="34" charset="-120"/>
+                <a:ea typeface="Microsoft JhengHei" panose="020B0604030504040204" pitchFamily="34" charset="-120"/>
+              </a:rPr>
+              <a:t>MT02_</a:t>
+            </a:r>
+            <a:r>
+              <a:rPr lang="zh-CN" altLang="en-US" sz="1600" dirty="0">
+                <a:latin typeface="Microsoft JhengHei" panose="020B0604030504040204" pitchFamily="34" charset="-120"/>
+                <a:ea typeface="Microsoft JhengHei" panose="020B0604030504040204" pitchFamily="34" charset="-120"/>
+              </a:rPr>
+              <a:t>董監異動</a:t>
+            </a:r>
+            <a:r>
+              <a:rPr lang="zh-TW" altLang="en-US" sz="1600" dirty="0">
+                <a:latin typeface="Microsoft JhengHei" panose="020B0604030504040204" pitchFamily="34" charset="-120"/>
+                <a:ea typeface="Microsoft JhengHei" panose="020B0604030504040204" pitchFamily="34" charset="-120"/>
+              </a:rPr>
+              <a:t>  </a:t>
+            </a:r>
+            <a:endParaRPr lang="en-US" altLang="zh-TW" sz="1600" dirty="0">
+              <a:latin typeface="Microsoft JhengHei" panose="020B0604030504040204" pitchFamily="34" charset="-120"/>
+              <a:ea typeface="Microsoft JhengHei" panose="020B0604030504040204" pitchFamily="34" charset="-120"/>
+            </a:endParaRPr>
+          </a:p>
+          <a:p>
+            <a:pPr marL="285750" indent="-285750">
+              <a:buFont typeface="Arial" panose="020B0604020202020204" pitchFamily="34" charset="0"/>
+              <a:buChar char="•"/>
+            </a:pPr>
+            <a:r>
+              <a:rPr lang="en-US" altLang="zh-TW" sz="1600" dirty="0">
+                <a:latin typeface="Microsoft JhengHei" panose="020B0604030504040204" pitchFamily="34" charset="-120"/>
+                <a:ea typeface="Microsoft JhengHei" panose="020B0604030504040204" pitchFamily="34" charset="-120"/>
+              </a:rPr>
+              <a:t>MT06_</a:t>
+            </a:r>
+            <a:r>
+              <a:rPr lang="zh-CN" altLang="en-US" sz="1600" dirty="0">
+                <a:latin typeface="Microsoft JhengHei" panose="020B0604030504040204" pitchFamily="34" charset="-120"/>
+                <a:ea typeface="Microsoft JhengHei" panose="020B0604030504040204" pitchFamily="34" charset="-120"/>
+              </a:rPr>
+              <a:t>高管異動</a:t>
+            </a:r>
+            <a:endParaRPr lang="en-US" altLang="zh-CN" sz="1600" dirty="0">
+              <a:latin typeface="Microsoft JhengHei" panose="020B0604030504040204" pitchFamily="34" charset="-120"/>
+              <a:ea typeface="Microsoft JhengHei" panose="020B0604030504040204" pitchFamily="34" charset="-120"/>
+            </a:endParaRPr>
+          </a:p>
+          <a:p>
+            <a:pPr marL="285750" indent="-285750">
+              <a:buFont typeface="Arial" panose="020B0604020202020204" pitchFamily="34" charset="0"/>
+              <a:buChar char="•"/>
+            </a:pPr>
+            <a:r>
+              <a:rPr lang="zh-CN" altLang="en-US" sz="1600" dirty="0">
+                <a:latin typeface="Microsoft JhengHei" panose="020B0604030504040204" pitchFamily="34" charset="-120"/>
+                <a:ea typeface="Microsoft JhengHei" panose="020B0604030504040204" pitchFamily="34" charset="-120"/>
+              </a:rPr>
+              <a:t>經營層</a:t>
+            </a:r>
+            <a:r>
+              <a:rPr lang="en-US" altLang="zh-CN" sz="1600" dirty="0">
+                <a:latin typeface="Microsoft JhengHei" panose="020B0604030504040204" pitchFamily="34" charset="-120"/>
+                <a:ea typeface="Microsoft JhengHei" panose="020B0604030504040204" pitchFamily="34" charset="-120"/>
+              </a:rPr>
+              <a:t>_</a:t>
+            </a:r>
+            <a:r>
+              <a:rPr lang="zh-CN" altLang="en-US" sz="1600" dirty="0">
+                <a:latin typeface="Microsoft JhengHei" panose="020B0604030504040204" pitchFamily="34" charset="-120"/>
+                <a:ea typeface="Microsoft JhengHei" panose="020B0604030504040204" pitchFamily="34" charset="-120"/>
+              </a:rPr>
+              <a:t>其他</a:t>
+            </a:r>
+            <a:endParaRPr lang="en-US" altLang="zh-CN" sz="1600" dirty="0">
+              <a:latin typeface="Microsoft JhengHei" panose="020B0604030504040204" pitchFamily="34" charset="-120"/>
+              <a:ea typeface="Microsoft JhengHei" panose="020B0604030504040204" pitchFamily="34" charset="-120"/>
+            </a:endParaRPr>
+          </a:p>
+          <a:p>
+            <a:endParaRPr lang="en-US" altLang="zh-CN" dirty="0">
+              <a:latin typeface="Microsoft JhengHei" panose="020B0604030504040204" pitchFamily="34" charset="-120"/>
+              <a:ea typeface="Microsoft JhengHei" panose="020B0604030504040204" pitchFamily="34" charset="-120"/>
+            </a:endParaRPr>
+          </a:p>
+        </p:txBody>
+      </p:sp>
+      <p:sp>
+        <p:nvSpPr>
+          <p:cNvPr id="27" name="矩形: 圓角 26">
+            <a:extLst>
+              <a:ext uri="{FF2B5EF4-FFF2-40B4-BE49-F238E27FC236}">
+                <a16:creationId xmlns:a16="http://schemas.microsoft.com/office/drawing/2014/main" id="{1430B771-801B-4953-8332-2149A4F4916C}"/>
+              </a:ext>
+            </a:extLst>
+          </p:cNvPr>
+          <p:cNvSpPr/>
+          <p:nvPr/>
+        </p:nvSpPr>
+        <p:spPr>
+          <a:xfrm>
+            <a:off x="2057539" y="3149703"/>
+            <a:ext cx="1548000" cy="2772000"/>
+          </a:xfrm>
+          <a:prstGeom prst="roundRect">
+            <a:avLst/>
+          </a:prstGeom>
+          <a:solidFill>
+            <a:srgbClr val="A3D5CB"/>
+          </a:solidFill>
+          <a:ln>
+            <a:solidFill>
+              <a:srgbClr val="A3D5CB"/>
+            </a:solidFill>
+          </a:ln>
+        </p:spPr>
+        <p:style>
+          <a:lnRef idx="2">
+            <a:schemeClr val="accent1">
+              <a:shade val="50000"/>
+            </a:schemeClr>
+          </a:lnRef>
+          <a:fillRef idx="1">
+            <a:schemeClr val="accent1"/>
+          </a:fillRef>
+          <a:effectRef idx="0">
+            <a:schemeClr val="accent1"/>
+          </a:effectRef>
+          <a:fontRef idx="minor">
+            <a:schemeClr val="lt1"/>
+          </a:fontRef>
+        </p:style>
+        <p:txBody>
+          <a:bodyPr rtlCol="0" anchor="ctr"/>
+          <a:lstStyle/>
+          <a:p>
+            <a:pPr marL="285750" indent="-285750">
+              <a:buFont typeface="Arial" panose="020B0604020202020204" pitchFamily="34" charset="0"/>
+              <a:buChar char="•"/>
+            </a:pPr>
+            <a:r>
+              <a:rPr lang="en-US" altLang="zh-TW" sz="1600" dirty="0">
+                <a:latin typeface="Microsoft JhengHei" panose="020B0604030504040204" pitchFamily="34" charset="-120"/>
+                <a:ea typeface="Microsoft JhengHei" panose="020B0604030504040204" pitchFamily="34" charset="-120"/>
+              </a:rPr>
+              <a:t>FS02_</a:t>
+            </a:r>
+            <a:r>
+              <a:rPr lang="zh-CN" altLang="en-US" sz="1600" dirty="0">
+                <a:latin typeface="Microsoft JhengHei" panose="020B0604030504040204" pitchFamily="34" charset="-120"/>
+                <a:ea typeface="Microsoft JhengHei" panose="020B0604030504040204" pitchFamily="34" charset="-120"/>
+              </a:rPr>
+              <a:t>股價暴跌或異常</a:t>
+            </a:r>
+            <a:endParaRPr lang="en-US" altLang="zh-CN" sz="1600" dirty="0">
+              <a:latin typeface="Microsoft JhengHei" panose="020B0604030504040204" pitchFamily="34" charset="-120"/>
+              <a:ea typeface="Microsoft JhengHei" panose="020B0604030504040204" pitchFamily="34" charset="-120"/>
+            </a:endParaRPr>
+          </a:p>
+          <a:p>
+            <a:pPr marL="285750" indent="-285750">
+              <a:buFont typeface="Arial" panose="020B0604020202020204" pitchFamily="34" charset="0"/>
+              <a:buChar char="•"/>
+            </a:pPr>
+            <a:r>
+              <a:rPr lang="en-US" altLang="zh-TW" sz="1600" dirty="0">
+                <a:latin typeface="Microsoft JhengHei" panose="020B0604030504040204" pitchFamily="34" charset="-120"/>
+                <a:ea typeface="Microsoft JhengHei" panose="020B0604030504040204" pitchFamily="34" charset="-120"/>
+              </a:rPr>
+              <a:t>FS03_</a:t>
+            </a:r>
+            <a:r>
+              <a:rPr lang="zh-CN" altLang="en-US" sz="1600" dirty="0">
+                <a:latin typeface="Microsoft JhengHei" panose="020B0604030504040204" pitchFamily="34" charset="-120"/>
+                <a:ea typeface="Microsoft JhengHei" panose="020B0604030504040204" pitchFamily="34" charset="-120"/>
+              </a:rPr>
+              <a:t>其他市場交易議題</a:t>
+            </a:r>
+            <a:endParaRPr lang="en-US" altLang="zh-CN" sz="1600" dirty="0">
+              <a:latin typeface="Microsoft JhengHei" panose="020B0604030504040204" pitchFamily="34" charset="-120"/>
+              <a:ea typeface="Microsoft JhengHei" panose="020B0604030504040204" pitchFamily="34" charset="-120"/>
+            </a:endParaRPr>
+          </a:p>
+          <a:p>
+            <a:pPr marL="285750" indent="-285750">
+              <a:buFont typeface="Arial" panose="020B0604020202020204" pitchFamily="34" charset="0"/>
+              <a:buChar char="•"/>
+            </a:pPr>
+            <a:r>
+              <a:rPr lang="zh-CN" altLang="en-US" sz="1600" dirty="0">
+                <a:latin typeface="Microsoft JhengHei" panose="020B0604030504040204" pitchFamily="34" charset="-120"/>
+                <a:ea typeface="Microsoft JhengHei" panose="020B0604030504040204" pitchFamily="34" charset="-120"/>
+              </a:rPr>
+              <a:t>市場交易</a:t>
+            </a:r>
+            <a:r>
+              <a:rPr lang="en-US" altLang="zh-CN" sz="1600" dirty="0">
+                <a:latin typeface="Microsoft JhengHei" panose="020B0604030504040204" pitchFamily="34" charset="-120"/>
+                <a:ea typeface="Microsoft JhengHei" panose="020B0604030504040204" pitchFamily="34" charset="-120"/>
+              </a:rPr>
+              <a:t>_</a:t>
+            </a:r>
+            <a:r>
+              <a:rPr lang="zh-CN" altLang="en-US" sz="1600" dirty="0">
+                <a:latin typeface="Microsoft JhengHei" panose="020B0604030504040204" pitchFamily="34" charset="-120"/>
+                <a:ea typeface="Microsoft JhengHei" panose="020B0604030504040204" pitchFamily="34" charset="-120"/>
+              </a:rPr>
+              <a:t>其他</a:t>
+            </a:r>
+            <a:endParaRPr lang="en-US" altLang="zh-CN" sz="1600" dirty="0">
+              <a:latin typeface="Microsoft JhengHei" panose="020B0604030504040204" pitchFamily="34" charset="-120"/>
+              <a:ea typeface="Microsoft JhengHei" panose="020B0604030504040204" pitchFamily="34" charset="-120"/>
+            </a:endParaRPr>
+          </a:p>
+          <a:p>
+            <a:endParaRPr lang="en-US" altLang="zh-CN" dirty="0">
+              <a:latin typeface="Microsoft JhengHei" panose="020B0604030504040204" pitchFamily="34" charset="-120"/>
+              <a:ea typeface="Microsoft JhengHei" panose="020B0604030504040204" pitchFamily="34" charset="-120"/>
+            </a:endParaRPr>
+          </a:p>
+        </p:txBody>
+      </p:sp>
+      <p:sp>
+        <p:nvSpPr>
+          <p:cNvPr id="28" name="矩形: 圓角 27">
+            <a:extLst>
+              <a:ext uri="{FF2B5EF4-FFF2-40B4-BE49-F238E27FC236}">
+                <a16:creationId xmlns:a16="http://schemas.microsoft.com/office/drawing/2014/main" id="{FE3936CF-96BF-4305-A4D5-80D62AD5EB62}"/>
+              </a:ext>
+            </a:extLst>
+          </p:cNvPr>
+          <p:cNvSpPr/>
+          <p:nvPr/>
+        </p:nvSpPr>
+        <p:spPr>
+          <a:xfrm>
+            <a:off x="7442498" y="3149703"/>
+            <a:ext cx="1548000" cy="2772000"/>
+          </a:xfrm>
+          <a:prstGeom prst="roundRect">
+            <a:avLst/>
+          </a:prstGeom>
+          <a:solidFill>
+            <a:srgbClr val="A3D5CB"/>
+          </a:solidFill>
+          <a:ln>
+            <a:solidFill>
+              <a:srgbClr val="A3D5CB"/>
+            </a:solidFill>
+          </a:ln>
+        </p:spPr>
+        <p:style>
+          <a:lnRef idx="2">
+            <a:schemeClr val="accent1">
+              <a:shade val="50000"/>
+            </a:schemeClr>
+          </a:lnRef>
+          <a:fillRef idx="1">
+            <a:schemeClr val="accent1"/>
+          </a:fillRef>
+          <a:effectRef idx="0">
+            <a:schemeClr val="accent1"/>
+          </a:effectRef>
+          <a:fontRef idx="minor">
+            <a:schemeClr val="lt1"/>
+          </a:fontRef>
+        </p:style>
+        <p:txBody>
+          <a:bodyPr rtlCol="0" anchor="ctr"/>
+          <a:lstStyle/>
+          <a:p>
+            <a:pPr marL="285750" indent="-285750">
+              <a:buFont typeface="Arial" panose="020B0604020202020204" pitchFamily="34" charset="0"/>
+              <a:buChar char="•"/>
+            </a:pPr>
+            <a:r>
+              <a:rPr lang="en-US" altLang="zh-TW" sz="1600" dirty="0">
+                <a:latin typeface="Microsoft JhengHei" panose="020B0604030504040204" pitchFamily="34" charset="-120"/>
+                <a:ea typeface="Microsoft JhengHei" panose="020B0604030504040204" pitchFamily="34" charset="-120"/>
+              </a:rPr>
+              <a:t>IP01_</a:t>
+            </a:r>
+            <a:r>
+              <a:rPr lang="zh-CN" altLang="en-US" sz="1600" dirty="0">
+                <a:latin typeface="Microsoft JhengHei" panose="020B0604030504040204" pitchFamily="34" charset="-120"/>
+                <a:ea typeface="Microsoft JhengHei" panose="020B0604030504040204" pitchFamily="34" charset="-120"/>
+              </a:rPr>
+              <a:t>成本</a:t>
+            </a:r>
+            <a:r>
+              <a:rPr lang="en-US" altLang="zh-CN" sz="1600" dirty="0">
+                <a:latin typeface="Microsoft JhengHei" panose="020B0604030504040204" pitchFamily="34" charset="-120"/>
+                <a:ea typeface="Microsoft JhengHei" panose="020B0604030504040204" pitchFamily="34" charset="-120"/>
+              </a:rPr>
+              <a:t>/</a:t>
+            </a:r>
+            <a:r>
+              <a:rPr lang="zh-CN" altLang="en-US" sz="1600" dirty="0">
+                <a:latin typeface="Microsoft JhengHei" panose="020B0604030504040204" pitchFamily="34" charset="-120"/>
+                <a:ea typeface="Microsoft JhengHei" panose="020B0604030504040204" pitchFamily="34" charset="-120"/>
+              </a:rPr>
+              <a:t>產能變動或資本支出</a:t>
+            </a:r>
+            <a:endParaRPr lang="en-US" altLang="zh-CN" sz="1600" dirty="0">
+              <a:latin typeface="Microsoft JhengHei" panose="020B0604030504040204" pitchFamily="34" charset="-120"/>
+              <a:ea typeface="Microsoft JhengHei" panose="020B0604030504040204" pitchFamily="34" charset="-120"/>
+            </a:endParaRPr>
+          </a:p>
+          <a:p>
+            <a:pPr marL="285750" indent="-285750">
+              <a:buFont typeface="Arial" panose="020B0604020202020204" pitchFamily="34" charset="0"/>
+              <a:buChar char="•"/>
+            </a:pPr>
+            <a:r>
+              <a:rPr lang="en-US" altLang="zh-TW" sz="1600" dirty="0">
+                <a:latin typeface="Microsoft JhengHei" panose="020B0604030504040204" pitchFamily="34" charset="-120"/>
+                <a:ea typeface="Microsoft JhengHei" panose="020B0604030504040204" pitchFamily="34" charset="-120"/>
+              </a:rPr>
+              <a:t>IS01_</a:t>
+            </a:r>
+            <a:r>
+              <a:rPr lang="zh-CN" altLang="en-US" sz="1600" dirty="0">
+                <a:latin typeface="Microsoft JhengHei" panose="020B0604030504040204" pitchFamily="34" charset="-120"/>
+                <a:ea typeface="Microsoft JhengHei" panose="020B0604030504040204" pitchFamily="34" charset="-120"/>
+              </a:rPr>
+              <a:t>營收變動或客戶</a:t>
+            </a:r>
+            <a:r>
+              <a:rPr lang="en-US" altLang="zh-CN" sz="1600" dirty="0">
+                <a:latin typeface="Microsoft JhengHei" panose="020B0604030504040204" pitchFamily="34" charset="-120"/>
+                <a:ea typeface="Microsoft JhengHei" panose="020B0604030504040204" pitchFamily="34" charset="-120"/>
+              </a:rPr>
+              <a:t>/</a:t>
+            </a:r>
+            <a:r>
+              <a:rPr lang="zh-CN" altLang="en-US" sz="1600" dirty="0">
+                <a:latin typeface="Microsoft JhengHei" panose="020B0604030504040204" pitchFamily="34" charset="-120"/>
+                <a:ea typeface="Microsoft JhengHei" panose="020B0604030504040204" pitchFamily="34" charset="-120"/>
+              </a:rPr>
+              <a:t>商品</a:t>
+            </a:r>
+            <a:r>
+              <a:rPr lang="en-US" altLang="zh-CN" sz="1600" dirty="0">
+                <a:latin typeface="Microsoft JhengHei" panose="020B0604030504040204" pitchFamily="34" charset="-120"/>
+                <a:ea typeface="Microsoft JhengHei" panose="020B0604030504040204" pitchFamily="34" charset="-120"/>
+              </a:rPr>
+              <a:t>/</a:t>
+            </a:r>
+            <a:r>
+              <a:rPr lang="zh-CN" altLang="en-US" sz="1600" dirty="0">
+                <a:latin typeface="Microsoft JhengHei" panose="020B0604030504040204" pitchFamily="34" charset="-120"/>
+                <a:ea typeface="Microsoft JhengHei" panose="020B0604030504040204" pitchFamily="34" charset="-120"/>
+              </a:rPr>
+              <a:t>通路策略</a:t>
+            </a:r>
+            <a:endParaRPr lang="en-US" altLang="zh-CN" sz="1600" dirty="0">
+              <a:latin typeface="Microsoft JhengHei" panose="020B0604030504040204" pitchFamily="34" charset="-120"/>
+              <a:ea typeface="Microsoft JhengHei" panose="020B0604030504040204" pitchFamily="34" charset="-120"/>
+            </a:endParaRPr>
+          </a:p>
+          <a:p>
+            <a:pPr marL="285750" indent="-285750">
+              <a:buFont typeface="Arial" panose="020B0604020202020204" pitchFamily="34" charset="0"/>
+              <a:buChar char="•"/>
+            </a:pPr>
+            <a:r>
+              <a:rPr lang="zh-CN" altLang="en-US" sz="1600" dirty="0">
+                <a:latin typeface="Microsoft JhengHei" panose="020B0604030504040204" pitchFamily="34" charset="-120"/>
+                <a:ea typeface="Microsoft JhengHei" panose="020B0604030504040204" pitchFamily="34" charset="-120"/>
+              </a:rPr>
+              <a:t>產業前景</a:t>
+            </a:r>
+            <a:r>
+              <a:rPr lang="en-US" altLang="zh-CN" sz="1600" dirty="0">
+                <a:latin typeface="Microsoft JhengHei" panose="020B0604030504040204" pitchFamily="34" charset="-120"/>
+                <a:ea typeface="Microsoft JhengHei" panose="020B0604030504040204" pitchFamily="34" charset="-120"/>
+              </a:rPr>
+              <a:t>_</a:t>
+            </a:r>
+            <a:r>
+              <a:rPr lang="zh-CN" altLang="en-US" sz="1600" dirty="0">
+                <a:latin typeface="Microsoft JhengHei" panose="020B0604030504040204" pitchFamily="34" charset="-120"/>
+                <a:ea typeface="Microsoft JhengHei" panose="020B0604030504040204" pitchFamily="34" charset="-120"/>
+              </a:rPr>
+              <a:t>其他</a:t>
+            </a:r>
+            <a:endParaRPr lang="en-US" altLang="zh-CN" sz="1600" dirty="0">
+              <a:latin typeface="Microsoft JhengHei" panose="020B0604030504040204" pitchFamily="34" charset="-120"/>
+              <a:ea typeface="Microsoft JhengHei" panose="020B0604030504040204" pitchFamily="34" charset="-120"/>
+            </a:endParaRPr>
+          </a:p>
+          <a:p>
+            <a:endParaRPr lang="en-US" altLang="zh-CN" dirty="0">
+              <a:latin typeface="Microsoft JhengHei" panose="020B0604030504040204" pitchFamily="34" charset="-120"/>
+              <a:ea typeface="Microsoft JhengHei" panose="020B0604030504040204" pitchFamily="34" charset="-120"/>
+            </a:endParaRPr>
+          </a:p>
+        </p:txBody>
+      </p:sp>
+      <p:sp>
+        <p:nvSpPr>
+          <p:cNvPr id="33" name="矩形: 圓角 32">
+            <a:extLst>
+              <a:ext uri="{FF2B5EF4-FFF2-40B4-BE49-F238E27FC236}">
+                <a16:creationId xmlns:a16="http://schemas.microsoft.com/office/drawing/2014/main" id="{C807654C-D28E-496B-ACC5-7025958A1B89}"/>
+              </a:ext>
+            </a:extLst>
+          </p:cNvPr>
+          <p:cNvSpPr/>
+          <p:nvPr/>
+        </p:nvSpPr>
+        <p:spPr>
+          <a:xfrm>
+            <a:off x="5711074" y="3149703"/>
+            <a:ext cx="1548000" cy="2772000"/>
+          </a:xfrm>
+          <a:prstGeom prst="roundRect">
+            <a:avLst/>
+          </a:prstGeom>
+          <a:solidFill>
+            <a:srgbClr val="A3D5CB"/>
+          </a:solidFill>
+          <a:ln>
+            <a:solidFill>
+              <a:srgbClr val="A3D5CB"/>
+            </a:solidFill>
+          </a:ln>
+        </p:spPr>
+        <p:style>
+          <a:lnRef idx="2">
+            <a:schemeClr val="accent1">
+              <a:shade val="50000"/>
+            </a:schemeClr>
+          </a:lnRef>
+          <a:fillRef idx="1">
+            <a:schemeClr val="accent1"/>
+          </a:fillRef>
+          <a:effectRef idx="0">
+            <a:schemeClr val="accent1"/>
+          </a:effectRef>
+          <a:fontRef idx="minor">
+            <a:schemeClr val="lt1"/>
+          </a:fontRef>
+        </p:style>
+        <p:txBody>
+          <a:bodyPr rtlCol="0" anchor="ctr"/>
+          <a:lstStyle/>
+          <a:p>
+            <a:pPr marL="285750" indent="-285750">
+              <a:buFont typeface="Arial" panose="020B0604020202020204" pitchFamily="34" charset="0"/>
+              <a:buChar char="•"/>
+            </a:pPr>
+            <a:r>
+              <a:rPr lang="en-US" altLang="zh-TW" dirty="0">
+                <a:latin typeface="Microsoft JhengHei" panose="020B0604030504040204" pitchFamily="34" charset="-120"/>
+                <a:ea typeface="Microsoft JhengHei" panose="020B0604030504040204" pitchFamily="34" charset="-120"/>
+              </a:rPr>
+              <a:t>RB01_TCRI</a:t>
+            </a:r>
+            <a:r>
+              <a:rPr lang="zh-CN" altLang="en-US" dirty="0">
+                <a:latin typeface="Microsoft JhengHei" panose="020B0604030504040204" pitchFamily="34" charset="-120"/>
+                <a:ea typeface="Microsoft JhengHei" panose="020B0604030504040204" pitchFamily="34" charset="-120"/>
+              </a:rPr>
+              <a:t>負向觀察</a:t>
+            </a:r>
+            <a:endParaRPr lang="en-US" altLang="zh-CN" dirty="0">
+              <a:latin typeface="Microsoft JhengHei" panose="020B0604030504040204" pitchFamily="34" charset="-120"/>
+              <a:ea typeface="Microsoft JhengHei" panose="020B0604030504040204" pitchFamily="34" charset="-120"/>
+            </a:endParaRPr>
+          </a:p>
+          <a:p>
+            <a:pPr marL="285750" indent="-285750">
+              <a:buFont typeface="Arial" panose="020B0604020202020204" pitchFamily="34" charset="0"/>
+              <a:buChar char="•"/>
+            </a:pPr>
+            <a:r>
+              <a:rPr lang="en-US" altLang="zh-TW" dirty="0">
+                <a:latin typeface="Microsoft JhengHei" panose="020B0604030504040204" pitchFamily="34" charset="-120"/>
+                <a:ea typeface="Microsoft JhengHei" panose="020B0604030504040204" pitchFamily="34" charset="-120"/>
+              </a:rPr>
+              <a:t>RB02_TCRI</a:t>
+            </a:r>
+            <a:r>
+              <a:rPr lang="zh-CN" altLang="en-US" dirty="0">
+                <a:latin typeface="Microsoft JhengHei" panose="020B0604030504040204" pitchFamily="34" charset="-120"/>
+                <a:ea typeface="Microsoft JhengHei" panose="020B0604030504040204" pitchFamily="34" charset="-120"/>
+              </a:rPr>
+              <a:t>降等</a:t>
+            </a:r>
+            <a:endParaRPr lang="en-US" altLang="zh-CN" dirty="0">
+              <a:latin typeface="Microsoft JhengHei" panose="020B0604030504040204" pitchFamily="34" charset="-120"/>
+              <a:ea typeface="Microsoft JhengHei" panose="020B0604030504040204" pitchFamily="34" charset="-120"/>
+            </a:endParaRPr>
+          </a:p>
+          <a:p>
+            <a:pPr marL="285750" indent="-285750">
+              <a:buFont typeface="Arial" panose="020B0604020202020204" pitchFamily="34" charset="0"/>
+              <a:buChar char="•"/>
+            </a:pPr>
+            <a:r>
+              <a:rPr lang="zh-CN" altLang="en-US" dirty="0">
+                <a:latin typeface="Microsoft JhengHei" panose="020B0604030504040204" pitchFamily="34" charset="-120"/>
+                <a:ea typeface="Microsoft JhengHei" panose="020B0604030504040204" pitchFamily="34" charset="-120"/>
+              </a:rPr>
+              <a:t>危機</a:t>
+            </a:r>
+            <a:r>
+              <a:rPr lang="en-US" altLang="zh-CN" dirty="0">
+                <a:latin typeface="Microsoft JhengHei" panose="020B0604030504040204" pitchFamily="34" charset="-120"/>
+                <a:ea typeface="Microsoft JhengHei" panose="020B0604030504040204" pitchFamily="34" charset="-120"/>
+              </a:rPr>
+              <a:t>_</a:t>
+            </a:r>
+            <a:r>
+              <a:rPr lang="zh-CN" altLang="en-US" dirty="0">
+                <a:latin typeface="Microsoft JhengHei" panose="020B0604030504040204" pitchFamily="34" charset="-120"/>
+                <a:ea typeface="Microsoft JhengHei" panose="020B0604030504040204" pitchFamily="34" charset="-120"/>
+              </a:rPr>
+              <a:t>其他</a:t>
+            </a:r>
+            <a:endParaRPr lang="en-US" altLang="zh-CN" dirty="0">
+              <a:latin typeface="Microsoft JhengHei" panose="020B0604030504040204" pitchFamily="34" charset="-120"/>
+              <a:ea typeface="Microsoft JhengHei" panose="020B0604030504040204" pitchFamily="34" charset="-120"/>
+            </a:endParaRPr>
+          </a:p>
+          <a:p>
+            <a:endParaRPr lang="en-US" altLang="zh-TW" dirty="0">
+              <a:latin typeface="Microsoft JhengHei" panose="020B0604030504040204" pitchFamily="34" charset="-120"/>
+              <a:ea typeface="Microsoft JhengHei" panose="020B0604030504040204" pitchFamily="34" charset="-120"/>
+            </a:endParaRPr>
+          </a:p>
+        </p:txBody>
+      </p:sp>
+      <p:sp>
+        <p:nvSpPr>
+          <p:cNvPr id="34" name="矩形: 圓角 33">
+            <a:extLst>
+              <a:ext uri="{FF2B5EF4-FFF2-40B4-BE49-F238E27FC236}">
+                <a16:creationId xmlns:a16="http://schemas.microsoft.com/office/drawing/2014/main" id="{57571BAD-59FA-4DB6-A791-0A0D053D9D1A}"/>
+              </a:ext>
+            </a:extLst>
+          </p:cNvPr>
+          <p:cNvSpPr/>
+          <p:nvPr/>
+        </p:nvSpPr>
+        <p:spPr>
+          <a:xfrm>
+            <a:off x="3901028" y="3149703"/>
+            <a:ext cx="1548000" cy="2736000"/>
+          </a:xfrm>
+          <a:prstGeom prst="roundRect">
+            <a:avLst/>
+          </a:prstGeom>
+          <a:solidFill>
+            <a:srgbClr val="A3D5CB"/>
+          </a:solidFill>
+          <a:ln>
+            <a:solidFill>
+              <a:srgbClr val="A3D5CB"/>
+            </a:solidFill>
+          </a:ln>
+        </p:spPr>
+        <p:style>
+          <a:lnRef idx="2">
+            <a:schemeClr val="accent1">
+              <a:shade val="50000"/>
+            </a:schemeClr>
+          </a:lnRef>
+          <a:fillRef idx="1">
+            <a:schemeClr val="accent1"/>
+          </a:fillRef>
+          <a:effectRef idx="0">
+            <a:schemeClr val="accent1"/>
+          </a:effectRef>
+          <a:fontRef idx="minor">
+            <a:schemeClr val="lt1"/>
+          </a:fontRef>
+        </p:style>
+        <p:txBody>
+          <a:bodyPr rtlCol="0" anchor="ctr"/>
+          <a:lstStyle/>
+          <a:p>
+            <a:pPr marL="285750" indent="-285750">
+              <a:buFont typeface="Arial" panose="020B0604020202020204" pitchFamily="34" charset="0"/>
+              <a:buChar char="•"/>
+            </a:pPr>
+            <a:r>
+              <a:rPr lang="en-US" altLang="zh-TW" sz="1600" dirty="0">
+                <a:latin typeface="Microsoft JhengHei" panose="020B0604030504040204" pitchFamily="34" charset="-120"/>
+                <a:ea typeface="Microsoft JhengHei" panose="020B0604030504040204" pitchFamily="34" charset="-120"/>
+              </a:rPr>
+              <a:t>AF05_</a:t>
+            </a:r>
+            <a:r>
+              <a:rPr lang="zh-CN" altLang="en-US" sz="1600" dirty="0">
+                <a:latin typeface="Microsoft JhengHei" panose="020B0604030504040204" pitchFamily="34" charset="-120"/>
+                <a:ea typeface="Microsoft JhengHei" panose="020B0604030504040204" pitchFamily="34" charset="-120"/>
+              </a:rPr>
+              <a:t>財務警示</a:t>
+            </a:r>
+            <a:endParaRPr lang="en-US" altLang="zh-CN" sz="1600" dirty="0">
+              <a:latin typeface="Microsoft JhengHei" panose="020B0604030504040204" pitchFamily="34" charset="-120"/>
+              <a:ea typeface="Microsoft JhengHei" panose="020B0604030504040204" pitchFamily="34" charset="-120"/>
+            </a:endParaRPr>
+          </a:p>
+          <a:p>
+            <a:pPr marL="285750" indent="-285750">
+              <a:buFont typeface="Arial" panose="020B0604020202020204" pitchFamily="34" charset="0"/>
+              <a:buChar char="•"/>
+            </a:pPr>
+            <a:r>
+              <a:rPr lang="en-US" altLang="zh-TW" sz="1600" dirty="0">
+                <a:latin typeface="Microsoft JhengHei" panose="020B0604030504040204" pitchFamily="34" charset="-120"/>
+                <a:ea typeface="Microsoft JhengHei" panose="020B0604030504040204" pitchFamily="34" charset="-120"/>
+              </a:rPr>
+              <a:t>AI01_</a:t>
+            </a:r>
+            <a:r>
+              <a:rPr lang="zh-CN" altLang="en-US" sz="1600" dirty="0">
+                <a:latin typeface="Microsoft JhengHei" panose="020B0604030504040204" pitchFamily="34" charset="-120"/>
+                <a:ea typeface="Microsoft JhengHei" panose="020B0604030504040204" pitchFamily="34" charset="-120"/>
+              </a:rPr>
+              <a:t>延遲公告</a:t>
+            </a:r>
+            <a:endParaRPr lang="en-US" altLang="zh-CN" sz="1600" dirty="0">
+              <a:latin typeface="Microsoft JhengHei" panose="020B0604030504040204" pitchFamily="34" charset="-120"/>
+              <a:ea typeface="Microsoft JhengHei" panose="020B0604030504040204" pitchFamily="34" charset="-120"/>
+            </a:endParaRPr>
+          </a:p>
+          <a:p>
+            <a:pPr marL="285750" indent="-285750">
+              <a:buFont typeface="Arial" panose="020B0604020202020204" pitchFamily="34" charset="0"/>
+              <a:buChar char="•"/>
+            </a:pPr>
+            <a:r>
+              <a:rPr lang="zh-CN" altLang="en-US" sz="1600" dirty="0">
+                <a:latin typeface="Microsoft JhengHei" panose="020B0604030504040204" pitchFamily="34" charset="-120"/>
+                <a:ea typeface="Microsoft JhengHei" panose="020B0604030504040204" pitchFamily="34" charset="-120"/>
+              </a:rPr>
+              <a:t>會計</a:t>
+            </a:r>
+            <a:r>
+              <a:rPr lang="en-US" altLang="zh-CN" sz="1600" dirty="0">
+                <a:latin typeface="Microsoft JhengHei" panose="020B0604030504040204" pitchFamily="34" charset="-120"/>
+                <a:ea typeface="Microsoft JhengHei" panose="020B0604030504040204" pitchFamily="34" charset="-120"/>
+              </a:rPr>
+              <a:t>/</a:t>
+            </a:r>
+            <a:r>
+              <a:rPr lang="zh-CN" altLang="en-US" sz="1600" dirty="0">
+                <a:latin typeface="Microsoft JhengHei" panose="020B0604030504040204" pitchFamily="34" charset="-120"/>
+                <a:ea typeface="Microsoft JhengHei" panose="020B0604030504040204" pitchFamily="34" charset="-120"/>
+              </a:rPr>
+              <a:t>財報分析</a:t>
+            </a:r>
+            <a:r>
+              <a:rPr lang="en-US" altLang="zh-CN" sz="1600" dirty="0">
+                <a:latin typeface="Microsoft JhengHei" panose="020B0604030504040204" pitchFamily="34" charset="-120"/>
+                <a:ea typeface="Microsoft JhengHei" panose="020B0604030504040204" pitchFamily="34" charset="-120"/>
+              </a:rPr>
+              <a:t>_</a:t>
+            </a:r>
+            <a:r>
+              <a:rPr lang="zh-CN" altLang="en-US" sz="1600" dirty="0">
+                <a:latin typeface="Microsoft JhengHei" panose="020B0604030504040204" pitchFamily="34" charset="-120"/>
+                <a:ea typeface="Microsoft JhengHei" panose="020B0604030504040204" pitchFamily="34" charset="-120"/>
+              </a:rPr>
+              <a:t>其他</a:t>
+            </a:r>
+            <a:endParaRPr lang="en-US" altLang="zh-CN" sz="1600" dirty="0">
+              <a:latin typeface="Microsoft JhengHei" panose="020B0604030504040204" pitchFamily="34" charset="-120"/>
+              <a:ea typeface="Microsoft JhengHei" panose="020B0604030504040204" pitchFamily="34" charset="-120"/>
+            </a:endParaRPr>
+          </a:p>
+        </p:txBody>
+      </p:sp>
+    </p:spTree>
+    <p:extLst>
+      <p:ext uri="{BB962C8B-B14F-4D97-AF65-F5344CB8AC3E}">
+        <p14:creationId xmlns:p14="http://schemas.microsoft.com/office/powerpoint/2010/main" val="568452088"/>
+      </p:ext>
+    </p:extLst>
+  </p:cSld>
+  <p:clrMapOvr>
+    <a:masterClrMapping/>
+  </p:clrMapOvr>
+</p:sld>
+</file>
+
+<file path=ppt/slides/slide16.xml><?xml version="1.0" encoding="utf-8"?>
+<p:sld xmlns:a="http://schemas.openxmlformats.org/drawingml/2006/main" xmlns:r="http://schemas.openxmlformats.org/officeDocument/2006/relationships" xmlns:p="http://schemas.openxmlformats.org/presentationml/2006/main">
+  <p:cSld>
+    <p:spTree>
+      <p:nvGrpSpPr>
+        <p:cNvPr id="1" name=""/>
+        <p:cNvGrpSpPr/>
+        <p:nvPr/>
+      </p:nvGrpSpPr>
+      <p:grpSpPr>
+        <a:xfrm>
+          <a:off x="0" y="0"/>
+          <a:ext cx="0" cy="0"/>
+          <a:chOff x="0" y="0"/>
+          <a:chExt cx="0" cy="0"/>
+        </a:xfrm>
+      </p:grpSpPr>
+      <p:sp>
+        <p:nvSpPr>
+          <p:cNvPr id="23" name="矩形: 圓角 22">
+            <a:extLst>
+              <a:ext uri="{FF2B5EF4-FFF2-40B4-BE49-F238E27FC236}">
+                <a16:creationId xmlns:a16="http://schemas.microsoft.com/office/drawing/2014/main" id="{35290AE0-F6CE-4E0C-982F-AF0B88911F27}"/>
+              </a:ext>
+            </a:extLst>
+          </p:cNvPr>
+          <p:cNvSpPr/>
+          <p:nvPr/>
+        </p:nvSpPr>
+        <p:spPr>
+          <a:xfrm>
+            <a:off x="4572000" y="1014778"/>
+            <a:ext cx="2741244" cy="5290456"/>
+          </a:xfrm>
+          <a:prstGeom prst="roundRect">
+            <a:avLst>
+              <a:gd name="adj" fmla="val 17459"/>
+            </a:avLst>
+          </a:prstGeom>
+          <a:solidFill>
+            <a:srgbClr val="479793"/>
+          </a:solidFill>
+          <a:ln>
+            <a:noFill/>
+          </a:ln>
+        </p:spPr>
+        <p:style>
+          <a:lnRef idx="2">
+            <a:schemeClr val="accent1">
+              <a:shade val="50000"/>
+            </a:schemeClr>
+          </a:lnRef>
+          <a:fillRef idx="1">
+            <a:schemeClr val="accent1"/>
+          </a:fillRef>
+          <a:effectRef idx="0">
+            <a:schemeClr val="accent1"/>
+          </a:effectRef>
+          <a:fontRef idx="minor">
+            <a:schemeClr val="lt1"/>
+          </a:fontRef>
+        </p:style>
+        <p:txBody>
+          <a:bodyPr rtlCol="0" anchor="ctr"/>
+          <a:lstStyle/>
+          <a:p>
+            <a:pPr algn="ctr"/>
+            <a:endParaRPr lang="zh-TW" altLang="en-US"/>
+          </a:p>
+        </p:txBody>
+      </p:sp>
+      <p:sp>
+        <p:nvSpPr>
+          <p:cNvPr id="2" name="標題 1">
+            <a:extLst>
+              <a:ext uri="{FF2B5EF4-FFF2-40B4-BE49-F238E27FC236}">
+                <a16:creationId xmlns:a16="http://schemas.microsoft.com/office/drawing/2014/main" id="{21D46EF1-12EA-C94F-9F03-C7FE589E8C7A}"/>
+              </a:ext>
+            </a:extLst>
+          </p:cNvPr>
+          <p:cNvSpPr>
+            <a:spLocks noGrp="1"/>
+          </p:cNvSpPr>
+          <p:nvPr>
+            <p:ph type="title"/>
+          </p:nvPr>
+        </p:nvSpPr>
+        <p:spPr>
+          <a:xfrm>
+            <a:off x="234043" y="214109"/>
+            <a:ext cx="8281307" cy="599076"/>
+          </a:xfrm>
+        </p:spPr>
+        <p:txBody>
+          <a:bodyPr>
+            <a:normAutofit/>
+          </a:bodyPr>
+          <a:lstStyle/>
+          <a:p>
+            <a:r>
+              <a:rPr lang="zh-TW" altLang="en-US" dirty="0">
+                <a:latin typeface="Microsoft JhengHei" panose="020B0604030504040204" pitchFamily="34" charset="-120"/>
+                <a:ea typeface="Microsoft JhengHei" panose="020B0604030504040204" pitchFamily="34" charset="-120"/>
+              </a:rPr>
+              <a:t>小</a:t>
+            </a:r>
+            <a:r>
+              <a:rPr lang="zh-CN" altLang="en-US" dirty="0">
+                <a:latin typeface="Microsoft JhengHei" panose="020B0604030504040204" pitchFamily="34" charset="-120"/>
+                <a:ea typeface="Microsoft JhengHei" panose="020B0604030504040204" pitchFamily="34" charset="-120"/>
+              </a:rPr>
+              <a:t>事件分類器：資料分割</a:t>
+            </a:r>
+            <a:r>
+              <a:rPr lang="zh-TW" altLang="en-US" dirty="0"/>
+              <a:t>與</a:t>
+            </a:r>
+            <a:r>
+              <a:rPr lang="zh-CN" altLang="en-US" dirty="0"/>
+              <a:t>不平衡資料</a:t>
+            </a:r>
+            <a:r>
+              <a:rPr lang="zh-TW" altLang="en-US" dirty="0"/>
+              <a:t>處理</a:t>
+            </a:r>
+            <a:endParaRPr kumimoji="1" lang="zh-TW" altLang="en-US" dirty="0"/>
+          </a:p>
+        </p:txBody>
+      </p:sp>
+      <p:sp>
+        <p:nvSpPr>
+          <p:cNvPr id="4" name="日期版面配置區 3">
+            <a:extLst>
+              <a:ext uri="{FF2B5EF4-FFF2-40B4-BE49-F238E27FC236}">
+                <a16:creationId xmlns:a16="http://schemas.microsoft.com/office/drawing/2014/main" id="{190A1806-A5E7-ED48-84B7-A10F862FB7D3}"/>
+              </a:ext>
+            </a:extLst>
+          </p:cNvPr>
+          <p:cNvSpPr>
+            <a:spLocks noGrp="1"/>
+          </p:cNvSpPr>
+          <p:nvPr>
+            <p:ph type="dt" sz="half" idx="10"/>
+          </p:nvPr>
+        </p:nvSpPr>
+        <p:spPr/>
+        <p:txBody>
+          <a:bodyPr/>
+          <a:lstStyle/>
+          <a:p>
+            <a:fld id="{868F4FC5-FE50-A64D-A7E3-22233A0C6925}" type="datetime1">
+              <a:rPr kumimoji="1" lang="zh-TW" altLang="en-US" smtClean="0"/>
+              <a:t>2020/6/18</a:t>
+            </a:fld>
+            <a:endParaRPr kumimoji="1" lang="zh-TW" altLang="en-US" dirty="0"/>
+          </a:p>
+        </p:txBody>
+      </p:sp>
+      <p:sp>
+        <p:nvSpPr>
+          <p:cNvPr id="9" name="矩形: 圓角 8">
+            <a:extLst>
+              <a:ext uri="{FF2B5EF4-FFF2-40B4-BE49-F238E27FC236}">
+                <a16:creationId xmlns:a16="http://schemas.microsoft.com/office/drawing/2014/main" id="{5FBDA77C-CAA0-47C4-B999-595F9A2795D0}"/>
+              </a:ext>
+            </a:extLst>
+          </p:cNvPr>
+          <p:cNvSpPr/>
+          <p:nvPr/>
+        </p:nvSpPr>
+        <p:spPr>
+          <a:xfrm>
+            <a:off x="1572981" y="1014777"/>
+            <a:ext cx="2741244" cy="5290457"/>
+          </a:xfrm>
+          <a:prstGeom prst="roundRect">
+            <a:avLst>
+              <a:gd name="adj" fmla="val 17459"/>
+            </a:avLst>
+          </a:prstGeom>
+          <a:solidFill>
+            <a:srgbClr val="A3D5CB"/>
+          </a:solidFill>
+          <a:ln>
+            <a:noFill/>
+          </a:ln>
+        </p:spPr>
+        <p:style>
+          <a:lnRef idx="2">
+            <a:schemeClr val="accent1">
+              <a:shade val="50000"/>
+            </a:schemeClr>
+          </a:lnRef>
+          <a:fillRef idx="1">
+            <a:schemeClr val="accent1"/>
+          </a:fillRef>
+          <a:effectRef idx="0">
+            <a:schemeClr val="accent1"/>
+          </a:effectRef>
+          <a:fontRef idx="minor">
+            <a:schemeClr val="lt1"/>
+          </a:fontRef>
+        </p:style>
+        <p:txBody>
+          <a:bodyPr rtlCol="0" anchor="ctr"/>
+          <a:lstStyle/>
+          <a:p>
+            <a:pPr algn="ctr"/>
+            <a:endParaRPr lang="zh-TW" altLang="en-US"/>
+          </a:p>
+        </p:txBody>
+      </p:sp>
+      <p:sp>
+        <p:nvSpPr>
+          <p:cNvPr id="12" name="矩形 11">
+            <a:extLst>
+              <a:ext uri="{FF2B5EF4-FFF2-40B4-BE49-F238E27FC236}">
+                <a16:creationId xmlns:a16="http://schemas.microsoft.com/office/drawing/2014/main" id="{08FC025C-F893-44DC-B65F-8C2D95396F24}"/>
+              </a:ext>
+            </a:extLst>
+          </p:cNvPr>
+          <p:cNvSpPr/>
+          <p:nvPr/>
+        </p:nvSpPr>
+        <p:spPr>
+          <a:xfrm>
+            <a:off x="2152018" y="1124290"/>
+            <a:ext cx="1620957" cy="523220"/>
+          </a:xfrm>
+          <a:prstGeom prst="rect">
+            <a:avLst/>
+          </a:prstGeom>
+        </p:spPr>
+        <p:txBody>
+          <a:bodyPr wrap="none">
+            <a:spAutoFit/>
+          </a:bodyPr>
+          <a:lstStyle/>
+          <a:p>
+            <a:r>
+              <a:rPr lang="zh-CN" altLang="en-US" sz="2800" b="1" dirty="0">
+                <a:latin typeface="Microsoft JhengHei" panose="020B0604030504040204" pitchFamily="34" charset="-120"/>
+                <a:ea typeface="Microsoft JhengHei" panose="020B0604030504040204" pitchFamily="34" charset="-120"/>
+              </a:rPr>
+              <a:t>資料分割</a:t>
+            </a:r>
+            <a:endParaRPr lang="zh-TW" altLang="en-US" sz="2800" b="1" dirty="0">
+              <a:solidFill>
+                <a:schemeClr val="bg1"/>
+              </a:solidFill>
+            </a:endParaRPr>
+          </a:p>
+        </p:txBody>
+      </p:sp>
+      <p:sp>
+        <p:nvSpPr>
+          <p:cNvPr id="15" name="矩形 14">
+            <a:extLst>
+              <a:ext uri="{FF2B5EF4-FFF2-40B4-BE49-F238E27FC236}">
+                <a16:creationId xmlns:a16="http://schemas.microsoft.com/office/drawing/2014/main" id="{A6702843-60E8-4C64-BE62-93D9D2850984}"/>
+              </a:ext>
+            </a:extLst>
+          </p:cNvPr>
+          <p:cNvSpPr/>
+          <p:nvPr/>
+        </p:nvSpPr>
+        <p:spPr>
+          <a:xfrm>
+            <a:off x="4633286" y="1110683"/>
+            <a:ext cx="2698175" cy="523220"/>
+          </a:xfrm>
+          <a:prstGeom prst="rect">
+            <a:avLst/>
+          </a:prstGeom>
+        </p:spPr>
+        <p:txBody>
+          <a:bodyPr wrap="none">
+            <a:spAutoFit/>
+          </a:bodyPr>
+          <a:lstStyle/>
+          <a:p>
+            <a:r>
+              <a:rPr lang="zh-CN" altLang="en-US" sz="2800" b="1" dirty="0">
+                <a:latin typeface="Microsoft JhengHei" panose="020B0604030504040204" pitchFamily="34" charset="-120"/>
+                <a:ea typeface="Microsoft JhengHei" panose="020B0604030504040204" pitchFamily="34" charset="-120"/>
+              </a:rPr>
+              <a:t>不平衡資料</a:t>
+            </a:r>
+            <a:r>
+              <a:rPr lang="zh-TW" altLang="en-US" sz="2800" b="1" dirty="0">
+                <a:latin typeface="Microsoft JhengHei" panose="020B0604030504040204" pitchFamily="34" charset="-120"/>
+                <a:ea typeface="Microsoft JhengHei" panose="020B0604030504040204" pitchFamily="34" charset="-120"/>
+              </a:rPr>
+              <a:t>處理</a:t>
+            </a:r>
+          </a:p>
+        </p:txBody>
+      </p:sp>
+      <p:cxnSp>
+        <p:nvCxnSpPr>
+          <p:cNvPr id="18" name="直線接點 17">
+            <a:extLst>
+              <a:ext uri="{FF2B5EF4-FFF2-40B4-BE49-F238E27FC236}">
+                <a16:creationId xmlns:a16="http://schemas.microsoft.com/office/drawing/2014/main" id="{0FCA609D-5EE1-49A8-AE96-8BB3CE31FF68}"/>
+              </a:ext>
+            </a:extLst>
+          </p:cNvPr>
+          <p:cNvCxnSpPr/>
+          <p:nvPr/>
+        </p:nvCxnSpPr>
+        <p:spPr>
+          <a:xfrm>
+            <a:off x="1918822" y="3082988"/>
+            <a:ext cx="2103120" cy="0"/>
+          </a:xfrm>
+          <a:prstGeom prst="line">
+            <a:avLst/>
+          </a:prstGeom>
+          <a:ln>
+            <a:solidFill>
+              <a:schemeClr val="tx1"/>
+            </a:solidFill>
+          </a:ln>
+        </p:spPr>
+        <p:style>
+          <a:lnRef idx="1">
+            <a:schemeClr val="accent1"/>
+          </a:lnRef>
+          <a:fillRef idx="0">
+            <a:schemeClr val="accent1"/>
+          </a:fillRef>
+          <a:effectRef idx="0">
+            <a:schemeClr val="accent1"/>
+          </a:effectRef>
+          <a:fontRef idx="minor">
+            <a:schemeClr val="tx1"/>
+          </a:fontRef>
+        </p:style>
+      </p:cxnSp>
+      <p:cxnSp>
+        <p:nvCxnSpPr>
+          <p:cNvPr id="19" name="直線接點 18">
+            <a:extLst>
+              <a:ext uri="{FF2B5EF4-FFF2-40B4-BE49-F238E27FC236}">
+                <a16:creationId xmlns:a16="http://schemas.microsoft.com/office/drawing/2014/main" id="{B2012D1D-4E39-481F-A70E-F32ECE5F222D}"/>
+              </a:ext>
+            </a:extLst>
+          </p:cNvPr>
+          <p:cNvCxnSpPr/>
+          <p:nvPr/>
+        </p:nvCxnSpPr>
+        <p:spPr>
+          <a:xfrm>
+            <a:off x="4940721" y="3082988"/>
+            <a:ext cx="2103120" cy="0"/>
+          </a:xfrm>
+          <a:prstGeom prst="line">
+            <a:avLst/>
+          </a:prstGeom>
+          <a:ln>
+            <a:solidFill>
+              <a:srgbClr val="1E3148"/>
+            </a:solidFill>
+          </a:ln>
+        </p:spPr>
+        <p:style>
+          <a:lnRef idx="1">
+            <a:schemeClr val="accent1"/>
+          </a:lnRef>
+          <a:fillRef idx="0">
+            <a:schemeClr val="accent1"/>
+          </a:fillRef>
+          <a:effectRef idx="0">
+            <a:schemeClr val="accent1"/>
+          </a:effectRef>
+          <a:fontRef idx="minor">
+            <a:schemeClr val="tx1"/>
+          </a:fontRef>
+        </p:style>
+      </p:cxnSp>
+      <p:pic>
+        <p:nvPicPr>
+          <p:cNvPr id="7" name="圖片 6">
+            <a:extLst>
+              <a:ext uri="{FF2B5EF4-FFF2-40B4-BE49-F238E27FC236}">
+                <a16:creationId xmlns:a16="http://schemas.microsoft.com/office/drawing/2014/main" id="{B4189500-41AE-4D96-8307-ECB67C5A3C80}"/>
+              </a:ext>
+            </a:extLst>
+          </p:cNvPr>
+          <p:cNvPicPr>
+            <a:picLocks noChangeAspect="1"/>
+          </p:cNvPicPr>
+          <p:nvPr/>
+        </p:nvPicPr>
+        <p:blipFill>
+          <a:blip r:embed="rId2"/>
+          <a:stretch>
+            <a:fillRect/>
+          </a:stretch>
+        </p:blipFill>
+        <p:spPr>
+          <a:xfrm>
+            <a:off x="2495963" y="1757023"/>
+            <a:ext cx="1068582" cy="1068582"/>
+          </a:xfrm>
+          <a:prstGeom prst="rect">
+            <a:avLst/>
+          </a:prstGeom>
+        </p:spPr>
+      </p:pic>
+      <p:pic>
+        <p:nvPicPr>
+          <p:cNvPr id="22" name="圖片 21">
+            <a:extLst>
+              <a:ext uri="{FF2B5EF4-FFF2-40B4-BE49-F238E27FC236}">
+                <a16:creationId xmlns:a16="http://schemas.microsoft.com/office/drawing/2014/main" id="{DF341343-B914-4ED8-B358-4195ED9B63EA}"/>
+              </a:ext>
+            </a:extLst>
+          </p:cNvPr>
+          <p:cNvPicPr>
+            <a:picLocks noChangeAspect="1"/>
+          </p:cNvPicPr>
+          <p:nvPr/>
+        </p:nvPicPr>
+        <p:blipFill>
+          <a:blip r:embed="rId3"/>
+          <a:stretch>
+            <a:fillRect/>
+          </a:stretch>
+        </p:blipFill>
+        <p:spPr>
+          <a:xfrm>
+            <a:off x="5323496" y="1647510"/>
+            <a:ext cx="1238250" cy="1238250"/>
+          </a:xfrm>
+          <a:prstGeom prst="rect">
+            <a:avLst/>
+          </a:prstGeom>
+        </p:spPr>
+      </p:pic>
+      <p:sp>
+        <p:nvSpPr>
+          <p:cNvPr id="31" name="文字方塊 30">
+            <a:extLst>
+              <a:ext uri="{FF2B5EF4-FFF2-40B4-BE49-F238E27FC236}">
+                <a16:creationId xmlns:a16="http://schemas.microsoft.com/office/drawing/2014/main" id="{B735336D-B490-41A5-85ED-AF0DFED0E2B8}"/>
+              </a:ext>
+            </a:extLst>
+          </p:cNvPr>
+          <p:cNvSpPr txBox="1"/>
+          <p:nvPr/>
+        </p:nvSpPr>
+        <p:spPr>
+          <a:xfrm>
+            <a:off x="1528023" y="3415576"/>
+            <a:ext cx="2884719" cy="1569660"/>
+          </a:xfrm>
+          <a:prstGeom prst="rect">
+            <a:avLst/>
+          </a:prstGeom>
+          <a:noFill/>
+        </p:spPr>
+        <p:txBody>
+          <a:bodyPr wrap="square" rtlCol="0">
+            <a:spAutoFit/>
+          </a:bodyPr>
+          <a:lstStyle/>
+          <a:p>
+            <a:pPr marL="285750" indent="-285750">
+              <a:buFont typeface="Arial" panose="020B0604020202020204" pitchFamily="34" charset="0"/>
+              <a:buChar char="•"/>
+            </a:pPr>
+            <a:r>
+              <a:rPr lang="zh-CN" altLang="en-US" sz="1600" b="1" dirty="0">
+                <a:latin typeface="微軟正黑體" panose="020B0604030504040204" pitchFamily="34" charset="-120"/>
+                <a:ea typeface="微軟正黑體" panose="020B0604030504040204" pitchFamily="34" charset="-120"/>
+              </a:rPr>
+              <a:t>所有資料的</a:t>
+            </a:r>
+            <a:r>
+              <a:rPr lang="en-US" altLang="zh-TW" sz="1600" b="1" dirty="0">
+                <a:latin typeface="微軟正黑體" panose="020B0604030504040204" pitchFamily="34" charset="-120"/>
+                <a:ea typeface="微軟正黑體" panose="020B0604030504040204" pitchFamily="34" charset="-120"/>
+              </a:rPr>
+              <a:t>64%</a:t>
+            </a:r>
+            <a:r>
+              <a:rPr lang="zh-CN" altLang="en-US" sz="1600" b="1" dirty="0">
+                <a:latin typeface="微軟正黑體" panose="020B0604030504040204" pitchFamily="34" charset="-120"/>
+                <a:ea typeface="微軟正黑體" panose="020B0604030504040204" pitchFamily="34" charset="-120"/>
+              </a:rPr>
+              <a:t>作為訓練資料</a:t>
+            </a:r>
+            <a:endParaRPr lang="en-US" altLang="zh-CN" sz="1600" b="1" dirty="0">
+              <a:latin typeface="微軟正黑體" panose="020B0604030504040204" pitchFamily="34" charset="-120"/>
+              <a:ea typeface="微軟正黑體" panose="020B0604030504040204" pitchFamily="34" charset="-120"/>
+            </a:endParaRPr>
+          </a:p>
+          <a:p>
+            <a:pPr marL="285750" indent="-285750">
+              <a:buFont typeface="Arial" panose="020B0604020202020204" pitchFamily="34" charset="0"/>
+              <a:buChar char="•"/>
+            </a:pPr>
+            <a:r>
+              <a:rPr lang="zh-CN" altLang="en-US" sz="1600" b="1" dirty="0">
+                <a:latin typeface="微軟正黑體" panose="020B0604030504040204" pitchFamily="34" charset="-120"/>
+                <a:ea typeface="微軟正黑體" panose="020B0604030504040204" pitchFamily="34" charset="-120"/>
+              </a:rPr>
+              <a:t>所有資料的</a:t>
+            </a:r>
+            <a:r>
+              <a:rPr lang="en-US" altLang="zh-TW" sz="1600" b="1" dirty="0">
+                <a:latin typeface="微軟正黑體" panose="020B0604030504040204" pitchFamily="34" charset="-120"/>
+                <a:ea typeface="微軟正黑體" panose="020B0604030504040204" pitchFamily="34" charset="-120"/>
+              </a:rPr>
+              <a:t>16%</a:t>
+            </a:r>
+            <a:r>
+              <a:rPr lang="zh-CN" altLang="en-US" sz="1600" b="1" dirty="0">
+                <a:latin typeface="微軟正黑體" panose="020B0604030504040204" pitchFamily="34" charset="-120"/>
+                <a:ea typeface="微軟正黑體" panose="020B0604030504040204" pitchFamily="34" charset="-120"/>
+              </a:rPr>
+              <a:t>作為驗證集</a:t>
+            </a:r>
+            <a:endParaRPr lang="en-US" altLang="zh-CN" sz="1600" b="1" dirty="0">
+              <a:latin typeface="微軟正黑體" panose="020B0604030504040204" pitchFamily="34" charset="-120"/>
+              <a:ea typeface="微軟正黑體" panose="020B0604030504040204" pitchFamily="34" charset="-120"/>
+            </a:endParaRPr>
+          </a:p>
+          <a:p>
+            <a:pPr marL="285750" indent="-285750">
+              <a:buFont typeface="Arial" panose="020B0604020202020204" pitchFamily="34" charset="0"/>
+              <a:buChar char="•"/>
+            </a:pPr>
+            <a:r>
+              <a:rPr lang="zh-CN" altLang="en-US" sz="1600" b="1" dirty="0">
+                <a:latin typeface="微軟正黑體" panose="020B0604030504040204" pitchFamily="34" charset="-120"/>
+                <a:ea typeface="微軟正黑體" panose="020B0604030504040204" pitchFamily="34" charset="-120"/>
+              </a:rPr>
+              <a:t>所有資料的</a:t>
+            </a:r>
+            <a:r>
+              <a:rPr lang="en-US" altLang="zh-TW" sz="1600" b="1" dirty="0">
+                <a:latin typeface="微軟正黑體" panose="020B0604030504040204" pitchFamily="34" charset="-120"/>
+                <a:ea typeface="微軟正黑體" panose="020B0604030504040204" pitchFamily="34" charset="-120"/>
+              </a:rPr>
+              <a:t>20%</a:t>
+            </a:r>
+            <a:r>
+              <a:rPr lang="zh-CN" altLang="en-US" sz="1600" b="1" dirty="0">
+                <a:latin typeface="微軟正黑體" panose="020B0604030504040204" pitchFamily="34" charset="-120"/>
+                <a:ea typeface="微軟正黑體" panose="020B0604030504040204" pitchFamily="34" charset="-120"/>
+              </a:rPr>
+              <a:t>作為測試集</a:t>
+            </a:r>
+            <a:endParaRPr lang="zh-TW" altLang="en-US" dirty="0"/>
+          </a:p>
+        </p:txBody>
+      </p:sp>
+      <p:sp>
+        <p:nvSpPr>
+          <p:cNvPr id="32" name="文字方塊 31">
+            <a:extLst>
+              <a:ext uri="{FF2B5EF4-FFF2-40B4-BE49-F238E27FC236}">
+                <a16:creationId xmlns:a16="http://schemas.microsoft.com/office/drawing/2014/main" id="{77280B50-6D01-49CB-8B18-D919F903FB83}"/>
+              </a:ext>
+            </a:extLst>
+          </p:cNvPr>
+          <p:cNvSpPr txBox="1"/>
+          <p:nvPr/>
+        </p:nvSpPr>
+        <p:spPr>
+          <a:xfrm>
+            <a:off x="4755279" y="3304635"/>
+            <a:ext cx="2454187" cy="2862322"/>
+          </a:xfrm>
+          <a:prstGeom prst="rect">
+            <a:avLst/>
+          </a:prstGeom>
+          <a:noFill/>
+        </p:spPr>
+        <p:txBody>
+          <a:bodyPr wrap="square" rtlCol="0">
+            <a:spAutoFit/>
+          </a:bodyPr>
+          <a:lstStyle/>
+          <a:p>
+            <a:r>
+              <a:rPr lang="zh-CN" altLang="en-US" b="1" dirty="0">
+                <a:latin typeface="微軟正黑體" panose="020B0604030504040204" pitchFamily="34" charset="-120"/>
+                <a:ea typeface="微軟正黑體" panose="020B0604030504040204" pitchFamily="34" charset="-120"/>
+              </a:rPr>
+              <a:t>由於</a:t>
+            </a:r>
+            <a:r>
+              <a:rPr lang="zh-TW" altLang="en-US" b="1" dirty="0">
+                <a:latin typeface="微軟正黑體" panose="020B0604030504040204" pitchFamily="34" charset="-120"/>
+                <a:ea typeface="微軟正黑體" panose="020B0604030504040204" pitchFamily="34" charset="-120"/>
+              </a:rPr>
+              <a:t>小</a:t>
+            </a:r>
+            <a:r>
+              <a:rPr lang="zh-CN" altLang="en-US" b="1" dirty="0">
+                <a:latin typeface="微軟正黑體" panose="020B0604030504040204" pitchFamily="34" charset="-120"/>
+                <a:ea typeface="微軟正黑體" panose="020B0604030504040204" pitchFamily="34" charset="-120"/>
+              </a:rPr>
+              <a:t>事件類別的分布相當不平衡，所以我們使用了以下兩種方法來處理資料不平衡的問題</a:t>
+            </a:r>
+            <a:endParaRPr lang="en-US" altLang="zh-TW" b="1" dirty="0">
+              <a:latin typeface="微軟正黑體" panose="020B0604030504040204" pitchFamily="34" charset="-120"/>
+              <a:ea typeface="微軟正黑體" panose="020B0604030504040204" pitchFamily="34" charset="-120"/>
+            </a:endParaRPr>
+          </a:p>
+          <a:p>
+            <a:r>
+              <a:rPr lang="en-US" altLang="zh-TW" b="1" dirty="0">
+                <a:latin typeface="微軟正黑體" panose="020B0604030504040204" pitchFamily="34" charset="-120"/>
+                <a:ea typeface="微軟正黑體" panose="020B0604030504040204" pitchFamily="34" charset="-120"/>
+              </a:rPr>
+              <a:t>1.</a:t>
+            </a:r>
+            <a:r>
+              <a:rPr lang="zh-TW" altLang="en-US" b="1" dirty="0">
+                <a:latin typeface="微軟正黑體" panose="020B0604030504040204" pitchFamily="34" charset="-120"/>
+                <a:ea typeface="微軟正黑體" panose="020B0604030504040204" pitchFamily="34" charset="-120"/>
+              </a:rPr>
+              <a:t> 使用</a:t>
+            </a:r>
+            <a:r>
+              <a:rPr lang="en-US" altLang="zh-TW" b="1" dirty="0">
+                <a:latin typeface="微軟正黑體" panose="020B0604030504040204" pitchFamily="34" charset="-120"/>
+                <a:ea typeface="微軟正黑體" panose="020B0604030504040204" pitchFamily="34" charset="-120"/>
+              </a:rPr>
+              <a:t>Oversampling</a:t>
+            </a:r>
+          </a:p>
+          <a:p>
+            <a:r>
+              <a:rPr lang="en-US" altLang="zh-TW" b="1" dirty="0">
+                <a:latin typeface="微軟正黑體" panose="020B0604030504040204" pitchFamily="34" charset="-120"/>
+                <a:ea typeface="微軟正黑體" panose="020B0604030504040204" pitchFamily="34" charset="-120"/>
+              </a:rPr>
+              <a:t>2. </a:t>
+            </a:r>
+            <a:r>
+              <a:rPr lang="zh-CN" altLang="en-US" b="1" dirty="0">
+                <a:latin typeface="微軟正黑體" panose="020B0604030504040204" pitchFamily="34" charset="-120"/>
+                <a:ea typeface="微軟正黑體" panose="020B0604030504040204" pitchFamily="34" charset="-120"/>
+              </a:rPr>
+              <a:t>調整損失函數（</a:t>
+            </a:r>
+            <a:r>
+              <a:rPr lang="en-US" altLang="zh-CN" b="1" dirty="0">
+                <a:latin typeface="微軟正黑體" panose="020B0604030504040204" pitchFamily="34" charset="-120"/>
+                <a:ea typeface="微軟正黑體" panose="020B0604030504040204" pitchFamily="34" charset="-120"/>
+              </a:rPr>
+              <a:t>loss function</a:t>
+            </a:r>
+            <a:r>
+              <a:rPr lang="zh-CN" altLang="en-US" b="1" dirty="0">
+                <a:latin typeface="微軟正黑體" panose="020B0604030504040204" pitchFamily="34" charset="-120"/>
+                <a:ea typeface="微軟正黑體" panose="020B0604030504040204" pitchFamily="34" charset="-120"/>
+              </a:rPr>
+              <a:t>）的權重</a:t>
+            </a:r>
+            <a:endParaRPr lang="en-US" altLang="zh-TW" b="1" dirty="0">
+              <a:latin typeface="微軟正黑體" panose="020B0604030504040204" pitchFamily="34" charset="-120"/>
+              <a:ea typeface="微軟正黑體" panose="020B0604030504040204" pitchFamily="34" charset="-120"/>
+            </a:endParaRPr>
+          </a:p>
+          <a:p>
+            <a:endParaRPr lang="zh-TW" altLang="en-US" dirty="0"/>
+          </a:p>
+        </p:txBody>
+      </p:sp>
+    </p:spTree>
+    <p:extLst>
+      <p:ext uri="{BB962C8B-B14F-4D97-AF65-F5344CB8AC3E}">
+        <p14:creationId xmlns:p14="http://schemas.microsoft.com/office/powerpoint/2010/main" val="2879788418"/>
+      </p:ext>
+    </p:extLst>
+  </p:cSld>
+  <p:clrMapOvr>
+    <a:masterClrMapping/>
+  </p:clrMapOvr>
+</p:sld>
+</file>
+
+<file path=ppt/slides/slide17.xml><?xml version="1.0" encoding="utf-8"?>
+<p:sld xmlns:a="http://schemas.openxmlformats.org/drawingml/2006/main" xmlns:r="http://schemas.openxmlformats.org/officeDocument/2006/relationships" xmlns:p="http://schemas.openxmlformats.org/presentationml/2006/main">
+  <p:cSld>
+    <p:spTree>
+      <p:nvGrpSpPr>
+        <p:cNvPr id="1" name=""/>
+        <p:cNvGrpSpPr/>
+        <p:nvPr/>
+      </p:nvGrpSpPr>
+      <p:grpSpPr>
+        <a:xfrm>
+          <a:off x="0" y="0"/>
+          <a:ext cx="0" cy="0"/>
+          <a:chOff x="0" y="0"/>
+          <a:chExt cx="0" cy="0"/>
+        </a:xfrm>
+      </p:grpSpPr>
+      <p:sp>
+        <p:nvSpPr>
+          <p:cNvPr id="2" name="標題 1">
+            <a:extLst>
+              <a:ext uri="{FF2B5EF4-FFF2-40B4-BE49-F238E27FC236}">
+                <a16:creationId xmlns:a16="http://schemas.microsoft.com/office/drawing/2014/main" id="{21D46EF1-12EA-C94F-9F03-C7FE589E8C7A}"/>
+              </a:ext>
+            </a:extLst>
+          </p:cNvPr>
+          <p:cNvSpPr>
+            <a:spLocks noGrp="1"/>
+          </p:cNvSpPr>
+          <p:nvPr>
+            <p:ph type="title"/>
+          </p:nvPr>
+        </p:nvSpPr>
+        <p:spPr>
+          <a:xfrm>
+            <a:off x="122679" y="279807"/>
+            <a:ext cx="6912428" cy="599076"/>
+          </a:xfrm>
+        </p:spPr>
+        <p:txBody>
+          <a:bodyPr>
+            <a:normAutofit/>
+          </a:bodyPr>
+          <a:lstStyle/>
+          <a:p>
+            <a:r>
+              <a:rPr lang="zh-TW" altLang="en-US" dirty="0">
+                <a:latin typeface="Microsoft JhengHei" panose="020B0604030504040204" pitchFamily="34" charset="-120"/>
+                <a:ea typeface="Microsoft JhengHei" panose="020B0604030504040204" pitchFamily="34" charset="-120"/>
+              </a:rPr>
+              <a:t>小</a:t>
+            </a:r>
+            <a:r>
+              <a:rPr lang="zh-CN" altLang="en-US" dirty="0">
+                <a:latin typeface="Microsoft JhengHei" panose="020B0604030504040204" pitchFamily="34" charset="-120"/>
+                <a:ea typeface="Microsoft JhengHei" panose="020B0604030504040204" pitchFamily="34" charset="-120"/>
+              </a:rPr>
+              <a:t>事件分類器：</a:t>
+            </a:r>
+            <a:r>
+              <a:rPr lang="zh-CN" altLang="en-US" dirty="0"/>
+              <a:t>模型架構</a:t>
+            </a:r>
+            <a:endParaRPr kumimoji="1" lang="zh-TW" altLang="en-US" dirty="0"/>
+          </a:p>
+        </p:txBody>
+      </p:sp>
+      <p:sp>
+        <p:nvSpPr>
+          <p:cNvPr id="4" name="日期版面配置區 3">
+            <a:extLst>
+              <a:ext uri="{FF2B5EF4-FFF2-40B4-BE49-F238E27FC236}">
+                <a16:creationId xmlns:a16="http://schemas.microsoft.com/office/drawing/2014/main" id="{190A1806-A5E7-ED48-84B7-A10F862FB7D3}"/>
+              </a:ext>
+            </a:extLst>
+          </p:cNvPr>
+          <p:cNvSpPr>
+            <a:spLocks noGrp="1"/>
+          </p:cNvSpPr>
+          <p:nvPr>
+            <p:ph type="dt" sz="half" idx="10"/>
+          </p:nvPr>
+        </p:nvSpPr>
+        <p:spPr/>
+        <p:txBody>
+          <a:bodyPr/>
+          <a:lstStyle/>
+          <a:p>
+            <a:fld id="{868F4FC5-FE50-A64D-A7E3-22233A0C6925}" type="datetime1">
+              <a:rPr kumimoji="1" lang="zh-TW" altLang="en-US" smtClean="0"/>
+              <a:t>2020/6/18</a:t>
+            </a:fld>
+            <a:endParaRPr kumimoji="1" lang="zh-TW" altLang="en-US" dirty="0"/>
+          </a:p>
+        </p:txBody>
+      </p:sp>
+      <p:graphicFrame>
+        <p:nvGraphicFramePr>
+          <p:cNvPr id="6" name="表格 7">
+            <a:extLst>
+              <a:ext uri="{FF2B5EF4-FFF2-40B4-BE49-F238E27FC236}">
+                <a16:creationId xmlns:a16="http://schemas.microsoft.com/office/drawing/2014/main" id="{CE90F3BB-4059-4699-8D9C-645086DE4494}"/>
+              </a:ext>
+            </a:extLst>
+          </p:cNvPr>
+          <p:cNvGraphicFramePr>
+            <a:graphicFrameLocks noGrp="1"/>
+          </p:cNvGraphicFramePr>
+          <p:nvPr>
+            <p:extLst>
+              <p:ext uri="{D42A27DB-BD31-4B8C-83A1-F6EECF244321}">
+                <p14:modId xmlns:p14="http://schemas.microsoft.com/office/powerpoint/2010/main" val="3717026020"/>
+              </p:ext>
+            </p:extLst>
+          </p:nvPr>
+        </p:nvGraphicFramePr>
+        <p:xfrm>
+          <a:off x="4495800" y="1220281"/>
+          <a:ext cx="4523013" cy="4786770"/>
+        </p:xfrm>
+        <a:graphic>
+          <a:graphicData uri="http://schemas.openxmlformats.org/drawingml/2006/table">
+            <a:tbl>
+              <a:tblPr firstRow="1" bandRow="1">
+                <a:tableStyleId>{8EC20E35-A176-4012-BC5E-935CFFF8708E}</a:tableStyleId>
+              </a:tblPr>
+              <a:tblGrid>
+                <a:gridCol w="2166257">
+                  <a:extLst>
+                    <a:ext uri="{9D8B030D-6E8A-4147-A177-3AD203B41FA5}">
+                      <a16:colId xmlns:a16="http://schemas.microsoft.com/office/drawing/2014/main" val="1169201645"/>
+                    </a:ext>
+                  </a:extLst>
+                </a:gridCol>
+                <a:gridCol w="2356756">
+                  <a:extLst>
+                    <a:ext uri="{9D8B030D-6E8A-4147-A177-3AD203B41FA5}">
+                      <a16:colId xmlns:a16="http://schemas.microsoft.com/office/drawing/2014/main" val="981368104"/>
+                    </a:ext>
+                  </a:extLst>
+                </a:gridCol>
+              </a:tblGrid>
+              <a:tr h="1595590">
+                <a:tc>
+                  <a:txBody>
+                    <a:bodyPr/>
+                    <a:lstStyle/>
+                    <a:p>
+                      <a:r>
+                        <a:rPr lang="en-US" altLang="zh-TW" sz="1800" kern="1200" dirty="0">
+                          <a:solidFill>
+                            <a:schemeClr val="dk1"/>
+                          </a:solidFill>
+                          <a:latin typeface="Microsoft JhengHei" panose="020B0604030504040204" pitchFamily="34" charset="-120"/>
+                          <a:ea typeface="Microsoft JhengHei" panose="020B0604030504040204" pitchFamily="34" charset="-120"/>
+                          <a:cs typeface="+mn-cs"/>
+                        </a:rPr>
+                        <a:t>Embedding layer</a:t>
+                      </a:r>
+                      <a:endParaRPr lang="zh-TW" altLang="en-US" sz="1800" kern="1200" dirty="0">
+                        <a:solidFill>
+                          <a:schemeClr val="dk1"/>
+                        </a:solidFill>
+                        <a:latin typeface="Microsoft JhengHei" panose="020B0604030504040204" pitchFamily="34" charset="-120"/>
+                        <a:ea typeface="Microsoft JhengHei" panose="020B0604030504040204" pitchFamily="34" charset="-120"/>
+                        <a:cs typeface="+mn-cs"/>
+                      </a:endParaRPr>
+                    </a:p>
+                  </a:txBody>
+                  <a:tcPr anchor="ctr">
+                    <a:solidFill>
+                      <a:srgbClr val="A3D5CB"/>
+                    </a:solidFill>
+                  </a:tcPr>
+                </a:tc>
+                <a:tc>
+                  <a:txBody>
+                    <a:bodyPr/>
+                    <a:lstStyle/>
+                    <a:p>
+                      <a:pPr marL="0" marR="0" lvl="0" indent="0" algn="l" defTabSz="914400" rtl="0" eaLnBrk="1" fontAlgn="auto" latinLnBrk="0" hangingPunct="1">
+                        <a:lnSpc>
+                          <a:spcPct val="100000"/>
+                        </a:lnSpc>
+                        <a:spcBef>
+                          <a:spcPts val="0"/>
+                        </a:spcBef>
+                        <a:spcAft>
+                          <a:spcPts val="0"/>
+                        </a:spcAft>
+                        <a:buClrTx/>
+                        <a:buSzTx/>
+                        <a:buFontTx/>
+                        <a:buNone/>
+                        <a:tabLst/>
+                        <a:defRPr/>
+                      </a:pPr>
+                      <a:r>
+                        <a:rPr lang="zh-CN" altLang="en-US" sz="1800" kern="1200" dirty="0">
+                          <a:solidFill>
+                            <a:schemeClr val="dk1"/>
+                          </a:solidFill>
+                          <a:latin typeface="Microsoft JhengHei" panose="020B0604030504040204" pitchFamily="34" charset="-120"/>
+                          <a:ea typeface="Microsoft JhengHei" panose="020B0604030504040204" pitchFamily="34" charset="-120"/>
+                          <a:cs typeface="+mn-cs"/>
+                        </a:rPr>
+                        <a:t>用來進行詞嵌入</a:t>
+                      </a:r>
+                      <a:endParaRPr lang="en-US" altLang="zh-TW" sz="1800" kern="1200" dirty="0">
+                        <a:solidFill>
+                          <a:schemeClr val="dk1"/>
+                        </a:solidFill>
+                        <a:latin typeface="Microsoft JhengHei" panose="020B0604030504040204" pitchFamily="34" charset="-120"/>
+                        <a:ea typeface="Microsoft JhengHei" panose="020B0604030504040204" pitchFamily="34" charset="-120"/>
+                        <a:cs typeface="+mn-cs"/>
+                      </a:endParaRPr>
+                    </a:p>
+                    <a:p>
+                      <a:endParaRPr lang="zh-TW" altLang="en-US" sz="1800" kern="1200" dirty="0">
+                        <a:solidFill>
+                          <a:schemeClr val="dk1"/>
+                        </a:solidFill>
+                        <a:latin typeface="Microsoft JhengHei" panose="020B0604030504040204" pitchFamily="34" charset="-120"/>
+                        <a:ea typeface="Microsoft JhengHei" panose="020B0604030504040204" pitchFamily="34" charset="-120"/>
+                        <a:cs typeface="+mn-cs"/>
+                      </a:endParaRPr>
+                    </a:p>
+                  </a:txBody>
+                  <a:tcPr anchor="ctr">
+                    <a:solidFill>
+                      <a:srgbClr val="A3D5CB"/>
+                    </a:solidFill>
+                  </a:tcPr>
+                </a:tc>
+                <a:extLst>
+                  <a:ext uri="{0D108BD9-81ED-4DB2-BD59-A6C34878D82A}">
+                    <a16:rowId xmlns:a16="http://schemas.microsoft.com/office/drawing/2014/main" val="1556906360"/>
+                  </a:ext>
+                </a:extLst>
+              </a:tr>
+              <a:tr h="1595590">
+                <a:tc>
+                  <a:txBody>
+                    <a:bodyPr/>
+                    <a:lstStyle/>
+                    <a:p>
+                      <a:r>
+                        <a:rPr lang="en-US" altLang="zh-TW" dirty="0">
+                          <a:latin typeface="Microsoft JhengHei" panose="020B0604030504040204" pitchFamily="34" charset="-120"/>
+                          <a:ea typeface="Microsoft JhengHei" panose="020B0604030504040204" pitchFamily="34" charset="-120"/>
+                        </a:rPr>
+                        <a:t>LSTM layer</a:t>
+                      </a:r>
+                      <a:endParaRPr lang="zh-TW" altLang="en-US" dirty="0"/>
+                    </a:p>
+                  </a:txBody>
+                  <a:tcPr anchor="ctr">
+                    <a:lnB w="28575" cap="flat" cmpd="sng" algn="ctr">
+                      <a:solidFill>
+                        <a:schemeClr val="tx1"/>
+                      </a:solidFill>
+                      <a:prstDash val="solid"/>
+                      <a:round/>
+                      <a:headEnd type="none" w="med" len="med"/>
+                      <a:tailEnd type="none" w="med" len="med"/>
+                    </a:lnB>
+                  </a:tcPr>
+                </a:tc>
+                <a:tc>
+                  <a:txBody>
+                    <a:bodyPr/>
+                    <a:lstStyle/>
+                    <a:p>
+                      <a:r>
+                        <a:rPr lang="zh-CN" altLang="en-US" dirty="0">
+                          <a:latin typeface="Microsoft JhengHei" panose="020B0604030504040204" pitchFamily="34" charset="-120"/>
+                          <a:ea typeface="Microsoft JhengHei" panose="020B0604030504040204" pitchFamily="34" charset="-120"/>
+                        </a:rPr>
+                        <a:t>長短期記憶模型</a:t>
+                      </a:r>
+                      <a:endParaRPr lang="zh-TW" altLang="en-US" dirty="0"/>
+                    </a:p>
+                  </a:txBody>
+                  <a:tcPr anchor="ctr">
+                    <a:lnB w="28575" cap="flat" cmpd="sng" algn="ctr">
+                      <a:solidFill>
+                        <a:schemeClr val="tx1"/>
+                      </a:solidFill>
+                      <a:prstDash val="solid"/>
+                      <a:round/>
+                      <a:headEnd type="none" w="med" len="med"/>
+                      <a:tailEnd type="none" w="med" len="med"/>
+                    </a:lnB>
+                  </a:tcPr>
+                </a:tc>
+                <a:extLst>
+                  <a:ext uri="{0D108BD9-81ED-4DB2-BD59-A6C34878D82A}">
+                    <a16:rowId xmlns:a16="http://schemas.microsoft.com/office/drawing/2014/main" val="3706517141"/>
+                  </a:ext>
+                </a:extLst>
+              </a:tr>
+              <a:tr h="1595590">
+                <a:tc>
+                  <a:txBody>
+                    <a:bodyPr/>
+                    <a:lstStyle/>
+                    <a:p>
+                      <a:r>
+                        <a:rPr lang="en-US" altLang="zh-CN" dirty="0">
+                          <a:latin typeface="Microsoft JhengHei" panose="020B0604030504040204" pitchFamily="34" charset="-120"/>
+                          <a:ea typeface="Microsoft JhengHei" panose="020B0604030504040204" pitchFamily="34" charset="-120"/>
+                        </a:rPr>
+                        <a:t>Dense layer</a:t>
+                      </a:r>
+                    </a:p>
+                    <a:p>
+                      <a:r>
+                        <a:rPr lang="en-US" altLang="zh-CN" dirty="0">
+                          <a:solidFill>
+                            <a:schemeClr val="tx1"/>
+                          </a:solidFill>
+                          <a:latin typeface="Microsoft JhengHei" panose="020B0604030504040204" pitchFamily="34" charset="-120"/>
+                          <a:ea typeface="Microsoft JhengHei" panose="020B0604030504040204" pitchFamily="34" charset="-120"/>
+                        </a:rPr>
+                        <a:t>(3 dense layers): </a:t>
+                      </a:r>
+                      <a:endParaRPr lang="zh-TW" altLang="en-US" dirty="0"/>
+                    </a:p>
+                  </a:txBody>
+                  <a:tcPr anchor="ctr">
+                    <a:lnT w="28575" cap="flat" cmpd="sng" algn="ctr">
+                      <a:solidFill>
+                        <a:schemeClr val="tx1"/>
+                      </a:solidFill>
+                      <a:prstDash val="solid"/>
+                      <a:round/>
+                      <a:headEnd type="none" w="med" len="med"/>
+                      <a:tailEnd type="none" w="med" len="med"/>
+                    </a:lnT>
+                  </a:tcPr>
+                </a:tc>
+                <a:tc>
+                  <a:txBody>
+                    <a:bodyPr/>
+                    <a:lstStyle/>
+                    <a:p>
+                      <a:r>
+                        <a:rPr lang="zh-CN" altLang="en-US" dirty="0">
+                          <a:solidFill>
+                            <a:schemeClr val="tx1"/>
+                          </a:solidFill>
+                          <a:latin typeface="Microsoft JhengHei" panose="020B0604030504040204" pitchFamily="34" charset="-120"/>
+                          <a:ea typeface="Microsoft JhengHei" panose="020B0604030504040204" pitchFamily="34" charset="-120"/>
+                        </a:rPr>
+                        <a:t>進行小事件類別的分類</a:t>
+                      </a:r>
+                      <a:endParaRPr lang="zh-TW" altLang="en-US" dirty="0"/>
+                    </a:p>
+                  </a:txBody>
+                  <a:tcPr anchor="ctr">
+                    <a:lnT w="28575" cap="flat" cmpd="sng" algn="ctr">
+                      <a:solidFill>
+                        <a:schemeClr val="tx1"/>
+                      </a:solidFill>
+                      <a:prstDash val="solid"/>
+                      <a:round/>
+                      <a:headEnd type="none" w="med" len="med"/>
+                      <a:tailEnd type="none" w="med" len="med"/>
+                    </a:lnT>
+                  </a:tcPr>
+                </a:tc>
+                <a:extLst>
+                  <a:ext uri="{0D108BD9-81ED-4DB2-BD59-A6C34878D82A}">
+                    <a16:rowId xmlns:a16="http://schemas.microsoft.com/office/drawing/2014/main" val="1618717231"/>
+                  </a:ext>
+                </a:extLst>
+              </a:tr>
+            </a:tbl>
+          </a:graphicData>
+        </a:graphic>
+      </p:graphicFrame>
+      <p:pic>
+        <p:nvPicPr>
+          <p:cNvPr id="7" name="Content Placeholder 6">
+            <a:extLst>
+              <a:ext uri="{FF2B5EF4-FFF2-40B4-BE49-F238E27FC236}">
+                <a16:creationId xmlns:a16="http://schemas.microsoft.com/office/drawing/2014/main" id="{AE1C5F9F-D274-4D63-BF61-2EA6E1183C48}"/>
+              </a:ext>
+            </a:extLst>
+          </p:cNvPr>
+          <p:cNvPicPr>
+            <a:picLocks noChangeAspect="1"/>
+          </p:cNvPicPr>
+          <p:nvPr/>
+        </p:nvPicPr>
+        <p:blipFill>
+          <a:blip r:embed="rId2"/>
+          <a:stretch>
+            <a:fillRect/>
+          </a:stretch>
+        </p:blipFill>
+        <p:spPr>
+          <a:xfrm>
+            <a:off x="125188" y="1220281"/>
+            <a:ext cx="4272643" cy="4786770"/>
+          </a:xfrm>
+          <a:prstGeom prst="rect">
+            <a:avLst/>
+          </a:prstGeom>
+        </p:spPr>
+      </p:pic>
+    </p:spTree>
+    <p:extLst>
+      <p:ext uri="{BB962C8B-B14F-4D97-AF65-F5344CB8AC3E}">
+        <p14:creationId xmlns:p14="http://schemas.microsoft.com/office/powerpoint/2010/main" val="2128398239"/>
+      </p:ext>
+    </p:extLst>
+  </p:cSld>
+  <p:clrMapOvr>
+    <a:masterClrMapping/>
+  </p:clrMapOvr>
+</p:sld>
+</file>
+
+<file path=ppt/slides/slide18.xml><?xml version="1.0" encoding="utf-8"?>
+<p:sld xmlns:a="http://schemas.openxmlformats.org/drawingml/2006/main" xmlns:r="http://schemas.openxmlformats.org/officeDocument/2006/relationships" xmlns:p="http://schemas.openxmlformats.org/presentationml/2006/main">
+  <p:cSld>
+    <p:spTree>
+      <p:nvGrpSpPr>
+        <p:cNvPr id="1" name=""/>
+        <p:cNvGrpSpPr/>
+        <p:nvPr/>
+      </p:nvGrpSpPr>
+      <p:grpSpPr>
+        <a:xfrm>
+          <a:off x="0" y="0"/>
+          <a:ext cx="0" cy="0"/>
+          <a:chOff x="0" y="0"/>
+          <a:chExt cx="0" cy="0"/>
+        </a:xfrm>
+      </p:grpSpPr>
+      <p:sp>
+        <p:nvSpPr>
+          <p:cNvPr id="2" name="標題 1">
+            <a:extLst>
+              <a:ext uri="{FF2B5EF4-FFF2-40B4-BE49-F238E27FC236}">
+                <a16:creationId xmlns:a16="http://schemas.microsoft.com/office/drawing/2014/main" id="{21D46EF1-12EA-C94F-9F03-C7FE589E8C7A}"/>
+              </a:ext>
+            </a:extLst>
+          </p:cNvPr>
+          <p:cNvSpPr>
+            <a:spLocks noGrp="1"/>
+          </p:cNvSpPr>
+          <p:nvPr>
+            <p:ph type="title"/>
+          </p:nvPr>
+        </p:nvSpPr>
+        <p:spPr>
+          <a:xfrm>
+            <a:off x="122679" y="279807"/>
+            <a:ext cx="6912428" cy="599076"/>
+          </a:xfrm>
+        </p:spPr>
+        <p:txBody>
+          <a:bodyPr>
+            <a:normAutofit/>
+          </a:bodyPr>
+          <a:lstStyle/>
+          <a:p>
+            <a:r>
+              <a:rPr lang="zh-CN" altLang="en-US" dirty="0">
+                <a:latin typeface="Microsoft JhengHei" panose="020B0604030504040204" pitchFamily="34" charset="-120"/>
+                <a:ea typeface="Microsoft JhengHei" panose="020B0604030504040204" pitchFamily="34" charset="-120"/>
+              </a:rPr>
+              <a:t>小事件類別分類器：模型表現（在驗證集上）</a:t>
+            </a:r>
+            <a:endParaRPr kumimoji="1" lang="zh-TW" altLang="en-US" dirty="0"/>
+          </a:p>
+        </p:txBody>
+      </p:sp>
+      <p:sp>
+        <p:nvSpPr>
+          <p:cNvPr id="4" name="日期版面配置區 3">
+            <a:extLst>
+              <a:ext uri="{FF2B5EF4-FFF2-40B4-BE49-F238E27FC236}">
+                <a16:creationId xmlns:a16="http://schemas.microsoft.com/office/drawing/2014/main" id="{190A1806-A5E7-ED48-84B7-A10F862FB7D3}"/>
+              </a:ext>
+            </a:extLst>
+          </p:cNvPr>
+          <p:cNvSpPr>
+            <a:spLocks noGrp="1"/>
+          </p:cNvSpPr>
+          <p:nvPr>
+            <p:ph type="dt" sz="half" idx="10"/>
+          </p:nvPr>
+        </p:nvSpPr>
+        <p:spPr/>
+        <p:txBody>
+          <a:bodyPr/>
+          <a:lstStyle/>
+          <a:p>
+            <a:fld id="{868F4FC5-FE50-A64D-A7E3-22233A0C6925}" type="datetime1">
+              <a:rPr kumimoji="1" lang="zh-TW" altLang="en-US" smtClean="0"/>
+              <a:t>2020/6/18</a:t>
+            </a:fld>
+            <a:endParaRPr kumimoji="1" lang="zh-TW" altLang="en-US" dirty="0"/>
+          </a:p>
+        </p:txBody>
+      </p:sp>
+      <p:graphicFrame>
+        <p:nvGraphicFramePr>
+          <p:cNvPr id="10" name="表格 10">
+            <a:extLst>
+              <a:ext uri="{FF2B5EF4-FFF2-40B4-BE49-F238E27FC236}">
+                <a16:creationId xmlns:a16="http://schemas.microsoft.com/office/drawing/2014/main" id="{B817FE57-B960-46EB-AD55-8406A498C304}"/>
+              </a:ext>
+            </a:extLst>
+          </p:cNvPr>
+          <p:cNvGraphicFramePr>
+            <a:graphicFrameLocks noGrp="1"/>
+          </p:cNvGraphicFramePr>
+          <p:nvPr>
+            <p:ph idx="1"/>
+          </p:nvPr>
+        </p:nvGraphicFramePr>
+        <p:xfrm>
+          <a:off x="122679" y="1534885"/>
+          <a:ext cx="8912466" cy="4648199"/>
+        </p:xfrm>
+        <a:graphic>
+          <a:graphicData uri="http://schemas.openxmlformats.org/drawingml/2006/table">
+            <a:tbl>
+              <a:tblPr firstRow="1" bandRow="1">
+                <a:tableStyleId>{8EC20E35-A176-4012-BC5E-935CFFF8708E}</a:tableStyleId>
+              </a:tblPr>
+              <a:tblGrid>
+                <a:gridCol w="1485411">
+                  <a:extLst>
+                    <a:ext uri="{9D8B030D-6E8A-4147-A177-3AD203B41FA5}">
+                      <a16:colId xmlns:a16="http://schemas.microsoft.com/office/drawing/2014/main" val="2457621786"/>
+                    </a:ext>
+                  </a:extLst>
+                </a:gridCol>
+                <a:gridCol w="1485411">
+                  <a:extLst>
+                    <a:ext uri="{9D8B030D-6E8A-4147-A177-3AD203B41FA5}">
+                      <a16:colId xmlns:a16="http://schemas.microsoft.com/office/drawing/2014/main" val="3358545346"/>
+                    </a:ext>
+                  </a:extLst>
+                </a:gridCol>
+                <a:gridCol w="1485411">
+                  <a:extLst>
+                    <a:ext uri="{9D8B030D-6E8A-4147-A177-3AD203B41FA5}">
+                      <a16:colId xmlns:a16="http://schemas.microsoft.com/office/drawing/2014/main" val="2283937809"/>
+                    </a:ext>
+                  </a:extLst>
+                </a:gridCol>
+                <a:gridCol w="1485411">
+                  <a:extLst>
+                    <a:ext uri="{9D8B030D-6E8A-4147-A177-3AD203B41FA5}">
+                      <a16:colId xmlns:a16="http://schemas.microsoft.com/office/drawing/2014/main" val="3596225516"/>
+                    </a:ext>
+                  </a:extLst>
+                </a:gridCol>
+                <a:gridCol w="1485411">
+                  <a:extLst>
+                    <a:ext uri="{9D8B030D-6E8A-4147-A177-3AD203B41FA5}">
+                      <a16:colId xmlns:a16="http://schemas.microsoft.com/office/drawing/2014/main" val="1730954313"/>
+                    </a:ext>
+                  </a:extLst>
+                </a:gridCol>
+                <a:gridCol w="1485411">
+                  <a:extLst>
+                    <a:ext uri="{9D8B030D-6E8A-4147-A177-3AD203B41FA5}">
+                      <a16:colId xmlns:a16="http://schemas.microsoft.com/office/drawing/2014/main" val="4111329078"/>
+                    </a:ext>
+                  </a:extLst>
+                </a:gridCol>
+              </a:tblGrid>
+              <a:tr h="1150070">
+                <a:tc>
+                  <a:txBody>
+                    <a:bodyPr/>
+                    <a:lstStyle/>
+                    <a:p>
+                      <a:pPr algn="ctr"/>
+                      <a:endParaRPr lang="zh-TW" altLang="en-US" dirty="0">
+                        <a:latin typeface="微軟正黑體" panose="020B0604030504040204" pitchFamily="34" charset="-120"/>
+                        <a:ea typeface="微軟正黑體" panose="020B0604030504040204" pitchFamily="34" charset="-120"/>
+                      </a:endParaRPr>
+                    </a:p>
+                  </a:txBody>
+                  <a:tcPr anchor="ctr">
+                    <a:lnT w="28575" cap="flat" cmpd="sng" algn="ctr">
+                      <a:solidFill>
+                        <a:schemeClr val="tx1"/>
+                      </a:solidFill>
+                      <a:prstDash val="solid"/>
+                      <a:round/>
+                      <a:headEnd type="none" w="med" len="med"/>
+                      <a:tailEnd type="none" w="med" len="med"/>
+                    </a:lnT>
+                    <a:lnB w="28575" cap="flat" cmpd="sng" algn="ctr">
+                      <a:solidFill>
+                        <a:schemeClr val="tx1"/>
+                      </a:solidFill>
+                      <a:prstDash val="solid"/>
+                      <a:round/>
+                      <a:headEnd type="none" w="med" len="med"/>
+                      <a:tailEnd type="none" w="med" len="med"/>
+                    </a:lnB>
+                    <a:solidFill>
+                      <a:srgbClr val="A3D5CB"/>
+                    </a:solidFill>
+                  </a:tcPr>
+                </a:tc>
+                <a:tc>
+                  <a:txBody>
+                    <a:bodyPr/>
+                    <a:lstStyle/>
+                    <a:p>
+                      <a:pPr algn="ctr"/>
+                      <a:r>
+                        <a:rPr lang="en-US" altLang="zh-TW" dirty="0">
+                          <a:solidFill>
+                            <a:schemeClr val="tx1"/>
+                          </a:solidFill>
+                          <a:latin typeface="微軟正黑體" panose="020B0604030504040204" pitchFamily="34" charset="-120"/>
+                          <a:ea typeface="微軟正黑體" panose="020B0604030504040204" pitchFamily="34" charset="-120"/>
+                        </a:rPr>
+                        <a:t>A_</a:t>
+                      </a:r>
+                      <a:r>
+                        <a:rPr lang="zh-CN" altLang="en-US" dirty="0">
+                          <a:solidFill>
+                            <a:schemeClr val="tx1"/>
+                          </a:solidFill>
+                          <a:latin typeface="微軟正黑體" panose="020B0604030504040204" pitchFamily="34" charset="-120"/>
+                          <a:ea typeface="微軟正黑體" panose="020B0604030504040204" pitchFamily="34" charset="-120"/>
+                        </a:rPr>
+                        <a:t>會計</a:t>
+                      </a:r>
+                      <a:r>
+                        <a:rPr lang="en-US" altLang="zh-CN" dirty="0">
+                          <a:solidFill>
+                            <a:schemeClr val="tx1"/>
+                          </a:solidFill>
+                          <a:latin typeface="微軟正黑體" panose="020B0604030504040204" pitchFamily="34" charset="-120"/>
+                          <a:ea typeface="微軟正黑體" panose="020B0604030504040204" pitchFamily="34" charset="-120"/>
+                        </a:rPr>
+                        <a:t>/</a:t>
+                      </a:r>
+                      <a:r>
+                        <a:rPr lang="zh-CN" altLang="en-US" dirty="0">
+                          <a:solidFill>
+                            <a:schemeClr val="tx1"/>
+                          </a:solidFill>
+                          <a:latin typeface="微軟正黑體" panose="020B0604030504040204" pitchFamily="34" charset="-120"/>
+                          <a:ea typeface="微軟正黑體" panose="020B0604030504040204" pitchFamily="34" charset="-120"/>
+                        </a:rPr>
+                        <a:t>財報分析</a:t>
+                      </a:r>
+                      <a:endParaRPr lang="zh-TW" altLang="en-US" dirty="0">
+                        <a:latin typeface="微軟正黑體" panose="020B0604030504040204" pitchFamily="34" charset="-120"/>
+                        <a:ea typeface="微軟正黑體" panose="020B0604030504040204" pitchFamily="34" charset="-120"/>
+                      </a:endParaRPr>
+                    </a:p>
+                  </a:txBody>
+                  <a:tcPr anchor="ctr">
+                    <a:lnT w="28575" cap="flat" cmpd="sng" algn="ctr">
+                      <a:solidFill>
+                        <a:schemeClr val="tx1"/>
+                      </a:solidFill>
+                      <a:prstDash val="solid"/>
+                      <a:round/>
+                      <a:headEnd type="none" w="med" len="med"/>
+                      <a:tailEnd type="none" w="med" len="med"/>
+                    </a:lnT>
+                    <a:lnB w="28575" cap="flat" cmpd="sng" algn="ctr">
+                      <a:solidFill>
+                        <a:schemeClr val="tx1"/>
+                      </a:solidFill>
+                      <a:prstDash val="solid"/>
+                      <a:round/>
+                      <a:headEnd type="none" w="med" len="med"/>
+                      <a:tailEnd type="none" w="med" len="med"/>
+                    </a:lnB>
+                    <a:solidFill>
+                      <a:srgbClr val="A3D5CB"/>
+                    </a:solidFill>
+                  </a:tcPr>
+                </a:tc>
+                <a:tc>
+                  <a:txBody>
+                    <a:bodyPr/>
+                    <a:lstStyle/>
+                    <a:p>
+                      <a:pPr algn="ctr"/>
+                      <a:r>
+                        <a:rPr lang="en-US" altLang="zh-TW" dirty="0">
+                          <a:solidFill>
+                            <a:schemeClr val="tx1"/>
+                          </a:solidFill>
+                          <a:latin typeface="微軟正黑體" panose="020B0604030504040204" pitchFamily="34" charset="-120"/>
+                          <a:ea typeface="微軟正黑體" panose="020B0604030504040204" pitchFamily="34" charset="-120"/>
+                        </a:rPr>
+                        <a:t>F_</a:t>
+                      </a:r>
+                      <a:r>
+                        <a:rPr lang="zh-CN" altLang="en-US" dirty="0">
+                          <a:solidFill>
+                            <a:schemeClr val="tx1"/>
+                          </a:solidFill>
+                          <a:latin typeface="微軟正黑體" panose="020B0604030504040204" pitchFamily="34" charset="-120"/>
+                          <a:ea typeface="微軟正黑體" panose="020B0604030504040204" pitchFamily="34" charset="-120"/>
+                        </a:rPr>
+                        <a:t>市場交易</a:t>
+                      </a:r>
+                      <a:endParaRPr lang="zh-TW" altLang="en-US" dirty="0">
+                        <a:latin typeface="微軟正黑體" panose="020B0604030504040204" pitchFamily="34" charset="-120"/>
+                        <a:ea typeface="微軟正黑體" panose="020B0604030504040204" pitchFamily="34" charset="-120"/>
+                      </a:endParaRPr>
+                    </a:p>
+                  </a:txBody>
+                  <a:tcPr anchor="ctr">
+                    <a:lnT w="28575" cap="flat" cmpd="sng" algn="ctr">
+                      <a:solidFill>
+                        <a:schemeClr val="tx1"/>
+                      </a:solidFill>
+                      <a:prstDash val="solid"/>
+                      <a:round/>
+                      <a:headEnd type="none" w="med" len="med"/>
+                      <a:tailEnd type="none" w="med" len="med"/>
+                    </a:lnT>
+                    <a:lnB w="28575" cap="flat" cmpd="sng" algn="ctr">
+                      <a:solidFill>
+                        <a:schemeClr val="tx1"/>
+                      </a:solidFill>
+                      <a:prstDash val="solid"/>
+                      <a:round/>
+                      <a:headEnd type="none" w="med" len="med"/>
+                      <a:tailEnd type="none" w="med" len="med"/>
+                    </a:lnB>
+                    <a:solidFill>
+                      <a:srgbClr val="A3D5CB"/>
+                    </a:solidFill>
+                  </a:tcPr>
+                </a:tc>
+                <a:tc>
+                  <a:txBody>
+                    <a:bodyPr/>
+                    <a:lstStyle/>
+                    <a:p>
+                      <a:pPr algn="ctr"/>
+                      <a:r>
+                        <a:rPr lang="en-US" altLang="zh-TW" dirty="0">
+                          <a:solidFill>
+                            <a:schemeClr val="tx1"/>
+                          </a:solidFill>
+                          <a:latin typeface="微軟正黑體" panose="020B0604030504040204" pitchFamily="34" charset="-120"/>
+                          <a:ea typeface="微軟正黑體" panose="020B0604030504040204" pitchFamily="34" charset="-120"/>
+                        </a:rPr>
+                        <a:t>I_</a:t>
+                      </a:r>
+                      <a:r>
+                        <a:rPr lang="zh-CN" altLang="en-US" dirty="0">
+                          <a:solidFill>
+                            <a:schemeClr val="tx1"/>
+                          </a:solidFill>
+                          <a:latin typeface="微軟正黑體" panose="020B0604030504040204" pitchFamily="34" charset="-120"/>
+                          <a:ea typeface="微軟正黑體" panose="020B0604030504040204" pitchFamily="34" charset="-120"/>
+                        </a:rPr>
+                        <a:t>產業前景</a:t>
+                      </a:r>
+                      <a:endParaRPr lang="zh-TW" altLang="en-US" dirty="0">
+                        <a:latin typeface="微軟正黑體" panose="020B0604030504040204" pitchFamily="34" charset="-120"/>
+                        <a:ea typeface="微軟正黑體" panose="020B0604030504040204" pitchFamily="34" charset="-120"/>
+                      </a:endParaRPr>
+                    </a:p>
+                  </a:txBody>
+                  <a:tcPr anchor="ctr">
+                    <a:lnT w="28575" cap="flat" cmpd="sng" algn="ctr">
+                      <a:solidFill>
+                        <a:schemeClr val="tx1"/>
+                      </a:solidFill>
+                      <a:prstDash val="solid"/>
+                      <a:round/>
+                      <a:headEnd type="none" w="med" len="med"/>
+                      <a:tailEnd type="none" w="med" len="med"/>
+                    </a:lnT>
+                    <a:lnB w="28575" cap="flat" cmpd="sng" algn="ctr">
+                      <a:solidFill>
+                        <a:schemeClr val="tx1"/>
+                      </a:solidFill>
+                      <a:prstDash val="solid"/>
+                      <a:round/>
+                      <a:headEnd type="none" w="med" len="med"/>
+                      <a:tailEnd type="none" w="med" len="med"/>
+                    </a:lnB>
+                    <a:solidFill>
+                      <a:srgbClr val="A3D5CB"/>
+                    </a:solidFill>
+                  </a:tcPr>
+                </a:tc>
+                <a:tc>
+                  <a:txBody>
+                    <a:bodyPr/>
+                    <a:lstStyle/>
+                    <a:p>
+                      <a:pPr algn="ctr"/>
+                      <a:r>
+                        <a:rPr lang="en-US" altLang="zh-TW" dirty="0">
+                          <a:solidFill>
+                            <a:schemeClr val="tx1"/>
+                          </a:solidFill>
+                          <a:latin typeface="微軟正黑體" panose="020B0604030504040204" pitchFamily="34" charset="-120"/>
+                          <a:ea typeface="微軟正黑體" panose="020B0604030504040204" pitchFamily="34" charset="-120"/>
+                        </a:rPr>
+                        <a:t>M_</a:t>
+                      </a:r>
+                      <a:r>
+                        <a:rPr lang="zh-CN" altLang="en-US" dirty="0">
+                          <a:solidFill>
+                            <a:schemeClr val="tx1"/>
+                          </a:solidFill>
+                          <a:latin typeface="微軟正黑體" panose="020B0604030504040204" pitchFamily="34" charset="-120"/>
+                          <a:ea typeface="微軟正黑體" panose="020B0604030504040204" pitchFamily="34" charset="-120"/>
+                        </a:rPr>
+                        <a:t>經營層</a:t>
+                      </a:r>
+                      <a:endParaRPr lang="zh-TW" altLang="en-US" dirty="0">
+                        <a:latin typeface="微軟正黑體" panose="020B0604030504040204" pitchFamily="34" charset="-120"/>
+                        <a:ea typeface="微軟正黑體" panose="020B0604030504040204" pitchFamily="34" charset="-120"/>
+                      </a:endParaRPr>
+                    </a:p>
+                  </a:txBody>
+                  <a:tcPr anchor="ctr">
+                    <a:lnT w="28575" cap="flat" cmpd="sng" algn="ctr">
+                      <a:solidFill>
+                        <a:schemeClr val="tx1"/>
+                      </a:solidFill>
+                      <a:prstDash val="solid"/>
+                      <a:round/>
+                      <a:headEnd type="none" w="med" len="med"/>
+                      <a:tailEnd type="none" w="med" len="med"/>
+                    </a:lnT>
+                    <a:lnB w="28575" cap="flat" cmpd="sng" algn="ctr">
+                      <a:solidFill>
+                        <a:schemeClr val="tx1"/>
+                      </a:solidFill>
+                      <a:prstDash val="solid"/>
+                      <a:round/>
+                      <a:headEnd type="none" w="med" len="med"/>
+                      <a:tailEnd type="none" w="med" len="med"/>
+                    </a:lnB>
+                    <a:solidFill>
+                      <a:srgbClr val="A3D5CB"/>
+                    </a:solidFill>
+                  </a:tcPr>
+                </a:tc>
+                <a:tc>
+                  <a:txBody>
+                    <a:bodyPr/>
+                    <a:lstStyle/>
+                    <a:p>
+                      <a:pPr algn="ctr"/>
+                      <a:r>
+                        <a:rPr lang="en-US" altLang="zh-TW" b="1" u="none" dirty="0">
+                          <a:solidFill>
+                            <a:schemeClr val="tx1"/>
+                          </a:solidFill>
+                          <a:latin typeface="微軟正黑體" panose="020B0604030504040204" pitchFamily="34" charset="-120"/>
+                          <a:ea typeface="微軟正黑體" panose="020B0604030504040204" pitchFamily="34" charset="-120"/>
+                        </a:rPr>
+                        <a:t>R_</a:t>
+                      </a:r>
+                      <a:r>
+                        <a:rPr lang="zh-CN" altLang="en-US" b="1" u="none" dirty="0">
+                          <a:solidFill>
+                            <a:schemeClr val="tx1"/>
+                          </a:solidFill>
+                          <a:latin typeface="微軟正黑體" panose="020B0604030504040204" pitchFamily="34" charset="-120"/>
+                          <a:ea typeface="微軟正黑體" panose="020B0604030504040204" pitchFamily="34" charset="-120"/>
+                        </a:rPr>
+                        <a:t>危機</a:t>
+                      </a:r>
+                      <a:endParaRPr lang="zh-TW" altLang="en-US" u="none" dirty="0">
+                        <a:latin typeface="微軟正黑體" panose="020B0604030504040204" pitchFamily="34" charset="-120"/>
+                        <a:ea typeface="微軟正黑體" panose="020B0604030504040204" pitchFamily="34" charset="-120"/>
+                      </a:endParaRPr>
+                    </a:p>
+                  </a:txBody>
+                  <a:tcPr anchor="ctr">
+                    <a:lnT w="28575" cap="flat" cmpd="sng" algn="ctr">
+                      <a:solidFill>
+                        <a:schemeClr val="tx1"/>
+                      </a:solidFill>
+                      <a:prstDash val="solid"/>
+                      <a:round/>
+                      <a:headEnd type="none" w="med" len="med"/>
+                      <a:tailEnd type="none" w="med" len="med"/>
+                    </a:lnT>
+                    <a:lnB w="28575" cap="flat" cmpd="sng" algn="ctr">
+                      <a:solidFill>
+                        <a:schemeClr val="tx1"/>
+                      </a:solidFill>
+                      <a:prstDash val="solid"/>
+                      <a:round/>
+                      <a:headEnd type="none" w="med" len="med"/>
+                      <a:tailEnd type="none" w="med" len="med"/>
+                    </a:lnB>
+                    <a:solidFill>
+                      <a:srgbClr val="A3D5CB"/>
+                    </a:solidFill>
+                  </a:tcPr>
+                </a:tc>
+                <a:extLst>
+                  <a:ext uri="{0D108BD9-81ED-4DB2-BD59-A6C34878D82A}">
+                    <a16:rowId xmlns:a16="http://schemas.microsoft.com/office/drawing/2014/main" val="73455374"/>
+                  </a:ext>
+                </a:extLst>
+              </a:tr>
+              <a:tr h="1166043">
+                <a:tc>
+                  <a:txBody>
+                    <a:bodyPr/>
+                    <a:lstStyle/>
+                    <a:p>
+                      <a:r>
+                        <a:rPr lang="en-US" altLang="zh-TW" dirty="0">
+                          <a:solidFill>
+                            <a:schemeClr val="tx1"/>
+                          </a:solidFill>
+                          <a:latin typeface="微軟正黑體" panose="020B0604030504040204" pitchFamily="34" charset="-120"/>
+                          <a:ea typeface="微軟正黑體" panose="020B0604030504040204" pitchFamily="34" charset="-120"/>
+                          <a:cs typeface="Microsoft Himalaya" pitchFamily="2" charset="0"/>
+                        </a:rPr>
+                        <a:t>precision</a:t>
+                      </a:r>
+                      <a:endParaRPr lang="zh-TW" altLang="en-US" dirty="0">
+                        <a:latin typeface="微軟正黑體" panose="020B0604030504040204" pitchFamily="34" charset="-120"/>
+                        <a:ea typeface="微軟正黑體" panose="020B0604030504040204" pitchFamily="34" charset="-120"/>
+                      </a:endParaRPr>
+                    </a:p>
+                  </a:txBody>
+                  <a:tcPr anchor="ctr">
+                    <a:lnT w="28575" cap="flat" cmpd="sng" algn="ctr">
+                      <a:solidFill>
+                        <a:schemeClr val="tx1"/>
+                      </a:solidFill>
+                      <a:prstDash val="solid"/>
+                      <a:round/>
+                      <a:headEnd type="none" w="med" len="med"/>
+                      <a:tailEnd type="none" w="med" len="med"/>
+                    </a:lnT>
+                    <a:lnB w="28575" cap="flat" cmpd="sng" algn="ctr">
+                      <a:solidFill>
+                        <a:schemeClr val="tx1"/>
+                      </a:solidFill>
+                      <a:prstDash val="solid"/>
+                      <a:round/>
+                      <a:headEnd type="none" w="med" len="med"/>
+                      <a:tailEnd type="none" w="med" len="med"/>
+                    </a:lnB>
+                    <a:solidFill>
+                      <a:srgbClr val="A3D5CB"/>
+                    </a:solidFill>
+                  </a:tcPr>
+                </a:tc>
+                <a:tc>
+                  <a:txBody>
+                    <a:bodyPr/>
+                    <a:lstStyle/>
+                    <a:p>
+                      <a:pPr algn="ctr"/>
+                      <a:r>
+                        <a:rPr lang="en-US" altLang="zh-TW" dirty="0">
+                          <a:solidFill>
+                            <a:schemeClr val="tx1"/>
+                          </a:solidFill>
+                          <a:latin typeface="微軟正黑體" panose="020B0604030504040204" pitchFamily="34" charset="-120"/>
+                          <a:ea typeface="微軟正黑體" panose="020B0604030504040204" pitchFamily="34" charset="-120"/>
+                          <a:cs typeface="Microsoft Himalaya" pitchFamily="2" charset="0"/>
+                        </a:rPr>
+                        <a:t>0.672 </a:t>
+                      </a:r>
+                      <a:endParaRPr lang="zh-TW" altLang="en-US" dirty="0">
+                        <a:latin typeface="微軟正黑體" panose="020B0604030504040204" pitchFamily="34" charset="-120"/>
+                        <a:ea typeface="微軟正黑體" panose="020B0604030504040204" pitchFamily="34" charset="-120"/>
+                      </a:endParaRPr>
+                    </a:p>
+                  </a:txBody>
+                  <a:tcPr anchor="ctr">
+                    <a:lnT w="28575" cap="flat" cmpd="sng" algn="ctr">
+                      <a:solidFill>
+                        <a:schemeClr val="tx1"/>
+                      </a:solidFill>
+                      <a:prstDash val="solid"/>
+                      <a:round/>
+                      <a:headEnd type="none" w="med" len="med"/>
+                      <a:tailEnd type="none" w="med" len="med"/>
+                    </a:lnT>
+                    <a:lnB w="28575" cap="flat" cmpd="sng" algn="ctr">
+                      <a:solidFill>
+                        <a:schemeClr val="tx1"/>
+                      </a:solidFill>
+                      <a:prstDash val="solid"/>
+                      <a:round/>
+                      <a:headEnd type="none" w="med" len="med"/>
+                      <a:tailEnd type="none" w="med" len="med"/>
+                    </a:lnB>
+                    <a:solidFill>
+                      <a:srgbClr val="A3D5CB"/>
+                    </a:solidFill>
+                  </a:tcPr>
+                </a:tc>
+                <a:tc>
+                  <a:txBody>
+                    <a:bodyPr/>
+                    <a:lstStyle/>
+                    <a:p>
+                      <a:pPr algn="ctr"/>
+                      <a:r>
+                        <a:rPr lang="en-US" altLang="zh-TW" dirty="0">
+                          <a:solidFill>
+                            <a:schemeClr val="tx1"/>
+                          </a:solidFill>
+                          <a:latin typeface="微軟正黑體" panose="020B0604030504040204" pitchFamily="34" charset="-120"/>
+                          <a:ea typeface="微軟正黑體" panose="020B0604030504040204" pitchFamily="34" charset="-120"/>
+                          <a:cs typeface="Microsoft Himalaya" pitchFamily="2" charset="0"/>
+                        </a:rPr>
+                        <a:t>0.995 </a:t>
+                      </a:r>
+                      <a:endParaRPr lang="zh-TW" altLang="en-US" dirty="0">
+                        <a:latin typeface="微軟正黑體" panose="020B0604030504040204" pitchFamily="34" charset="-120"/>
+                        <a:ea typeface="微軟正黑體" panose="020B0604030504040204" pitchFamily="34" charset="-120"/>
+                      </a:endParaRPr>
+                    </a:p>
+                  </a:txBody>
+                  <a:tcPr anchor="ctr">
+                    <a:lnT w="28575" cap="flat" cmpd="sng" algn="ctr">
+                      <a:solidFill>
+                        <a:schemeClr val="tx1"/>
+                      </a:solidFill>
+                      <a:prstDash val="solid"/>
+                      <a:round/>
+                      <a:headEnd type="none" w="med" len="med"/>
+                      <a:tailEnd type="none" w="med" len="med"/>
+                    </a:lnT>
+                    <a:lnB w="28575" cap="flat" cmpd="sng" algn="ctr">
+                      <a:solidFill>
+                        <a:schemeClr val="tx1"/>
+                      </a:solidFill>
+                      <a:prstDash val="solid"/>
+                      <a:round/>
+                      <a:headEnd type="none" w="med" len="med"/>
+                      <a:tailEnd type="none" w="med" len="med"/>
+                    </a:lnB>
+                    <a:solidFill>
+                      <a:srgbClr val="A3D5CB"/>
+                    </a:solidFill>
+                  </a:tcPr>
+                </a:tc>
+                <a:tc>
+                  <a:txBody>
+                    <a:bodyPr/>
+                    <a:lstStyle/>
+                    <a:p>
+                      <a:pPr algn="ctr"/>
+                      <a:r>
+                        <a:rPr lang="en-US" altLang="zh-TW" dirty="0">
+                          <a:solidFill>
+                            <a:schemeClr val="tx1"/>
+                          </a:solidFill>
+                          <a:latin typeface="微軟正黑體" panose="020B0604030504040204" pitchFamily="34" charset="-120"/>
+                          <a:ea typeface="微軟正黑體" panose="020B0604030504040204" pitchFamily="34" charset="-120"/>
+                          <a:cs typeface="Microsoft Himalaya" pitchFamily="2" charset="0"/>
+                        </a:rPr>
+                        <a:t>0.979</a:t>
+                      </a:r>
+                      <a:endParaRPr lang="zh-TW" altLang="en-US" dirty="0">
+                        <a:latin typeface="微軟正黑體" panose="020B0604030504040204" pitchFamily="34" charset="-120"/>
+                        <a:ea typeface="微軟正黑體" panose="020B0604030504040204" pitchFamily="34" charset="-120"/>
+                      </a:endParaRPr>
+                    </a:p>
+                  </a:txBody>
+                  <a:tcPr anchor="ctr">
+                    <a:lnT w="28575" cap="flat" cmpd="sng" algn="ctr">
+                      <a:solidFill>
+                        <a:schemeClr val="tx1"/>
+                      </a:solidFill>
+                      <a:prstDash val="solid"/>
+                      <a:round/>
+                      <a:headEnd type="none" w="med" len="med"/>
+                      <a:tailEnd type="none" w="med" len="med"/>
+                    </a:lnT>
+                    <a:lnB w="28575" cap="flat" cmpd="sng" algn="ctr">
+                      <a:solidFill>
+                        <a:schemeClr val="tx1"/>
+                      </a:solidFill>
+                      <a:prstDash val="solid"/>
+                      <a:round/>
+                      <a:headEnd type="none" w="med" len="med"/>
+                      <a:tailEnd type="none" w="med" len="med"/>
+                    </a:lnB>
+                    <a:solidFill>
+                      <a:srgbClr val="A3D5CB"/>
+                    </a:solidFill>
+                  </a:tcPr>
+                </a:tc>
+                <a:tc>
+                  <a:txBody>
+                    <a:bodyPr/>
+                    <a:lstStyle/>
+                    <a:p>
+                      <a:pPr algn="ctr"/>
+                      <a:r>
+                        <a:rPr lang="en-US" altLang="zh-TW" dirty="0">
+                          <a:solidFill>
+                            <a:schemeClr val="tx1"/>
+                          </a:solidFill>
+                          <a:latin typeface="微軟正黑體" panose="020B0604030504040204" pitchFamily="34" charset="-120"/>
+                          <a:ea typeface="微軟正黑體" panose="020B0604030504040204" pitchFamily="34" charset="-120"/>
+                          <a:cs typeface="Microsoft Himalaya" pitchFamily="2" charset="0"/>
+                        </a:rPr>
+                        <a:t>0.959 </a:t>
+                      </a:r>
+                      <a:endParaRPr lang="zh-TW" altLang="en-US" dirty="0">
+                        <a:latin typeface="微軟正黑體" panose="020B0604030504040204" pitchFamily="34" charset="-120"/>
+                        <a:ea typeface="微軟正黑體" panose="020B0604030504040204" pitchFamily="34" charset="-120"/>
+                      </a:endParaRPr>
+                    </a:p>
+                  </a:txBody>
+                  <a:tcPr anchor="ctr">
+                    <a:lnT w="28575" cap="flat" cmpd="sng" algn="ctr">
+                      <a:solidFill>
+                        <a:schemeClr val="tx1"/>
+                      </a:solidFill>
+                      <a:prstDash val="solid"/>
+                      <a:round/>
+                      <a:headEnd type="none" w="med" len="med"/>
+                      <a:tailEnd type="none" w="med" len="med"/>
+                    </a:lnT>
+                    <a:lnB w="28575" cap="flat" cmpd="sng" algn="ctr">
+                      <a:solidFill>
+                        <a:schemeClr val="tx1"/>
+                      </a:solidFill>
+                      <a:prstDash val="solid"/>
+                      <a:round/>
+                      <a:headEnd type="none" w="med" len="med"/>
+                      <a:tailEnd type="none" w="med" len="med"/>
+                    </a:lnB>
+                    <a:solidFill>
+                      <a:srgbClr val="A3D5CB"/>
+                    </a:solidFill>
+                  </a:tcPr>
+                </a:tc>
+                <a:tc>
+                  <a:txBody>
+                    <a:bodyPr/>
+                    <a:lstStyle/>
+                    <a:p>
+                      <a:pPr algn="ctr"/>
+                      <a:r>
+                        <a:rPr lang="en-US" altLang="zh-TW" dirty="0">
+                          <a:solidFill>
+                            <a:schemeClr val="tx1"/>
+                          </a:solidFill>
+                          <a:latin typeface="微軟正黑體" panose="020B0604030504040204" pitchFamily="34" charset="-120"/>
+                          <a:ea typeface="微軟正黑體" panose="020B0604030504040204" pitchFamily="34" charset="-120"/>
+                          <a:cs typeface="Microsoft Himalaya" pitchFamily="2" charset="0"/>
+                        </a:rPr>
+                        <a:t>0.888</a:t>
+                      </a:r>
+                      <a:endParaRPr lang="zh-TW" altLang="en-US" dirty="0">
+                        <a:latin typeface="微軟正黑體" panose="020B0604030504040204" pitchFamily="34" charset="-120"/>
+                        <a:ea typeface="微軟正黑體" panose="020B0604030504040204" pitchFamily="34" charset="-120"/>
+                      </a:endParaRPr>
+                    </a:p>
+                  </a:txBody>
+                  <a:tcPr anchor="ctr">
+                    <a:lnT w="28575" cap="flat" cmpd="sng" algn="ctr">
+                      <a:solidFill>
+                        <a:schemeClr val="tx1"/>
+                      </a:solidFill>
+                      <a:prstDash val="solid"/>
+                      <a:round/>
+                      <a:headEnd type="none" w="med" len="med"/>
+                      <a:tailEnd type="none" w="med" len="med"/>
+                    </a:lnT>
+                    <a:lnB w="28575" cap="flat" cmpd="sng" algn="ctr">
+                      <a:solidFill>
+                        <a:schemeClr val="tx1"/>
+                      </a:solidFill>
+                      <a:prstDash val="solid"/>
+                      <a:round/>
+                      <a:headEnd type="none" w="med" len="med"/>
+                      <a:tailEnd type="none" w="med" len="med"/>
+                    </a:lnB>
+                    <a:solidFill>
+                      <a:srgbClr val="A3D5CB"/>
+                    </a:solidFill>
+                  </a:tcPr>
+                </a:tc>
+                <a:extLst>
+                  <a:ext uri="{0D108BD9-81ED-4DB2-BD59-A6C34878D82A}">
+                    <a16:rowId xmlns:a16="http://schemas.microsoft.com/office/drawing/2014/main" val="1680509122"/>
+                  </a:ext>
+                </a:extLst>
+              </a:tr>
+              <a:tr h="1166043">
+                <a:tc>
+                  <a:txBody>
+                    <a:bodyPr/>
+                    <a:lstStyle/>
+                    <a:p>
+                      <a:r>
+                        <a:rPr lang="en-US" altLang="zh-TW" dirty="0">
+                          <a:solidFill>
+                            <a:schemeClr val="tx1"/>
+                          </a:solidFill>
+                          <a:latin typeface="微軟正黑體" panose="020B0604030504040204" pitchFamily="34" charset="-120"/>
+                          <a:ea typeface="微軟正黑體" panose="020B0604030504040204" pitchFamily="34" charset="-120"/>
+                          <a:cs typeface="Microsoft Himalaya" pitchFamily="2" charset="0"/>
+                        </a:rPr>
+                        <a:t>recall:</a:t>
+                      </a:r>
+                      <a:endParaRPr lang="zh-TW" altLang="en-US" dirty="0">
+                        <a:latin typeface="微軟正黑體" panose="020B0604030504040204" pitchFamily="34" charset="-120"/>
+                        <a:ea typeface="微軟正黑體" panose="020B0604030504040204" pitchFamily="34" charset="-120"/>
+                      </a:endParaRPr>
+                    </a:p>
+                  </a:txBody>
+                  <a:tcPr anchor="ctr">
+                    <a:lnT w="28575" cap="flat" cmpd="sng" algn="ctr">
+                      <a:solidFill>
+                        <a:schemeClr val="tx1"/>
+                      </a:solidFill>
+                      <a:prstDash val="solid"/>
+                      <a:round/>
+                      <a:headEnd type="none" w="med" len="med"/>
+                      <a:tailEnd type="none" w="med" len="med"/>
+                    </a:lnT>
+                    <a:lnB w="28575" cap="flat" cmpd="sng" algn="ctr">
+                      <a:solidFill>
+                        <a:schemeClr val="tx1"/>
+                      </a:solidFill>
+                      <a:prstDash val="solid"/>
+                      <a:round/>
+                      <a:headEnd type="none" w="med" len="med"/>
+                      <a:tailEnd type="none" w="med" len="med"/>
+                    </a:lnB>
+                  </a:tcPr>
+                </a:tc>
+                <a:tc>
+                  <a:txBody>
+                    <a:bodyPr/>
+                    <a:lstStyle/>
+                    <a:p>
+                      <a:pPr algn="ctr"/>
+                      <a:r>
+                        <a:rPr lang="en-US" altLang="zh-TW" dirty="0">
+                          <a:solidFill>
+                            <a:schemeClr val="tx1"/>
+                          </a:solidFill>
+                          <a:latin typeface="微軟正黑體" panose="020B0604030504040204" pitchFamily="34" charset="-120"/>
+                          <a:ea typeface="微軟正黑體" panose="020B0604030504040204" pitchFamily="34" charset="-120"/>
+                          <a:cs typeface="Microsoft Himalaya" pitchFamily="2" charset="0"/>
+                        </a:rPr>
+                        <a:t>[0.741 </a:t>
+                      </a:r>
+                      <a:endParaRPr lang="zh-TW" altLang="en-US" dirty="0">
+                        <a:latin typeface="微軟正黑體" panose="020B0604030504040204" pitchFamily="34" charset="-120"/>
+                        <a:ea typeface="微軟正黑體" panose="020B0604030504040204" pitchFamily="34" charset="-120"/>
+                      </a:endParaRPr>
+                    </a:p>
+                  </a:txBody>
+                  <a:tcPr anchor="ctr">
+                    <a:lnT w="28575" cap="flat" cmpd="sng" algn="ctr">
+                      <a:solidFill>
+                        <a:schemeClr val="tx1"/>
+                      </a:solidFill>
+                      <a:prstDash val="solid"/>
+                      <a:round/>
+                      <a:headEnd type="none" w="med" len="med"/>
+                      <a:tailEnd type="none" w="med" len="med"/>
+                    </a:lnT>
+                    <a:lnB w="28575" cap="flat" cmpd="sng" algn="ctr">
+                      <a:solidFill>
+                        <a:schemeClr val="tx1"/>
+                      </a:solidFill>
+                      <a:prstDash val="solid"/>
+                      <a:round/>
+                      <a:headEnd type="none" w="med" len="med"/>
+                      <a:tailEnd type="none" w="med" len="med"/>
+                    </a:lnB>
+                  </a:tcPr>
+                </a:tc>
+                <a:tc>
+                  <a:txBody>
+                    <a:bodyPr/>
+                    <a:lstStyle/>
+                    <a:p>
+                      <a:pPr algn="ctr"/>
+                      <a:r>
+                        <a:rPr lang="en-US" altLang="zh-TW" dirty="0">
+                          <a:solidFill>
+                            <a:schemeClr val="tx1"/>
+                          </a:solidFill>
+                          <a:latin typeface="微軟正黑體" panose="020B0604030504040204" pitchFamily="34" charset="-120"/>
+                          <a:ea typeface="微軟正黑體" panose="020B0604030504040204" pitchFamily="34" charset="-120"/>
+                          <a:cs typeface="Microsoft Himalaya" pitchFamily="2" charset="0"/>
+                        </a:rPr>
+                        <a:t>0.974</a:t>
+                      </a:r>
+                      <a:endParaRPr lang="zh-TW" altLang="en-US" dirty="0">
+                        <a:latin typeface="微軟正黑體" panose="020B0604030504040204" pitchFamily="34" charset="-120"/>
+                        <a:ea typeface="微軟正黑體" panose="020B0604030504040204" pitchFamily="34" charset="-120"/>
+                      </a:endParaRPr>
+                    </a:p>
+                  </a:txBody>
+                  <a:tcPr anchor="ctr">
+                    <a:lnT w="28575" cap="flat" cmpd="sng" algn="ctr">
+                      <a:solidFill>
+                        <a:schemeClr val="tx1"/>
+                      </a:solidFill>
+                      <a:prstDash val="solid"/>
+                      <a:round/>
+                      <a:headEnd type="none" w="med" len="med"/>
+                      <a:tailEnd type="none" w="med" len="med"/>
+                    </a:lnT>
+                    <a:lnB w="28575" cap="flat" cmpd="sng" algn="ctr">
+                      <a:solidFill>
+                        <a:schemeClr val="tx1"/>
+                      </a:solidFill>
+                      <a:prstDash val="solid"/>
+                      <a:round/>
+                      <a:headEnd type="none" w="med" len="med"/>
+                      <a:tailEnd type="none" w="med" len="med"/>
+                    </a:lnB>
+                  </a:tcPr>
+                </a:tc>
+                <a:tc>
+                  <a:txBody>
+                    <a:bodyPr/>
+                    <a:lstStyle/>
+                    <a:p>
+                      <a:pPr algn="ctr"/>
+                      <a:r>
+                        <a:rPr lang="en-US" altLang="zh-TW" dirty="0">
+                          <a:solidFill>
+                            <a:schemeClr val="tx1"/>
+                          </a:solidFill>
+                          <a:latin typeface="微軟正黑體" panose="020B0604030504040204" pitchFamily="34" charset="-120"/>
+                          <a:ea typeface="微軟正黑體" panose="020B0604030504040204" pitchFamily="34" charset="-120"/>
+                          <a:cs typeface="Microsoft Himalaya" pitchFamily="2" charset="0"/>
+                        </a:rPr>
+                        <a:t>0.982 </a:t>
+                      </a:r>
+                      <a:endParaRPr lang="zh-TW" altLang="en-US" dirty="0">
+                        <a:latin typeface="微軟正黑體" panose="020B0604030504040204" pitchFamily="34" charset="-120"/>
+                        <a:ea typeface="微軟正黑體" panose="020B0604030504040204" pitchFamily="34" charset="-120"/>
+                      </a:endParaRPr>
+                    </a:p>
+                  </a:txBody>
+                  <a:tcPr anchor="ctr">
+                    <a:lnT w="28575" cap="flat" cmpd="sng" algn="ctr">
+                      <a:solidFill>
+                        <a:schemeClr val="tx1"/>
+                      </a:solidFill>
+                      <a:prstDash val="solid"/>
+                      <a:round/>
+                      <a:headEnd type="none" w="med" len="med"/>
+                      <a:tailEnd type="none" w="med" len="med"/>
+                    </a:lnT>
+                    <a:lnB w="28575" cap="flat" cmpd="sng" algn="ctr">
+                      <a:solidFill>
+                        <a:schemeClr val="tx1"/>
+                      </a:solidFill>
+                      <a:prstDash val="solid"/>
+                      <a:round/>
+                      <a:headEnd type="none" w="med" len="med"/>
+                      <a:tailEnd type="none" w="med" len="med"/>
+                    </a:lnB>
+                  </a:tcPr>
+                </a:tc>
+                <a:tc>
+                  <a:txBody>
+                    <a:bodyPr/>
+                    <a:lstStyle/>
+                    <a:p>
+                      <a:pPr algn="ctr"/>
+                      <a:r>
+                        <a:rPr lang="en-US" altLang="zh-TW" dirty="0">
+                          <a:solidFill>
+                            <a:schemeClr val="tx1"/>
+                          </a:solidFill>
+                          <a:latin typeface="微軟正黑體" panose="020B0604030504040204" pitchFamily="34" charset="-120"/>
+                          <a:ea typeface="微軟正黑體" panose="020B0604030504040204" pitchFamily="34" charset="-120"/>
+                          <a:cs typeface="Microsoft Himalaya" pitchFamily="2" charset="0"/>
+                        </a:rPr>
+                        <a:t>0.960</a:t>
+                      </a:r>
+                      <a:endParaRPr lang="zh-TW" altLang="en-US" dirty="0">
+                        <a:latin typeface="微軟正黑體" panose="020B0604030504040204" pitchFamily="34" charset="-120"/>
+                        <a:ea typeface="微軟正黑體" panose="020B0604030504040204" pitchFamily="34" charset="-120"/>
+                      </a:endParaRPr>
+                    </a:p>
+                  </a:txBody>
+                  <a:tcPr anchor="ctr">
+                    <a:lnT w="28575" cap="flat" cmpd="sng" algn="ctr">
+                      <a:solidFill>
+                        <a:schemeClr val="tx1"/>
+                      </a:solidFill>
+                      <a:prstDash val="solid"/>
+                      <a:round/>
+                      <a:headEnd type="none" w="med" len="med"/>
+                      <a:tailEnd type="none" w="med" len="med"/>
+                    </a:lnT>
+                    <a:lnB w="28575" cap="flat" cmpd="sng" algn="ctr">
+                      <a:solidFill>
+                        <a:schemeClr val="tx1"/>
+                      </a:solidFill>
+                      <a:prstDash val="solid"/>
+                      <a:round/>
+                      <a:headEnd type="none" w="med" len="med"/>
+                      <a:tailEnd type="none" w="med" len="med"/>
+                    </a:lnB>
+                  </a:tcPr>
+                </a:tc>
+                <a:tc>
+                  <a:txBody>
+                    <a:bodyPr/>
+                    <a:lstStyle/>
+                    <a:p>
+                      <a:pPr algn="ctr"/>
+                      <a:r>
+                        <a:rPr lang="en-US" altLang="zh-TW" b="1" u="none" dirty="0">
+                          <a:solidFill>
+                            <a:schemeClr val="tx1"/>
+                          </a:solidFill>
+                          <a:latin typeface="微軟正黑體" panose="020B0604030504040204" pitchFamily="34" charset="-120"/>
+                          <a:ea typeface="微軟正黑體" panose="020B0604030504040204" pitchFamily="34" charset="-120"/>
+                          <a:cs typeface="Microsoft Himalaya" pitchFamily="2" charset="0"/>
+                        </a:rPr>
+                        <a:t>0.879</a:t>
+                      </a:r>
+                      <a:endParaRPr lang="zh-TW" altLang="en-US" u="none" dirty="0">
+                        <a:latin typeface="微軟正黑體" panose="020B0604030504040204" pitchFamily="34" charset="-120"/>
+                        <a:ea typeface="微軟正黑體" panose="020B0604030504040204" pitchFamily="34" charset="-120"/>
+                      </a:endParaRPr>
+                    </a:p>
+                  </a:txBody>
+                  <a:tcPr anchor="ctr">
+                    <a:lnT w="28575" cap="flat" cmpd="sng" algn="ctr">
+                      <a:solidFill>
+                        <a:schemeClr val="tx1"/>
+                      </a:solidFill>
+                      <a:prstDash val="solid"/>
+                      <a:round/>
+                      <a:headEnd type="none" w="med" len="med"/>
+                      <a:tailEnd type="none" w="med" len="med"/>
+                    </a:lnT>
+                    <a:lnB w="28575" cap="flat" cmpd="sng" algn="ctr">
+                      <a:solidFill>
+                        <a:schemeClr val="tx1"/>
+                      </a:solidFill>
+                      <a:prstDash val="solid"/>
+                      <a:round/>
+                      <a:headEnd type="none" w="med" len="med"/>
+                      <a:tailEnd type="none" w="med" len="med"/>
+                    </a:lnB>
+                  </a:tcPr>
+                </a:tc>
+                <a:extLst>
+                  <a:ext uri="{0D108BD9-81ED-4DB2-BD59-A6C34878D82A}">
+                    <a16:rowId xmlns:a16="http://schemas.microsoft.com/office/drawing/2014/main" val="1200092439"/>
+                  </a:ext>
+                </a:extLst>
+              </a:tr>
+              <a:tr h="1166043">
+                <a:tc>
+                  <a:txBody>
+                    <a:bodyPr/>
+                    <a:lstStyle/>
+                    <a:p>
+                      <a:r>
+                        <a:rPr lang="en-US" altLang="zh-TW" dirty="0">
+                          <a:solidFill>
+                            <a:schemeClr val="tx1"/>
+                          </a:solidFill>
+                          <a:latin typeface="微軟正黑體" panose="020B0604030504040204" pitchFamily="34" charset="-120"/>
+                          <a:ea typeface="微軟正黑體" panose="020B0604030504040204" pitchFamily="34" charset="-120"/>
+                          <a:cs typeface="Microsoft Himalaya" pitchFamily="2" charset="0"/>
+                        </a:rPr>
+                        <a:t>F1 score: </a:t>
+                      </a:r>
+                      <a:endParaRPr lang="zh-TW" altLang="en-US" dirty="0">
+                        <a:latin typeface="微軟正黑體" panose="020B0604030504040204" pitchFamily="34" charset="-120"/>
+                        <a:ea typeface="微軟正黑體" panose="020B0604030504040204" pitchFamily="34" charset="-120"/>
+                      </a:endParaRPr>
+                    </a:p>
+                  </a:txBody>
+                  <a:tcPr anchor="ctr">
+                    <a:lnT w="28575" cap="flat" cmpd="sng" algn="ctr">
+                      <a:solidFill>
+                        <a:schemeClr val="tx1"/>
+                      </a:solidFill>
+                      <a:prstDash val="solid"/>
+                      <a:round/>
+                      <a:headEnd type="none" w="med" len="med"/>
+                      <a:tailEnd type="none" w="med" len="med"/>
+                    </a:lnT>
+                    <a:lnB w="28575" cap="flat" cmpd="sng" algn="ctr">
+                      <a:solidFill>
+                        <a:schemeClr val="tx1"/>
+                      </a:solidFill>
+                      <a:prstDash val="solid"/>
+                      <a:round/>
+                      <a:headEnd type="none" w="med" len="med"/>
+                      <a:tailEnd type="none" w="med" len="med"/>
+                    </a:lnB>
+                  </a:tcPr>
+                </a:tc>
+                <a:tc>
+                  <a:txBody>
+                    <a:bodyPr/>
+                    <a:lstStyle/>
+                    <a:p>
+                      <a:pPr algn="ctr"/>
+                      <a:r>
+                        <a:rPr lang="en-US" altLang="zh-TW" dirty="0">
+                          <a:solidFill>
+                            <a:schemeClr val="tx1"/>
+                          </a:solidFill>
+                          <a:latin typeface="微軟正黑體" panose="020B0604030504040204" pitchFamily="34" charset="-120"/>
+                          <a:ea typeface="微軟正黑體" panose="020B0604030504040204" pitchFamily="34" charset="-120"/>
+                          <a:cs typeface="Microsoft Himalaya" pitchFamily="2" charset="0"/>
+                        </a:rPr>
+                        <a:t>[0.705 </a:t>
+                      </a:r>
+                      <a:endParaRPr lang="zh-TW" altLang="en-US" dirty="0">
+                        <a:latin typeface="微軟正黑體" panose="020B0604030504040204" pitchFamily="34" charset="-120"/>
+                        <a:ea typeface="微軟正黑體" panose="020B0604030504040204" pitchFamily="34" charset="-120"/>
+                      </a:endParaRPr>
+                    </a:p>
+                  </a:txBody>
+                  <a:tcPr anchor="ctr">
+                    <a:lnT w="28575" cap="flat" cmpd="sng" algn="ctr">
+                      <a:solidFill>
+                        <a:schemeClr val="tx1"/>
+                      </a:solidFill>
+                      <a:prstDash val="solid"/>
+                      <a:round/>
+                      <a:headEnd type="none" w="med" len="med"/>
+                      <a:tailEnd type="none" w="med" len="med"/>
+                    </a:lnT>
+                    <a:lnB w="28575" cap="flat" cmpd="sng" algn="ctr">
+                      <a:solidFill>
+                        <a:schemeClr val="tx1"/>
+                      </a:solidFill>
+                      <a:prstDash val="solid"/>
+                      <a:round/>
+                      <a:headEnd type="none" w="med" len="med"/>
+                      <a:tailEnd type="none" w="med" len="med"/>
+                    </a:lnB>
+                  </a:tcPr>
+                </a:tc>
+                <a:tc>
+                  <a:txBody>
+                    <a:bodyPr/>
+                    <a:lstStyle/>
+                    <a:p>
+                      <a:pPr algn="ctr"/>
+                      <a:r>
+                        <a:rPr lang="en-US" altLang="zh-TW" dirty="0">
+                          <a:solidFill>
+                            <a:schemeClr val="tx1"/>
+                          </a:solidFill>
+                          <a:latin typeface="微軟正黑體" panose="020B0604030504040204" pitchFamily="34" charset="-120"/>
+                          <a:ea typeface="微軟正黑體" panose="020B0604030504040204" pitchFamily="34" charset="-120"/>
+                          <a:cs typeface="Microsoft Himalaya" pitchFamily="2" charset="0"/>
+                        </a:rPr>
+                        <a:t>0.984</a:t>
+                      </a:r>
+                      <a:endParaRPr lang="zh-TW" altLang="en-US" dirty="0">
+                        <a:latin typeface="微軟正黑體" panose="020B0604030504040204" pitchFamily="34" charset="-120"/>
+                        <a:ea typeface="微軟正黑體" panose="020B0604030504040204" pitchFamily="34" charset="-120"/>
+                      </a:endParaRPr>
+                    </a:p>
+                  </a:txBody>
+                  <a:tcPr anchor="ctr">
+                    <a:lnT w="28575" cap="flat" cmpd="sng" algn="ctr">
+                      <a:solidFill>
+                        <a:schemeClr val="tx1"/>
+                      </a:solidFill>
+                      <a:prstDash val="solid"/>
+                      <a:round/>
+                      <a:headEnd type="none" w="med" len="med"/>
+                      <a:tailEnd type="none" w="med" len="med"/>
+                    </a:lnT>
+                    <a:lnB w="28575" cap="flat" cmpd="sng" algn="ctr">
+                      <a:solidFill>
+                        <a:schemeClr val="tx1"/>
+                      </a:solidFill>
+                      <a:prstDash val="solid"/>
+                      <a:round/>
+                      <a:headEnd type="none" w="med" len="med"/>
+                      <a:tailEnd type="none" w="med" len="med"/>
+                    </a:lnB>
+                  </a:tcPr>
+                </a:tc>
+                <a:tc>
+                  <a:txBody>
+                    <a:bodyPr/>
+                    <a:lstStyle/>
+                    <a:p>
+                      <a:pPr algn="ctr"/>
+                      <a:r>
+                        <a:rPr lang="en-US" altLang="zh-TW" dirty="0">
+                          <a:solidFill>
+                            <a:schemeClr val="tx1"/>
+                          </a:solidFill>
+                          <a:latin typeface="微軟正黑體" panose="020B0604030504040204" pitchFamily="34" charset="-120"/>
+                          <a:ea typeface="微軟正黑體" panose="020B0604030504040204" pitchFamily="34" charset="-120"/>
+                          <a:cs typeface="Microsoft Himalaya" pitchFamily="2" charset="0"/>
+                        </a:rPr>
+                        <a:t>0.980 </a:t>
+                      </a:r>
+                      <a:r>
+                        <a:rPr lang="zh-TW" altLang="en-US" dirty="0">
+                          <a:solidFill>
+                            <a:schemeClr val="tx1"/>
+                          </a:solidFill>
+                          <a:latin typeface="微軟正黑體" panose="020B0604030504040204" pitchFamily="34" charset="-120"/>
+                          <a:ea typeface="微軟正黑體" panose="020B0604030504040204" pitchFamily="34" charset="-120"/>
+                          <a:cs typeface="Microsoft Himalaya" pitchFamily="2" charset="0"/>
+                        </a:rPr>
+                        <a:t> </a:t>
+                      </a:r>
+                      <a:r>
+                        <a:rPr lang="en-US" altLang="zh-TW" dirty="0">
+                          <a:solidFill>
+                            <a:schemeClr val="tx1"/>
+                          </a:solidFill>
+                          <a:latin typeface="微軟正黑體" panose="020B0604030504040204" pitchFamily="34" charset="-120"/>
+                          <a:ea typeface="微軟正黑體" panose="020B0604030504040204" pitchFamily="34" charset="-120"/>
+                          <a:cs typeface="Microsoft Himalaya" pitchFamily="2" charset="0"/>
+                        </a:rPr>
+                        <a:t>	</a:t>
+                      </a:r>
+                      <a:endParaRPr lang="zh-TW" altLang="en-US" dirty="0">
+                        <a:latin typeface="微軟正黑體" panose="020B0604030504040204" pitchFamily="34" charset="-120"/>
+                        <a:ea typeface="微軟正黑體" panose="020B0604030504040204" pitchFamily="34" charset="-120"/>
+                      </a:endParaRPr>
+                    </a:p>
+                  </a:txBody>
+                  <a:tcPr anchor="ctr">
+                    <a:lnT w="28575" cap="flat" cmpd="sng" algn="ctr">
+                      <a:solidFill>
+                        <a:schemeClr val="tx1"/>
+                      </a:solidFill>
+                      <a:prstDash val="solid"/>
+                      <a:round/>
+                      <a:headEnd type="none" w="med" len="med"/>
+                      <a:tailEnd type="none" w="med" len="med"/>
+                    </a:lnT>
+                    <a:lnB w="28575" cap="flat" cmpd="sng" algn="ctr">
+                      <a:solidFill>
+                        <a:schemeClr val="tx1"/>
+                      </a:solidFill>
+                      <a:prstDash val="solid"/>
+                      <a:round/>
+                      <a:headEnd type="none" w="med" len="med"/>
+                      <a:tailEnd type="none" w="med" len="med"/>
+                    </a:lnB>
+                  </a:tcPr>
+                </a:tc>
+                <a:tc>
+                  <a:txBody>
+                    <a:bodyPr/>
+                    <a:lstStyle/>
+                    <a:p>
+                      <a:pPr algn="ctr"/>
+                      <a:r>
+                        <a:rPr lang="en-US" altLang="zh-TW" dirty="0">
+                          <a:solidFill>
+                            <a:schemeClr val="tx1"/>
+                          </a:solidFill>
+                          <a:latin typeface="微軟正黑體" panose="020B0604030504040204" pitchFamily="34" charset="-120"/>
+                          <a:ea typeface="微軟正黑體" panose="020B0604030504040204" pitchFamily="34" charset="-120"/>
+                          <a:cs typeface="Microsoft Himalaya" pitchFamily="2" charset="0"/>
+                        </a:rPr>
+                        <a:t>0.960</a:t>
+                      </a:r>
+                      <a:endParaRPr lang="zh-TW" altLang="en-US" dirty="0">
+                        <a:latin typeface="微軟正黑體" panose="020B0604030504040204" pitchFamily="34" charset="-120"/>
+                        <a:ea typeface="微軟正黑體" panose="020B0604030504040204" pitchFamily="34" charset="-120"/>
+                      </a:endParaRPr>
+                    </a:p>
+                  </a:txBody>
+                  <a:tcPr anchor="ctr">
+                    <a:lnT w="28575" cap="flat" cmpd="sng" algn="ctr">
+                      <a:solidFill>
+                        <a:schemeClr val="tx1"/>
+                      </a:solidFill>
+                      <a:prstDash val="solid"/>
+                      <a:round/>
+                      <a:headEnd type="none" w="med" len="med"/>
+                      <a:tailEnd type="none" w="med" len="med"/>
+                    </a:lnT>
+                    <a:lnB w="28575" cap="flat" cmpd="sng" algn="ctr">
+                      <a:solidFill>
+                        <a:schemeClr val="tx1"/>
+                      </a:solidFill>
+                      <a:prstDash val="solid"/>
+                      <a:round/>
+                      <a:headEnd type="none" w="med" len="med"/>
+                      <a:tailEnd type="none" w="med" len="med"/>
+                    </a:lnB>
+                  </a:tcPr>
+                </a:tc>
+                <a:tc>
+                  <a:txBody>
+                    <a:bodyPr/>
+                    <a:lstStyle/>
+                    <a:p>
+                      <a:pPr algn="ctr"/>
+                      <a:r>
+                        <a:rPr lang="en-US" altLang="zh-TW" dirty="0">
+                          <a:solidFill>
+                            <a:schemeClr val="tx1"/>
+                          </a:solidFill>
+                          <a:latin typeface="微軟正黑體" panose="020B0604030504040204" pitchFamily="34" charset="-120"/>
+                          <a:ea typeface="微軟正黑體" panose="020B0604030504040204" pitchFamily="34" charset="-120"/>
+                          <a:cs typeface="Microsoft Himalaya" pitchFamily="2" charset="0"/>
+                        </a:rPr>
+                        <a:t>0.883</a:t>
+                      </a:r>
+                      <a:endParaRPr lang="zh-TW" altLang="en-US" dirty="0">
+                        <a:latin typeface="微軟正黑體" panose="020B0604030504040204" pitchFamily="34" charset="-120"/>
+                        <a:ea typeface="微軟正黑體" panose="020B0604030504040204" pitchFamily="34" charset="-120"/>
+                      </a:endParaRPr>
+                    </a:p>
+                  </a:txBody>
+                  <a:tcPr anchor="ctr">
+                    <a:lnT w="28575" cap="flat" cmpd="sng" algn="ctr">
+                      <a:solidFill>
+                        <a:schemeClr val="tx1"/>
+                      </a:solidFill>
+                      <a:prstDash val="solid"/>
+                      <a:round/>
+                      <a:headEnd type="none" w="med" len="med"/>
+                      <a:tailEnd type="none" w="med" len="med"/>
+                    </a:lnT>
+                    <a:lnB w="28575" cap="flat" cmpd="sng" algn="ctr">
+                      <a:solidFill>
+                        <a:schemeClr val="tx1"/>
+                      </a:solidFill>
+                      <a:prstDash val="solid"/>
+                      <a:round/>
+                      <a:headEnd type="none" w="med" len="med"/>
+                      <a:tailEnd type="none" w="med" len="med"/>
+                    </a:lnB>
+                  </a:tcPr>
+                </a:tc>
+                <a:extLst>
+                  <a:ext uri="{0D108BD9-81ED-4DB2-BD59-A6C34878D82A}">
+                    <a16:rowId xmlns:a16="http://schemas.microsoft.com/office/drawing/2014/main" val="731178924"/>
+                  </a:ext>
+                </a:extLst>
+              </a:tr>
+            </a:tbl>
+          </a:graphicData>
+        </a:graphic>
+      </p:graphicFrame>
+      <p:sp>
+        <p:nvSpPr>
+          <p:cNvPr id="12" name="文字方塊 11">
+            <a:extLst>
+              <a:ext uri="{FF2B5EF4-FFF2-40B4-BE49-F238E27FC236}">
+                <a16:creationId xmlns:a16="http://schemas.microsoft.com/office/drawing/2014/main" id="{F9690678-153C-43FD-84B9-28BFC6812104}"/>
+              </a:ext>
+            </a:extLst>
+          </p:cNvPr>
+          <p:cNvSpPr txBox="1"/>
+          <p:nvPr/>
+        </p:nvSpPr>
+        <p:spPr>
+          <a:xfrm>
+            <a:off x="122679" y="832757"/>
+            <a:ext cx="3276600" cy="861774"/>
+          </a:xfrm>
+          <a:prstGeom prst="rect">
+            <a:avLst/>
+          </a:prstGeom>
+          <a:noFill/>
+        </p:spPr>
+        <p:txBody>
+          <a:bodyPr wrap="square" rtlCol="0">
+            <a:spAutoFit/>
+          </a:bodyPr>
+          <a:lstStyle/>
+          <a:p>
+            <a:r>
+              <a:rPr lang="en-US" altLang="zh-TW" sz="3200" dirty="0">
+                <a:latin typeface="微軟正黑體" panose="020B0604030504040204" pitchFamily="34" charset="-120"/>
+                <a:ea typeface="微軟正黑體" panose="020B0604030504040204" pitchFamily="34" charset="-120"/>
+                <a:cs typeface="Microsoft Himalaya" pitchFamily="2" charset="0"/>
+              </a:rPr>
+              <a:t>accuracy: 0.905</a:t>
+            </a:r>
+            <a:endParaRPr lang="en-US" altLang="zh-TW" sz="3200" dirty="0">
+              <a:latin typeface="微軟正黑體" panose="020B0604030504040204" pitchFamily="34" charset="-120"/>
+              <a:ea typeface="微軟正黑體" panose="020B0604030504040204" pitchFamily="34" charset="-120"/>
+            </a:endParaRPr>
+          </a:p>
+          <a:p>
+            <a:endParaRPr lang="zh-TW" altLang="en-US" dirty="0"/>
+          </a:p>
+        </p:txBody>
+      </p:sp>
+    </p:spTree>
+    <p:extLst>
+      <p:ext uri="{BB962C8B-B14F-4D97-AF65-F5344CB8AC3E}">
+        <p14:creationId xmlns:p14="http://schemas.microsoft.com/office/powerpoint/2010/main" val="1286319737"/>
+      </p:ext>
+    </p:extLst>
+  </p:cSld>
+  <p:clrMapOvr>
+    <a:masterClrMapping/>
+  </p:clrMapOvr>
+</p:sld>
+</file>
+
 <file path=ppt/slides/slide2.xml><?xml version="1.0" encoding="utf-8"?>
 <p:sld xmlns:a="http://schemas.openxmlformats.org/drawingml/2006/main" xmlns:r="http://schemas.openxmlformats.org/officeDocument/2006/relationships" xmlns:p="http://schemas.openxmlformats.org/presentationml/2006/main">
   <p:cSld>

--- a/Fintech.pptx
+++ b/Fintech.pptx
@@ -5,10 +5,10 @@
     <p:sldMasterId id="2147483684" r:id="rId1"/>
   </p:sldMasterIdLst>
   <p:notesMasterIdLst>
-    <p:notesMasterId r:id="rId20"/>
+    <p:notesMasterId r:id="rId23"/>
   </p:notesMasterIdLst>
   <p:handoutMasterIdLst>
-    <p:handoutMasterId r:id="rId21"/>
+    <p:handoutMasterId r:id="rId24"/>
   </p:handoutMasterIdLst>
   <p:sldIdLst>
     <p:sldId id="257" r:id="rId2"/>
@@ -29,6 +29,9 @@
     <p:sldId id="302" r:id="rId17"/>
     <p:sldId id="303" r:id="rId18"/>
     <p:sldId id="304" r:id="rId19"/>
+    <p:sldId id="305" r:id="rId20"/>
+    <p:sldId id="306" r:id="rId21"/>
+    <p:sldId id="307" r:id="rId22"/>
   </p:sldIdLst>
   <p:sldSz cx="9144000" cy="6858000" type="screen4x3"/>
   <p:notesSz cx="6858000" cy="9144000"/>
@@ -10150,6 +10153,1099 @@
 </p:sld>
 </file>
 
+<file path=ppt/slides/slide19.xml><?xml version="1.0" encoding="utf-8"?>
+<p:sld xmlns:a="http://schemas.openxmlformats.org/drawingml/2006/main" xmlns:r="http://schemas.openxmlformats.org/officeDocument/2006/relationships" xmlns:p="http://schemas.openxmlformats.org/presentationml/2006/main">
+  <p:cSld>
+    <p:spTree>
+      <p:nvGrpSpPr>
+        <p:cNvPr id="1" name=""/>
+        <p:cNvGrpSpPr/>
+        <p:nvPr/>
+      </p:nvGrpSpPr>
+      <p:grpSpPr>
+        <a:xfrm>
+          <a:off x="0" y="0"/>
+          <a:ext cx="0" cy="0"/>
+          <a:chOff x="0" y="0"/>
+          <a:chExt cx="0" cy="0"/>
+        </a:xfrm>
+      </p:grpSpPr>
+      <p:sp>
+        <p:nvSpPr>
+          <p:cNvPr id="23" name="矩形: 圓角 22">
+            <a:extLst>
+              <a:ext uri="{FF2B5EF4-FFF2-40B4-BE49-F238E27FC236}">
+                <a16:creationId xmlns:a16="http://schemas.microsoft.com/office/drawing/2014/main" id="{35290AE0-F6CE-4E0C-982F-AF0B88911F27}"/>
+              </a:ext>
+            </a:extLst>
+          </p:cNvPr>
+          <p:cNvSpPr/>
+          <p:nvPr/>
+        </p:nvSpPr>
+        <p:spPr>
+          <a:xfrm>
+            <a:off x="6232071" y="751114"/>
+            <a:ext cx="2741244" cy="5491843"/>
+          </a:xfrm>
+          <a:prstGeom prst="roundRect">
+            <a:avLst>
+              <a:gd name="adj" fmla="val 17459"/>
+            </a:avLst>
+          </a:prstGeom>
+          <a:solidFill>
+            <a:srgbClr val="479793"/>
+          </a:solidFill>
+          <a:ln>
+            <a:noFill/>
+          </a:ln>
+        </p:spPr>
+        <p:style>
+          <a:lnRef idx="2">
+            <a:schemeClr val="accent1">
+              <a:shade val="50000"/>
+            </a:schemeClr>
+          </a:lnRef>
+          <a:fillRef idx="1">
+            <a:schemeClr val="accent1"/>
+          </a:fillRef>
+          <a:effectRef idx="0">
+            <a:schemeClr val="accent1"/>
+          </a:effectRef>
+          <a:fontRef idx="minor">
+            <a:schemeClr val="lt1"/>
+          </a:fontRef>
+        </p:style>
+        <p:txBody>
+          <a:bodyPr rtlCol="0" anchor="ctr"/>
+          <a:lstStyle/>
+          <a:p>
+            <a:pPr algn="ctr"/>
+            <a:endParaRPr lang="zh-TW" altLang="en-US"/>
+          </a:p>
+        </p:txBody>
+      </p:sp>
+      <p:sp>
+        <p:nvSpPr>
+          <p:cNvPr id="2" name="標題 1">
+            <a:extLst>
+              <a:ext uri="{FF2B5EF4-FFF2-40B4-BE49-F238E27FC236}">
+                <a16:creationId xmlns:a16="http://schemas.microsoft.com/office/drawing/2014/main" id="{21D46EF1-12EA-C94F-9F03-C7FE589E8C7A}"/>
+              </a:ext>
+            </a:extLst>
+          </p:cNvPr>
+          <p:cNvSpPr>
+            <a:spLocks noGrp="1"/>
+          </p:cNvSpPr>
+          <p:nvPr>
+            <p:ph type="title"/>
+          </p:nvPr>
+        </p:nvSpPr>
+        <p:spPr>
+          <a:xfrm>
+            <a:off x="234043" y="214109"/>
+            <a:ext cx="8281307" cy="599076"/>
+          </a:xfrm>
+        </p:spPr>
+        <p:txBody>
+          <a:bodyPr>
+            <a:normAutofit/>
+          </a:bodyPr>
+          <a:lstStyle/>
+          <a:p>
+            <a:r>
+              <a:rPr lang="zh-TW" altLang="en-US" dirty="0">
+                <a:latin typeface="Microsoft JhengHei" panose="020B0604030504040204" pitchFamily="34" charset="-120"/>
+                <a:ea typeface="Microsoft JhengHei" panose="020B0604030504040204" pitchFamily="34" charset="-120"/>
+              </a:rPr>
+              <a:t>事件強度</a:t>
+            </a:r>
+            <a:r>
+              <a:rPr lang="zh-CN" altLang="en-US" dirty="0">
+                <a:latin typeface="Microsoft JhengHei" panose="020B0604030504040204" pitchFamily="34" charset="-120"/>
+                <a:ea typeface="Microsoft JhengHei" panose="020B0604030504040204" pitchFamily="34" charset="-120"/>
+              </a:rPr>
+              <a:t>分類器：資料分割</a:t>
+            </a:r>
+            <a:r>
+              <a:rPr lang="zh-TW" altLang="en-US" dirty="0"/>
+              <a:t>與</a:t>
+            </a:r>
+            <a:r>
+              <a:rPr lang="zh-CN" altLang="en-US" dirty="0"/>
+              <a:t>不平衡資料</a:t>
+            </a:r>
+            <a:r>
+              <a:rPr lang="zh-TW" altLang="en-US" dirty="0"/>
+              <a:t>處理</a:t>
+            </a:r>
+            <a:endParaRPr kumimoji="1" lang="zh-TW" altLang="en-US" dirty="0"/>
+          </a:p>
+        </p:txBody>
+      </p:sp>
+      <p:sp>
+        <p:nvSpPr>
+          <p:cNvPr id="4" name="日期版面配置區 3">
+            <a:extLst>
+              <a:ext uri="{FF2B5EF4-FFF2-40B4-BE49-F238E27FC236}">
+                <a16:creationId xmlns:a16="http://schemas.microsoft.com/office/drawing/2014/main" id="{190A1806-A5E7-ED48-84B7-A10F862FB7D3}"/>
+              </a:ext>
+            </a:extLst>
+          </p:cNvPr>
+          <p:cNvSpPr>
+            <a:spLocks noGrp="1"/>
+          </p:cNvSpPr>
+          <p:nvPr>
+            <p:ph type="dt" sz="half" idx="10"/>
+          </p:nvPr>
+        </p:nvSpPr>
+        <p:spPr/>
+        <p:txBody>
+          <a:bodyPr/>
+          <a:lstStyle/>
+          <a:p>
+            <a:fld id="{868F4FC5-FE50-A64D-A7E3-22233A0C6925}" type="datetime1">
+              <a:rPr kumimoji="1" lang="zh-TW" altLang="en-US" smtClean="0"/>
+              <a:t>2020/6/18</a:t>
+            </a:fld>
+            <a:endParaRPr kumimoji="1" lang="zh-TW" altLang="en-US" dirty="0"/>
+          </a:p>
+        </p:txBody>
+      </p:sp>
+      <p:sp>
+        <p:nvSpPr>
+          <p:cNvPr id="9" name="矩形: 圓角 8">
+            <a:extLst>
+              <a:ext uri="{FF2B5EF4-FFF2-40B4-BE49-F238E27FC236}">
+                <a16:creationId xmlns:a16="http://schemas.microsoft.com/office/drawing/2014/main" id="{5FBDA77C-CAA0-47C4-B999-595F9A2795D0}"/>
+              </a:ext>
+            </a:extLst>
+          </p:cNvPr>
+          <p:cNvSpPr/>
+          <p:nvPr/>
+        </p:nvSpPr>
+        <p:spPr>
+          <a:xfrm>
+            <a:off x="3233052" y="751114"/>
+            <a:ext cx="2741244" cy="5491844"/>
+          </a:xfrm>
+          <a:prstGeom prst="roundRect">
+            <a:avLst>
+              <a:gd name="adj" fmla="val 17459"/>
+            </a:avLst>
+          </a:prstGeom>
+          <a:solidFill>
+            <a:srgbClr val="A3D5CB"/>
+          </a:solidFill>
+          <a:ln>
+            <a:noFill/>
+          </a:ln>
+        </p:spPr>
+        <p:style>
+          <a:lnRef idx="2">
+            <a:schemeClr val="accent1">
+              <a:shade val="50000"/>
+            </a:schemeClr>
+          </a:lnRef>
+          <a:fillRef idx="1">
+            <a:schemeClr val="accent1"/>
+          </a:fillRef>
+          <a:effectRef idx="0">
+            <a:schemeClr val="accent1"/>
+          </a:effectRef>
+          <a:fontRef idx="minor">
+            <a:schemeClr val="lt1"/>
+          </a:fontRef>
+        </p:style>
+        <p:txBody>
+          <a:bodyPr rtlCol="0" anchor="ctr"/>
+          <a:lstStyle/>
+          <a:p>
+            <a:pPr algn="ctr"/>
+            <a:endParaRPr lang="zh-TW" altLang="en-US"/>
+          </a:p>
+        </p:txBody>
+      </p:sp>
+      <p:sp>
+        <p:nvSpPr>
+          <p:cNvPr id="12" name="矩形 11">
+            <a:extLst>
+              <a:ext uri="{FF2B5EF4-FFF2-40B4-BE49-F238E27FC236}">
+                <a16:creationId xmlns:a16="http://schemas.microsoft.com/office/drawing/2014/main" id="{08FC025C-F893-44DC-B65F-8C2D95396F24}"/>
+              </a:ext>
+            </a:extLst>
+          </p:cNvPr>
+          <p:cNvSpPr/>
+          <p:nvPr/>
+        </p:nvSpPr>
+        <p:spPr>
+          <a:xfrm>
+            <a:off x="3819974" y="870884"/>
+            <a:ext cx="1620957" cy="523220"/>
+          </a:xfrm>
+          <a:prstGeom prst="rect">
+            <a:avLst/>
+          </a:prstGeom>
+        </p:spPr>
+        <p:txBody>
+          <a:bodyPr wrap="none">
+            <a:spAutoFit/>
+          </a:bodyPr>
+          <a:lstStyle/>
+          <a:p>
+            <a:r>
+              <a:rPr lang="zh-CN" altLang="en-US" sz="2800" b="1" dirty="0">
+                <a:latin typeface="Microsoft JhengHei" panose="020B0604030504040204" pitchFamily="34" charset="-120"/>
+                <a:ea typeface="Microsoft JhengHei" panose="020B0604030504040204" pitchFamily="34" charset="-120"/>
+              </a:rPr>
+              <a:t>資料分割</a:t>
+            </a:r>
+            <a:endParaRPr lang="zh-TW" altLang="en-US" sz="2800" b="1" dirty="0">
+              <a:solidFill>
+                <a:schemeClr val="bg1"/>
+              </a:solidFill>
+            </a:endParaRPr>
+          </a:p>
+        </p:txBody>
+      </p:sp>
+      <p:sp>
+        <p:nvSpPr>
+          <p:cNvPr id="15" name="矩形 14">
+            <a:extLst>
+              <a:ext uri="{FF2B5EF4-FFF2-40B4-BE49-F238E27FC236}">
+                <a16:creationId xmlns:a16="http://schemas.microsoft.com/office/drawing/2014/main" id="{A6702843-60E8-4C64-BE62-93D9D2850984}"/>
+              </a:ext>
+            </a:extLst>
+          </p:cNvPr>
+          <p:cNvSpPr/>
+          <p:nvPr/>
+        </p:nvSpPr>
+        <p:spPr>
+          <a:xfrm>
+            <a:off x="6303264" y="870884"/>
+            <a:ext cx="2698175" cy="523220"/>
+          </a:xfrm>
+          <a:prstGeom prst="rect">
+            <a:avLst/>
+          </a:prstGeom>
+        </p:spPr>
+        <p:txBody>
+          <a:bodyPr wrap="none">
+            <a:spAutoFit/>
+          </a:bodyPr>
+          <a:lstStyle/>
+          <a:p>
+            <a:r>
+              <a:rPr lang="zh-CN" altLang="en-US" sz="2800" b="1" dirty="0">
+                <a:latin typeface="Microsoft JhengHei" panose="020B0604030504040204" pitchFamily="34" charset="-120"/>
+                <a:ea typeface="Microsoft JhengHei" panose="020B0604030504040204" pitchFamily="34" charset="-120"/>
+              </a:rPr>
+              <a:t>不平衡資料</a:t>
+            </a:r>
+            <a:r>
+              <a:rPr lang="zh-TW" altLang="en-US" sz="2800" b="1" dirty="0">
+                <a:latin typeface="Microsoft JhengHei" panose="020B0604030504040204" pitchFamily="34" charset="-120"/>
+                <a:ea typeface="Microsoft JhengHei" panose="020B0604030504040204" pitchFamily="34" charset="-120"/>
+              </a:rPr>
+              <a:t>處理</a:t>
+            </a:r>
+          </a:p>
+        </p:txBody>
+      </p:sp>
+      <p:cxnSp>
+        <p:nvCxnSpPr>
+          <p:cNvPr id="18" name="直線接點 17">
+            <a:extLst>
+              <a:ext uri="{FF2B5EF4-FFF2-40B4-BE49-F238E27FC236}">
+                <a16:creationId xmlns:a16="http://schemas.microsoft.com/office/drawing/2014/main" id="{0FCA609D-5EE1-49A8-AE96-8BB3CE31FF68}"/>
+              </a:ext>
+            </a:extLst>
+          </p:cNvPr>
+          <p:cNvCxnSpPr/>
+          <p:nvPr/>
+        </p:nvCxnSpPr>
+        <p:spPr>
+          <a:xfrm>
+            <a:off x="3561581" y="2788462"/>
+            <a:ext cx="2103120" cy="0"/>
+          </a:xfrm>
+          <a:prstGeom prst="line">
+            <a:avLst/>
+          </a:prstGeom>
+          <a:ln>
+            <a:solidFill>
+              <a:schemeClr val="tx1"/>
+            </a:solidFill>
+          </a:ln>
+        </p:spPr>
+        <p:style>
+          <a:lnRef idx="1">
+            <a:schemeClr val="accent1"/>
+          </a:lnRef>
+          <a:fillRef idx="0">
+            <a:schemeClr val="accent1"/>
+          </a:fillRef>
+          <a:effectRef idx="0">
+            <a:schemeClr val="accent1"/>
+          </a:effectRef>
+          <a:fontRef idx="minor">
+            <a:schemeClr val="tx1"/>
+          </a:fontRef>
+        </p:style>
+      </p:cxnSp>
+      <p:cxnSp>
+        <p:nvCxnSpPr>
+          <p:cNvPr id="19" name="直線接點 18">
+            <a:extLst>
+              <a:ext uri="{FF2B5EF4-FFF2-40B4-BE49-F238E27FC236}">
+                <a16:creationId xmlns:a16="http://schemas.microsoft.com/office/drawing/2014/main" id="{B2012D1D-4E39-481F-A70E-F32ECE5F222D}"/>
+              </a:ext>
+            </a:extLst>
+          </p:cNvPr>
+          <p:cNvCxnSpPr/>
+          <p:nvPr/>
+        </p:nvCxnSpPr>
+        <p:spPr>
+          <a:xfrm>
+            <a:off x="6600792" y="2763328"/>
+            <a:ext cx="2103120" cy="0"/>
+          </a:xfrm>
+          <a:prstGeom prst="line">
+            <a:avLst/>
+          </a:prstGeom>
+          <a:ln>
+            <a:solidFill>
+              <a:srgbClr val="1E3148"/>
+            </a:solidFill>
+          </a:ln>
+        </p:spPr>
+        <p:style>
+          <a:lnRef idx="1">
+            <a:schemeClr val="accent1"/>
+          </a:lnRef>
+          <a:fillRef idx="0">
+            <a:schemeClr val="accent1"/>
+          </a:fillRef>
+          <a:effectRef idx="0">
+            <a:schemeClr val="accent1"/>
+          </a:effectRef>
+          <a:fontRef idx="minor">
+            <a:schemeClr val="tx1"/>
+          </a:fontRef>
+        </p:style>
+      </p:cxnSp>
+      <p:pic>
+        <p:nvPicPr>
+          <p:cNvPr id="7" name="圖片 6">
+            <a:extLst>
+              <a:ext uri="{FF2B5EF4-FFF2-40B4-BE49-F238E27FC236}">
+                <a16:creationId xmlns:a16="http://schemas.microsoft.com/office/drawing/2014/main" id="{B4189500-41AE-4D96-8307-ECB67C5A3C80}"/>
+              </a:ext>
+            </a:extLst>
+          </p:cNvPr>
+          <p:cNvPicPr>
+            <a:picLocks noChangeAspect="1"/>
+          </p:cNvPicPr>
+          <p:nvPr/>
+        </p:nvPicPr>
+        <p:blipFill>
+          <a:blip r:embed="rId2"/>
+          <a:stretch>
+            <a:fillRect/>
+          </a:stretch>
+        </p:blipFill>
+        <p:spPr>
+          <a:xfrm>
+            <a:off x="4110701" y="1499009"/>
+            <a:ext cx="1068582" cy="1068582"/>
+          </a:xfrm>
+          <a:prstGeom prst="rect">
+            <a:avLst/>
+          </a:prstGeom>
+        </p:spPr>
+      </p:pic>
+      <p:pic>
+        <p:nvPicPr>
+          <p:cNvPr id="22" name="圖片 21">
+            <a:extLst>
+              <a:ext uri="{FF2B5EF4-FFF2-40B4-BE49-F238E27FC236}">
+                <a16:creationId xmlns:a16="http://schemas.microsoft.com/office/drawing/2014/main" id="{DF341343-B914-4ED8-B358-4195ED9B63EA}"/>
+              </a:ext>
+            </a:extLst>
+          </p:cNvPr>
+          <p:cNvPicPr>
+            <a:picLocks noChangeAspect="1"/>
+          </p:cNvPicPr>
+          <p:nvPr/>
+        </p:nvPicPr>
+        <p:blipFill>
+          <a:blip r:embed="rId3"/>
+          <a:stretch>
+            <a:fillRect/>
+          </a:stretch>
+        </p:blipFill>
+        <p:spPr>
+          <a:xfrm>
+            <a:off x="6983568" y="1394104"/>
+            <a:ext cx="1238250" cy="1238250"/>
+          </a:xfrm>
+          <a:prstGeom prst="rect">
+            <a:avLst/>
+          </a:prstGeom>
+        </p:spPr>
+      </p:pic>
+      <p:sp>
+        <p:nvSpPr>
+          <p:cNvPr id="24" name="矩形: 圓角 23">
+            <a:extLst>
+              <a:ext uri="{FF2B5EF4-FFF2-40B4-BE49-F238E27FC236}">
+                <a16:creationId xmlns:a16="http://schemas.microsoft.com/office/drawing/2014/main" id="{105DE2BE-12CE-4556-B7E4-0D71A8C80543}"/>
+              </a:ext>
+            </a:extLst>
+          </p:cNvPr>
+          <p:cNvSpPr/>
+          <p:nvPr/>
+        </p:nvSpPr>
+        <p:spPr>
+          <a:xfrm>
+            <a:off x="231971" y="751114"/>
+            <a:ext cx="2741244" cy="5491844"/>
+          </a:xfrm>
+          <a:prstGeom prst="roundRect">
+            <a:avLst>
+              <a:gd name="adj" fmla="val 17459"/>
+            </a:avLst>
+          </a:prstGeom>
+          <a:solidFill>
+            <a:srgbClr val="479793"/>
+          </a:solidFill>
+          <a:ln>
+            <a:noFill/>
+          </a:ln>
+        </p:spPr>
+        <p:style>
+          <a:lnRef idx="2">
+            <a:schemeClr val="accent1">
+              <a:shade val="50000"/>
+            </a:schemeClr>
+          </a:lnRef>
+          <a:fillRef idx="1">
+            <a:schemeClr val="accent1"/>
+          </a:fillRef>
+          <a:effectRef idx="0">
+            <a:schemeClr val="accent1"/>
+          </a:effectRef>
+          <a:fontRef idx="minor">
+            <a:schemeClr val="lt1"/>
+          </a:fontRef>
+        </p:style>
+        <p:txBody>
+          <a:bodyPr rtlCol="0" anchor="ctr"/>
+          <a:lstStyle/>
+          <a:p>
+            <a:pPr algn="ctr"/>
+            <a:endParaRPr lang="zh-TW" altLang="en-US"/>
+          </a:p>
+        </p:txBody>
+      </p:sp>
+      <p:sp>
+        <p:nvSpPr>
+          <p:cNvPr id="25" name="矩形 24">
+            <a:extLst>
+              <a:ext uri="{FF2B5EF4-FFF2-40B4-BE49-F238E27FC236}">
+                <a16:creationId xmlns:a16="http://schemas.microsoft.com/office/drawing/2014/main" id="{1338A67D-284A-439F-BD6E-1A5ED7295320}"/>
+              </a:ext>
+            </a:extLst>
+          </p:cNvPr>
+          <p:cNvSpPr/>
+          <p:nvPr/>
+        </p:nvSpPr>
+        <p:spPr>
+          <a:xfrm>
+            <a:off x="418851" y="901661"/>
+            <a:ext cx="2657618" cy="461665"/>
+          </a:xfrm>
+          <a:prstGeom prst="rect">
+            <a:avLst/>
+          </a:prstGeom>
+        </p:spPr>
+        <p:txBody>
+          <a:bodyPr wrap="square">
+            <a:spAutoFit/>
+          </a:bodyPr>
+          <a:lstStyle/>
+          <a:p>
+            <a:r>
+              <a:rPr lang="zh-TW" altLang="en-US" sz="2400" b="1" dirty="0">
+                <a:latin typeface="Microsoft JhengHei" panose="020B0604030504040204" pitchFamily="34" charset="-120"/>
+                <a:ea typeface="Microsoft JhengHei" panose="020B0604030504040204" pitchFamily="34" charset="-120"/>
+              </a:rPr>
+              <a:t>事件強度</a:t>
+            </a:r>
+            <a:r>
+              <a:rPr lang="zh-CN" altLang="en-US" sz="2400" b="1" dirty="0">
+                <a:latin typeface="Microsoft JhengHei" panose="020B0604030504040204" pitchFamily="34" charset="-120"/>
+                <a:ea typeface="Microsoft JhengHei" panose="020B0604030504040204" pitchFamily="34" charset="-120"/>
+              </a:rPr>
+              <a:t>分類器</a:t>
+            </a:r>
+            <a:endParaRPr lang="zh-TW" altLang="en-US" sz="2400" b="1" dirty="0">
+              <a:latin typeface="Microsoft JhengHei" panose="020B0604030504040204" pitchFamily="34" charset="-120"/>
+              <a:ea typeface="Microsoft JhengHei" panose="020B0604030504040204" pitchFamily="34" charset="-120"/>
+            </a:endParaRPr>
+          </a:p>
+        </p:txBody>
+      </p:sp>
+      <p:cxnSp>
+        <p:nvCxnSpPr>
+          <p:cNvPr id="26" name="直線接點 25">
+            <a:extLst>
+              <a:ext uri="{FF2B5EF4-FFF2-40B4-BE49-F238E27FC236}">
+                <a16:creationId xmlns:a16="http://schemas.microsoft.com/office/drawing/2014/main" id="{8E2AD147-2599-4402-B403-CFD9ABA7BAD5}"/>
+              </a:ext>
+            </a:extLst>
+          </p:cNvPr>
+          <p:cNvCxnSpPr/>
+          <p:nvPr/>
+        </p:nvCxnSpPr>
+        <p:spPr>
+          <a:xfrm>
+            <a:off x="551033" y="2826637"/>
+            <a:ext cx="2103120" cy="0"/>
+          </a:xfrm>
+          <a:prstGeom prst="line">
+            <a:avLst/>
+          </a:prstGeom>
+          <a:ln>
+            <a:solidFill>
+              <a:schemeClr val="tx1"/>
+            </a:solidFill>
+          </a:ln>
+        </p:spPr>
+        <p:style>
+          <a:lnRef idx="1">
+            <a:schemeClr val="accent1"/>
+          </a:lnRef>
+          <a:fillRef idx="0">
+            <a:schemeClr val="accent1"/>
+          </a:fillRef>
+          <a:effectRef idx="0">
+            <a:schemeClr val="accent1"/>
+          </a:effectRef>
+          <a:fontRef idx="minor">
+            <a:schemeClr val="tx1"/>
+          </a:fontRef>
+        </p:style>
+      </p:cxnSp>
+      <p:pic>
+        <p:nvPicPr>
+          <p:cNvPr id="29" name="圖形 28">
+            <a:extLst>
+              <a:ext uri="{FF2B5EF4-FFF2-40B4-BE49-F238E27FC236}">
+                <a16:creationId xmlns:a16="http://schemas.microsoft.com/office/drawing/2014/main" id="{85496D95-866A-4EAA-8EE7-9D3FE032810E}"/>
+              </a:ext>
+            </a:extLst>
+          </p:cNvPr>
+          <p:cNvPicPr>
+            <a:picLocks noChangeAspect="1"/>
+          </p:cNvPicPr>
+          <p:nvPr/>
+        </p:nvPicPr>
+        <p:blipFill>
+          <a:blip r:embed="rId4">
+            <a:extLst>
+              <a:ext uri="{96DAC541-7B7A-43D3-8B79-37D633B846F1}">
+                <asvg:svgBlip xmlns:asvg="http://schemas.microsoft.com/office/drawing/2016/SVG/main" r:embed="rId5"/>
+              </a:ext>
+            </a:extLst>
+          </a:blip>
+          <a:stretch>
+            <a:fillRect/>
+          </a:stretch>
+        </p:blipFill>
+        <p:spPr>
+          <a:xfrm>
+            <a:off x="1001331" y="1362644"/>
+            <a:ext cx="1181090" cy="1204947"/>
+          </a:xfrm>
+          <a:prstGeom prst="rect">
+            <a:avLst/>
+          </a:prstGeom>
+        </p:spPr>
+      </p:pic>
+      <p:sp>
+        <p:nvSpPr>
+          <p:cNvPr id="30" name="文字方塊 29">
+            <a:extLst>
+              <a:ext uri="{FF2B5EF4-FFF2-40B4-BE49-F238E27FC236}">
+                <a16:creationId xmlns:a16="http://schemas.microsoft.com/office/drawing/2014/main" id="{E72CD3CA-97AD-4840-9446-5D4BA6A826AC}"/>
+              </a:ext>
+            </a:extLst>
+          </p:cNvPr>
+          <p:cNvSpPr txBox="1"/>
+          <p:nvPr/>
+        </p:nvSpPr>
+        <p:spPr>
+          <a:xfrm>
+            <a:off x="375229" y="2971041"/>
+            <a:ext cx="2454728" cy="2554545"/>
+          </a:xfrm>
+          <a:prstGeom prst="rect">
+            <a:avLst/>
+          </a:prstGeom>
+          <a:noFill/>
+        </p:spPr>
+        <p:txBody>
+          <a:bodyPr wrap="square" rtlCol="0">
+            <a:spAutoFit/>
+          </a:bodyPr>
+          <a:lstStyle/>
+          <a:p>
+            <a:r>
+              <a:rPr lang="zh-CN" altLang="en-US" sz="1600" b="1" dirty="0">
+                <a:latin typeface="微軟正黑體" panose="020B0604030504040204" pitchFamily="34" charset="-120"/>
+                <a:ea typeface="微軟正黑體" panose="020B0604030504040204" pitchFamily="34" charset="-120"/>
+              </a:rPr>
+              <a:t>利用新聞中的文字資料，將新聞分類為以下七個事件強度：</a:t>
+            </a:r>
+            <a:endParaRPr lang="en-US" altLang="zh-CN" sz="1600" b="1" dirty="0">
+              <a:latin typeface="微軟正黑體" panose="020B0604030504040204" pitchFamily="34" charset="-120"/>
+              <a:ea typeface="微軟正黑體" panose="020B0604030504040204" pitchFamily="34" charset="-120"/>
+            </a:endParaRPr>
+          </a:p>
+          <a:p>
+            <a:pPr marL="285750" indent="-285750">
+              <a:buFont typeface="Arial" panose="020B0604020202020204" pitchFamily="34" charset="0"/>
+              <a:buChar char="•"/>
+            </a:pPr>
+            <a:r>
+              <a:rPr lang="en-US" altLang="zh-CN" sz="1600" b="1" dirty="0">
+                <a:latin typeface="微軟正黑體" panose="020B0604030504040204" pitchFamily="34" charset="-120"/>
+                <a:ea typeface="微軟正黑體" panose="020B0604030504040204" pitchFamily="34" charset="-120"/>
+              </a:rPr>
+              <a:t>3</a:t>
+            </a:r>
+          </a:p>
+          <a:p>
+            <a:pPr marL="285750" indent="-285750">
+              <a:buFont typeface="Arial" panose="020B0604020202020204" pitchFamily="34" charset="0"/>
+              <a:buChar char="•"/>
+            </a:pPr>
+            <a:r>
+              <a:rPr lang="en-US" altLang="zh-CN" sz="1600" b="1" dirty="0">
+                <a:latin typeface="微軟正黑體" panose="020B0604030504040204" pitchFamily="34" charset="-120"/>
+                <a:ea typeface="微軟正黑體" panose="020B0604030504040204" pitchFamily="34" charset="-120"/>
+              </a:rPr>
+              <a:t>2</a:t>
+            </a:r>
+          </a:p>
+          <a:p>
+            <a:pPr marL="285750" indent="-285750">
+              <a:buFont typeface="Arial" panose="020B0604020202020204" pitchFamily="34" charset="0"/>
+              <a:buChar char="•"/>
+            </a:pPr>
+            <a:r>
+              <a:rPr lang="en-US" altLang="zh-CN" sz="1600" b="1" dirty="0">
+                <a:latin typeface="微軟正黑體" panose="020B0604030504040204" pitchFamily="34" charset="-120"/>
+                <a:ea typeface="微軟正黑體" panose="020B0604030504040204" pitchFamily="34" charset="-120"/>
+              </a:rPr>
+              <a:t>1</a:t>
+            </a:r>
+          </a:p>
+          <a:p>
+            <a:pPr marL="285750" indent="-285750">
+              <a:buFont typeface="Arial" panose="020B0604020202020204" pitchFamily="34" charset="0"/>
+              <a:buChar char="•"/>
+            </a:pPr>
+            <a:r>
+              <a:rPr lang="en-US" altLang="zh-CN" sz="1600" b="1" dirty="0">
+                <a:latin typeface="微軟正黑體" panose="020B0604030504040204" pitchFamily="34" charset="-120"/>
+                <a:ea typeface="微軟正黑體" panose="020B0604030504040204" pitchFamily="34" charset="-120"/>
+              </a:rPr>
+              <a:t>0</a:t>
+            </a:r>
+          </a:p>
+          <a:p>
+            <a:pPr marL="285750" indent="-285750">
+              <a:buFont typeface="Arial" panose="020B0604020202020204" pitchFamily="34" charset="0"/>
+              <a:buChar char="•"/>
+            </a:pPr>
+            <a:r>
+              <a:rPr lang="en-US" altLang="zh-CN" sz="1600" b="1" dirty="0">
+                <a:latin typeface="微軟正黑體" panose="020B0604030504040204" pitchFamily="34" charset="-120"/>
+                <a:ea typeface="微軟正黑體" panose="020B0604030504040204" pitchFamily="34" charset="-120"/>
+              </a:rPr>
+              <a:t>-1</a:t>
+            </a:r>
+          </a:p>
+          <a:p>
+            <a:pPr marL="285750" indent="-285750">
+              <a:buFont typeface="Arial" panose="020B0604020202020204" pitchFamily="34" charset="0"/>
+              <a:buChar char="•"/>
+            </a:pPr>
+            <a:r>
+              <a:rPr lang="en-US" altLang="zh-CN" sz="1600" b="1" dirty="0">
+                <a:latin typeface="微軟正黑體" panose="020B0604030504040204" pitchFamily="34" charset="-120"/>
+                <a:ea typeface="微軟正黑體" panose="020B0604030504040204" pitchFamily="34" charset="-120"/>
+              </a:rPr>
+              <a:t>-2</a:t>
+            </a:r>
+          </a:p>
+          <a:p>
+            <a:pPr marL="285750" indent="-285750">
+              <a:buFont typeface="Arial" panose="020B0604020202020204" pitchFamily="34" charset="0"/>
+              <a:buChar char="•"/>
+            </a:pPr>
+            <a:r>
+              <a:rPr lang="en-US" altLang="zh-CN" sz="1600" b="1" dirty="0">
+                <a:latin typeface="微軟正黑體" panose="020B0604030504040204" pitchFamily="34" charset="-120"/>
+                <a:ea typeface="微軟正黑體" panose="020B0604030504040204" pitchFamily="34" charset="-120"/>
+              </a:rPr>
+              <a:t>-3</a:t>
+            </a:r>
+          </a:p>
+        </p:txBody>
+      </p:sp>
+      <p:sp>
+        <p:nvSpPr>
+          <p:cNvPr id="31" name="文字方塊 30">
+            <a:extLst>
+              <a:ext uri="{FF2B5EF4-FFF2-40B4-BE49-F238E27FC236}">
+                <a16:creationId xmlns:a16="http://schemas.microsoft.com/office/drawing/2014/main" id="{B735336D-B490-41A5-85ED-AF0DFED0E2B8}"/>
+              </a:ext>
+            </a:extLst>
+          </p:cNvPr>
+          <p:cNvSpPr txBox="1"/>
+          <p:nvPr/>
+        </p:nvSpPr>
+        <p:spPr>
+          <a:xfrm>
+            <a:off x="3188094" y="2973208"/>
+            <a:ext cx="2884719" cy="1569660"/>
+          </a:xfrm>
+          <a:prstGeom prst="rect">
+            <a:avLst/>
+          </a:prstGeom>
+          <a:noFill/>
+        </p:spPr>
+        <p:txBody>
+          <a:bodyPr wrap="square" rtlCol="0">
+            <a:spAutoFit/>
+          </a:bodyPr>
+          <a:lstStyle/>
+          <a:p>
+            <a:pPr marL="285750" indent="-285750">
+              <a:buFont typeface="Arial" panose="020B0604020202020204" pitchFamily="34" charset="0"/>
+              <a:buChar char="•"/>
+            </a:pPr>
+            <a:r>
+              <a:rPr lang="zh-CN" altLang="en-US" sz="1600" b="1" dirty="0">
+                <a:latin typeface="微軟正黑體" panose="020B0604030504040204" pitchFamily="34" charset="-120"/>
+                <a:ea typeface="微軟正黑體" panose="020B0604030504040204" pitchFamily="34" charset="-120"/>
+              </a:rPr>
+              <a:t>所有資料的</a:t>
+            </a:r>
+            <a:r>
+              <a:rPr lang="en-US" altLang="zh-TW" sz="1600" b="1" dirty="0">
+                <a:latin typeface="微軟正黑體" panose="020B0604030504040204" pitchFamily="34" charset="-120"/>
+                <a:ea typeface="微軟正黑體" panose="020B0604030504040204" pitchFamily="34" charset="-120"/>
+              </a:rPr>
+              <a:t>64%</a:t>
+            </a:r>
+            <a:r>
+              <a:rPr lang="zh-CN" altLang="en-US" sz="1600" b="1" dirty="0">
+                <a:latin typeface="微軟正黑體" panose="020B0604030504040204" pitchFamily="34" charset="-120"/>
+                <a:ea typeface="微軟正黑體" panose="020B0604030504040204" pitchFamily="34" charset="-120"/>
+              </a:rPr>
+              <a:t>作為訓練資料</a:t>
+            </a:r>
+            <a:endParaRPr lang="en-US" altLang="zh-CN" sz="1600" b="1" dirty="0">
+              <a:latin typeface="微軟正黑體" panose="020B0604030504040204" pitchFamily="34" charset="-120"/>
+              <a:ea typeface="微軟正黑體" panose="020B0604030504040204" pitchFamily="34" charset="-120"/>
+            </a:endParaRPr>
+          </a:p>
+          <a:p>
+            <a:pPr marL="285750" indent="-285750">
+              <a:buFont typeface="Arial" panose="020B0604020202020204" pitchFamily="34" charset="0"/>
+              <a:buChar char="•"/>
+            </a:pPr>
+            <a:r>
+              <a:rPr lang="zh-CN" altLang="en-US" sz="1600" b="1" dirty="0">
+                <a:latin typeface="微軟正黑體" panose="020B0604030504040204" pitchFamily="34" charset="-120"/>
+                <a:ea typeface="微軟正黑體" panose="020B0604030504040204" pitchFamily="34" charset="-120"/>
+              </a:rPr>
+              <a:t>所有資料的</a:t>
+            </a:r>
+            <a:r>
+              <a:rPr lang="en-US" altLang="zh-TW" sz="1600" b="1" dirty="0">
+                <a:latin typeface="微軟正黑體" panose="020B0604030504040204" pitchFamily="34" charset="-120"/>
+                <a:ea typeface="微軟正黑體" panose="020B0604030504040204" pitchFamily="34" charset="-120"/>
+              </a:rPr>
+              <a:t>16%</a:t>
+            </a:r>
+            <a:r>
+              <a:rPr lang="zh-CN" altLang="en-US" sz="1600" b="1" dirty="0">
+                <a:latin typeface="微軟正黑體" panose="020B0604030504040204" pitchFamily="34" charset="-120"/>
+                <a:ea typeface="微軟正黑體" panose="020B0604030504040204" pitchFamily="34" charset="-120"/>
+              </a:rPr>
+              <a:t>作為驗證集</a:t>
+            </a:r>
+            <a:endParaRPr lang="en-US" altLang="zh-CN" sz="1600" b="1" dirty="0">
+              <a:latin typeface="微軟正黑體" panose="020B0604030504040204" pitchFamily="34" charset="-120"/>
+              <a:ea typeface="微軟正黑體" panose="020B0604030504040204" pitchFamily="34" charset="-120"/>
+            </a:endParaRPr>
+          </a:p>
+          <a:p>
+            <a:pPr marL="285750" indent="-285750">
+              <a:buFont typeface="Arial" panose="020B0604020202020204" pitchFamily="34" charset="0"/>
+              <a:buChar char="•"/>
+            </a:pPr>
+            <a:r>
+              <a:rPr lang="zh-CN" altLang="en-US" sz="1600" b="1" dirty="0">
+                <a:latin typeface="微軟正黑體" panose="020B0604030504040204" pitchFamily="34" charset="-120"/>
+                <a:ea typeface="微軟正黑體" panose="020B0604030504040204" pitchFamily="34" charset="-120"/>
+              </a:rPr>
+              <a:t>所有資料的</a:t>
+            </a:r>
+            <a:r>
+              <a:rPr lang="en-US" altLang="zh-TW" sz="1600" b="1" dirty="0">
+                <a:latin typeface="微軟正黑體" panose="020B0604030504040204" pitchFamily="34" charset="-120"/>
+                <a:ea typeface="微軟正黑體" panose="020B0604030504040204" pitchFamily="34" charset="-120"/>
+              </a:rPr>
+              <a:t>20%</a:t>
+            </a:r>
+            <a:r>
+              <a:rPr lang="zh-CN" altLang="en-US" sz="1600" b="1" dirty="0">
+                <a:latin typeface="微軟正黑體" panose="020B0604030504040204" pitchFamily="34" charset="-120"/>
+                <a:ea typeface="微軟正黑體" panose="020B0604030504040204" pitchFamily="34" charset="-120"/>
+              </a:rPr>
+              <a:t>作為測試集</a:t>
+            </a:r>
+            <a:endParaRPr lang="zh-TW" altLang="en-US" dirty="0"/>
+          </a:p>
+        </p:txBody>
+      </p:sp>
+      <p:sp>
+        <p:nvSpPr>
+          <p:cNvPr id="32" name="文字方塊 31">
+            <a:extLst>
+              <a:ext uri="{FF2B5EF4-FFF2-40B4-BE49-F238E27FC236}">
+                <a16:creationId xmlns:a16="http://schemas.microsoft.com/office/drawing/2014/main" id="{77280B50-6D01-49CB-8B18-D919F903FB83}"/>
+              </a:ext>
+            </a:extLst>
+          </p:cNvPr>
+          <p:cNvSpPr txBox="1"/>
+          <p:nvPr/>
+        </p:nvSpPr>
+        <p:spPr>
+          <a:xfrm>
+            <a:off x="6418654" y="2826637"/>
+            <a:ext cx="2454187" cy="3416320"/>
+          </a:xfrm>
+          <a:prstGeom prst="rect">
+            <a:avLst/>
+          </a:prstGeom>
+          <a:noFill/>
+        </p:spPr>
+        <p:txBody>
+          <a:bodyPr wrap="square" rtlCol="0">
+            <a:spAutoFit/>
+          </a:bodyPr>
+          <a:lstStyle/>
+          <a:p>
+            <a:r>
+              <a:rPr lang="zh-CN" altLang="en-US" b="1" dirty="0">
+                <a:latin typeface="微軟正黑體" panose="020B0604030504040204" pitchFamily="34" charset="-120"/>
+                <a:ea typeface="微軟正黑體" panose="020B0604030504040204" pitchFamily="34" charset="-120"/>
+              </a:rPr>
+              <a:t>由於事件強度的分布相當不平衡</a:t>
+            </a:r>
+            <a:r>
+              <a:rPr lang="zh-CN" altLang="en-US" b="1" dirty="0">
+                <a:solidFill>
+                  <a:srgbClr val="FF0000"/>
+                </a:solidFill>
+                <a:latin typeface="微軟正黑體" panose="020B0604030504040204" pitchFamily="34" charset="-120"/>
+                <a:ea typeface="微軟正黑體" panose="020B0604030504040204" pitchFamily="34" charset="-120"/>
+              </a:rPr>
+              <a:t>（極端事件：</a:t>
+            </a:r>
+            <a:r>
+              <a:rPr lang="en-US" altLang="zh-TW" b="1" dirty="0">
+                <a:solidFill>
+                  <a:srgbClr val="FF0000"/>
+                </a:solidFill>
+                <a:latin typeface="微軟正黑體" panose="020B0604030504040204" pitchFamily="34" charset="-120"/>
+                <a:ea typeface="微軟正黑體" panose="020B0604030504040204" pitchFamily="34" charset="-120"/>
+              </a:rPr>
+              <a:t>-3,</a:t>
+            </a:r>
+            <a:r>
+              <a:rPr lang="zh-TW" altLang="en-US" b="1" dirty="0">
+                <a:solidFill>
+                  <a:srgbClr val="FF0000"/>
+                </a:solidFill>
+                <a:latin typeface="微軟正黑體" panose="020B0604030504040204" pitchFamily="34" charset="-120"/>
+                <a:ea typeface="微軟正黑體" panose="020B0604030504040204" pitchFamily="34" charset="-120"/>
+              </a:rPr>
+              <a:t> </a:t>
+            </a:r>
+            <a:r>
+              <a:rPr lang="en-US" altLang="zh-TW" b="1" dirty="0">
+                <a:solidFill>
+                  <a:srgbClr val="FF0000"/>
+                </a:solidFill>
+                <a:latin typeface="微軟正黑體" panose="020B0604030504040204" pitchFamily="34" charset="-120"/>
+                <a:ea typeface="微軟正黑體" panose="020B0604030504040204" pitchFamily="34" charset="-120"/>
+              </a:rPr>
+              <a:t>-2,</a:t>
+            </a:r>
+            <a:r>
+              <a:rPr lang="zh-TW" altLang="en-US" b="1" dirty="0">
+                <a:solidFill>
+                  <a:srgbClr val="FF0000"/>
+                </a:solidFill>
+                <a:latin typeface="微軟正黑體" panose="020B0604030504040204" pitchFamily="34" charset="-120"/>
+                <a:ea typeface="微軟正黑體" panose="020B0604030504040204" pitchFamily="34" charset="-120"/>
+              </a:rPr>
+              <a:t> </a:t>
+            </a:r>
+            <a:r>
+              <a:rPr lang="en-US" altLang="zh-TW" b="1" dirty="0">
+                <a:solidFill>
+                  <a:srgbClr val="FF0000"/>
+                </a:solidFill>
+                <a:latin typeface="微軟正黑體" panose="020B0604030504040204" pitchFamily="34" charset="-120"/>
+                <a:ea typeface="微軟正黑體" panose="020B0604030504040204" pitchFamily="34" charset="-120"/>
+              </a:rPr>
+              <a:t>+2,</a:t>
+            </a:r>
+            <a:r>
+              <a:rPr lang="zh-TW" altLang="en-US" b="1" dirty="0">
+                <a:solidFill>
+                  <a:srgbClr val="FF0000"/>
+                </a:solidFill>
+                <a:latin typeface="微軟正黑體" panose="020B0604030504040204" pitchFamily="34" charset="-120"/>
+                <a:ea typeface="微軟正黑體" panose="020B0604030504040204" pitchFamily="34" charset="-120"/>
+              </a:rPr>
+              <a:t> </a:t>
+            </a:r>
+            <a:r>
+              <a:rPr lang="en-US" altLang="zh-TW" b="1" dirty="0">
+                <a:solidFill>
+                  <a:srgbClr val="FF0000"/>
+                </a:solidFill>
+                <a:latin typeface="微軟正黑體" panose="020B0604030504040204" pitchFamily="34" charset="-120"/>
+                <a:ea typeface="微軟正黑體" panose="020B0604030504040204" pitchFamily="34" charset="-120"/>
+              </a:rPr>
+              <a:t>+3</a:t>
+            </a:r>
+            <a:r>
+              <a:rPr lang="zh-TW" altLang="en-US" b="1" dirty="0">
+                <a:solidFill>
+                  <a:srgbClr val="FF0000"/>
+                </a:solidFill>
+                <a:latin typeface="微軟正黑體" panose="020B0604030504040204" pitchFamily="34" charset="-120"/>
+                <a:ea typeface="微軟正黑體" panose="020B0604030504040204" pitchFamily="34" charset="-120"/>
+              </a:rPr>
+              <a:t> 出現的頻率相對較少</a:t>
+            </a:r>
+            <a:r>
+              <a:rPr lang="zh-CN" altLang="en-US" b="1" dirty="0">
+                <a:solidFill>
+                  <a:srgbClr val="FF0000"/>
+                </a:solidFill>
+                <a:latin typeface="微軟正黑體" panose="020B0604030504040204" pitchFamily="34" charset="-120"/>
+                <a:ea typeface="微軟正黑體" panose="020B0604030504040204" pitchFamily="34" charset="-120"/>
+              </a:rPr>
+              <a:t>） </a:t>
+            </a:r>
+            <a:r>
+              <a:rPr lang="zh-CN" altLang="en-US" b="1" dirty="0">
+                <a:latin typeface="微軟正黑體" panose="020B0604030504040204" pitchFamily="34" charset="-120"/>
+                <a:ea typeface="微軟正黑體" panose="020B0604030504040204" pitchFamily="34" charset="-120"/>
+              </a:rPr>
+              <a:t>，所以我們使用了以下兩種方法來處理資料不平衡的問題</a:t>
+            </a:r>
+            <a:endParaRPr lang="en-US" altLang="zh-TW" b="1" dirty="0">
+              <a:latin typeface="微軟正黑體" panose="020B0604030504040204" pitchFamily="34" charset="-120"/>
+              <a:ea typeface="微軟正黑體" panose="020B0604030504040204" pitchFamily="34" charset="-120"/>
+            </a:endParaRPr>
+          </a:p>
+          <a:p>
+            <a:r>
+              <a:rPr lang="en-US" altLang="zh-TW" b="1" dirty="0">
+                <a:latin typeface="微軟正黑體" panose="020B0604030504040204" pitchFamily="34" charset="-120"/>
+                <a:ea typeface="微軟正黑體" panose="020B0604030504040204" pitchFamily="34" charset="-120"/>
+              </a:rPr>
+              <a:t>1.</a:t>
+            </a:r>
+            <a:r>
+              <a:rPr lang="zh-TW" altLang="en-US" b="1" dirty="0">
+                <a:latin typeface="微軟正黑體" panose="020B0604030504040204" pitchFamily="34" charset="-120"/>
+                <a:ea typeface="微軟正黑體" panose="020B0604030504040204" pitchFamily="34" charset="-120"/>
+              </a:rPr>
+              <a:t> 使用</a:t>
+            </a:r>
+            <a:r>
+              <a:rPr lang="en-US" altLang="zh-TW" b="1" dirty="0">
+                <a:latin typeface="微軟正黑體" panose="020B0604030504040204" pitchFamily="34" charset="-120"/>
+                <a:ea typeface="微軟正黑體" panose="020B0604030504040204" pitchFamily="34" charset="-120"/>
+              </a:rPr>
+              <a:t>Oversampling</a:t>
+            </a:r>
+          </a:p>
+          <a:p>
+            <a:r>
+              <a:rPr lang="en-US" altLang="zh-TW" b="1" dirty="0">
+                <a:latin typeface="微軟正黑體" panose="020B0604030504040204" pitchFamily="34" charset="-120"/>
+                <a:ea typeface="微軟正黑體" panose="020B0604030504040204" pitchFamily="34" charset="-120"/>
+              </a:rPr>
+              <a:t>2. </a:t>
+            </a:r>
+            <a:r>
+              <a:rPr lang="zh-CN" altLang="en-US" b="1" dirty="0">
+                <a:latin typeface="微軟正黑體" panose="020B0604030504040204" pitchFamily="34" charset="-120"/>
+                <a:ea typeface="微軟正黑體" panose="020B0604030504040204" pitchFamily="34" charset="-120"/>
+              </a:rPr>
+              <a:t>調整損失函數（</a:t>
+            </a:r>
+            <a:r>
+              <a:rPr lang="en-US" altLang="zh-CN" b="1" dirty="0">
+                <a:latin typeface="微軟正黑體" panose="020B0604030504040204" pitchFamily="34" charset="-120"/>
+                <a:ea typeface="微軟正黑體" panose="020B0604030504040204" pitchFamily="34" charset="-120"/>
+              </a:rPr>
+              <a:t>loss function</a:t>
+            </a:r>
+            <a:r>
+              <a:rPr lang="zh-CN" altLang="en-US" b="1" dirty="0">
+                <a:latin typeface="微軟正黑體" panose="020B0604030504040204" pitchFamily="34" charset="-120"/>
+                <a:ea typeface="微軟正黑體" panose="020B0604030504040204" pitchFamily="34" charset="-120"/>
+              </a:rPr>
+              <a:t>）的權重</a:t>
+            </a:r>
+            <a:endParaRPr lang="en-US" altLang="zh-TW" b="1" dirty="0">
+              <a:latin typeface="微軟正黑體" panose="020B0604030504040204" pitchFamily="34" charset="-120"/>
+              <a:ea typeface="微軟正黑體" panose="020B0604030504040204" pitchFamily="34" charset="-120"/>
+            </a:endParaRPr>
+          </a:p>
+          <a:p>
+            <a:endParaRPr lang="zh-TW" altLang="en-US" dirty="0"/>
+          </a:p>
+        </p:txBody>
+      </p:sp>
+    </p:spTree>
+    <p:extLst>
+      <p:ext uri="{BB962C8B-B14F-4D97-AF65-F5344CB8AC3E}">
+        <p14:creationId xmlns:p14="http://schemas.microsoft.com/office/powerpoint/2010/main" val="2420563713"/>
+      </p:ext>
+    </p:extLst>
+  </p:cSld>
+  <p:clrMapOvr>
+    <a:masterClrMapping/>
+  </p:clrMapOvr>
+</p:sld>
+</file>
+
 <file path=ppt/slides/slide2.xml><?xml version="1.0" encoding="utf-8"?>
 <p:sld xmlns:a="http://schemas.openxmlformats.org/drawingml/2006/main" xmlns:r="http://schemas.openxmlformats.org/officeDocument/2006/relationships" xmlns:p="http://schemas.openxmlformats.org/presentationml/2006/main">
   <p:cSld>
@@ -11563,6 +12659,2161 @@
     <p:extLst>
       <p:ext uri="{BB962C8B-B14F-4D97-AF65-F5344CB8AC3E}">
         <p14:creationId xmlns:p14="http://schemas.microsoft.com/office/powerpoint/2010/main" val="3654779372"/>
+      </p:ext>
+    </p:extLst>
+  </p:cSld>
+  <p:clrMapOvr>
+    <a:masterClrMapping/>
+  </p:clrMapOvr>
+</p:sld>
+</file>
+
+<file path=ppt/slides/slide20.xml><?xml version="1.0" encoding="utf-8"?>
+<p:sld xmlns:a="http://schemas.openxmlformats.org/drawingml/2006/main" xmlns:r="http://schemas.openxmlformats.org/officeDocument/2006/relationships" xmlns:p="http://schemas.openxmlformats.org/presentationml/2006/main">
+  <p:cSld>
+    <p:spTree>
+      <p:nvGrpSpPr>
+        <p:cNvPr id="1" name=""/>
+        <p:cNvGrpSpPr/>
+        <p:nvPr/>
+      </p:nvGrpSpPr>
+      <p:grpSpPr>
+        <a:xfrm>
+          <a:off x="0" y="0"/>
+          <a:ext cx="0" cy="0"/>
+          <a:chOff x="0" y="0"/>
+          <a:chExt cx="0" cy="0"/>
+        </a:xfrm>
+      </p:grpSpPr>
+      <p:sp>
+        <p:nvSpPr>
+          <p:cNvPr id="2" name="標題 1">
+            <a:extLst>
+              <a:ext uri="{FF2B5EF4-FFF2-40B4-BE49-F238E27FC236}">
+                <a16:creationId xmlns:a16="http://schemas.microsoft.com/office/drawing/2014/main" id="{21D46EF1-12EA-C94F-9F03-C7FE589E8C7A}"/>
+              </a:ext>
+            </a:extLst>
+          </p:cNvPr>
+          <p:cNvSpPr>
+            <a:spLocks noGrp="1"/>
+          </p:cNvSpPr>
+          <p:nvPr>
+            <p:ph type="title"/>
+          </p:nvPr>
+        </p:nvSpPr>
+        <p:spPr>
+          <a:xfrm>
+            <a:off x="122679" y="279807"/>
+            <a:ext cx="6912428" cy="599076"/>
+          </a:xfrm>
+        </p:spPr>
+        <p:txBody>
+          <a:bodyPr>
+            <a:normAutofit/>
+          </a:bodyPr>
+          <a:lstStyle/>
+          <a:p>
+            <a:r>
+              <a:rPr lang="zh-CN" altLang="en-US" dirty="0">
+                <a:latin typeface="Microsoft JhengHei" panose="020B0604030504040204" pitchFamily="34" charset="-120"/>
+                <a:ea typeface="Microsoft JhengHei" panose="020B0604030504040204" pitchFamily="34" charset="-120"/>
+              </a:rPr>
+              <a:t>事件強度分類器：模型架構</a:t>
+            </a:r>
+            <a:endParaRPr kumimoji="1" lang="zh-TW" altLang="en-US" dirty="0"/>
+          </a:p>
+        </p:txBody>
+      </p:sp>
+      <p:sp>
+        <p:nvSpPr>
+          <p:cNvPr id="4" name="日期版面配置區 3">
+            <a:extLst>
+              <a:ext uri="{FF2B5EF4-FFF2-40B4-BE49-F238E27FC236}">
+                <a16:creationId xmlns:a16="http://schemas.microsoft.com/office/drawing/2014/main" id="{190A1806-A5E7-ED48-84B7-A10F862FB7D3}"/>
+              </a:ext>
+            </a:extLst>
+          </p:cNvPr>
+          <p:cNvSpPr>
+            <a:spLocks noGrp="1"/>
+          </p:cNvSpPr>
+          <p:nvPr>
+            <p:ph type="dt" sz="half" idx="10"/>
+          </p:nvPr>
+        </p:nvSpPr>
+        <p:spPr/>
+        <p:txBody>
+          <a:bodyPr/>
+          <a:lstStyle/>
+          <a:p>
+            <a:fld id="{868F4FC5-FE50-A64D-A7E3-22233A0C6925}" type="datetime1">
+              <a:rPr kumimoji="1" lang="zh-TW" altLang="en-US" smtClean="0"/>
+              <a:t>2020/6/18</a:t>
+            </a:fld>
+            <a:endParaRPr kumimoji="1" lang="zh-TW" altLang="en-US" dirty="0"/>
+          </a:p>
+        </p:txBody>
+      </p:sp>
+      <p:graphicFrame>
+        <p:nvGraphicFramePr>
+          <p:cNvPr id="6" name="表格 7">
+            <a:extLst>
+              <a:ext uri="{FF2B5EF4-FFF2-40B4-BE49-F238E27FC236}">
+                <a16:creationId xmlns:a16="http://schemas.microsoft.com/office/drawing/2014/main" id="{CE90F3BB-4059-4699-8D9C-645086DE4494}"/>
+              </a:ext>
+            </a:extLst>
+          </p:cNvPr>
+          <p:cNvGraphicFramePr>
+            <a:graphicFrameLocks noGrp="1"/>
+          </p:cNvGraphicFramePr>
+          <p:nvPr>
+            <p:extLst>
+              <p:ext uri="{D42A27DB-BD31-4B8C-83A1-F6EECF244321}">
+                <p14:modId xmlns:p14="http://schemas.microsoft.com/office/powerpoint/2010/main" val="959966528"/>
+              </p:ext>
+            </p:extLst>
+          </p:nvPr>
+        </p:nvGraphicFramePr>
+        <p:xfrm>
+          <a:off x="4944622" y="1171325"/>
+          <a:ext cx="4076699" cy="4968219"/>
+        </p:xfrm>
+        <a:graphic>
+          <a:graphicData uri="http://schemas.openxmlformats.org/drawingml/2006/table">
+            <a:tbl>
+              <a:tblPr firstRow="1" bandRow="1">
+                <a:tableStyleId>{8EC20E35-A176-4012-BC5E-935CFFF8708E}</a:tableStyleId>
+              </a:tblPr>
+              <a:tblGrid>
+                <a:gridCol w="1952499">
+                  <a:extLst>
+                    <a:ext uri="{9D8B030D-6E8A-4147-A177-3AD203B41FA5}">
+                      <a16:colId xmlns:a16="http://schemas.microsoft.com/office/drawing/2014/main" val="1169201645"/>
+                    </a:ext>
+                  </a:extLst>
+                </a:gridCol>
+                <a:gridCol w="2124200">
+                  <a:extLst>
+                    <a:ext uri="{9D8B030D-6E8A-4147-A177-3AD203B41FA5}">
+                      <a16:colId xmlns:a16="http://schemas.microsoft.com/office/drawing/2014/main" val="981368104"/>
+                    </a:ext>
+                  </a:extLst>
+                </a:gridCol>
+              </a:tblGrid>
+              <a:tr h="1656073">
+                <a:tc>
+                  <a:txBody>
+                    <a:bodyPr/>
+                    <a:lstStyle/>
+                    <a:p>
+                      <a:r>
+                        <a:rPr lang="en-US" altLang="zh-TW" sz="1800" kern="1200" dirty="0">
+                          <a:solidFill>
+                            <a:schemeClr val="dk1"/>
+                          </a:solidFill>
+                          <a:latin typeface="Microsoft JhengHei" panose="020B0604030504040204" pitchFamily="34" charset="-120"/>
+                          <a:ea typeface="Microsoft JhengHei" panose="020B0604030504040204" pitchFamily="34" charset="-120"/>
+                          <a:cs typeface="+mn-cs"/>
+                        </a:rPr>
+                        <a:t>Embedding layer</a:t>
+                      </a:r>
+                      <a:endParaRPr lang="zh-TW" altLang="en-US" sz="1800" kern="1200" dirty="0">
+                        <a:solidFill>
+                          <a:schemeClr val="dk1"/>
+                        </a:solidFill>
+                        <a:latin typeface="Microsoft JhengHei" panose="020B0604030504040204" pitchFamily="34" charset="-120"/>
+                        <a:ea typeface="Microsoft JhengHei" panose="020B0604030504040204" pitchFamily="34" charset="-120"/>
+                        <a:cs typeface="+mn-cs"/>
+                      </a:endParaRPr>
+                    </a:p>
+                  </a:txBody>
+                  <a:tcPr anchor="ctr">
+                    <a:solidFill>
+                      <a:srgbClr val="A3D5CB"/>
+                    </a:solidFill>
+                  </a:tcPr>
+                </a:tc>
+                <a:tc>
+                  <a:txBody>
+                    <a:bodyPr/>
+                    <a:lstStyle/>
+                    <a:p>
+                      <a:pPr marL="0" marR="0" lvl="0" indent="0" algn="l" defTabSz="914400" rtl="0" eaLnBrk="1" fontAlgn="auto" latinLnBrk="0" hangingPunct="1">
+                        <a:lnSpc>
+                          <a:spcPct val="100000"/>
+                        </a:lnSpc>
+                        <a:spcBef>
+                          <a:spcPts val="0"/>
+                        </a:spcBef>
+                        <a:spcAft>
+                          <a:spcPts val="0"/>
+                        </a:spcAft>
+                        <a:buClrTx/>
+                        <a:buSzTx/>
+                        <a:buFontTx/>
+                        <a:buNone/>
+                        <a:tabLst/>
+                        <a:defRPr/>
+                      </a:pPr>
+                      <a:r>
+                        <a:rPr lang="zh-CN" altLang="en-US" sz="1800" kern="1200" dirty="0">
+                          <a:solidFill>
+                            <a:schemeClr val="dk1"/>
+                          </a:solidFill>
+                          <a:latin typeface="Microsoft JhengHei" panose="020B0604030504040204" pitchFamily="34" charset="-120"/>
+                          <a:ea typeface="Microsoft JhengHei" panose="020B0604030504040204" pitchFamily="34" charset="-120"/>
+                          <a:cs typeface="+mn-cs"/>
+                        </a:rPr>
+                        <a:t>用來進行詞嵌入</a:t>
+                      </a:r>
+                      <a:endParaRPr lang="en-US" altLang="zh-TW" sz="1800" kern="1200" dirty="0">
+                        <a:solidFill>
+                          <a:schemeClr val="dk1"/>
+                        </a:solidFill>
+                        <a:latin typeface="Microsoft JhengHei" panose="020B0604030504040204" pitchFamily="34" charset="-120"/>
+                        <a:ea typeface="Microsoft JhengHei" panose="020B0604030504040204" pitchFamily="34" charset="-120"/>
+                        <a:cs typeface="+mn-cs"/>
+                      </a:endParaRPr>
+                    </a:p>
+                    <a:p>
+                      <a:endParaRPr lang="zh-TW" altLang="en-US" sz="1800" kern="1200" dirty="0">
+                        <a:solidFill>
+                          <a:schemeClr val="dk1"/>
+                        </a:solidFill>
+                        <a:latin typeface="Microsoft JhengHei" panose="020B0604030504040204" pitchFamily="34" charset="-120"/>
+                        <a:ea typeface="Microsoft JhengHei" panose="020B0604030504040204" pitchFamily="34" charset="-120"/>
+                        <a:cs typeface="+mn-cs"/>
+                      </a:endParaRPr>
+                    </a:p>
+                  </a:txBody>
+                  <a:tcPr anchor="ctr">
+                    <a:solidFill>
+                      <a:srgbClr val="A3D5CB"/>
+                    </a:solidFill>
+                  </a:tcPr>
+                </a:tc>
+                <a:extLst>
+                  <a:ext uri="{0D108BD9-81ED-4DB2-BD59-A6C34878D82A}">
+                    <a16:rowId xmlns:a16="http://schemas.microsoft.com/office/drawing/2014/main" val="1556906360"/>
+                  </a:ext>
+                </a:extLst>
+              </a:tr>
+              <a:tr h="1656073">
+                <a:tc>
+                  <a:txBody>
+                    <a:bodyPr/>
+                    <a:lstStyle/>
+                    <a:p>
+                      <a:r>
+                        <a:rPr lang="en-US" altLang="zh-TW" dirty="0">
+                          <a:latin typeface="Microsoft JhengHei" panose="020B0604030504040204" pitchFamily="34" charset="-120"/>
+                          <a:ea typeface="Microsoft JhengHei" panose="020B0604030504040204" pitchFamily="34" charset="-120"/>
+                        </a:rPr>
+                        <a:t>LSTM layer</a:t>
+                      </a:r>
+                      <a:endParaRPr lang="zh-TW" altLang="en-US" dirty="0"/>
+                    </a:p>
+                  </a:txBody>
+                  <a:tcPr anchor="ctr">
+                    <a:lnB w="28575" cap="flat" cmpd="sng" algn="ctr">
+                      <a:solidFill>
+                        <a:schemeClr val="tx1"/>
+                      </a:solidFill>
+                      <a:prstDash val="solid"/>
+                      <a:round/>
+                      <a:headEnd type="none" w="med" len="med"/>
+                      <a:tailEnd type="none" w="med" len="med"/>
+                    </a:lnB>
+                  </a:tcPr>
+                </a:tc>
+                <a:tc>
+                  <a:txBody>
+                    <a:bodyPr/>
+                    <a:lstStyle/>
+                    <a:p>
+                      <a:r>
+                        <a:rPr lang="zh-CN" altLang="en-US" dirty="0">
+                          <a:latin typeface="Microsoft JhengHei" panose="020B0604030504040204" pitchFamily="34" charset="-120"/>
+                          <a:ea typeface="Microsoft JhengHei" panose="020B0604030504040204" pitchFamily="34" charset="-120"/>
+                        </a:rPr>
+                        <a:t>長短期記憶模型</a:t>
+                      </a:r>
+                      <a:endParaRPr lang="zh-TW" altLang="en-US" dirty="0"/>
+                    </a:p>
+                  </a:txBody>
+                  <a:tcPr anchor="ctr">
+                    <a:lnB w="28575" cap="flat" cmpd="sng" algn="ctr">
+                      <a:solidFill>
+                        <a:schemeClr val="tx1"/>
+                      </a:solidFill>
+                      <a:prstDash val="solid"/>
+                      <a:round/>
+                      <a:headEnd type="none" w="med" len="med"/>
+                      <a:tailEnd type="none" w="med" len="med"/>
+                    </a:lnB>
+                  </a:tcPr>
+                </a:tc>
+                <a:extLst>
+                  <a:ext uri="{0D108BD9-81ED-4DB2-BD59-A6C34878D82A}">
+                    <a16:rowId xmlns:a16="http://schemas.microsoft.com/office/drawing/2014/main" val="3706517141"/>
+                  </a:ext>
+                </a:extLst>
+              </a:tr>
+              <a:tr h="1656073">
+                <a:tc>
+                  <a:txBody>
+                    <a:bodyPr/>
+                    <a:lstStyle/>
+                    <a:p>
+                      <a:r>
+                        <a:rPr lang="en-US" altLang="zh-CN" dirty="0">
+                          <a:latin typeface="Microsoft JhengHei" panose="020B0604030504040204" pitchFamily="34" charset="-120"/>
+                          <a:ea typeface="Microsoft JhengHei" panose="020B0604030504040204" pitchFamily="34" charset="-120"/>
+                        </a:rPr>
+                        <a:t>Dense layer</a:t>
+                      </a:r>
+                    </a:p>
+                  </a:txBody>
+                  <a:tcPr anchor="ctr">
+                    <a:lnT w="28575" cap="flat" cmpd="sng" algn="ctr">
+                      <a:solidFill>
+                        <a:schemeClr val="tx1"/>
+                      </a:solidFill>
+                      <a:prstDash val="solid"/>
+                      <a:round/>
+                      <a:headEnd type="none" w="med" len="med"/>
+                      <a:tailEnd type="none" w="med" len="med"/>
+                    </a:lnT>
+                  </a:tcPr>
+                </a:tc>
+                <a:tc>
+                  <a:txBody>
+                    <a:bodyPr/>
+                    <a:lstStyle/>
+                    <a:p>
+                      <a:r>
+                        <a:rPr lang="zh-CN" altLang="en-US" dirty="0">
+                          <a:solidFill>
+                            <a:schemeClr val="tx1"/>
+                          </a:solidFill>
+                          <a:latin typeface="Microsoft JhengHei" panose="020B0604030504040204" pitchFamily="34" charset="-120"/>
+                          <a:ea typeface="Microsoft JhengHei" panose="020B0604030504040204" pitchFamily="34" charset="-120"/>
+                        </a:rPr>
+                        <a:t>作為此模型的</a:t>
+                      </a:r>
+                      <a:r>
+                        <a:rPr lang="en-US" altLang="zh-TW" dirty="0">
+                          <a:solidFill>
+                            <a:schemeClr val="tx1"/>
+                          </a:solidFill>
+                          <a:latin typeface="Microsoft JhengHei" panose="020B0604030504040204" pitchFamily="34" charset="-120"/>
+                          <a:ea typeface="Microsoft JhengHei" panose="020B0604030504040204" pitchFamily="34" charset="-120"/>
+                        </a:rPr>
+                        <a:t>output</a:t>
+                      </a:r>
+                      <a:r>
+                        <a:rPr lang="zh-TW" altLang="en-US" dirty="0">
+                          <a:solidFill>
+                            <a:schemeClr val="tx1"/>
+                          </a:solidFill>
+                          <a:latin typeface="Microsoft JhengHei" panose="020B0604030504040204" pitchFamily="34" charset="-120"/>
+                          <a:ea typeface="Microsoft JhengHei" panose="020B0604030504040204" pitchFamily="34" charset="-120"/>
+                        </a:rPr>
+                        <a:t> </a:t>
+                      </a:r>
+                      <a:r>
+                        <a:rPr lang="en-US" altLang="zh-TW" dirty="0">
+                          <a:solidFill>
+                            <a:schemeClr val="tx1"/>
+                          </a:solidFill>
+                          <a:latin typeface="Microsoft JhengHei" panose="020B0604030504040204" pitchFamily="34" charset="-120"/>
+                          <a:ea typeface="Microsoft JhengHei" panose="020B0604030504040204" pitchFamily="34" charset="-120"/>
+                        </a:rPr>
+                        <a:t>layer</a:t>
+                      </a:r>
+                      <a:endParaRPr lang="zh-TW" altLang="en-US" dirty="0"/>
+                    </a:p>
+                  </a:txBody>
+                  <a:tcPr anchor="ctr">
+                    <a:lnT w="28575" cap="flat" cmpd="sng" algn="ctr">
+                      <a:solidFill>
+                        <a:schemeClr val="tx1"/>
+                      </a:solidFill>
+                      <a:prstDash val="solid"/>
+                      <a:round/>
+                      <a:headEnd type="none" w="med" len="med"/>
+                      <a:tailEnd type="none" w="med" len="med"/>
+                    </a:lnT>
+                  </a:tcPr>
+                </a:tc>
+                <a:extLst>
+                  <a:ext uri="{0D108BD9-81ED-4DB2-BD59-A6C34878D82A}">
+                    <a16:rowId xmlns:a16="http://schemas.microsoft.com/office/drawing/2014/main" val="1618717231"/>
+                  </a:ext>
+                </a:extLst>
+              </a:tr>
+            </a:tbl>
+          </a:graphicData>
+        </a:graphic>
+      </p:graphicFrame>
+      <p:pic>
+        <p:nvPicPr>
+          <p:cNvPr id="8" name="Content Placeholder 6">
+            <a:extLst>
+              <a:ext uri="{FF2B5EF4-FFF2-40B4-BE49-F238E27FC236}">
+                <a16:creationId xmlns:a16="http://schemas.microsoft.com/office/drawing/2014/main" id="{B2F021F3-3CF4-4608-8C62-DEA288599EBD}"/>
+              </a:ext>
+            </a:extLst>
+          </p:cNvPr>
+          <p:cNvPicPr>
+            <a:picLocks noGrp="1" noChangeAspect="1"/>
+          </p:cNvPicPr>
+          <p:nvPr>
+            <p:ph idx="1"/>
+          </p:nvPr>
+        </p:nvPicPr>
+        <p:blipFill>
+          <a:blip r:embed="rId2"/>
+          <a:stretch>
+            <a:fillRect/>
+          </a:stretch>
+        </p:blipFill>
+        <p:spPr>
+          <a:xfrm>
+            <a:off x="122679" y="1159884"/>
+            <a:ext cx="4716021" cy="5017759"/>
+          </a:xfrm>
+        </p:spPr>
+      </p:pic>
+    </p:spTree>
+    <p:extLst>
+      <p:ext uri="{BB962C8B-B14F-4D97-AF65-F5344CB8AC3E}">
+        <p14:creationId xmlns:p14="http://schemas.microsoft.com/office/powerpoint/2010/main" val="3170868270"/>
+      </p:ext>
+    </p:extLst>
+  </p:cSld>
+  <p:clrMapOvr>
+    <a:masterClrMapping/>
+  </p:clrMapOvr>
+</p:sld>
+</file>
+
+<file path=ppt/slides/slide21.xml><?xml version="1.0" encoding="utf-8"?>
+<p:sld xmlns:a="http://schemas.openxmlformats.org/drawingml/2006/main" xmlns:r="http://schemas.openxmlformats.org/officeDocument/2006/relationships" xmlns:p="http://schemas.openxmlformats.org/presentationml/2006/main">
+  <p:cSld>
+    <p:spTree>
+      <p:nvGrpSpPr>
+        <p:cNvPr id="1" name=""/>
+        <p:cNvGrpSpPr/>
+        <p:nvPr/>
+      </p:nvGrpSpPr>
+      <p:grpSpPr>
+        <a:xfrm>
+          <a:off x="0" y="0"/>
+          <a:ext cx="0" cy="0"/>
+          <a:chOff x="0" y="0"/>
+          <a:chExt cx="0" cy="0"/>
+        </a:xfrm>
+      </p:grpSpPr>
+      <p:sp>
+        <p:nvSpPr>
+          <p:cNvPr id="2" name="標題 1">
+            <a:extLst>
+              <a:ext uri="{FF2B5EF4-FFF2-40B4-BE49-F238E27FC236}">
+                <a16:creationId xmlns:a16="http://schemas.microsoft.com/office/drawing/2014/main" id="{21D46EF1-12EA-C94F-9F03-C7FE589E8C7A}"/>
+              </a:ext>
+            </a:extLst>
+          </p:cNvPr>
+          <p:cNvSpPr>
+            <a:spLocks noGrp="1"/>
+          </p:cNvSpPr>
+          <p:nvPr>
+            <p:ph type="title"/>
+          </p:nvPr>
+        </p:nvSpPr>
+        <p:spPr>
+          <a:xfrm>
+            <a:off x="122679" y="279807"/>
+            <a:ext cx="6912428" cy="599076"/>
+          </a:xfrm>
+        </p:spPr>
+        <p:txBody>
+          <a:bodyPr>
+            <a:normAutofit/>
+          </a:bodyPr>
+          <a:lstStyle/>
+          <a:p>
+            <a:r>
+              <a:rPr lang="zh-CN" altLang="en-US" dirty="0">
+                <a:latin typeface="Microsoft JhengHei" panose="020B0604030504040204" pitchFamily="34" charset="-120"/>
+                <a:ea typeface="Microsoft JhengHei" panose="020B0604030504040204" pitchFamily="34" charset="-120"/>
+              </a:rPr>
+              <a:t>事件強度分類器：模型表現（在驗證集上）</a:t>
+            </a:r>
+            <a:endParaRPr kumimoji="1" lang="zh-TW" altLang="en-US" dirty="0"/>
+          </a:p>
+        </p:txBody>
+      </p:sp>
+      <p:sp>
+        <p:nvSpPr>
+          <p:cNvPr id="4" name="日期版面配置區 3">
+            <a:extLst>
+              <a:ext uri="{FF2B5EF4-FFF2-40B4-BE49-F238E27FC236}">
+                <a16:creationId xmlns:a16="http://schemas.microsoft.com/office/drawing/2014/main" id="{190A1806-A5E7-ED48-84B7-A10F862FB7D3}"/>
+              </a:ext>
+            </a:extLst>
+          </p:cNvPr>
+          <p:cNvSpPr>
+            <a:spLocks noGrp="1"/>
+          </p:cNvSpPr>
+          <p:nvPr>
+            <p:ph type="dt" sz="half" idx="10"/>
+          </p:nvPr>
+        </p:nvSpPr>
+        <p:spPr/>
+        <p:txBody>
+          <a:bodyPr/>
+          <a:lstStyle/>
+          <a:p>
+            <a:fld id="{868F4FC5-FE50-A64D-A7E3-22233A0C6925}" type="datetime1">
+              <a:rPr kumimoji="1" lang="zh-TW" altLang="en-US" smtClean="0"/>
+              <a:t>2020/6/18</a:t>
+            </a:fld>
+            <a:endParaRPr kumimoji="1" lang="zh-TW" altLang="en-US" dirty="0"/>
+          </a:p>
+        </p:txBody>
+      </p:sp>
+      <p:graphicFrame>
+        <p:nvGraphicFramePr>
+          <p:cNvPr id="10" name="表格 10">
+            <a:extLst>
+              <a:ext uri="{FF2B5EF4-FFF2-40B4-BE49-F238E27FC236}">
+                <a16:creationId xmlns:a16="http://schemas.microsoft.com/office/drawing/2014/main" id="{B817FE57-B960-46EB-AD55-8406A498C304}"/>
+              </a:ext>
+            </a:extLst>
+          </p:cNvPr>
+          <p:cNvGraphicFramePr>
+            <a:graphicFrameLocks noGrp="1"/>
+          </p:cNvGraphicFramePr>
+          <p:nvPr>
+            <p:ph idx="1"/>
+            <p:extLst>
+              <p:ext uri="{D42A27DB-BD31-4B8C-83A1-F6EECF244321}">
+                <p14:modId xmlns:p14="http://schemas.microsoft.com/office/powerpoint/2010/main" val="1763339888"/>
+              </p:ext>
+            </p:extLst>
+          </p:nvPr>
+        </p:nvGraphicFramePr>
+        <p:xfrm>
+          <a:off x="122679" y="1534885"/>
+          <a:ext cx="8928000" cy="4648199"/>
+        </p:xfrm>
+        <a:graphic>
+          <a:graphicData uri="http://schemas.openxmlformats.org/drawingml/2006/table">
+            <a:tbl>
+              <a:tblPr firstRow="1" bandRow="1">
+                <a:tableStyleId>{8EC20E35-A176-4012-BC5E-935CFFF8708E}</a:tableStyleId>
+              </a:tblPr>
+              <a:tblGrid>
+                <a:gridCol w="1116000">
+                  <a:extLst>
+                    <a:ext uri="{9D8B030D-6E8A-4147-A177-3AD203B41FA5}">
+                      <a16:colId xmlns:a16="http://schemas.microsoft.com/office/drawing/2014/main" val="2457621786"/>
+                    </a:ext>
+                  </a:extLst>
+                </a:gridCol>
+                <a:gridCol w="1116000">
+                  <a:extLst>
+                    <a:ext uri="{9D8B030D-6E8A-4147-A177-3AD203B41FA5}">
+                      <a16:colId xmlns:a16="http://schemas.microsoft.com/office/drawing/2014/main" val="3358545346"/>
+                    </a:ext>
+                  </a:extLst>
+                </a:gridCol>
+                <a:gridCol w="1116000">
+                  <a:extLst>
+                    <a:ext uri="{9D8B030D-6E8A-4147-A177-3AD203B41FA5}">
+                      <a16:colId xmlns:a16="http://schemas.microsoft.com/office/drawing/2014/main" val="2283937809"/>
+                    </a:ext>
+                  </a:extLst>
+                </a:gridCol>
+                <a:gridCol w="1116000">
+                  <a:extLst>
+                    <a:ext uri="{9D8B030D-6E8A-4147-A177-3AD203B41FA5}">
+                      <a16:colId xmlns:a16="http://schemas.microsoft.com/office/drawing/2014/main" val="3596225516"/>
+                    </a:ext>
+                  </a:extLst>
+                </a:gridCol>
+                <a:gridCol w="1116000">
+                  <a:extLst>
+                    <a:ext uri="{9D8B030D-6E8A-4147-A177-3AD203B41FA5}">
+                      <a16:colId xmlns:a16="http://schemas.microsoft.com/office/drawing/2014/main" val="1730954313"/>
+                    </a:ext>
+                  </a:extLst>
+                </a:gridCol>
+                <a:gridCol w="1116000">
+                  <a:extLst>
+                    <a:ext uri="{9D8B030D-6E8A-4147-A177-3AD203B41FA5}">
+                      <a16:colId xmlns:a16="http://schemas.microsoft.com/office/drawing/2014/main" val="4111329078"/>
+                    </a:ext>
+                  </a:extLst>
+                </a:gridCol>
+                <a:gridCol w="1116000">
+                  <a:extLst>
+                    <a:ext uri="{9D8B030D-6E8A-4147-A177-3AD203B41FA5}">
+                      <a16:colId xmlns:a16="http://schemas.microsoft.com/office/drawing/2014/main" val="1091841325"/>
+                    </a:ext>
+                  </a:extLst>
+                </a:gridCol>
+                <a:gridCol w="1116000">
+                  <a:extLst>
+                    <a:ext uri="{9D8B030D-6E8A-4147-A177-3AD203B41FA5}">
+                      <a16:colId xmlns:a16="http://schemas.microsoft.com/office/drawing/2014/main" val="2179137498"/>
+                    </a:ext>
+                  </a:extLst>
+                </a:gridCol>
+              </a:tblGrid>
+              <a:tr h="1150070">
+                <a:tc>
+                  <a:txBody>
+                    <a:bodyPr/>
+                    <a:lstStyle/>
+                    <a:p>
+                      <a:pPr algn="ctr"/>
+                      <a:endParaRPr lang="zh-TW" altLang="en-US" dirty="0">
+                        <a:latin typeface="微軟正黑體" panose="020B0604030504040204" pitchFamily="34" charset="-120"/>
+                        <a:ea typeface="微軟正黑體" panose="020B0604030504040204" pitchFamily="34" charset="-120"/>
+                      </a:endParaRPr>
+                    </a:p>
+                  </a:txBody>
+                  <a:tcPr anchor="ctr">
+                    <a:lnT w="28575" cap="flat" cmpd="sng" algn="ctr">
+                      <a:solidFill>
+                        <a:schemeClr val="tx1"/>
+                      </a:solidFill>
+                      <a:prstDash val="solid"/>
+                      <a:round/>
+                      <a:headEnd type="none" w="med" len="med"/>
+                      <a:tailEnd type="none" w="med" len="med"/>
+                    </a:lnT>
+                    <a:lnB w="28575" cap="flat" cmpd="sng" algn="ctr">
+                      <a:solidFill>
+                        <a:schemeClr val="tx1"/>
+                      </a:solidFill>
+                      <a:prstDash val="solid"/>
+                      <a:round/>
+                      <a:headEnd type="none" w="med" len="med"/>
+                      <a:tailEnd type="none" w="med" len="med"/>
+                    </a:lnB>
+                    <a:solidFill>
+                      <a:srgbClr val="A3D5CB"/>
+                    </a:solidFill>
+                  </a:tcPr>
+                </a:tc>
+                <a:tc>
+                  <a:txBody>
+                    <a:bodyPr/>
+                    <a:lstStyle/>
+                    <a:p>
+                      <a:pPr algn="ctr"/>
+                      <a:r>
+                        <a:rPr lang="en-US" altLang="zh-TW" dirty="0">
+                          <a:solidFill>
+                            <a:schemeClr val="tx1"/>
+                          </a:solidFill>
+                          <a:latin typeface="微軟正黑體" panose="020B0604030504040204" pitchFamily="34" charset="-120"/>
+                          <a:ea typeface="微軟正黑體" panose="020B0604030504040204" pitchFamily="34" charset="-120"/>
+                        </a:rPr>
+                        <a:t>-3</a:t>
+                      </a:r>
+                      <a:endParaRPr lang="zh-TW" altLang="en-US" dirty="0">
+                        <a:latin typeface="微軟正黑體" panose="020B0604030504040204" pitchFamily="34" charset="-120"/>
+                        <a:ea typeface="微軟正黑體" panose="020B0604030504040204" pitchFamily="34" charset="-120"/>
+                      </a:endParaRPr>
+                    </a:p>
+                  </a:txBody>
+                  <a:tcPr anchor="ctr">
+                    <a:lnT w="28575" cap="flat" cmpd="sng" algn="ctr">
+                      <a:solidFill>
+                        <a:schemeClr val="tx1"/>
+                      </a:solidFill>
+                      <a:prstDash val="solid"/>
+                      <a:round/>
+                      <a:headEnd type="none" w="med" len="med"/>
+                      <a:tailEnd type="none" w="med" len="med"/>
+                    </a:lnT>
+                    <a:lnB w="28575" cap="flat" cmpd="sng" algn="ctr">
+                      <a:solidFill>
+                        <a:schemeClr val="tx1"/>
+                      </a:solidFill>
+                      <a:prstDash val="solid"/>
+                      <a:round/>
+                      <a:headEnd type="none" w="med" len="med"/>
+                      <a:tailEnd type="none" w="med" len="med"/>
+                    </a:lnB>
+                    <a:solidFill>
+                      <a:srgbClr val="A3D5CB"/>
+                    </a:solidFill>
+                  </a:tcPr>
+                </a:tc>
+                <a:tc>
+                  <a:txBody>
+                    <a:bodyPr/>
+                    <a:lstStyle/>
+                    <a:p>
+                      <a:pPr algn="ctr"/>
+                      <a:r>
+                        <a:rPr lang="en-US" altLang="zh-TW" dirty="0">
+                          <a:solidFill>
+                            <a:schemeClr val="tx1"/>
+                          </a:solidFill>
+                          <a:latin typeface="微軟正黑體" panose="020B0604030504040204" pitchFamily="34" charset="-120"/>
+                          <a:ea typeface="微軟正黑體" panose="020B0604030504040204" pitchFamily="34" charset="-120"/>
+                        </a:rPr>
+                        <a:t>-2</a:t>
+                      </a:r>
+                      <a:endParaRPr lang="zh-TW" altLang="en-US" dirty="0">
+                        <a:latin typeface="微軟正黑體" panose="020B0604030504040204" pitchFamily="34" charset="-120"/>
+                        <a:ea typeface="微軟正黑體" panose="020B0604030504040204" pitchFamily="34" charset="-120"/>
+                      </a:endParaRPr>
+                    </a:p>
+                  </a:txBody>
+                  <a:tcPr anchor="ctr">
+                    <a:lnT w="28575" cap="flat" cmpd="sng" algn="ctr">
+                      <a:solidFill>
+                        <a:schemeClr val="tx1"/>
+                      </a:solidFill>
+                      <a:prstDash val="solid"/>
+                      <a:round/>
+                      <a:headEnd type="none" w="med" len="med"/>
+                      <a:tailEnd type="none" w="med" len="med"/>
+                    </a:lnT>
+                    <a:lnB w="28575" cap="flat" cmpd="sng" algn="ctr">
+                      <a:solidFill>
+                        <a:schemeClr val="tx1"/>
+                      </a:solidFill>
+                      <a:prstDash val="solid"/>
+                      <a:round/>
+                      <a:headEnd type="none" w="med" len="med"/>
+                      <a:tailEnd type="none" w="med" len="med"/>
+                    </a:lnB>
+                    <a:solidFill>
+                      <a:srgbClr val="A3D5CB"/>
+                    </a:solidFill>
+                  </a:tcPr>
+                </a:tc>
+                <a:tc>
+                  <a:txBody>
+                    <a:bodyPr/>
+                    <a:lstStyle/>
+                    <a:p>
+                      <a:pPr algn="ctr"/>
+                      <a:r>
+                        <a:rPr lang="en-US" altLang="zh-TW" dirty="0">
+                          <a:solidFill>
+                            <a:schemeClr val="tx1"/>
+                          </a:solidFill>
+                          <a:latin typeface="微軟正黑體" panose="020B0604030504040204" pitchFamily="34" charset="-120"/>
+                          <a:ea typeface="微軟正黑體" panose="020B0604030504040204" pitchFamily="34" charset="-120"/>
+                        </a:rPr>
+                        <a:t>-1</a:t>
+                      </a:r>
+                      <a:endParaRPr lang="zh-TW" altLang="en-US" dirty="0">
+                        <a:latin typeface="微軟正黑體" panose="020B0604030504040204" pitchFamily="34" charset="-120"/>
+                        <a:ea typeface="微軟正黑體" panose="020B0604030504040204" pitchFamily="34" charset="-120"/>
+                      </a:endParaRPr>
+                    </a:p>
+                  </a:txBody>
+                  <a:tcPr anchor="ctr">
+                    <a:lnT w="28575" cap="flat" cmpd="sng" algn="ctr">
+                      <a:solidFill>
+                        <a:schemeClr val="tx1"/>
+                      </a:solidFill>
+                      <a:prstDash val="solid"/>
+                      <a:round/>
+                      <a:headEnd type="none" w="med" len="med"/>
+                      <a:tailEnd type="none" w="med" len="med"/>
+                    </a:lnT>
+                    <a:lnB w="28575" cap="flat" cmpd="sng" algn="ctr">
+                      <a:solidFill>
+                        <a:schemeClr val="tx1"/>
+                      </a:solidFill>
+                      <a:prstDash val="solid"/>
+                      <a:round/>
+                      <a:headEnd type="none" w="med" len="med"/>
+                      <a:tailEnd type="none" w="med" len="med"/>
+                    </a:lnB>
+                    <a:solidFill>
+                      <a:srgbClr val="A3D5CB"/>
+                    </a:solidFill>
+                  </a:tcPr>
+                </a:tc>
+                <a:tc>
+                  <a:txBody>
+                    <a:bodyPr/>
+                    <a:lstStyle/>
+                    <a:p>
+                      <a:pPr algn="ctr"/>
+                      <a:r>
+                        <a:rPr lang="en-US" altLang="zh-TW" dirty="0">
+                          <a:solidFill>
+                            <a:schemeClr val="tx1"/>
+                          </a:solidFill>
+                          <a:latin typeface="微軟正黑體" panose="020B0604030504040204" pitchFamily="34" charset="-120"/>
+                          <a:ea typeface="微軟正黑體" panose="020B0604030504040204" pitchFamily="34" charset="-120"/>
+                        </a:rPr>
+                        <a:t>0</a:t>
+                      </a:r>
+                      <a:endParaRPr lang="zh-TW" altLang="en-US" dirty="0">
+                        <a:latin typeface="微軟正黑體" panose="020B0604030504040204" pitchFamily="34" charset="-120"/>
+                        <a:ea typeface="微軟正黑體" panose="020B0604030504040204" pitchFamily="34" charset="-120"/>
+                      </a:endParaRPr>
+                    </a:p>
+                  </a:txBody>
+                  <a:tcPr anchor="ctr">
+                    <a:lnT w="28575" cap="flat" cmpd="sng" algn="ctr">
+                      <a:solidFill>
+                        <a:schemeClr val="tx1"/>
+                      </a:solidFill>
+                      <a:prstDash val="solid"/>
+                      <a:round/>
+                      <a:headEnd type="none" w="med" len="med"/>
+                      <a:tailEnd type="none" w="med" len="med"/>
+                    </a:lnT>
+                    <a:lnB w="28575" cap="flat" cmpd="sng" algn="ctr">
+                      <a:solidFill>
+                        <a:schemeClr val="tx1"/>
+                      </a:solidFill>
+                      <a:prstDash val="solid"/>
+                      <a:round/>
+                      <a:headEnd type="none" w="med" len="med"/>
+                      <a:tailEnd type="none" w="med" len="med"/>
+                    </a:lnB>
+                    <a:solidFill>
+                      <a:srgbClr val="A3D5CB"/>
+                    </a:solidFill>
+                  </a:tcPr>
+                </a:tc>
+                <a:tc>
+                  <a:txBody>
+                    <a:bodyPr/>
+                    <a:lstStyle/>
+                    <a:p>
+                      <a:pPr algn="ctr"/>
+                      <a:r>
+                        <a:rPr lang="en-US" altLang="zh-TW" b="1" u="none" dirty="0">
+                          <a:solidFill>
+                            <a:schemeClr val="tx1"/>
+                          </a:solidFill>
+                          <a:latin typeface="微軟正黑體" panose="020B0604030504040204" pitchFamily="34" charset="-120"/>
+                          <a:ea typeface="微軟正黑體" panose="020B0604030504040204" pitchFamily="34" charset="-120"/>
+                        </a:rPr>
+                        <a:t>1</a:t>
+                      </a:r>
+                      <a:endParaRPr lang="zh-TW" altLang="en-US" u="none" dirty="0">
+                        <a:latin typeface="微軟正黑體" panose="020B0604030504040204" pitchFamily="34" charset="-120"/>
+                        <a:ea typeface="微軟正黑體" panose="020B0604030504040204" pitchFamily="34" charset="-120"/>
+                      </a:endParaRPr>
+                    </a:p>
+                  </a:txBody>
+                  <a:tcPr anchor="ctr">
+                    <a:lnT w="28575" cap="flat" cmpd="sng" algn="ctr">
+                      <a:solidFill>
+                        <a:schemeClr val="tx1"/>
+                      </a:solidFill>
+                      <a:prstDash val="solid"/>
+                      <a:round/>
+                      <a:headEnd type="none" w="med" len="med"/>
+                      <a:tailEnd type="none" w="med" len="med"/>
+                    </a:lnT>
+                    <a:lnB w="28575" cap="flat" cmpd="sng" algn="ctr">
+                      <a:solidFill>
+                        <a:schemeClr val="tx1"/>
+                      </a:solidFill>
+                      <a:prstDash val="solid"/>
+                      <a:round/>
+                      <a:headEnd type="none" w="med" len="med"/>
+                      <a:tailEnd type="none" w="med" len="med"/>
+                    </a:lnB>
+                    <a:solidFill>
+                      <a:srgbClr val="A3D5CB"/>
+                    </a:solidFill>
+                  </a:tcPr>
+                </a:tc>
+                <a:tc>
+                  <a:txBody>
+                    <a:bodyPr/>
+                    <a:lstStyle/>
+                    <a:p>
+                      <a:pPr algn="ctr"/>
+                      <a:r>
+                        <a:rPr lang="en-US" altLang="zh-TW" u="none" dirty="0">
+                          <a:solidFill>
+                            <a:schemeClr val="tx1"/>
+                          </a:solidFill>
+                          <a:latin typeface="微軟正黑體" panose="020B0604030504040204" pitchFamily="34" charset="-120"/>
+                          <a:ea typeface="微軟正黑體" panose="020B0604030504040204" pitchFamily="34" charset="-120"/>
+                        </a:rPr>
+                        <a:t>2</a:t>
+                      </a:r>
+                      <a:endParaRPr lang="zh-TW" altLang="en-US" u="none" dirty="0">
+                        <a:solidFill>
+                          <a:schemeClr val="tx1"/>
+                        </a:solidFill>
+                        <a:latin typeface="微軟正黑體" panose="020B0604030504040204" pitchFamily="34" charset="-120"/>
+                        <a:ea typeface="微軟正黑體" panose="020B0604030504040204" pitchFamily="34" charset="-120"/>
+                      </a:endParaRPr>
+                    </a:p>
+                  </a:txBody>
+                  <a:tcPr anchor="ctr">
+                    <a:lnT w="28575" cap="flat" cmpd="sng" algn="ctr">
+                      <a:solidFill>
+                        <a:schemeClr val="tx1"/>
+                      </a:solidFill>
+                      <a:prstDash val="solid"/>
+                      <a:round/>
+                      <a:headEnd type="none" w="med" len="med"/>
+                      <a:tailEnd type="none" w="med" len="med"/>
+                    </a:lnT>
+                    <a:lnB w="28575" cap="flat" cmpd="sng" algn="ctr">
+                      <a:solidFill>
+                        <a:schemeClr val="tx1"/>
+                      </a:solidFill>
+                      <a:prstDash val="solid"/>
+                      <a:round/>
+                      <a:headEnd type="none" w="med" len="med"/>
+                      <a:tailEnd type="none" w="med" len="med"/>
+                    </a:lnB>
+                    <a:solidFill>
+                      <a:srgbClr val="A3D5CB"/>
+                    </a:solidFill>
+                  </a:tcPr>
+                </a:tc>
+                <a:tc>
+                  <a:txBody>
+                    <a:bodyPr/>
+                    <a:lstStyle/>
+                    <a:p>
+                      <a:pPr algn="ctr"/>
+                      <a:r>
+                        <a:rPr lang="en-US" altLang="zh-TW" u="none" dirty="0">
+                          <a:solidFill>
+                            <a:schemeClr val="tx1"/>
+                          </a:solidFill>
+                          <a:latin typeface="微軟正黑體" panose="020B0604030504040204" pitchFamily="34" charset="-120"/>
+                          <a:ea typeface="微軟正黑體" panose="020B0604030504040204" pitchFamily="34" charset="-120"/>
+                        </a:rPr>
+                        <a:t>3</a:t>
+                      </a:r>
+                      <a:endParaRPr lang="zh-TW" altLang="en-US" u="none" dirty="0">
+                        <a:solidFill>
+                          <a:schemeClr val="tx1"/>
+                        </a:solidFill>
+                        <a:latin typeface="微軟正黑體" panose="020B0604030504040204" pitchFamily="34" charset="-120"/>
+                        <a:ea typeface="微軟正黑體" panose="020B0604030504040204" pitchFamily="34" charset="-120"/>
+                      </a:endParaRPr>
+                    </a:p>
+                  </a:txBody>
+                  <a:tcPr anchor="ctr">
+                    <a:lnT w="28575" cap="flat" cmpd="sng" algn="ctr">
+                      <a:solidFill>
+                        <a:schemeClr val="tx1"/>
+                      </a:solidFill>
+                      <a:prstDash val="solid"/>
+                      <a:round/>
+                      <a:headEnd type="none" w="med" len="med"/>
+                      <a:tailEnd type="none" w="med" len="med"/>
+                    </a:lnT>
+                    <a:lnB w="28575" cap="flat" cmpd="sng" algn="ctr">
+                      <a:solidFill>
+                        <a:schemeClr val="tx1"/>
+                      </a:solidFill>
+                      <a:prstDash val="solid"/>
+                      <a:round/>
+                      <a:headEnd type="none" w="med" len="med"/>
+                      <a:tailEnd type="none" w="med" len="med"/>
+                    </a:lnB>
+                    <a:solidFill>
+                      <a:srgbClr val="A3D5CB"/>
+                    </a:solidFill>
+                  </a:tcPr>
+                </a:tc>
+                <a:extLst>
+                  <a:ext uri="{0D108BD9-81ED-4DB2-BD59-A6C34878D82A}">
+                    <a16:rowId xmlns:a16="http://schemas.microsoft.com/office/drawing/2014/main" val="73455374"/>
+                  </a:ext>
+                </a:extLst>
+              </a:tr>
+              <a:tr h="1166043">
+                <a:tc>
+                  <a:txBody>
+                    <a:bodyPr/>
+                    <a:lstStyle/>
+                    <a:p>
+                      <a:pPr algn="ctr"/>
+                      <a:r>
+                        <a:rPr lang="en-US" altLang="zh-TW" sz="1600" dirty="0">
+                          <a:solidFill>
+                            <a:schemeClr val="tx1"/>
+                          </a:solidFill>
+                          <a:latin typeface="微軟正黑體" panose="020B0604030504040204" pitchFamily="34" charset="-120"/>
+                          <a:ea typeface="微軟正黑體" panose="020B0604030504040204" pitchFamily="34" charset="-120"/>
+                          <a:cs typeface="Microsoft Himalaya" pitchFamily="2" charset="0"/>
+                        </a:rPr>
+                        <a:t>precision</a:t>
+                      </a:r>
+                      <a:endParaRPr lang="zh-TW" altLang="en-US" sz="1600" dirty="0">
+                        <a:latin typeface="微軟正黑體" panose="020B0604030504040204" pitchFamily="34" charset="-120"/>
+                        <a:ea typeface="微軟正黑體" panose="020B0604030504040204" pitchFamily="34" charset="-120"/>
+                      </a:endParaRPr>
+                    </a:p>
+                  </a:txBody>
+                  <a:tcPr anchor="ctr">
+                    <a:lnT w="28575" cap="flat" cmpd="sng" algn="ctr">
+                      <a:solidFill>
+                        <a:schemeClr val="tx1"/>
+                      </a:solidFill>
+                      <a:prstDash val="solid"/>
+                      <a:round/>
+                      <a:headEnd type="none" w="med" len="med"/>
+                      <a:tailEnd type="none" w="med" len="med"/>
+                    </a:lnT>
+                    <a:lnB w="28575" cap="flat" cmpd="sng" algn="ctr">
+                      <a:solidFill>
+                        <a:schemeClr val="tx1"/>
+                      </a:solidFill>
+                      <a:prstDash val="solid"/>
+                      <a:round/>
+                      <a:headEnd type="none" w="med" len="med"/>
+                      <a:tailEnd type="none" w="med" len="med"/>
+                    </a:lnB>
+                    <a:solidFill>
+                      <a:srgbClr val="A3D5CB"/>
+                    </a:solidFill>
+                  </a:tcPr>
+                </a:tc>
+                <a:tc>
+                  <a:txBody>
+                    <a:bodyPr/>
+                    <a:lstStyle/>
+                    <a:p>
+                      <a:pPr algn="ctr"/>
+                      <a:r>
+                        <a:rPr lang="en-US" altLang="zh-TW" dirty="0">
+                          <a:latin typeface="Microsoft JhengHei" panose="020B0604030504040204" pitchFamily="34" charset="-120"/>
+                          <a:ea typeface="Microsoft JhengHei" panose="020B0604030504040204" pitchFamily="34" charset="-120"/>
+                        </a:rPr>
+                        <a:t>0.333</a:t>
+                      </a:r>
+                      <a:r>
+                        <a:rPr lang="zh-TW" altLang="en-US" dirty="0">
+                          <a:latin typeface="Microsoft JhengHei" panose="020B0604030504040204" pitchFamily="34" charset="-120"/>
+                          <a:ea typeface="Microsoft JhengHei" panose="020B0604030504040204" pitchFamily="34" charset="-120"/>
+                        </a:rPr>
+                        <a:t> </a:t>
+                      </a:r>
+                      <a:endParaRPr lang="zh-TW" altLang="en-US" dirty="0">
+                        <a:latin typeface="微軟正黑體" panose="020B0604030504040204" pitchFamily="34" charset="-120"/>
+                        <a:ea typeface="微軟正黑體" panose="020B0604030504040204" pitchFamily="34" charset="-120"/>
+                      </a:endParaRPr>
+                    </a:p>
+                  </a:txBody>
+                  <a:tcPr anchor="ctr">
+                    <a:lnT w="28575" cap="flat" cmpd="sng" algn="ctr">
+                      <a:solidFill>
+                        <a:schemeClr val="tx1"/>
+                      </a:solidFill>
+                      <a:prstDash val="solid"/>
+                      <a:round/>
+                      <a:headEnd type="none" w="med" len="med"/>
+                      <a:tailEnd type="none" w="med" len="med"/>
+                    </a:lnT>
+                    <a:lnB w="28575" cap="flat" cmpd="sng" algn="ctr">
+                      <a:solidFill>
+                        <a:schemeClr val="tx1"/>
+                      </a:solidFill>
+                      <a:prstDash val="solid"/>
+                      <a:round/>
+                      <a:headEnd type="none" w="med" len="med"/>
+                      <a:tailEnd type="none" w="med" len="med"/>
+                    </a:lnB>
+                    <a:solidFill>
+                      <a:srgbClr val="A3D5CB"/>
+                    </a:solidFill>
+                  </a:tcPr>
+                </a:tc>
+                <a:tc>
+                  <a:txBody>
+                    <a:bodyPr/>
+                    <a:lstStyle/>
+                    <a:p>
+                      <a:pPr algn="ctr"/>
+                      <a:r>
+                        <a:rPr lang="en-US" altLang="zh-TW" dirty="0">
+                          <a:latin typeface="Microsoft JhengHei" panose="020B0604030504040204" pitchFamily="34" charset="-120"/>
+                          <a:ea typeface="Microsoft JhengHei" panose="020B0604030504040204" pitchFamily="34" charset="-120"/>
+                        </a:rPr>
+                        <a:t>0.629</a:t>
+                      </a:r>
+                      <a:r>
+                        <a:rPr lang="zh-TW" altLang="en-US" dirty="0">
+                          <a:latin typeface="Microsoft JhengHei" panose="020B0604030504040204" pitchFamily="34" charset="-120"/>
+                          <a:ea typeface="Microsoft JhengHei" panose="020B0604030504040204" pitchFamily="34" charset="-120"/>
+                        </a:rPr>
+                        <a:t> </a:t>
+                      </a:r>
+                      <a:r>
+                        <a:rPr lang="en-US" altLang="zh-TW" dirty="0">
+                          <a:solidFill>
+                            <a:schemeClr val="tx1"/>
+                          </a:solidFill>
+                          <a:latin typeface="微軟正黑體" panose="020B0604030504040204" pitchFamily="34" charset="-120"/>
+                          <a:ea typeface="微軟正黑體" panose="020B0604030504040204" pitchFamily="34" charset="-120"/>
+                          <a:cs typeface="Microsoft Himalaya" pitchFamily="2" charset="0"/>
+                        </a:rPr>
+                        <a:t> </a:t>
+                      </a:r>
+                      <a:endParaRPr lang="zh-TW" altLang="en-US" dirty="0">
+                        <a:latin typeface="微軟正黑體" panose="020B0604030504040204" pitchFamily="34" charset="-120"/>
+                        <a:ea typeface="微軟正黑體" panose="020B0604030504040204" pitchFamily="34" charset="-120"/>
+                      </a:endParaRPr>
+                    </a:p>
+                  </a:txBody>
+                  <a:tcPr anchor="ctr">
+                    <a:lnT w="28575" cap="flat" cmpd="sng" algn="ctr">
+                      <a:solidFill>
+                        <a:schemeClr val="tx1"/>
+                      </a:solidFill>
+                      <a:prstDash val="solid"/>
+                      <a:round/>
+                      <a:headEnd type="none" w="med" len="med"/>
+                      <a:tailEnd type="none" w="med" len="med"/>
+                    </a:lnT>
+                    <a:lnB w="28575" cap="flat" cmpd="sng" algn="ctr">
+                      <a:solidFill>
+                        <a:schemeClr val="tx1"/>
+                      </a:solidFill>
+                      <a:prstDash val="solid"/>
+                      <a:round/>
+                      <a:headEnd type="none" w="med" len="med"/>
+                      <a:tailEnd type="none" w="med" len="med"/>
+                    </a:lnB>
+                    <a:solidFill>
+                      <a:srgbClr val="A3D5CB"/>
+                    </a:solidFill>
+                  </a:tcPr>
+                </a:tc>
+                <a:tc>
+                  <a:txBody>
+                    <a:bodyPr/>
+                    <a:lstStyle/>
+                    <a:p>
+                      <a:pPr algn="ctr"/>
+                      <a:r>
+                        <a:rPr lang="en-US" altLang="zh-TW" dirty="0">
+                          <a:latin typeface="Microsoft JhengHei" panose="020B0604030504040204" pitchFamily="34" charset="-120"/>
+                          <a:ea typeface="Microsoft JhengHei" panose="020B0604030504040204" pitchFamily="34" charset="-120"/>
+                        </a:rPr>
+                        <a:t>0.957</a:t>
+                      </a:r>
+                      <a:endParaRPr lang="zh-TW" altLang="en-US" dirty="0">
+                        <a:latin typeface="微軟正黑體" panose="020B0604030504040204" pitchFamily="34" charset="-120"/>
+                        <a:ea typeface="微軟正黑體" panose="020B0604030504040204" pitchFamily="34" charset="-120"/>
+                      </a:endParaRPr>
+                    </a:p>
+                  </a:txBody>
+                  <a:tcPr anchor="ctr">
+                    <a:lnT w="28575" cap="flat" cmpd="sng" algn="ctr">
+                      <a:solidFill>
+                        <a:schemeClr val="tx1"/>
+                      </a:solidFill>
+                      <a:prstDash val="solid"/>
+                      <a:round/>
+                      <a:headEnd type="none" w="med" len="med"/>
+                      <a:tailEnd type="none" w="med" len="med"/>
+                    </a:lnT>
+                    <a:lnB w="28575" cap="flat" cmpd="sng" algn="ctr">
+                      <a:solidFill>
+                        <a:schemeClr val="tx1"/>
+                      </a:solidFill>
+                      <a:prstDash val="solid"/>
+                      <a:round/>
+                      <a:headEnd type="none" w="med" len="med"/>
+                      <a:tailEnd type="none" w="med" len="med"/>
+                    </a:lnB>
+                    <a:solidFill>
+                      <a:srgbClr val="A3D5CB"/>
+                    </a:solidFill>
+                  </a:tcPr>
+                </a:tc>
+                <a:tc>
+                  <a:txBody>
+                    <a:bodyPr/>
+                    <a:lstStyle/>
+                    <a:p>
+                      <a:pPr algn="ctr"/>
+                      <a:r>
+                        <a:rPr lang="en-US" altLang="zh-TW" dirty="0">
+                          <a:latin typeface="Microsoft JhengHei" panose="020B0604030504040204" pitchFamily="34" charset="-120"/>
+                          <a:ea typeface="Microsoft JhengHei" panose="020B0604030504040204" pitchFamily="34" charset="-120"/>
+                        </a:rPr>
+                        <a:t>0.829</a:t>
+                      </a:r>
+                      <a:r>
+                        <a:rPr lang="en-US" altLang="zh-TW" dirty="0">
+                          <a:solidFill>
+                            <a:schemeClr val="tx1"/>
+                          </a:solidFill>
+                          <a:latin typeface="微軟正黑體" panose="020B0604030504040204" pitchFamily="34" charset="-120"/>
+                          <a:ea typeface="微軟正黑體" panose="020B0604030504040204" pitchFamily="34" charset="-120"/>
+                          <a:cs typeface="Microsoft Himalaya" pitchFamily="2" charset="0"/>
+                        </a:rPr>
+                        <a:t> </a:t>
+                      </a:r>
+                      <a:endParaRPr lang="zh-TW" altLang="en-US" dirty="0">
+                        <a:latin typeface="微軟正黑體" panose="020B0604030504040204" pitchFamily="34" charset="-120"/>
+                        <a:ea typeface="微軟正黑體" panose="020B0604030504040204" pitchFamily="34" charset="-120"/>
+                      </a:endParaRPr>
+                    </a:p>
+                  </a:txBody>
+                  <a:tcPr anchor="ctr">
+                    <a:lnT w="28575" cap="flat" cmpd="sng" algn="ctr">
+                      <a:solidFill>
+                        <a:schemeClr val="tx1"/>
+                      </a:solidFill>
+                      <a:prstDash val="solid"/>
+                      <a:round/>
+                      <a:headEnd type="none" w="med" len="med"/>
+                      <a:tailEnd type="none" w="med" len="med"/>
+                    </a:lnT>
+                    <a:lnB w="28575" cap="flat" cmpd="sng" algn="ctr">
+                      <a:solidFill>
+                        <a:schemeClr val="tx1"/>
+                      </a:solidFill>
+                      <a:prstDash val="solid"/>
+                      <a:round/>
+                      <a:headEnd type="none" w="med" len="med"/>
+                      <a:tailEnd type="none" w="med" len="med"/>
+                    </a:lnB>
+                    <a:solidFill>
+                      <a:srgbClr val="A3D5CB"/>
+                    </a:solidFill>
+                  </a:tcPr>
+                </a:tc>
+                <a:tc>
+                  <a:txBody>
+                    <a:bodyPr/>
+                    <a:lstStyle/>
+                    <a:p>
+                      <a:pPr algn="ctr"/>
+                      <a:r>
+                        <a:rPr lang="en-US" altLang="zh-TW" dirty="0">
+                          <a:latin typeface="Microsoft JhengHei" panose="020B0604030504040204" pitchFamily="34" charset="-120"/>
+                          <a:ea typeface="Microsoft JhengHei" panose="020B0604030504040204" pitchFamily="34" charset="-120"/>
+                        </a:rPr>
+                        <a:t>0.789</a:t>
+                      </a:r>
+                      <a:r>
+                        <a:rPr lang="zh-TW" altLang="en-US" dirty="0">
+                          <a:latin typeface="Microsoft JhengHei" panose="020B0604030504040204" pitchFamily="34" charset="-120"/>
+                          <a:ea typeface="Microsoft JhengHei" panose="020B0604030504040204" pitchFamily="34" charset="-120"/>
+                        </a:rPr>
+                        <a:t> </a:t>
+                      </a:r>
+                      <a:endParaRPr lang="zh-TW" altLang="en-US" dirty="0">
+                        <a:latin typeface="微軟正黑體" panose="020B0604030504040204" pitchFamily="34" charset="-120"/>
+                        <a:ea typeface="微軟正黑體" panose="020B0604030504040204" pitchFamily="34" charset="-120"/>
+                      </a:endParaRPr>
+                    </a:p>
+                  </a:txBody>
+                  <a:tcPr anchor="ctr">
+                    <a:lnT w="28575" cap="flat" cmpd="sng" algn="ctr">
+                      <a:solidFill>
+                        <a:schemeClr val="tx1"/>
+                      </a:solidFill>
+                      <a:prstDash val="solid"/>
+                      <a:round/>
+                      <a:headEnd type="none" w="med" len="med"/>
+                      <a:tailEnd type="none" w="med" len="med"/>
+                    </a:lnT>
+                    <a:lnB w="28575" cap="flat" cmpd="sng" algn="ctr">
+                      <a:solidFill>
+                        <a:schemeClr val="tx1"/>
+                      </a:solidFill>
+                      <a:prstDash val="solid"/>
+                      <a:round/>
+                      <a:headEnd type="none" w="med" len="med"/>
+                      <a:tailEnd type="none" w="med" len="med"/>
+                    </a:lnB>
+                    <a:solidFill>
+                      <a:srgbClr val="A3D5CB"/>
+                    </a:solidFill>
+                  </a:tcPr>
+                </a:tc>
+                <a:tc>
+                  <a:txBody>
+                    <a:bodyPr/>
+                    <a:lstStyle/>
+                    <a:p>
+                      <a:pPr algn="ctr"/>
+                      <a:r>
+                        <a:rPr lang="en-US" altLang="zh-TW" dirty="0">
+                          <a:latin typeface="Microsoft JhengHei" panose="020B0604030504040204" pitchFamily="34" charset="-120"/>
+                          <a:ea typeface="Microsoft JhengHei" panose="020B0604030504040204" pitchFamily="34" charset="-120"/>
+                        </a:rPr>
+                        <a:t>0.857</a:t>
+                      </a:r>
+                      <a:r>
+                        <a:rPr lang="zh-TW" altLang="en-US" dirty="0">
+                          <a:latin typeface="Microsoft JhengHei" panose="020B0604030504040204" pitchFamily="34" charset="-120"/>
+                          <a:ea typeface="Microsoft JhengHei" panose="020B0604030504040204" pitchFamily="34" charset="-120"/>
+                        </a:rPr>
+                        <a:t> </a:t>
+                      </a:r>
+                      <a:endParaRPr lang="zh-TW" altLang="en-US" dirty="0">
+                        <a:latin typeface="微軟正黑體" panose="020B0604030504040204" pitchFamily="34" charset="-120"/>
+                        <a:ea typeface="微軟正黑體" panose="020B0604030504040204" pitchFamily="34" charset="-120"/>
+                      </a:endParaRPr>
+                    </a:p>
+                  </a:txBody>
+                  <a:tcPr anchor="ctr">
+                    <a:lnT w="28575" cap="flat" cmpd="sng" algn="ctr">
+                      <a:solidFill>
+                        <a:schemeClr val="tx1"/>
+                      </a:solidFill>
+                      <a:prstDash val="solid"/>
+                      <a:round/>
+                      <a:headEnd type="none" w="med" len="med"/>
+                      <a:tailEnd type="none" w="med" len="med"/>
+                    </a:lnT>
+                    <a:lnB w="28575" cap="flat" cmpd="sng" algn="ctr">
+                      <a:solidFill>
+                        <a:schemeClr val="tx1"/>
+                      </a:solidFill>
+                      <a:prstDash val="solid"/>
+                      <a:round/>
+                      <a:headEnd type="none" w="med" len="med"/>
+                      <a:tailEnd type="none" w="med" len="med"/>
+                    </a:lnB>
+                    <a:solidFill>
+                      <a:srgbClr val="A3D5CB"/>
+                    </a:solidFill>
+                  </a:tcPr>
+                </a:tc>
+                <a:tc>
+                  <a:txBody>
+                    <a:bodyPr/>
+                    <a:lstStyle/>
+                    <a:p>
+                      <a:pPr algn="ctr"/>
+                      <a:r>
+                        <a:rPr lang="en-US" altLang="zh-TW" dirty="0">
+                          <a:latin typeface="Microsoft JhengHei" panose="020B0604030504040204" pitchFamily="34" charset="-120"/>
+                          <a:ea typeface="Microsoft JhengHei" panose="020B0604030504040204" pitchFamily="34" charset="-120"/>
+                        </a:rPr>
+                        <a:t>1.</a:t>
+                      </a:r>
+                      <a:endParaRPr lang="zh-TW" altLang="en-US" dirty="0">
+                        <a:latin typeface="微軟正黑體" panose="020B0604030504040204" pitchFamily="34" charset="-120"/>
+                        <a:ea typeface="微軟正黑體" panose="020B0604030504040204" pitchFamily="34" charset="-120"/>
+                      </a:endParaRPr>
+                    </a:p>
+                  </a:txBody>
+                  <a:tcPr anchor="ctr">
+                    <a:lnT w="28575" cap="flat" cmpd="sng" algn="ctr">
+                      <a:solidFill>
+                        <a:schemeClr val="tx1"/>
+                      </a:solidFill>
+                      <a:prstDash val="solid"/>
+                      <a:round/>
+                      <a:headEnd type="none" w="med" len="med"/>
+                      <a:tailEnd type="none" w="med" len="med"/>
+                    </a:lnT>
+                    <a:lnB w="28575" cap="flat" cmpd="sng" algn="ctr">
+                      <a:solidFill>
+                        <a:schemeClr val="tx1"/>
+                      </a:solidFill>
+                      <a:prstDash val="solid"/>
+                      <a:round/>
+                      <a:headEnd type="none" w="med" len="med"/>
+                      <a:tailEnd type="none" w="med" len="med"/>
+                    </a:lnB>
+                    <a:solidFill>
+                      <a:srgbClr val="A3D5CB"/>
+                    </a:solidFill>
+                  </a:tcPr>
+                </a:tc>
+                <a:extLst>
+                  <a:ext uri="{0D108BD9-81ED-4DB2-BD59-A6C34878D82A}">
+                    <a16:rowId xmlns:a16="http://schemas.microsoft.com/office/drawing/2014/main" val="1680509122"/>
+                  </a:ext>
+                </a:extLst>
+              </a:tr>
+              <a:tr h="1166043">
+                <a:tc>
+                  <a:txBody>
+                    <a:bodyPr/>
+                    <a:lstStyle/>
+                    <a:p>
+                      <a:pPr algn="ctr"/>
+                      <a:r>
+                        <a:rPr lang="en-US" altLang="zh-TW" sz="1600" dirty="0">
+                          <a:solidFill>
+                            <a:schemeClr val="tx1"/>
+                          </a:solidFill>
+                          <a:latin typeface="微軟正黑體" panose="020B0604030504040204" pitchFamily="34" charset="-120"/>
+                          <a:ea typeface="微軟正黑體" panose="020B0604030504040204" pitchFamily="34" charset="-120"/>
+                          <a:cs typeface="Microsoft Himalaya" pitchFamily="2" charset="0"/>
+                        </a:rPr>
+                        <a:t>recall:</a:t>
+                      </a:r>
+                      <a:endParaRPr lang="zh-TW" altLang="en-US" sz="1600" dirty="0">
+                        <a:latin typeface="微軟正黑體" panose="020B0604030504040204" pitchFamily="34" charset="-120"/>
+                        <a:ea typeface="微軟正黑體" panose="020B0604030504040204" pitchFamily="34" charset="-120"/>
+                      </a:endParaRPr>
+                    </a:p>
+                  </a:txBody>
+                  <a:tcPr anchor="ctr">
+                    <a:lnT w="28575" cap="flat" cmpd="sng" algn="ctr">
+                      <a:solidFill>
+                        <a:schemeClr val="tx1"/>
+                      </a:solidFill>
+                      <a:prstDash val="solid"/>
+                      <a:round/>
+                      <a:headEnd type="none" w="med" len="med"/>
+                      <a:tailEnd type="none" w="med" len="med"/>
+                    </a:lnT>
+                    <a:lnB w="28575" cap="flat" cmpd="sng" algn="ctr">
+                      <a:solidFill>
+                        <a:schemeClr val="tx1"/>
+                      </a:solidFill>
+                      <a:prstDash val="solid"/>
+                      <a:round/>
+                      <a:headEnd type="none" w="med" len="med"/>
+                      <a:tailEnd type="none" w="med" len="med"/>
+                    </a:lnB>
+                  </a:tcPr>
+                </a:tc>
+                <a:tc>
+                  <a:txBody>
+                    <a:bodyPr/>
+                    <a:lstStyle/>
+                    <a:p>
+                      <a:pPr algn="ctr"/>
+                      <a:r>
+                        <a:rPr lang="en-US" altLang="zh-TW" b="1" dirty="0">
+                          <a:solidFill>
+                            <a:srgbClr val="FF0000"/>
+                          </a:solidFill>
+                          <a:latin typeface="Microsoft JhengHei" panose="020B0604030504040204" pitchFamily="34" charset="-120"/>
+                          <a:ea typeface="Microsoft JhengHei" panose="020B0604030504040204" pitchFamily="34" charset="-120"/>
+                        </a:rPr>
+                        <a:t>0.710</a:t>
+                      </a:r>
+                      <a:endParaRPr lang="zh-TW" altLang="en-US" dirty="0">
+                        <a:latin typeface="微軟正黑體" panose="020B0604030504040204" pitchFamily="34" charset="-120"/>
+                        <a:ea typeface="微軟正黑體" panose="020B0604030504040204" pitchFamily="34" charset="-120"/>
+                      </a:endParaRPr>
+                    </a:p>
+                  </a:txBody>
+                  <a:tcPr anchor="ctr">
+                    <a:lnT w="28575" cap="flat" cmpd="sng" algn="ctr">
+                      <a:solidFill>
+                        <a:schemeClr val="tx1"/>
+                      </a:solidFill>
+                      <a:prstDash val="solid"/>
+                      <a:round/>
+                      <a:headEnd type="none" w="med" len="med"/>
+                      <a:tailEnd type="none" w="med" len="med"/>
+                    </a:lnT>
+                    <a:lnB w="28575" cap="flat" cmpd="sng" algn="ctr">
+                      <a:solidFill>
+                        <a:schemeClr val="tx1"/>
+                      </a:solidFill>
+                      <a:prstDash val="solid"/>
+                      <a:round/>
+                      <a:headEnd type="none" w="med" len="med"/>
+                      <a:tailEnd type="none" w="med" len="med"/>
+                    </a:lnB>
+                  </a:tcPr>
+                </a:tc>
+                <a:tc>
+                  <a:txBody>
+                    <a:bodyPr/>
+                    <a:lstStyle/>
+                    <a:p>
+                      <a:pPr algn="ctr"/>
+                      <a:r>
+                        <a:rPr lang="en-US" altLang="zh-TW" b="1" dirty="0">
+                          <a:solidFill>
+                            <a:srgbClr val="FF0000"/>
+                          </a:solidFill>
+                          <a:latin typeface="Microsoft JhengHei" panose="020B0604030504040204" pitchFamily="34" charset="-120"/>
+                          <a:ea typeface="Microsoft JhengHei" panose="020B0604030504040204" pitchFamily="34" charset="-120"/>
+                        </a:rPr>
+                        <a:t>0.542</a:t>
+                      </a:r>
+                      <a:endParaRPr lang="zh-TW" altLang="en-US" dirty="0">
+                        <a:latin typeface="微軟正黑體" panose="020B0604030504040204" pitchFamily="34" charset="-120"/>
+                        <a:ea typeface="微軟正黑體" panose="020B0604030504040204" pitchFamily="34" charset="-120"/>
+                      </a:endParaRPr>
+                    </a:p>
+                  </a:txBody>
+                  <a:tcPr anchor="ctr">
+                    <a:lnT w="28575" cap="flat" cmpd="sng" algn="ctr">
+                      <a:solidFill>
+                        <a:schemeClr val="tx1"/>
+                      </a:solidFill>
+                      <a:prstDash val="solid"/>
+                      <a:round/>
+                      <a:headEnd type="none" w="med" len="med"/>
+                      <a:tailEnd type="none" w="med" len="med"/>
+                    </a:lnT>
+                    <a:lnB w="28575" cap="flat" cmpd="sng" algn="ctr">
+                      <a:solidFill>
+                        <a:schemeClr val="tx1"/>
+                      </a:solidFill>
+                      <a:prstDash val="solid"/>
+                      <a:round/>
+                      <a:headEnd type="none" w="med" len="med"/>
+                      <a:tailEnd type="none" w="med" len="med"/>
+                    </a:lnB>
+                  </a:tcPr>
+                </a:tc>
+                <a:tc>
+                  <a:txBody>
+                    <a:bodyPr/>
+                    <a:lstStyle/>
+                    <a:p>
+                      <a:pPr algn="ctr"/>
+                      <a:r>
+                        <a:rPr lang="en-US" altLang="zh-TW" dirty="0">
+                          <a:latin typeface="Microsoft JhengHei" panose="020B0604030504040204" pitchFamily="34" charset="-120"/>
+                          <a:ea typeface="Microsoft JhengHei" panose="020B0604030504040204" pitchFamily="34" charset="-120"/>
+                        </a:rPr>
+                        <a:t>0.941 </a:t>
+                      </a:r>
+                      <a:r>
+                        <a:rPr lang="en-US" altLang="zh-TW" dirty="0">
+                          <a:solidFill>
+                            <a:schemeClr val="tx1"/>
+                          </a:solidFill>
+                          <a:latin typeface="微軟正黑體" panose="020B0604030504040204" pitchFamily="34" charset="-120"/>
+                          <a:ea typeface="微軟正黑體" panose="020B0604030504040204" pitchFamily="34" charset="-120"/>
+                          <a:cs typeface="Microsoft Himalaya" pitchFamily="2" charset="0"/>
+                        </a:rPr>
+                        <a:t> </a:t>
+                      </a:r>
+                      <a:endParaRPr lang="zh-TW" altLang="en-US" dirty="0">
+                        <a:latin typeface="微軟正黑體" panose="020B0604030504040204" pitchFamily="34" charset="-120"/>
+                        <a:ea typeface="微軟正黑體" panose="020B0604030504040204" pitchFamily="34" charset="-120"/>
+                      </a:endParaRPr>
+                    </a:p>
+                  </a:txBody>
+                  <a:tcPr anchor="ctr">
+                    <a:lnT w="28575" cap="flat" cmpd="sng" algn="ctr">
+                      <a:solidFill>
+                        <a:schemeClr val="tx1"/>
+                      </a:solidFill>
+                      <a:prstDash val="solid"/>
+                      <a:round/>
+                      <a:headEnd type="none" w="med" len="med"/>
+                      <a:tailEnd type="none" w="med" len="med"/>
+                    </a:lnT>
+                    <a:lnB w="28575" cap="flat" cmpd="sng" algn="ctr">
+                      <a:solidFill>
+                        <a:schemeClr val="tx1"/>
+                      </a:solidFill>
+                      <a:prstDash val="solid"/>
+                      <a:round/>
+                      <a:headEnd type="none" w="med" len="med"/>
+                      <a:tailEnd type="none" w="med" len="med"/>
+                    </a:lnB>
+                  </a:tcPr>
+                </a:tc>
+                <a:tc>
+                  <a:txBody>
+                    <a:bodyPr/>
+                    <a:lstStyle/>
+                    <a:p>
+                      <a:pPr algn="ctr"/>
+                      <a:r>
+                        <a:rPr lang="en-US" altLang="zh-TW" dirty="0">
+                          <a:latin typeface="Microsoft JhengHei" panose="020B0604030504040204" pitchFamily="34" charset="-120"/>
+                          <a:ea typeface="Microsoft JhengHei" panose="020B0604030504040204" pitchFamily="34" charset="-120"/>
+                        </a:rPr>
+                        <a:t>0.843 </a:t>
+                      </a:r>
+                      <a:endParaRPr lang="zh-TW" altLang="en-US" dirty="0">
+                        <a:latin typeface="微軟正黑體" panose="020B0604030504040204" pitchFamily="34" charset="-120"/>
+                        <a:ea typeface="微軟正黑體" panose="020B0604030504040204" pitchFamily="34" charset="-120"/>
+                      </a:endParaRPr>
+                    </a:p>
+                  </a:txBody>
+                  <a:tcPr anchor="ctr">
+                    <a:lnT w="28575" cap="flat" cmpd="sng" algn="ctr">
+                      <a:solidFill>
+                        <a:schemeClr val="tx1"/>
+                      </a:solidFill>
+                      <a:prstDash val="solid"/>
+                      <a:round/>
+                      <a:headEnd type="none" w="med" len="med"/>
+                      <a:tailEnd type="none" w="med" len="med"/>
+                    </a:lnT>
+                    <a:lnB w="28575" cap="flat" cmpd="sng" algn="ctr">
+                      <a:solidFill>
+                        <a:schemeClr val="tx1"/>
+                      </a:solidFill>
+                      <a:prstDash val="solid"/>
+                      <a:round/>
+                      <a:headEnd type="none" w="med" len="med"/>
+                      <a:tailEnd type="none" w="med" len="med"/>
+                    </a:lnB>
+                  </a:tcPr>
+                </a:tc>
+                <a:tc>
+                  <a:txBody>
+                    <a:bodyPr/>
+                    <a:lstStyle/>
+                    <a:p>
+                      <a:pPr algn="ctr"/>
+                      <a:r>
+                        <a:rPr lang="en-US" altLang="zh-TW" dirty="0">
+                          <a:latin typeface="Microsoft JhengHei" panose="020B0604030504040204" pitchFamily="34" charset="-120"/>
+                          <a:ea typeface="Microsoft JhengHei" panose="020B0604030504040204" pitchFamily="34" charset="-120"/>
+                        </a:rPr>
+                        <a:t>0.770 </a:t>
+                      </a:r>
+                      <a:endParaRPr lang="zh-TW" altLang="en-US" u="none" dirty="0">
+                        <a:latin typeface="微軟正黑體" panose="020B0604030504040204" pitchFamily="34" charset="-120"/>
+                        <a:ea typeface="微軟正黑體" panose="020B0604030504040204" pitchFamily="34" charset="-120"/>
+                      </a:endParaRPr>
+                    </a:p>
+                  </a:txBody>
+                  <a:tcPr anchor="ctr">
+                    <a:lnT w="28575" cap="flat" cmpd="sng" algn="ctr">
+                      <a:solidFill>
+                        <a:schemeClr val="tx1"/>
+                      </a:solidFill>
+                      <a:prstDash val="solid"/>
+                      <a:round/>
+                      <a:headEnd type="none" w="med" len="med"/>
+                      <a:tailEnd type="none" w="med" len="med"/>
+                    </a:lnT>
+                    <a:lnB w="28575" cap="flat" cmpd="sng" algn="ctr">
+                      <a:solidFill>
+                        <a:schemeClr val="tx1"/>
+                      </a:solidFill>
+                      <a:prstDash val="solid"/>
+                      <a:round/>
+                      <a:headEnd type="none" w="med" len="med"/>
+                      <a:tailEnd type="none" w="med" len="med"/>
+                    </a:lnB>
+                  </a:tcPr>
+                </a:tc>
+                <a:tc>
+                  <a:txBody>
+                    <a:bodyPr/>
+                    <a:lstStyle/>
+                    <a:p>
+                      <a:pPr algn="ctr"/>
+                      <a:r>
+                        <a:rPr lang="en-US" altLang="zh-TW" b="1" dirty="0">
+                          <a:solidFill>
+                            <a:srgbClr val="FF0000"/>
+                          </a:solidFill>
+                          <a:latin typeface="Microsoft JhengHei" panose="020B0604030504040204" pitchFamily="34" charset="-120"/>
+                          <a:ea typeface="Microsoft JhengHei" panose="020B0604030504040204" pitchFamily="34" charset="-120"/>
+                        </a:rPr>
+                        <a:t>0.5</a:t>
+                      </a:r>
+                      <a:endParaRPr lang="zh-TW" altLang="en-US" u="none" dirty="0">
+                        <a:latin typeface="微軟正黑體" panose="020B0604030504040204" pitchFamily="34" charset="-120"/>
+                        <a:ea typeface="微軟正黑體" panose="020B0604030504040204" pitchFamily="34" charset="-120"/>
+                      </a:endParaRPr>
+                    </a:p>
+                  </a:txBody>
+                  <a:tcPr anchor="ctr">
+                    <a:lnT w="28575" cap="flat" cmpd="sng" algn="ctr">
+                      <a:solidFill>
+                        <a:schemeClr val="tx1"/>
+                      </a:solidFill>
+                      <a:prstDash val="solid"/>
+                      <a:round/>
+                      <a:headEnd type="none" w="med" len="med"/>
+                      <a:tailEnd type="none" w="med" len="med"/>
+                    </a:lnT>
+                    <a:lnB w="28575" cap="flat" cmpd="sng" algn="ctr">
+                      <a:solidFill>
+                        <a:schemeClr val="tx1"/>
+                      </a:solidFill>
+                      <a:prstDash val="solid"/>
+                      <a:round/>
+                      <a:headEnd type="none" w="med" len="med"/>
+                      <a:tailEnd type="none" w="med" len="med"/>
+                    </a:lnB>
+                  </a:tcPr>
+                </a:tc>
+                <a:tc>
+                  <a:txBody>
+                    <a:bodyPr/>
+                    <a:lstStyle/>
+                    <a:p>
+                      <a:pPr algn="ctr"/>
+                      <a:r>
+                        <a:rPr lang="en-US" altLang="zh-TW" b="1" dirty="0">
+                          <a:solidFill>
+                            <a:srgbClr val="FF0000"/>
+                          </a:solidFill>
+                          <a:latin typeface="Microsoft JhengHei" panose="020B0604030504040204" pitchFamily="34" charset="-120"/>
+                          <a:ea typeface="Microsoft JhengHei" panose="020B0604030504040204" pitchFamily="34" charset="-120"/>
+                        </a:rPr>
+                        <a:t>1.</a:t>
+                      </a:r>
+                      <a:endParaRPr lang="zh-TW" altLang="en-US" u="none" dirty="0">
+                        <a:latin typeface="微軟正黑體" panose="020B0604030504040204" pitchFamily="34" charset="-120"/>
+                        <a:ea typeface="微軟正黑體" panose="020B0604030504040204" pitchFamily="34" charset="-120"/>
+                      </a:endParaRPr>
+                    </a:p>
+                  </a:txBody>
+                  <a:tcPr anchor="ctr">
+                    <a:lnT w="28575" cap="flat" cmpd="sng" algn="ctr">
+                      <a:solidFill>
+                        <a:schemeClr val="tx1"/>
+                      </a:solidFill>
+                      <a:prstDash val="solid"/>
+                      <a:round/>
+                      <a:headEnd type="none" w="med" len="med"/>
+                      <a:tailEnd type="none" w="med" len="med"/>
+                    </a:lnT>
+                    <a:lnB w="28575" cap="flat" cmpd="sng" algn="ctr">
+                      <a:solidFill>
+                        <a:schemeClr val="tx1"/>
+                      </a:solidFill>
+                      <a:prstDash val="solid"/>
+                      <a:round/>
+                      <a:headEnd type="none" w="med" len="med"/>
+                      <a:tailEnd type="none" w="med" len="med"/>
+                    </a:lnB>
+                  </a:tcPr>
+                </a:tc>
+                <a:extLst>
+                  <a:ext uri="{0D108BD9-81ED-4DB2-BD59-A6C34878D82A}">
+                    <a16:rowId xmlns:a16="http://schemas.microsoft.com/office/drawing/2014/main" val="1200092439"/>
+                  </a:ext>
+                </a:extLst>
+              </a:tr>
+              <a:tr h="1166043">
+                <a:tc>
+                  <a:txBody>
+                    <a:bodyPr/>
+                    <a:lstStyle/>
+                    <a:p>
+                      <a:pPr algn="ctr"/>
+                      <a:r>
+                        <a:rPr lang="en-US" altLang="zh-TW" sz="1600" dirty="0">
+                          <a:solidFill>
+                            <a:schemeClr val="tx1"/>
+                          </a:solidFill>
+                          <a:latin typeface="微軟正黑體" panose="020B0604030504040204" pitchFamily="34" charset="-120"/>
+                          <a:ea typeface="微軟正黑體" panose="020B0604030504040204" pitchFamily="34" charset="-120"/>
+                          <a:cs typeface="Microsoft Himalaya" pitchFamily="2" charset="0"/>
+                        </a:rPr>
+                        <a:t>F1 score: </a:t>
+                      </a:r>
+                      <a:endParaRPr lang="zh-TW" altLang="en-US" sz="1600" dirty="0">
+                        <a:latin typeface="微軟正黑體" panose="020B0604030504040204" pitchFamily="34" charset="-120"/>
+                        <a:ea typeface="微軟正黑體" panose="020B0604030504040204" pitchFamily="34" charset="-120"/>
+                      </a:endParaRPr>
+                    </a:p>
+                  </a:txBody>
+                  <a:tcPr anchor="ctr">
+                    <a:lnT w="28575" cap="flat" cmpd="sng" algn="ctr">
+                      <a:solidFill>
+                        <a:schemeClr val="tx1"/>
+                      </a:solidFill>
+                      <a:prstDash val="solid"/>
+                      <a:round/>
+                      <a:headEnd type="none" w="med" len="med"/>
+                      <a:tailEnd type="none" w="med" len="med"/>
+                    </a:lnT>
+                    <a:lnB w="28575" cap="flat" cmpd="sng" algn="ctr">
+                      <a:solidFill>
+                        <a:schemeClr val="tx1"/>
+                      </a:solidFill>
+                      <a:prstDash val="solid"/>
+                      <a:round/>
+                      <a:headEnd type="none" w="med" len="med"/>
+                      <a:tailEnd type="none" w="med" len="med"/>
+                    </a:lnB>
+                  </a:tcPr>
+                </a:tc>
+                <a:tc>
+                  <a:txBody>
+                    <a:bodyPr/>
+                    <a:lstStyle/>
+                    <a:p>
+                      <a:pPr algn="ctr"/>
+                      <a:r>
+                        <a:rPr lang="en-US" altLang="zh-TW" dirty="0">
+                          <a:latin typeface="Microsoft JhengHei" panose="020B0604030504040204" pitchFamily="34" charset="-120"/>
+                          <a:ea typeface="Microsoft JhengHei" panose="020B0604030504040204" pitchFamily="34" charset="-120"/>
+                        </a:rPr>
+                        <a:t>0.454 </a:t>
+                      </a:r>
+                      <a:endParaRPr lang="zh-TW" altLang="en-US" dirty="0">
+                        <a:latin typeface="微軟正黑體" panose="020B0604030504040204" pitchFamily="34" charset="-120"/>
+                        <a:ea typeface="微軟正黑體" panose="020B0604030504040204" pitchFamily="34" charset="-120"/>
+                      </a:endParaRPr>
+                    </a:p>
+                  </a:txBody>
+                  <a:tcPr anchor="ctr">
+                    <a:lnT w="28575" cap="flat" cmpd="sng" algn="ctr">
+                      <a:solidFill>
+                        <a:schemeClr val="tx1"/>
+                      </a:solidFill>
+                      <a:prstDash val="solid"/>
+                      <a:round/>
+                      <a:headEnd type="none" w="med" len="med"/>
+                      <a:tailEnd type="none" w="med" len="med"/>
+                    </a:lnT>
+                    <a:lnB w="28575" cap="flat" cmpd="sng" algn="ctr">
+                      <a:solidFill>
+                        <a:schemeClr val="tx1"/>
+                      </a:solidFill>
+                      <a:prstDash val="solid"/>
+                      <a:round/>
+                      <a:headEnd type="none" w="med" len="med"/>
+                      <a:tailEnd type="none" w="med" len="med"/>
+                    </a:lnB>
+                  </a:tcPr>
+                </a:tc>
+                <a:tc>
+                  <a:txBody>
+                    <a:bodyPr/>
+                    <a:lstStyle/>
+                    <a:p>
+                      <a:pPr algn="ctr"/>
+                      <a:r>
+                        <a:rPr lang="en-US" altLang="zh-TW" dirty="0">
+                          <a:latin typeface="Microsoft JhengHei" panose="020B0604030504040204" pitchFamily="34" charset="-120"/>
+                          <a:ea typeface="Microsoft JhengHei" panose="020B0604030504040204" pitchFamily="34" charset="-120"/>
+                        </a:rPr>
+                        <a:t>0.582 </a:t>
+                      </a:r>
+                      <a:endParaRPr lang="zh-TW" altLang="en-US" dirty="0">
+                        <a:latin typeface="微軟正黑體" panose="020B0604030504040204" pitchFamily="34" charset="-120"/>
+                        <a:ea typeface="微軟正黑體" panose="020B0604030504040204" pitchFamily="34" charset="-120"/>
+                      </a:endParaRPr>
+                    </a:p>
+                  </a:txBody>
+                  <a:tcPr anchor="ctr">
+                    <a:lnT w="28575" cap="flat" cmpd="sng" algn="ctr">
+                      <a:solidFill>
+                        <a:schemeClr val="tx1"/>
+                      </a:solidFill>
+                      <a:prstDash val="solid"/>
+                      <a:round/>
+                      <a:headEnd type="none" w="med" len="med"/>
+                      <a:tailEnd type="none" w="med" len="med"/>
+                    </a:lnT>
+                    <a:lnB w="28575" cap="flat" cmpd="sng" algn="ctr">
+                      <a:solidFill>
+                        <a:schemeClr val="tx1"/>
+                      </a:solidFill>
+                      <a:prstDash val="solid"/>
+                      <a:round/>
+                      <a:headEnd type="none" w="med" len="med"/>
+                      <a:tailEnd type="none" w="med" len="med"/>
+                    </a:lnB>
+                  </a:tcPr>
+                </a:tc>
+                <a:tc>
+                  <a:txBody>
+                    <a:bodyPr/>
+                    <a:lstStyle/>
+                    <a:p>
+                      <a:pPr algn="ctr"/>
+                      <a:r>
+                        <a:rPr lang="en-US" altLang="zh-TW" dirty="0">
+                          <a:latin typeface="Microsoft JhengHei" panose="020B0604030504040204" pitchFamily="34" charset="-120"/>
+                          <a:ea typeface="Microsoft JhengHei" panose="020B0604030504040204" pitchFamily="34" charset="-120"/>
+                        </a:rPr>
+                        <a:t>   0.949</a:t>
+                      </a:r>
+                      <a:r>
+                        <a:rPr lang="en-US" altLang="zh-TW" dirty="0">
+                          <a:solidFill>
+                            <a:schemeClr val="tx1"/>
+                          </a:solidFill>
+                          <a:latin typeface="微軟正黑體" panose="020B0604030504040204" pitchFamily="34" charset="-120"/>
+                          <a:ea typeface="微軟正黑體" panose="020B0604030504040204" pitchFamily="34" charset="-120"/>
+                          <a:cs typeface="Microsoft Himalaya" pitchFamily="2" charset="0"/>
+                        </a:rPr>
+                        <a:t> </a:t>
+                      </a:r>
+                      <a:r>
+                        <a:rPr lang="zh-TW" altLang="en-US" dirty="0">
+                          <a:solidFill>
+                            <a:schemeClr val="tx1"/>
+                          </a:solidFill>
+                          <a:latin typeface="微軟正黑體" panose="020B0604030504040204" pitchFamily="34" charset="-120"/>
+                          <a:ea typeface="微軟正黑體" panose="020B0604030504040204" pitchFamily="34" charset="-120"/>
+                          <a:cs typeface="Microsoft Himalaya" pitchFamily="2" charset="0"/>
+                        </a:rPr>
+                        <a:t> </a:t>
+                      </a:r>
+                      <a:r>
+                        <a:rPr lang="en-US" altLang="zh-TW" dirty="0">
+                          <a:solidFill>
+                            <a:schemeClr val="tx1"/>
+                          </a:solidFill>
+                          <a:latin typeface="微軟正黑體" panose="020B0604030504040204" pitchFamily="34" charset="-120"/>
+                          <a:ea typeface="微軟正黑體" panose="020B0604030504040204" pitchFamily="34" charset="-120"/>
+                          <a:cs typeface="Microsoft Himalaya" pitchFamily="2" charset="0"/>
+                        </a:rPr>
+                        <a:t>	</a:t>
+                      </a:r>
+                      <a:endParaRPr lang="zh-TW" altLang="en-US" dirty="0">
+                        <a:latin typeface="微軟正黑體" panose="020B0604030504040204" pitchFamily="34" charset="-120"/>
+                        <a:ea typeface="微軟正黑體" panose="020B0604030504040204" pitchFamily="34" charset="-120"/>
+                      </a:endParaRPr>
+                    </a:p>
+                  </a:txBody>
+                  <a:tcPr anchor="ctr">
+                    <a:lnT w="28575" cap="flat" cmpd="sng" algn="ctr">
+                      <a:solidFill>
+                        <a:schemeClr val="tx1"/>
+                      </a:solidFill>
+                      <a:prstDash val="solid"/>
+                      <a:round/>
+                      <a:headEnd type="none" w="med" len="med"/>
+                      <a:tailEnd type="none" w="med" len="med"/>
+                    </a:lnT>
+                    <a:lnB w="28575" cap="flat" cmpd="sng" algn="ctr">
+                      <a:solidFill>
+                        <a:schemeClr val="tx1"/>
+                      </a:solidFill>
+                      <a:prstDash val="solid"/>
+                      <a:round/>
+                      <a:headEnd type="none" w="med" len="med"/>
+                      <a:tailEnd type="none" w="med" len="med"/>
+                    </a:lnB>
+                  </a:tcPr>
+                </a:tc>
+                <a:tc>
+                  <a:txBody>
+                    <a:bodyPr/>
+                    <a:lstStyle/>
+                    <a:p>
+                      <a:pPr algn="ctr"/>
+                      <a:r>
+                        <a:rPr lang="en-US" altLang="zh-TW" dirty="0">
+                          <a:latin typeface="Microsoft JhengHei" panose="020B0604030504040204" pitchFamily="34" charset="-120"/>
+                          <a:ea typeface="Microsoft JhengHei" panose="020B0604030504040204" pitchFamily="34" charset="-120"/>
+                        </a:rPr>
+                        <a:t>0.836</a:t>
+                      </a:r>
+                      <a:endParaRPr lang="zh-TW" altLang="en-US" dirty="0">
+                        <a:latin typeface="微軟正黑體" panose="020B0604030504040204" pitchFamily="34" charset="-120"/>
+                        <a:ea typeface="微軟正黑體" panose="020B0604030504040204" pitchFamily="34" charset="-120"/>
+                      </a:endParaRPr>
+                    </a:p>
+                  </a:txBody>
+                  <a:tcPr anchor="ctr">
+                    <a:lnT w="28575" cap="flat" cmpd="sng" algn="ctr">
+                      <a:solidFill>
+                        <a:schemeClr val="tx1"/>
+                      </a:solidFill>
+                      <a:prstDash val="solid"/>
+                      <a:round/>
+                      <a:headEnd type="none" w="med" len="med"/>
+                      <a:tailEnd type="none" w="med" len="med"/>
+                    </a:lnT>
+                    <a:lnB w="28575" cap="flat" cmpd="sng" algn="ctr">
+                      <a:solidFill>
+                        <a:schemeClr val="tx1"/>
+                      </a:solidFill>
+                      <a:prstDash val="solid"/>
+                      <a:round/>
+                      <a:headEnd type="none" w="med" len="med"/>
+                      <a:tailEnd type="none" w="med" len="med"/>
+                    </a:lnB>
+                  </a:tcPr>
+                </a:tc>
+                <a:tc>
+                  <a:txBody>
+                    <a:bodyPr/>
+                    <a:lstStyle/>
+                    <a:p>
+                      <a:pPr algn="ctr"/>
+                      <a:r>
+                        <a:rPr lang="en-US" altLang="zh-TW" dirty="0">
+                          <a:latin typeface="Microsoft JhengHei" panose="020B0604030504040204" pitchFamily="34" charset="-120"/>
+                          <a:ea typeface="Microsoft JhengHei" panose="020B0604030504040204" pitchFamily="34" charset="-120"/>
+                        </a:rPr>
+                        <a:t>0.779</a:t>
+                      </a:r>
+                      <a:endParaRPr lang="zh-TW" altLang="en-US" dirty="0">
+                        <a:latin typeface="微軟正黑體" panose="020B0604030504040204" pitchFamily="34" charset="-120"/>
+                        <a:ea typeface="微軟正黑體" panose="020B0604030504040204" pitchFamily="34" charset="-120"/>
+                      </a:endParaRPr>
+                    </a:p>
+                  </a:txBody>
+                  <a:tcPr anchor="ctr">
+                    <a:lnT w="28575" cap="flat" cmpd="sng" algn="ctr">
+                      <a:solidFill>
+                        <a:schemeClr val="tx1"/>
+                      </a:solidFill>
+                      <a:prstDash val="solid"/>
+                      <a:round/>
+                      <a:headEnd type="none" w="med" len="med"/>
+                      <a:tailEnd type="none" w="med" len="med"/>
+                    </a:lnT>
+                    <a:lnB w="28575" cap="flat" cmpd="sng" algn="ctr">
+                      <a:solidFill>
+                        <a:schemeClr val="tx1"/>
+                      </a:solidFill>
+                      <a:prstDash val="solid"/>
+                      <a:round/>
+                      <a:headEnd type="none" w="med" len="med"/>
+                      <a:tailEnd type="none" w="med" len="med"/>
+                    </a:lnB>
+                  </a:tcPr>
+                </a:tc>
+                <a:tc>
+                  <a:txBody>
+                    <a:bodyPr/>
+                    <a:lstStyle/>
+                    <a:p>
+                      <a:pPr algn="ctr"/>
+                      <a:r>
+                        <a:rPr lang="en-US" altLang="zh-TW" dirty="0">
+                          <a:latin typeface="Microsoft JhengHei" panose="020B0604030504040204" pitchFamily="34" charset="-120"/>
+                          <a:ea typeface="Microsoft JhengHei" panose="020B0604030504040204" pitchFamily="34" charset="-120"/>
+                        </a:rPr>
+                        <a:t>0.632 </a:t>
+                      </a:r>
+                      <a:endParaRPr lang="zh-TW" altLang="en-US" dirty="0">
+                        <a:latin typeface="微軟正黑體" panose="020B0604030504040204" pitchFamily="34" charset="-120"/>
+                        <a:ea typeface="微軟正黑體" panose="020B0604030504040204" pitchFamily="34" charset="-120"/>
+                      </a:endParaRPr>
+                    </a:p>
+                  </a:txBody>
+                  <a:tcPr anchor="ctr">
+                    <a:lnT w="28575" cap="flat" cmpd="sng" algn="ctr">
+                      <a:solidFill>
+                        <a:schemeClr val="tx1"/>
+                      </a:solidFill>
+                      <a:prstDash val="solid"/>
+                      <a:round/>
+                      <a:headEnd type="none" w="med" len="med"/>
+                      <a:tailEnd type="none" w="med" len="med"/>
+                    </a:lnT>
+                    <a:lnB w="28575" cap="flat" cmpd="sng" algn="ctr">
+                      <a:solidFill>
+                        <a:schemeClr val="tx1"/>
+                      </a:solidFill>
+                      <a:prstDash val="solid"/>
+                      <a:round/>
+                      <a:headEnd type="none" w="med" len="med"/>
+                      <a:tailEnd type="none" w="med" len="med"/>
+                    </a:lnB>
+                  </a:tcPr>
+                </a:tc>
+                <a:tc>
+                  <a:txBody>
+                    <a:bodyPr/>
+                    <a:lstStyle/>
+                    <a:p>
+                      <a:pPr algn="ctr"/>
+                      <a:r>
+                        <a:rPr lang="en-US" altLang="zh-TW" dirty="0">
+                          <a:latin typeface="Microsoft JhengHei" panose="020B0604030504040204" pitchFamily="34" charset="-120"/>
+                          <a:ea typeface="Microsoft JhengHei" panose="020B0604030504040204" pitchFamily="34" charset="-120"/>
+                        </a:rPr>
+                        <a:t>1.</a:t>
+                      </a:r>
+                      <a:endParaRPr lang="zh-TW" altLang="en-US" dirty="0">
+                        <a:latin typeface="微軟正黑體" panose="020B0604030504040204" pitchFamily="34" charset="-120"/>
+                        <a:ea typeface="微軟正黑體" panose="020B0604030504040204" pitchFamily="34" charset="-120"/>
+                      </a:endParaRPr>
+                    </a:p>
+                  </a:txBody>
+                  <a:tcPr anchor="ctr">
+                    <a:lnT w="28575" cap="flat" cmpd="sng" algn="ctr">
+                      <a:solidFill>
+                        <a:schemeClr val="tx1"/>
+                      </a:solidFill>
+                      <a:prstDash val="solid"/>
+                      <a:round/>
+                      <a:headEnd type="none" w="med" len="med"/>
+                      <a:tailEnd type="none" w="med" len="med"/>
+                    </a:lnT>
+                    <a:lnB w="28575" cap="flat" cmpd="sng" algn="ctr">
+                      <a:solidFill>
+                        <a:schemeClr val="tx1"/>
+                      </a:solidFill>
+                      <a:prstDash val="solid"/>
+                      <a:round/>
+                      <a:headEnd type="none" w="med" len="med"/>
+                      <a:tailEnd type="none" w="med" len="med"/>
+                    </a:lnB>
+                  </a:tcPr>
+                </a:tc>
+                <a:extLst>
+                  <a:ext uri="{0D108BD9-81ED-4DB2-BD59-A6C34878D82A}">
+                    <a16:rowId xmlns:a16="http://schemas.microsoft.com/office/drawing/2014/main" val="731178924"/>
+                  </a:ext>
+                </a:extLst>
+              </a:tr>
+            </a:tbl>
+          </a:graphicData>
+        </a:graphic>
+      </p:graphicFrame>
+      <p:sp>
+        <p:nvSpPr>
+          <p:cNvPr id="12" name="文字方塊 11">
+            <a:extLst>
+              <a:ext uri="{FF2B5EF4-FFF2-40B4-BE49-F238E27FC236}">
+                <a16:creationId xmlns:a16="http://schemas.microsoft.com/office/drawing/2014/main" id="{F9690678-153C-43FD-84B9-28BFC6812104}"/>
+              </a:ext>
+            </a:extLst>
+          </p:cNvPr>
+          <p:cNvSpPr txBox="1"/>
+          <p:nvPr/>
+        </p:nvSpPr>
+        <p:spPr>
+          <a:xfrm>
+            <a:off x="122679" y="805014"/>
+            <a:ext cx="9021321" cy="861774"/>
+          </a:xfrm>
+          <a:prstGeom prst="rect">
+            <a:avLst/>
+          </a:prstGeom>
+          <a:noFill/>
+        </p:spPr>
+        <p:txBody>
+          <a:bodyPr wrap="square" rtlCol="0">
+            <a:spAutoFit/>
+          </a:bodyPr>
+          <a:lstStyle/>
+          <a:p>
+            <a:r>
+              <a:rPr lang="en-US" altLang="zh-TW" sz="3200" dirty="0">
+                <a:latin typeface="Microsoft JhengHei" panose="020B0604030504040204" pitchFamily="34" charset="-120"/>
+                <a:ea typeface="Microsoft JhengHei" panose="020B0604030504040204" pitchFamily="34" charset="-120"/>
+              </a:rPr>
+              <a:t>accuracy: 0.878</a:t>
+            </a:r>
+          </a:p>
+          <a:p>
+            <a:endParaRPr lang="zh-TW" altLang="en-US" dirty="0"/>
+          </a:p>
+        </p:txBody>
+      </p:sp>
+    </p:spTree>
+    <p:extLst>
+      <p:ext uri="{BB962C8B-B14F-4D97-AF65-F5344CB8AC3E}">
+        <p14:creationId xmlns:p14="http://schemas.microsoft.com/office/powerpoint/2010/main" val="428311803"/>
       </p:ext>
     </p:extLst>
   </p:cSld>
